--- a/Презентация.pptx
+++ b/Презентация.pptx
@@ -4,8 +4,11 @@
   <p:sldMasterIdLst>
     <p:sldMasterId id="2147483648" r:id="rId1"/>
   </p:sldMasterIdLst>
+  <p:notesMasterIdLst>
+    <p:notesMasterId r:id="rId28"/>
+  </p:notesMasterIdLst>
   <p:sldIdLst>
-    <p:sldId id="256" r:id="rId2"/>
+    <p:sldId id="285" r:id="rId2"/>
     <p:sldId id="257" r:id="rId3"/>
     <p:sldId id="258" r:id="rId4"/>
     <p:sldId id="259" r:id="rId5"/>
@@ -17,8 +20,8 @@
     <p:sldId id="265" r:id="rId11"/>
     <p:sldId id="266" r:id="rId12"/>
     <p:sldId id="267" r:id="rId13"/>
-    <p:sldId id="281" r:id="rId14"/>
-    <p:sldId id="282" r:id="rId15"/>
+    <p:sldId id="282" r:id="rId14"/>
+    <p:sldId id="281" r:id="rId15"/>
     <p:sldId id="270" r:id="rId16"/>
     <p:sldId id="269" r:id="rId17"/>
     <p:sldId id="272" r:id="rId18"/>
@@ -26,8 +29,8 @@
     <p:sldId id="284" r:id="rId20"/>
     <p:sldId id="274" r:id="rId21"/>
     <p:sldId id="275" r:id="rId22"/>
-    <p:sldId id="276" r:id="rId23"/>
-    <p:sldId id="277" r:id="rId24"/>
+    <p:sldId id="286" r:id="rId23"/>
+    <p:sldId id="287" r:id="rId24"/>
     <p:sldId id="278" r:id="rId25"/>
     <p:sldId id="279" r:id="rId26"/>
     <p:sldId id="280" r:id="rId27"/>
@@ -129,7 +132,468 @@
       </a:defRPr>
     </a:lvl9pPr>
   </p:defaultTextStyle>
+  <p:extLst>
+    <p:ext uri="{EFAFB233-063F-42B5-8137-9DF3F51BA10A}">
+      <p15:sldGuideLst xmlns:p15="http://schemas.microsoft.com/office/powerpoint/2012/main"/>
+    </p:ext>
+  </p:extLst>
 </p:presentation>
+</file>
+
+<file path=ppt/notesMasters/notesMaster1.xml><?xml version="1.0" encoding="utf-8"?>
+<p:notesMaster xmlns:a="http://schemas.openxmlformats.org/drawingml/2006/main" xmlns:r="http://schemas.openxmlformats.org/officeDocument/2006/relationships" xmlns:p="http://schemas.openxmlformats.org/presentationml/2006/main">
+  <p:cSld>
+    <p:bg>
+      <p:bgRef idx="1001">
+        <a:schemeClr val="bg1"/>
+      </p:bgRef>
+    </p:bg>
+    <p:spTree>
+      <p:nvGrpSpPr>
+        <p:cNvPr id="1" name=""/>
+        <p:cNvGrpSpPr/>
+        <p:nvPr/>
+      </p:nvGrpSpPr>
+      <p:grpSpPr>
+        <a:xfrm>
+          <a:off x="0" y="0"/>
+          <a:ext cx="0" cy="0"/>
+          <a:chOff x="0" y="0"/>
+          <a:chExt cx="0" cy="0"/>
+        </a:xfrm>
+      </p:grpSpPr>
+      <p:sp>
+        <p:nvSpPr>
+          <p:cNvPr id="2" name="Верхний колонтитул 1"/>
+          <p:cNvSpPr>
+            <a:spLocks noGrp="1"/>
+          </p:cNvSpPr>
+          <p:nvPr>
+            <p:ph type="hdr" sz="quarter"/>
+          </p:nvPr>
+        </p:nvSpPr>
+        <p:spPr>
+          <a:xfrm>
+            <a:off x="0" y="0"/>
+            <a:ext cx="3276600" cy="536575"/>
+          </a:xfrm>
+          <a:prstGeom prst="rect">
+            <a:avLst/>
+          </a:prstGeom>
+        </p:spPr>
+        <p:txBody>
+          <a:bodyPr vert="horz" lIns="91440" tIns="45720" rIns="91440" bIns="45720" rtlCol="0"/>
+          <a:lstStyle>
+            <a:lvl1pPr algn="l">
+              <a:defRPr sz="1200"/>
+            </a:lvl1pPr>
+          </a:lstStyle>
+          <a:p>
+            <a:endParaRPr lang="ru-RU"/>
+          </a:p>
+        </p:txBody>
+      </p:sp>
+      <p:sp>
+        <p:nvSpPr>
+          <p:cNvPr id="3" name="Дата 2"/>
+          <p:cNvSpPr>
+            <a:spLocks noGrp="1"/>
+          </p:cNvSpPr>
+          <p:nvPr>
+            <p:ph type="dt" idx="1"/>
+          </p:nvPr>
+        </p:nvSpPr>
+        <p:spPr>
+          <a:xfrm>
+            <a:off x="4281488" y="0"/>
+            <a:ext cx="3276600" cy="536575"/>
+          </a:xfrm>
+          <a:prstGeom prst="rect">
+            <a:avLst/>
+          </a:prstGeom>
+        </p:spPr>
+        <p:txBody>
+          <a:bodyPr vert="horz" lIns="91440" tIns="45720" rIns="91440" bIns="45720" rtlCol="0"/>
+          <a:lstStyle>
+            <a:lvl1pPr algn="r">
+              <a:defRPr sz="1200"/>
+            </a:lvl1pPr>
+          </a:lstStyle>
+          <a:p>
+            <a:fld id="{C3B00A1E-5CF3-4B45-94BE-67851AB72581}" type="datetimeFigureOut">
+              <a:rPr lang="ru-RU" smtClean="0"/>
+              <a:t>18.09.2017</a:t>
+            </a:fld>
+            <a:endParaRPr lang="ru-RU"/>
+          </a:p>
+        </p:txBody>
+      </p:sp>
+      <p:sp>
+        <p:nvSpPr>
+          <p:cNvPr id="4" name="Образ слайда 3"/>
+          <p:cNvSpPr>
+            <a:spLocks noGrp="1" noRot="1" noChangeAspect="1"/>
+          </p:cNvSpPr>
+          <p:nvPr>
+            <p:ph type="sldImg" idx="2"/>
+          </p:nvPr>
+        </p:nvSpPr>
+        <p:spPr>
+          <a:xfrm>
+            <a:off x="573088" y="1336675"/>
+            <a:ext cx="6413500" cy="3608388"/>
+          </a:xfrm>
+          <a:prstGeom prst="rect">
+            <a:avLst/>
+          </a:prstGeom>
+          <a:noFill/>
+          <a:ln w="12700">
+            <a:solidFill>
+              <a:prstClr val="black"/>
+            </a:solidFill>
+          </a:ln>
+        </p:spPr>
+        <p:txBody>
+          <a:bodyPr vert="horz" lIns="91440" tIns="45720" rIns="91440" bIns="45720" rtlCol="0" anchor="ctr"/>
+          <a:lstStyle/>
+          <a:p>
+            <a:endParaRPr lang="ru-RU"/>
+          </a:p>
+        </p:txBody>
+      </p:sp>
+      <p:sp>
+        <p:nvSpPr>
+          <p:cNvPr id="5" name="Заметки 4"/>
+          <p:cNvSpPr>
+            <a:spLocks noGrp="1"/>
+          </p:cNvSpPr>
+          <p:nvPr>
+            <p:ph type="body" sz="quarter" idx="3"/>
+          </p:nvPr>
+        </p:nvSpPr>
+        <p:spPr>
+          <a:xfrm>
+            <a:off x="755650" y="5145088"/>
+            <a:ext cx="6048375" cy="4210050"/>
+          </a:xfrm>
+          <a:prstGeom prst="rect">
+            <a:avLst/>
+          </a:prstGeom>
+        </p:spPr>
+        <p:txBody>
+          <a:bodyPr vert="horz" lIns="91440" tIns="45720" rIns="91440" bIns="45720" rtlCol="0"/>
+          <a:lstStyle/>
+          <a:p>
+            <a:pPr lvl="0"/>
+            <a:r>
+              <a:rPr lang="ru-RU" smtClean="0"/>
+              <a:t>Образец текста</a:t>
+            </a:r>
+          </a:p>
+          <a:p>
+            <a:pPr lvl="1"/>
+            <a:r>
+              <a:rPr lang="ru-RU" smtClean="0"/>
+              <a:t>Второй уровень</a:t>
+            </a:r>
+          </a:p>
+          <a:p>
+            <a:pPr lvl="2"/>
+            <a:r>
+              <a:rPr lang="ru-RU" smtClean="0"/>
+              <a:t>Третий уровень</a:t>
+            </a:r>
+          </a:p>
+          <a:p>
+            <a:pPr lvl="3"/>
+            <a:r>
+              <a:rPr lang="ru-RU" smtClean="0"/>
+              <a:t>Четвертый уровень</a:t>
+            </a:r>
+          </a:p>
+          <a:p>
+            <a:pPr lvl="4"/>
+            <a:r>
+              <a:rPr lang="ru-RU" smtClean="0"/>
+              <a:t>Пятый уровень</a:t>
+            </a:r>
+            <a:endParaRPr lang="ru-RU"/>
+          </a:p>
+        </p:txBody>
+      </p:sp>
+      <p:sp>
+        <p:nvSpPr>
+          <p:cNvPr id="6" name="Нижний колонтитул 5"/>
+          <p:cNvSpPr>
+            <a:spLocks noGrp="1"/>
+          </p:cNvSpPr>
+          <p:nvPr>
+            <p:ph type="ftr" sz="quarter" idx="4"/>
+          </p:nvPr>
+        </p:nvSpPr>
+        <p:spPr>
+          <a:xfrm>
+            <a:off x="0" y="10155238"/>
+            <a:ext cx="3276600" cy="536575"/>
+          </a:xfrm>
+          <a:prstGeom prst="rect">
+            <a:avLst/>
+          </a:prstGeom>
+        </p:spPr>
+        <p:txBody>
+          <a:bodyPr vert="horz" lIns="91440" tIns="45720" rIns="91440" bIns="45720" rtlCol="0" anchor="b"/>
+          <a:lstStyle>
+            <a:lvl1pPr algn="l">
+              <a:defRPr sz="1200"/>
+            </a:lvl1pPr>
+          </a:lstStyle>
+          <a:p>
+            <a:endParaRPr lang="ru-RU"/>
+          </a:p>
+        </p:txBody>
+      </p:sp>
+      <p:sp>
+        <p:nvSpPr>
+          <p:cNvPr id="7" name="Номер слайда 6"/>
+          <p:cNvSpPr>
+            <a:spLocks noGrp="1"/>
+          </p:cNvSpPr>
+          <p:nvPr>
+            <p:ph type="sldNum" sz="quarter" idx="5"/>
+          </p:nvPr>
+        </p:nvSpPr>
+        <p:spPr>
+          <a:xfrm>
+            <a:off x="4281488" y="10155238"/>
+            <a:ext cx="3276600" cy="536575"/>
+          </a:xfrm>
+          <a:prstGeom prst="rect">
+            <a:avLst/>
+          </a:prstGeom>
+        </p:spPr>
+        <p:txBody>
+          <a:bodyPr vert="horz" lIns="91440" tIns="45720" rIns="91440" bIns="45720" rtlCol="0" anchor="b"/>
+          <a:lstStyle>
+            <a:lvl1pPr algn="r">
+              <a:defRPr sz="1200"/>
+            </a:lvl1pPr>
+          </a:lstStyle>
+          <a:p>
+            <a:fld id="{BC8798BE-A418-4F20-8134-10215DA9FD24}" type="slidenum">
+              <a:rPr lang="ru-RU" smtClean="0"/>
+              <a:t>‹#›</a:t>
+            </a:fld>
+            <a:endParaRPr lang="ru-RU"/>
+          </a:p>
+        </p:txBody>
+      </p:sp>
+    </p:spTree>
+    <p:extLst>
+      <p:ext uri="{BB962C8B-B14F-4D97-AF65-F5344CB8AC3E}">
+        <p14:creationId xmlns:p14="http://schemas.microsoft.com/office/powerpoint/2010/main" val="157572981"/>
+      </p:ext>
+    </p:extLst>
+  </p:cSld>
+  <p:clrMap bg1="lt1" tx1="dk1" bg2="lt2" tx2="dk2" accent1="accent1" accent2="accent2" accent3="accent3" accent4="accent4" accent5="accent5" accent6="accent6" hlink="hlink" folHlink="folHlink"/>
+  <p:notesStyle>
+    <a:lvl1pPr marL="0" algn="l" defTabSz="914400" rtl="0" eaLnBrk="1" latinLnBrk="0" hangingPunct="1">
+      <a:defRPr sz="1200" kern="1200">
+        <a:solidFill>
+          <a:schemeClr val="tx1"/>
+        </a:solidFill>
+        <a:latin typeface="+mn-lt"/>
+        <a:ea typeface="+mn-ea"/>
+        <a:cs typeface="+mn-cs"/>
+      </a:defRPr>
+    </a:lvl1pPr>
+    <a:lvl2pPr marL="457200" algn="l" defTabSz="914400" rtl="0" eaLnBrk="1" latinLnBrk="0" hangingPunct="1">
+      <a:defRPr sz="1200" kern="1200">
+        <a:solidFill>
+          <a:schemeClr val="tx1"/>
+        </a:solidFill>
+        <a:latin typeface="+mn-lt"/>
+        <a:ea typeface="+mn-ea"/>
+        <a:cs typeface="+mn-cs"/>
+      </a:defRPr>
+    </a:lvl2pPr>
+    <a:lvl3pPr marL="914400" algn="l" defTabSz="914400" rtl="0" eaLnBrk="1" latinLnBrk="0" hangingPunct="1">
+      <a:defRPr sz="1200" kern="1200">
+        <a:solidFill>
+          <a:schemeClr val="tx1"/>
+        </a:solidFill>
+        <a:latin typeface="+mn-lt"/>
+        <a:ea typeface="+mn-ea"/>
+        <a:cs typeface="+mn-cs"/>
+      </a:defRPr>
+    </a:lvl3pPr>
+    <a:lvl4pPr marL="1371600" algn="l" defTabSz="914400" rtl="0" eaLnBrk="1" latinLnBrk="0" hangingPunct="1">
+      <a:defRPr sz="1200" kern="1200">
+        <a:solidFill>
+          <a:schemeClr val="tx1"/>
+        </a:solidFill>
+        <a:latin typeface="+mn-lt"/>
+        <a:ea typeface="+mn-ea"/>
+        <a:cs typeface="+mn-cs"/>
+      </a:defRPr>
+    </a:lvl4pPr>
+    <a:lvl5pPr marL="1828800" algn="l" defTabSz="914400" rtl="0" eaLnBrk="1" latinLnBrk="0" hangingPunct="1">
+      <a:defRPr sz="1200" kern="1200">
+        <a:solidFill>
+          <a:schemeClr val="tx1"/>
+        </a:solidFill>
+        <a:latin typeface="+mn-lt"/>
+        <a:ea typeface="+mn-ea"/>
+        <a:cs typeface="+mn-cs"/>
+      </a:defRPr>
+    </a:lvl5pPr>
+    <a:lvl6pPr marL="2286000" algn="l" defTabSz="914400" rtl="0" eaLnBrk="1" latinLnBrk="0" hangingPunct="1">
+      <a:defRPr sz="1200" kern="1200">
+        <a:solidFill>
+          <a:schemeClr val="tx1"/>
+        </a:solidFill>
+        <a:latin typeface="+mn-lt"/>
+        <a:ea typeface="+mn-ea"/>
+        <a:cs typeface="+mn-cs"/>
+      </a:defRPr>
+    </a:lvl6pPr>
+    <a:lvl7pPr marL="2743200" algn="l" defTabSz="914400" rtl="0" eaLnBrk="1" latinLnBrk="0" hangingPunct="1">
+      <a:defRPr sz="1200" kern="1200">
+        <a:solidFill>
+          <a:schemeClr val="tx1"/>
+        </a:solidFill>
+        <a:latin typeface="+mn-lt"/>
+        <a:ea typeface="+mn-ea"/>
+        <a:cs typeface="+mn-cs"/>
+      </a:defRPr>
+    </a:lvl7pPr>
+    <a:lvl8pPr marL="3200400" algn="l" defTabSz="914400" rtl="0" eaLnBrk="1" latinLnBrk="0" hangingPunct="1">
+      <a:defRPr sz="1200" kern="1200">
+        <a:solidFill>
+          <a:schemeClr val="tx1"/>
+        </a:solidFill>
+        <a:latin typeface="+mn-lt"/>
+        <a:ea typeface="+mn-ea"/>
+        <a:cs typeface="+mn-cs"/>
+      </a:defRPr>
+    </a:lvl8pPr>
+    <a:lvl9pPr marL="3657600" algn="l" defTabSz="914400" rtl="0" eaLnBrk="1" latinLnBrk="0" hangingPunct="1">
+      <a:defRPr sz="1200" kern="1200">
+        <a:solidFill>
+          <a:schemeClr val="tx1"/>
+        </a:solidFill>
+        <a:latin typeface="+mn-lt"/>
+        <a:ea typeface="+mn-ea"/>
+        <a:cs typeface="+mn-cs"/>
+      </a:defRPr>
+    </a:lvl9pPr>
+  </p:notesStyle>
+</p:notesMaster>
+</file>
+
+<file path=ppt/notesSlides/notesSlide1.xml><?xml version="1.0" encoding="utf-8"?>
+<p:notes xmlns:a="http://schemas.openxmlformats.org/drawingml/2006/main" xmlns:r="http://schemas.openxmlformats.org/officeDocument/2006/relationships" xmlns:p="http://schemas.openxmlformats.org/presentationml/2006/main" showMasterSp="0" showMasterPhAnim="0">
+  <p:cSld>
+    <p:spTree>
+      <p:nvGrpSpPr>
+        <p:cNvPr id="1" name="Shape 82"/>
+        <p:cNvGrpSpPr/>
+        <p:nvPr/>
+      </p:nvGrpSpPr>
+      <p:grpSpPr>
+        <a:xfrm>
+          <a:off x="0" y="0"/>
+          <a:ext cx="0" cy="0"/>
+          <a:chOff x="0" y="0"/>
+          <a:chExt cx="0" cy="0"/>
+        </a:xfrm>
+      </p:grpSpPr>
+      <p:sp>
+        <p:nvSpPr>
+          <p:cNvPr id="83" name="Shape 83"/>
+          <p:cNvSpPr>
+            <a:spLocks noGrp="1" noRot="1" noChangeAspect="1"/>
+          </p:cNvSpPr>
+          <p:nvPr>
+            <p:ph type="sldImg" idx="2"/>
+          </p:nvPr>
+        </p:nvSpPr>
+        <p:spPr>
+          <a:xfrm>
+            <a:off x="381000" y="685800"/>
+            <a:ext cx="6096000" cy="3429000"/>
+          </a:xfrm>
+          <a:custGeom>
+            <a:avLst/>
+            <a:gdLst/>
+            <a:ahLst/>
+            <a:cxnLst/>
+            <a:rect l="0" t="0" r="0" b="0"/>
+            <a:pathLst>
+              <a:path w="120000" h="120000" extrusionOk="0">
+                <a:moveTo>
+                  <a:pt x="0" y="0"/>
+                </a:moveTo>
+                <a:lnTo>
+                  <a:pt x="120000" y="0"/>
+                </a:lnTo>
+                <a:lnTo>
+                  <a:pt x="120000" y="120000"/>
+                </a:lnTo>
+                <a:lnTo>
+                  <a:pt x="0" y="120000"/>
+                </a:lnTo>
+                <a:close/>
+              </a:path>
+            </a:pathLst>
+          </a:custGeom>
+        </p:spPr>
+      </p:sp>
+      <p:sp>
+        <p:nvSpPr>
+          <p:cNvPr id="84" name="Shape 84"/>
+          <p:cNvSpPr txBox="1">
+            <a:spLocks noGrp="1"/>
+          </p:cNvSpPr>
+          <p:nvPr>
+            <p:ph type="body" idx="1"/>
+          </p:nvPr>
+        </p:nvSpPr>
+        <p:spPr>
+          <a:xfrm>
+            <a:off x="685800" y="4343400"/>
+            <a:ext cx="5486400" cy="4114800"/>
+          </a:xfrm>
+          <a:prstGeom prst="rect">
+            <a:avLst/>
+          </a:prstGeom>
+        </p:spPr>
+        <p:txBody>
+          <a:bodyPr wrap="square" lIns="91425" tIns="91425" rIns="91425" bIns="91425" anchor="t" anchorCtr="0">
+            <a:noAutofit/>
+          </a:bodyPr>
+          <a:lstStyle/>
+          <a:p>
+            <a:pPr lvl="0">
+              <a:spcBef>
+                <a:spcPts val="0"/>
+              </a:spcBef>
+              <a:buNone/>
+            </a:pPr>
+            <a:endParaRPr/>
+          </a:p>
+        </p:txBody>
+      </p:sp>
+    </p:spTree>
+    <p:extLst>
+      <p:ext uri="{BB962C8B-B14F-4D97-AF65-F5344CB8AC3E}">
+        <p14:creationId xmlns:p14="http://schemas.microsoft.com/office/powerpoint/2010/main" val="811146397"/>
+      </p:ext>
+    </p:extLst>
+  </p:cSld>
+  <p:clrMapOvr>
+    <a:masterClrMapping/>
+  </p:clrMapOvr>
+</p:notes>
 </file>
 
 <file path=ppt/slideLayouts/slideLayout1.xml><?xml version="1.0" encoding="utf-8"?>
@@ -2234,7 +2698,7 @@
   <p:cSld>
     <p:spTree>
       <p:nvGrpSpPr>
-        <p:cNvPr id="1" name=""/>
+        <p:cNvPr id="1" name="Shape 85"/>
         <p:cNvGrpSpPr/>
         <p:nvPr/>
       </p:nvGrpSpPr>
@@ -2248,45 +2712,27 @@
       </p:grpSpPr>
       <p:pic>
         <p:nvPicPr>
-          <p:cNvPr id="36" name="Picture 4"/>
-          <p:cNvPicPr/>
-          <p:nvPr/>
-        </p:nvPicPr>
-        <p:blipFill>
-          <a:blip r:embed="rId2"/>
-          <a:stretch/>
-        </p:blipFill>
-        <p:spPr>
-          <a:xfrm>
-            <a:off x="10868760" y="0"/>
-            <a:ext cx="659160" cy="1097640"/>
-          </a:xfrm>
-          <a:prstGeom prst="rect">
-            <a:avLst/>
-          </a:prstGeom>
-          <a:ln>
-            <a:noFill/>
-          </a:ln>
-        </p:spPr>
-      </p:pic>
-      <p:pic>
-        <p:nvPicPr>
-          <p:cNvPr id="37" name="Picture 1"/>
-          <p:cNvPicPr/>
-          <p:nvPr/>
-        </p:nvPicPr>
-        <p:blipFill>
-          <a:blip r:embed="rId3"/>
-          <a:stretch/>
-        </p:blipFill>
-        <p:spPr>
-          <a:xfrm rot="8900400">
-            <a:off x="6646680" y="1247760"/>
-            <a:ext cx="10114560" cy="10114560"/>
-          </a:xfrm>
-          <a:prstGeom prst="rect">
-            <a:avLst/>
-          </a:prstGeom>
+          <p:cNvPr id="86" name="Shape 86"/>
+          <p:cNvPicPr preferRelativeResize="0"/>
+          <p:nvPr/>
+        </p:nvPicPr>
+        <p:blipFill>
+          <a:blip r:embed="rId3">
+            <a:alphaModFix/>
+          </a:blip>
+          <a:stretch>
+            <a:fillRect/>
+          </a:stretch>
+        </p:blipFill>
+        <p:spPr>
+          <a:xfrm>
+            <a:off x="0" y="0"/>
+            <a:ext cx="12191973" cy="6858000"/>
+          </a:xfrm>
+          <a:prstGeom prst="rect">
+            <a:avLst/>
+          </a:prstGeom>
+          <a:noFill/>
           <a:ln>
             <a:noFill/>
           </a:ln>
@@ -2294,14 +2740,14 @@
       </p:pic>
       <p:sp>
         <p:nvSpPr>
-          <p:cNvPr id="38" name="CustomShape 1"/>
-          <p:cNvSpPr/>
+          <p:cNvPr id="87" name="Shape 87"/>
+          <p:cNvSpPr txBox="1"/>
           <p:nvPr/>
         </p:nvSpPr>
         <p:spPr>
           <a:xfrm>
-            <a:off x="648000" y="2880000"/>
-            <a:ext cx="2782080" cy="455400"/>
+            <a:off x="1407400" y="3242400"/>
+            <a:ext cx="9377200" cy="779600"/>
           </a:xfrm>
           <a:prstGeom prst="rect">
             <a:avLst/>
@@ -2311,66 +2757,55 @@
             <a:noFill/>
           </a:ln>
         </p:spPr>
-        <p:style>
-          <a:lnRef idx="0">
-            <a:scrgbClr r="0" g="0" b="0"/>
-          </a:lnRef>
-          <a:fillRef idx="0">
-            <a:scrgbClr r="0" g="0" b="0"/>
-          </a:fillRef>
-          <a:effectRef idx="0">
-            <a:scrgbClr r="0" g="0" b="0"/>
-          </a:effectRef>
-          <a:fontRef idx="minor"/>
-        </p:style>
         <p:txBody>
-          <a:bodyPr wrap="none" lIns="90000" tIns="45000" rIns="90000" bIns="45000"/>
+          <a:bodyPr wrap="square" lIns="121900" tIns="121900" rIns="121900" bIns="121900" anchor="t" anchorCtr="0">
+            <a:noAutofit/>
+          </a:bodyPr>
           <a:lstStyle/>
           <a:p>
-            <a:pPr>
-              <a:lnSpc>
-                <a:spcPct val="100000"/>
-              </a:lnSpc>
-            </a:pPr>
+            <a:pPr algn="ctr"/>
             <a:r>
-              <a:rPr lang="ru-RU" sz="2400" b="1" strike="noStrike" spc="-1">
-                <a:solidFill>
-                  <a:srgbClr val="000000"/>
-                </a:solidFill>
-                <a:uFill>
-                  <a:solidFill>
-                    <a:srgbClr val="FFFFFF"/>
-                  </a:solidFill>
-                </a:uFill>
-                <a:latin typeface="Geometria Bold"/>
-                <a:ea typeface="ＭＳ Ｐゴシック"/>
+              <a:rPr lang="ru-RU" sz="3200" dirty="0" smtClean="0">
+                <a:solidFill>
+                  <a:srgbClr val="FFFFFF"/>
+                </a:solidFill>
               </a:rPr>
-              <a:t>Иванов Сергей</a:t>
+              <a:t>Как </a:t>
             </a:r>
-            <a:endParaRPr lang="ru-RU" sz="1800" b="0" strike="noStrike" spc="-1">
+            <a:r>
+              <a:rPr lang="ru-RU" sz="3200" dirty="0" err="1" smtClean="0">
+                <a:solidFill>
+                  <a:srgbClr val="FFFFFF"/>
+                </a:solidFill>
+              </a:rPr>
+              <a:t>отрефакторить</a:t>
+            </a:r>
+            <a:r>
+              <a:rPr lang="ru-RU" sz="3200" dirty="0" smtClean="0">
+                <a:solidFill>
+                  <a:srgbClr val="FFFFFF"/>
+                </a:solidFill>
+              </a:rPr>
+              <a:t> банковский веб-сервис и не поседеть</a:t>
+            </a:r>
+            <a:endParaRPr lang="ru" sz="3200" dirty="0">
               <a:solidFill>
-                <a:srgbClr val="000000"/>
+                <a:srgbClr val="FFFFFF"/>
               </a:solidFill>
-              <a:uFill>
-                <a:solidFill>
-                  <a:srgbClr val="FFFFFF"/>
-                </a:solidFill>
-              </a:uFill>
-              <a:latin typeface="Arial"/>
             </a:endParaRPr>
           </a:p>
         </p:txBody>
       </p:sp>
       <p:sp>
         <p:nvSpPr>
-          <p:cNvPr id="39" name="CustomShape 2"/>
-          <p:cNvSpPr/>
+          <p:cNvPr id="88" name="Shape 88"/>
+          <p:cNvSpPr txBox="1"/>
           <p:nvPr/>
         </p:nvSpPr>
         <p:spPr>
           <a:xfrm>
-            <a:off x="551520" y="33480"/>
-            <a:ext cx="9383760" cy="2557800"/>
+            <a:off x="6311067" y="5574533"/>
+            <a:ext cx="5465200" cy="908800"/>
           </a:xfrm>
           <a:prstGeom prst="rect">
             <a:avLst/>
@@ -2380,125 +2815,32 @@
             <a:noFill/>
           </a:ln>
         </p:spPr>
-        <p:style>
-          <a:lnRef idx="0">
-            <a:scrgbClr r="0" g="0" b="0"/>
-          </a:lnRef>
-          <a:fillRef idx="0">
-            <a:scrgbClr r="0" g="0" b="0"/>
-          </a:fillRef>
-          <a:effectRef idx="0">
-            <a:scrgbClr r="0" g="0" b="0"/>
-          </a:effectRef>
-          <a:fontRef idx="minor"/>
-        </p:style>
         <p:txBody>
-          <a:bodyPr wrap="none" lIns="90000" tIns="45000" rIns="90000" bIns="45000"/>
+          <a:bodyPr wrap="square" lIns="121900" tIns="121900" rIns="121900" bIns="121900" anchor="t" anchorCtr="0">
+            <a:noAutofit/>
+          </a:bodyPr>
           <a:lstStyle/>
           <a:p>
-            <a:pPr>
-              <a:lnSpc>
-                <a:spcPct val="100000"/>
-              </a:lnSpc>
-            </a:pPr>
+            <a:pPr algn="r"/>
             <a:r>
-              <a:rPr lang="ru-RU" sz="5400" b="1" strike="noStrike" spc="-1">
-                <a:solidFill>
-                  <a:srgbClr val="000000"/>
-                </a:solidFill>
-                <a:uFill>
-                  <a:solidFill>
-                    <a:srgbClr val="FFFFFF"/>
-                  </a:solidFill>
-                </a:uFill>
-                <a:latin typeface="Anglecia Pro Title"/>
-                <a:ea typeface="ＭＳ Ｐゴシック"/>
+              <a:rPr lang="ru" sz="2400" dirty="0" smtClean="0">
+                <a:solidFill>
+                  <a:srgbClr val="FFFFFF"/>
+                </a:solidFill>
               </a:rPr>
-              <a:t>Как отрефакторить</a:t>
+              <a:t>Иванов Сергей</a:t>
             </a:r>
-            <a:endParaRPr lang="ru-RU" sz="1800" b="0" strike="noStrike" spc="-1">
+            <a:endParaRPr lang="ru" sz="2400" dirty="0">
               <a:solidFill>
-                <a:srgbClr val="000000"/>
+                <a:srgbClr val="FFFFFF"/>
               </a:solidFill>
-              <a:uFill>
-                <a:solidFill>
-                  <a:srgbClr val="FFFFFF"/>
-                </a:solidFill>
-              </a:uFill>
-              <a:latin typeface="Arial"/>
-            </a:endParaRPr>
-          </a:p>
-          <a:p>
-            <a:pPr>
-              <a:lnSpc>
-                <a:spcPct val="100000"/>
-              </a:lnSpc>
-            </a:pPr>
-            <a:r>
-              <a:rPr lang="ru-RU" sz="5400" b="1" strike="noStrike" spc="-1">
-                <a:solidFill>
-                  <a:srgbClr val="000000"/>
-                </a:solidFill>
-                <a:uFill>
-                  <a:solidFill>
-                    <a:srgbClr val="FFFFFF"/>
-                  </a:solidFill>
-                </a:uFill>
-                <a:latin typeface="Anglecia Pro Title"/>
-                <a:ea typeface="ＭＳ Ｐゴシック"/>
-              </a:rPr>
-              <a:t>банковский веб-сервис</a:t>
-            </a:r>
-            <a:endParaRPr lang="ru-RU" sz="1800" b="0" strike="noStrike" spc="-1">
-              <a:solidFill>
-                <a:srgbClr val="000000"/>
-              </a:solidFill>
-              <a:uFill>
-                <a:solidFill>
-                  <a:srgbClr val="FFFFFF"/>
-                </a:solidFill>
-              </a:uFill>
-              <a:latin typeface="Arial"/>
-            </a:endParaRPr>
-          </a:p>
-          <a:p>
-            <a:pPr>
-              <a:lnSpc>
-                <a:spcPct val="100000"/>
-              </a:lnSpc>
-            </a:pPr>
-            <a:r>
-              <a:rPr lang="ru-RU" sz="5400" b="1" strike="noStrike" spc="-1">
-                <a:solidFill>
-                  <a:srgbClr val="000000"/>
-                </a:solidFill>
-                <a:uFill>
-                  <a:solidFill>
-                    <a:srgbClr val="FFFFFF"/>
-                  </a:solidFill>
-                </a:uFill>
-                <a:latin typeface="Anglecia Pro Title"/>
-                <a:ea typeface="ＭＳ Ｐゴシック"/>
-              </a:rPr>
-              <a:t>и не поседеть</a:t>
-            </a:r>
-            <a:endParaRPr lang="ru-RU" sz="1800" b="0" strike="noStrike" spc="-1">
-              <a:solidFill>
-                <a:srgbClr val="000000"/>
-              </a:solidFill>
-              <a:uFill>
-                <a:solidFill>
-                  <a:srgbClr val="FFFFFF"/>
-                </a:solidFill>
-              </a:uFill>
-              <a:latin typeface="Arial"/>
             </a:endParaRPr>
           </a:p>
         </p:txBody>
       </p:sp>
       <p:pic>
         <p:nvPicPr>
-          <p:cNvPr id="40" name="Picture 3"/>
+          <p:cNvPr id="5" name="Picture 1"/>
           <p:cNvPicPr/>
           <p:nvPr/>
         </p:nvPicPr>
@@ -2507,8 +2849,31 @@
           <a:stretch/>
         </p:blipFill>
         <p:spPr>
-          <a:xfrm>
-            <a:off x="9705240" y="5650200"/>
+          <a:xfrm rot="12105944">
+            <a:off x="-3467139" y="1800720"/>
+            <a:ext cx="10114560" cy="10114560"/>
+          </a:xfrm>
+          <a:prstGeom prst="rect">
+            <a:avLst/>
+          </a:prstGeom>
+          <a:ln>
+            <a:noFill/>
+          </a:ln>
+        </p:spPr>
+      </p:pic>
+      <p:pic>
+        <p:nvPicPr>
+          <p:cNvPr id="6" name="Picture 3"/>
+          <p:cNvPicPr/>
+          <p:nvPr/>
+        </p:nvPicPr>
+        <p:blipFill>
+          <a:blip r:embed="rId5"/>
+          <a:stretch/>
+        </p:blipFill>
+        <p:spPr>
+          <a:xfrm>
+            <a:off x="145604" y="5828492"/>
             <a:ext cx="1823040" cy="573480"/>
           </a:xfrm>
           <a:prstGeom prst="rect">
@@ -2519,140 +2884,16 @@
           </a:ln>
         </p:spPr>
       </p:pic>
-      <p:sp>
-        <p:nvSpPr>
-          <p:cNvPr id="41" name="CustomShape 3"/>
-          <p:cNvSpPr/>
-          <p:nvPr/>
-        </p:nvSpPr>
-        <p:spPr>
-          <a:xfrm>
-            <a:off x="525240" y="5843160"/>
-            <a:ext cx="1512360" cy="454680"/>
-          </a:xfrm>
-          <a:prstGeom prst="rect">
-            <a:avLst/>
-          </a:prstGeom>
-          <a:noFill/>
-          <a:ln>
-            <a:noFill/>
-          </a:ln>
-        </p:spPr>
-        <p:style>
-          <a:lnRef idx="0">
-            <a:scrgbClr r="0" g="0" b="0"/>
-          </a:lnRef>
-          <a:fillRef idx="0">
-            <a:scrgbClr r="0" g="0" b="0"/>
-          </a:fillRef>
-          <a:effectRef idx="0">
-            <a:scrgbClr r="0" g="0" b="0"/>
-          </a:effectRef>
-          <a:fontRef idx="minor"/>
-        </p:style>
-        <p:txBody>
-          <a:bodyPr wrap="none" lIns="90000" tIns="45000" rIns="90000" bIns="45000"/>
-          <a:lstStyle/>
-          <a:p>
-            <a:pPr>
-              <a:lnSpc>
-                <a:spcPct val="100000"/>
-              </a:lnSpc>
-            </a:pPr>
-            <a:r>
-              <a:rPr lang="ru-RU" sz="1200" b="1" strike="noStrike" spc="-1">
-                <a:solidFill>
-                  <a:srgbClr val="000000"/>
-                </a:solidFill>
-                <a:uFill>
-                  <a:solidFill>
-                    <a:srgbClr val="FFFFFF"/>
-                  </a:solidFill>
-                </a:uFill>
-                <a:latin typeface="Geometria Bold"/>
-                <a:ea typeface="DejaVu Sans"/>
-              </a:rPr>
-              <a:t>8 800 2000 024</a:t>
-            </a:r>
-            <a:endParaRPr lang="ru-RU" sz="1800" b="0" strike="noStrike" spc="-1">
-              <a:solidFill>
-                <a:srgbClr val="000000"/>
-              </a:solidFill>
-              <a:uFill>
-                <a:solidFill>
-                  <a:srgbClr val="FFFFFF"/>
-                </a:solidFill>
-              </a:uFill>
-              <a:latin typeface="Arial"/>
-            </a:endParaRPr>
-          </a:p>
-          <a:p>
-            <a:pPr>
-              <a:lnSpc>
-                <a:spcPct val="100000"/>
-              </a:lnSpc>
-            </a:pPr>
-            <a:r>
-              <a:rPr lang="ru-RU" sz="1200" b="1" strike="noStrike" spc="-1">
-                <a:solidFill>
-                  <a:srgbClr val="000000"/>
-                </a:solidFill>
-                <a:uFill>
-                  <a:solidFill>
-                    <a:srgbClr val="FFFFFF"/>
-                  </a:solidFill>
-                </a:uFill>
-                <a:latin typeface="Geometria Bold"/>
-                <a:ea typeface="DejaVu Sans"/>
-              </a:rPr>
-              <a:t>tochka.com</a:t>
-            </a:r>
-            <a:endParaRPr lang="ru-RU" sz="1800" b="0" strike="noStrike" spc="-1">
-              <a:solidFill>
-                <a:srgbClr val="000000"/>
-              </a:solidFill>
-              <a:uFill>
-                <a:solidFill>
-                  <a:srgbClr val="FFFFFF"/>
-                </a:solidFill>
-              </a:uFill>
-              <a:latin typeface="Arial"/>
-            </a:endParaRPr>
-          </a:p>
-        </p:txBody>
-      </p:sp>
     </p:spTree>
+    <p:extLst>
+      <p:ext uri="{BB962C8B-B14F-4D97-AF65-F5344CB8AC3E}">
+        <p14:creationId xmlns:p14="http://schemas.microsoft.com/office/powerpoint/2010/main" val="3822344818"/>
+      </p:ext>
+    </p:extLst>
   </p:cSld>
   <p:clrMapOvr>
     <a:masterClrMapping/>
   </p:clrMapOvr>
-  <p:timing>
-    <p:tnLst>
-      <p:par>
-        <p:cTn id="1" dur="indefinite" restart="never" nodeType="tmRoot">
-          <p:childTnLst>
-            <p:seq>
-              <p:cTn id="2" nodeType="mainSeq"/>
-              <p:prevCondLst>
-                <p:cond evt="onPrev" delay="0">
-                  <p:tgtEl>
-                    <p:sldTgt/>
-                  </p:tgtEl>
-                </p:cond>
-              </p:prevCondLst>
-              <p:nextCondLst>
-                <p:cond evt="onNext" delay="0">
-                  <p:tgtEl>
-                    <p:sldTgt/>
-                  </p:tgtEl>
-                </p:cond>
-              </p:nextCondLst>
-            </p:seq>
-          </p:childTnLst>
-        </p:cTn>
-      </p:par>
-    </p:tnLst>
-  </p:timing>
 </p:sld>
 </file>
 
@@ -3460,7 +3701,7 @@
                 <a:latin typeface="Anglecia Pro Title"/>
                 <a:ea typeface="ＭＳ Ｐゴシック"/>
               </a:rPr>
-              <a:t>Ошибки стоят денег</a:t>
+              <a:t>Способы тестирования</a:t>
             </a:r>
             <a:endParaRPr lang="ru-RU" sz="1800" b="0" strike="noStrike" spc="-1" dirty="0">
               <a:solidFill>
@@ -3519,7 +3760,7 @@
               <a:buChar char="•"/>
             </a:pPr>
             <a:r>
-              <a:rPr lang="ru-RU" sz="1800" b="0" strike="noStrike" spc="-1" dirty="0" smtClean="0">
+              <a:rPr lang="en-US" sz="1800" b="0" strike="noStrike" spc="-1" dirty="0" smtClean="0">
                 <a:solidFill>
                   <a:srgbClr val="000000"/>
                 </a:solidFill>
@@ -3530,7 +3771,21 @@
                 </a:uFill>
                 <a:latin typeface="Arial"/>
               </a:rPr>
-              <a:t>Не все методы идемпотенты;</a:t>
+              <a:t>Unit-</a:t>
+            </a:r>
+            <a:r>
+              <a:rPr lang="ru-RU" sz="1800" b="0" strike="noStrike" spc="-1" dirty="0" smtClean="0">
+                <a:solidFill>
+                  <a:srgbClr val="000000"/>
+                </a:solidFill>
+                <a:uFill>
+                  <a:solidFill>
+                    <a:srgbClr val="FFFFFF"/>
+                  </a:solidFill>
+                </a:uFill>
+                <a:latin typeface="Arial"/>
+              </a:rPr>
+              <a:t>тесты;</a:t>
             </a:r>
           </a:p>
           <a:p>
@@ -3553,7 +3808,7 @@
                 </a:uFill>
                 <a:latin typeface="Arial"/>
               </a:rPr>
-              <a:t>Слишком много взаимосвязанных систем;</a:t>
+              <a:t>Функциональные тесты;</a:t>
             </a:r>
           </a:p>
           <a:p>
@@ -3576,10 +3831,10 @@
                 </a:uFill>
                 <a:latin typeface="Arial"/>
               </a:rPr>
-              <a:t>Несовершенство старого </a:t>
+              <a:t>Интеграционное </a:t>
             </a:r>
             <a:r>
-              <a:rPr lang="en-US" spc="-1" dirty="0" smtClean="0">
+              <a:rPr lang="ru-RU" spc="-1" dirty="0" smtClean="0">
                 <a:solidFill>
                   <a:srgbClr val="000000"/>
                 </a:solidFill>
@@ -3590,19 +3845,10 @@
                 </a:uFill>
                 <a:latin typeface="Arial"/>
               </a:rPr>
-              <a:t>API;</a:t>
+              <a:t>тестирование</a:t>
             </a:r>
-          </a:p>
-          <a:p>
-            <a:pPr marL="285750" indent="-285750">
-              <a:lnSpc>
-                <a:spcPct val="200000"/>
-              </a:lnSpc>
-              <a:buFont typeface="Arial" panose="020B0604020202020204" pitchFamily="34" charset="0"/>
-              <a:buChar char="•"/>
-            </a:pPr>
             <a:r>
-              <a:rPr lang="en-US" sz="1800" b="0" strike="noStrike" spc="-1" dirty="0" smtClean="0">
+              <a:rPr lang="ru-RU" spc="-1" dirty="0">
                 <a:solidFill>
                   <a:srgbClr val="000000"/>
                 </a:solidFill>
@@ -3613,26 +3859,9 @@
                 </a:uFill>
                 <a:latin typeface="Arial"/>
               </a:rPr>
-              <a:t>PCI DSS.</a:t>
+              <a:t>.</a:t>
             </a:r>
-            <a:endParaRPr lang="ru-RU" sz="1800" b="0" strike="noStrike" spc="-1" dirty="0" smtClean="0">
-              <a:solidFill>
-                <a:srgbClr val="000000"/>
-              </a:solidFill>
-              <a:uFill>
-                <a:solidFill>
-                  <a:srgbClr val="FFFFFF"/>
-                </a:solidFill>
-              </a:uFill>
-              <a:latin typeface="Arial"/>
-            </a:endParaRPr>
-          </a:p>
-          <a:p>
-            <a:pPr marL="285750" indent="-285750">
-              <a:buFont typeface="Arial" panose="020B0604020202020204" pitchFamily="34" charset="0"/>
-              <a:buChar char="•"/>
-            </a:pPr>
-            <a:endParaRPr lang="ru-RU" sz="1800" b="0" strike="noStrike" spc="-1" dirty="0">
+            <a:endParaRPr lang="ru-RU" spc="-1" dirty="0" smtClean="0">
               <a:solidFill>
                 <a:srgbClr val="000000"/>
               </a:solidFill>
@@ -3649,7 +3878,7 @@
     </p:spTree>
     <p:extLst>
       <p:ext uri="{BB962C8B-B14F-4D97-AF65-F5344CB8AC3E}">
-        <p14:creationId xmlns:p14="http://schemas.microsoft.com/office/powerpoint/2010/main" val="2953560021"/>
+        <p14:creationId xmlns:p14="http://schemas.microsoft.com/office/powerpoint/2010/main" val="1503881524"/>
       </p:ext>
     </p:extLst>
   </p:cSld>
@@ -3802,7 +4031,7 @@
                 <a:latin typeface="Anglecia Pro Title"/>
                 <a:ea typeface="ＭＳ Ｐゴシック"/>
               </a:rPr>
-              <a:t>Способы тестирования</a:t>
+              <a:t>Ошибки стоят денег</a:t>
             </a:r>
             <a:endParaRPr lang="ru-RU" sz="1800" b="0" strike="noStrike" spc="-1" dirty="0">
               <a:solidFill>
@@ -3861,7 +4090,7 @@
               <a:buChar char="•"/>
             </a:pPr>
             <a:r>
-              <a:rPr lang="en-US" sz="1800" b="0" strike="noStrike" spc="-1" dirty="0" smtClean="0">
+              <a:rPr lang="ru-RU" sz="1800" b="0" strike="noStrike" spc="-1" dirty="0" smtClean="0">
                 <a:solidFill>
                   <a:srgbClr val="000000"/>
                 </a:solidFill>
@@ -3872,21 +4101,7 @@
                 </a:uFill>
                 <a:latin typeface="Arial"/>
               </a:rPr>
-              <a:t>Unit-</a:t>
-            </a:r>
-            <a:r>
-              <a:rPr lang="ru-RU" sz="1800" b="0" strike="noStrike" spc="-1" dirty="0" smtClean="0">
-                <a:solidFill>
-                  <a:srgbClr val="000000"/>
-                </a:solidFill>
-                <a:uFill>
-                  <a:solidFill>
-                    <a:srgbClr val="FFFFFF"/>
-                  </a:solidFill>
-                </a:uFill>
-                <a:latin typeface="Arial"/>
-              </a:rPr>
-              <a:t>тесты;</a:t>
+              <a:t>Не все методы идемпотенты;</a:t>
             </a:r>
           </a:p>
           <a:p>
@@ -3909,7 +4124,7 @@
                 </a:uFill>
                 <a:latin typeface="Arial"/>
               </a:rPr>
-              <a:t>Функциональные тесты;</a:t>
+              <a:t>Слишком много взаимосвязанных систем;</a:t>
             </a:r>
           </a:p>
           <a:p>
@@ -3932,10 +4147,10 @@
                 </a:uFill>
                 <a:latin typeface="Arial"/>
               </a:rPr>
-              <a:t>Интеграционное тестирование</a:t>
+              <a:t>Несовершенство старого </a:t>
             </a:r>
             <a:r>
-              <a:rPr lang="en-US" sz="1800" b="0" strike="noStrike" spc="-1" dirty="0" smtClean="0">
+              <a:rPr lang="en-US" spc="-1" dirty="0" smtClean="0">
                 <a:solidFill>
                   <a:srgbClr val="000000"/>
                 </a:solidFill>
@@ -3946,7 +4161,30 @@
                 </a:uFill>
                 <a:latin typeface="Arial"/>
               </a:rPr>
-              <a:t>.</a:t>
+              <a:t>API;</a:t>
+            </a:r>
+          </a:p>
+          <a:p>
+            <a:pPr marL="285750" indent="-285750">
+              <a:lnSpc>
+                <a:spcPct val="200000"/>
+              </a:lnSpc>
+              <a:buFont typeface="Arial" panose="020B0604020202020204" pitchFamily="34" charset="0"/>
+              <a:buChar char="•"/>
+            </a:pPr>
+            <a:r>
+              <a:rPr lang="en-US" sz="1800" b="0" strike="noStrike" spc="-1" dirty="0" smtClean="0">
+                <a:solidFill>
+                  <a:srgbClr val="000000"/>
+                </a:solidFill>
+                <a:uFill>
+                  <a:solidFill>
+                    <a:srgbClr val="FFFFFF"/>
+                  </a:solidFill>
+                </a:uFill>
+                <a:latin typeface="Arial"/>
+              </a:rPr>
+              <a:t>PCI DSS.</a:t>
             </a:r>
             <a:endParaRPr lang="ru-RU" sz="1800" b="0" strike="noStrike" spc="-1" dirty="0" smtClean="0">
               <a:solidFill>
@@ -3982,7 +4220,7 @@
     </p:spTree>
     <p:extLst>
       <p:ext uri="{BB962C8B-B14F-4D97-AF65-F5344CB8AC3E}">
-        <p14:creationId xmlns:p14="http://schemas.microsoft.com/office/powerpoint/2010/main" val="1503881524"/>
+        <p14:creationId xmlns:p14="http://schemas.microsoft.com/office/powerpoint/2010/main" val="2953560021"/>
       </p:ext>
     </p:extLst>
   </p:cSld>
@@ -5507,25 +5745,32 @@
       </p:pic>
       <p:pic>
         <p:nvPicPr>
-          <p:cNvPr id="149" name="Рисунок 130"/>
-          <p:cNvPicPr/>
-          <p:nvPr/>
-        </p:nvPicPr>
-        <p:blipFill>
-          <a:blip r:embed="rId4"/>
-          <a:stretch/>
-        </p:blipFill>
-        <p:spPr>
-          <a:xfrm>
-            <a:off x="2274480" y="2376000"/>
-            <a:ext cx="6580800" cy="4389840"/>
-          </a:xfrm>
-          <a:prstGeom prst="rect">
-            <a:avLst/>
-          </a:prstGeom>
-          <a:ln>
-            <a:noFill/>
-          </a:ln>
+          <p:cNvPr id="3" name="Рисунок 2"/>
+          <p:cNvPicPr>
+            <a:picLocks noChangeAspect="1"/>
+          </p:cNvPicPr>
+          <p:nvPr/>
+        </p:nvPicPr>
+        <p:blipFill>
+          <a:blip r:embed="rId4">
+            <a:extLst>
+              <a:ext uri="{28A0092B-C50C-407E-A947-70E740481C1C}">
+                <a14:useLocalDpi xmlns:a14="http://schemas.microsoft.com/office/drawing/2010/main" val="0"/>
+              </a:ext>
+            </a:extLst>
+          </a:blip>
+          <a:stretch>
+            <a:fillRect/>
+          </a:stretch>
+        </p:blipFill>
+        <p:spPr>
+          <a:xfrm>
+            <a:off x="3479947" y="1990725"/>
+            <a:ext cx="6296025" cy="4867275"/>
+          </a:xfrm>
+          <a:prstGeom prst="rect">
+            <a:avLst/>
+          </a:prstGeom>
         </p:spPr>
       </p:pic>
     </p:spTree>
@@ -5582,7 +5827,7 @@
       </p:grpSpPr>
       <p:pic>
         <p:nvPicPr>
-          <p:cNvPr id="150" name="Picture 14"/>
+          <p:cNvPr id="104" name="Picture 14"/>
           <p:cNvPicPr/>
           <p:nvPr/>
         </p:nvPicPr>
@@ -5605,7 +5850,7 @@
       </p:pic>
       <p:pic>
         <p:nvPicPr>
-          <p:cNvPr id="151" name="Picture 13"/>
+          <p:cNvPr id="105" name="Picture 13"/>
           <p:cNvPicPr/>
           <p:nvPr/>
         </p:nvPicPr>
@@ -5628,82 +5873,13 @@
       </p:pic>
       <p:sp>
         <p:nvSpPr>
-          <p:cNvPr id="152" name="CustomShape 1"/>
+          <p:cNvPr id="106" name="CustomShape 1"/>
           <p:cNvSpPr/>
           <p:nvPr/>
         </p:nvSpPr>
         <p:spPr>
           <a:xfrm>
-            <a:off x="111960" y="2035080"/>
-            <a:ext cx="6506640" cy="699120"/>
-          </a:xfrm>
-          <a:prstGeom prst="rect">
-            <a:avLst/>
-          </a:prstGeom>
-          <a:noFill/>
-          <a:ln>
-            <a:noFill/>
-          </a:ln>
-        </p:spPr>
-        <p:style>
-          <a:lnRef idx="0">
-            <a:scrgbClr r="0" g="0" b="0"/>
-          </a:lnRef>
-          <a:fillRef idx="0">
-            <a:scrgbClr r="0" g="0" b="0"/>
-          </a:fillRef>
-          <a:effectRef idx="0">
-            <a:scrgbClr r="0" g="0" b="0"/>
-          </a:effectRef>
-          <a:fontRef idx="minor"/>
-        </p:style>
-        <p:txBody>
-          <a:bodyPr wrap="none" lIns="90000" tIns="45000" rIns="90000" bIns="45000"/>
-          <a:lstStyle/>
-          <a:p>
-            <a:pPr>
-              <a:lnSpc>
-                <a:spcPct val="100000"/>
-              </a:lnSpc>
-            </a:pPr>
-            <a:r>
-              <a:rPr lang="ru-RU" sz="4000" b="1" strike="noStrike" spc="-1">
-                <a:solidFill>
-                  <a:srgbClr val="000000"/>
-                </a:solidFill>
-                <a:uFill>
-                  <a:solidFill>
-                    <a:srgbClr val="FFFFFF"/>
-                  </a:solidFill>
-                </a:uFill>
-                <a:latin typeface="Anglecia Pro Title"/>
-                <a:ea typeface="ＭＳ Ｐゴシック"/>
-              </a:rPr>
-              <a:t>Промежуточный итог</a:t>
-            </a:r>
-            <a:endParaRPr lang="ru-RU" sz="1800" b="0" strike="noStrike" spc="-1">
-              <a:solidFill>
-                <a:srgbClr val="000000"/>
-              </a:solidFill>
-              <a:uFill>
-                <a:solidFill>
-                  <a:srgbClr val="FFFFFF"/>
-                </a:solidFill>
-              </a:uFill>
-              <a:latin typeface="Arial"/>
-            </a:endParaRPr>
-          </a:p>
-        </p:txBody>
-      </p:sp>
-      <p:sp>
-        <p:nvSpPr>
-          <p:cNvPr id="153" name="CustomShape 2"/>
-          <p:cNvSpPr/>
-          <p:nvPr/>
-        </p:nvSpPr>
-        <p:spPr>
-          <a:xfrm>
-            <a:off x="1152000" y="2952000"/>
+            <a:off x="720720" y="3816000"/>
             <a:ext cx="3311280" cy="288000"/>
           </a:xfrm>
           <a:prstGeom prst="rect">
@@ -5731,7 +5907,7 @@
           <a:lstStyle/>
           <a:p>
             <a:r>
-              <a:rPr lang="ru-RU" sz="1400" b="0" strike="noStrike" spc="-1">
+              <a:rPr lang="ru-RU" sz="1400" b="0" strike="noStrike" spc="-1" dirty="0">
                 <a:solidFill>
                   <a:srgbClr val="000000"/>
                 </a:solidFill>
@@ -5743,9 +5919,54 @@
                 <a:latin typeface="Arial"/>
                 <a:ea typeface="DejaVu Sans"/>
               </a:rPr>
-              <a:t>~ 1 500 000 запросов в сутки</a:t>
+              <a:t>~ </a:t>
             </a:r>
-            <a:endParaRPr lang="ru-RU" sz="1800" b="0" strike="noStrike" spc="-1">
+            <a:r>
+              <a:rPr lang="en-US" sz="1400" b="0" strike="noStrike" spc="-1" dirty="0" smtClean="0">
+                <a:solidFill>
+                  <a:srgbClr val="000000"/>
+                </a:solidFill>
+                <a:uFill>
+                  <a:solidFill>
+                    <a:srgbClr val="FFFFFF"/>
+                  </a:solidFill>
+                </a:uFill>
+                <a:latin typeface="Arial"/>
+                <a:ea typeface="DejaVu Sans"/>
+              </a:rPr>
+              <a:t>1 5</a:t>
+            </a:r>
+            <a:r>
+              <a:rPr lang="ru-RU" sz="1400" b="0" strike="noStrike" spc="-1" dirty="0" smtClean="0">
+                <a:solidFill>
+                  <a:srgbClr val="000000"/>
+                </a:solidFill>
+                <a:uFill>
+                  <a:solidFill>
+                    <a:srgbClr val="FFFFFF"/>
+                  </a:solidFill>
+                </a:uFill>
+                <a:latin typeface="Arial"/>
+                <a:ea typeface="DejaVu Sans"/>
+              </a:rPr>
+              <a:t>00 </a:t>
+            </a:r>
+            <a:r>
+              <a:rPr lang="ru-RU" sz="1400" b="0" strike="noStrike" spc="-1" dirty="0">
+                <a:solidFill>
+                  <a:srgbClr val="000000"/>
+                </a:solidFill>
+                <a:uFill>
+                  <a:solidFill>
+                    <a:srgbClr val="FFFFFF"/>
+                  </a:solidFill>
+                </a:uFill>
+                <a:latin typeface="Arial"/>
+                <a:ea typeface="DejaVu Sans"/>
+              </a:rPr>
+              <a:t>000 запросов в сутки</a:t>
+            </a:r>
+            <a:endParaRPr lang="ru-RU" sz="1800" b="0" strike="noStrike" spc="-1" dirty="0">
               <a:solidFill>
                 <a:srgbClr val="000000"/>
               </a:solidFill>
@@ -5761,189 +5982,40 @@
       </p:sp>
       <p:pic>
         <p:nvPicPr>
-          <p:cNvPr id="154" name="Рисунок 135"/>
-          <p:cNvPicPr/>
-          <p:nvPr/>
-        </p:nvPicPr>
-        <p:blipFill>
-          <a:blip r:embed="rId4"/>
-          <a:stretch/>
-        </p:blipFill>
-        <p:spPr>
-          <a:xfrm>
-            <a:off x="216000" y="3435480"/>
-            <a:ext cx="2519280" cy="451800"/>
-          </a:xfrm>
-          <a:prstGeom prst="rect">
-            <a:avLst/>
-          </a:prstGeom>
-          <a:ln>
-            <a:noFill/>
-          </a:ln>
-        </p:spPr>
-      </p:pic>
-      <p:pic>
-        <p:nvPicPr>
-          <p:cNvPr id="155" name="Рисунок 136"/>
-          <p:cNvPicPr/>
-          <p:nvPr/>
-        </p:nvPicPr>
-        <p:blipFill>
-          <a:blip r:embed="rId5"/>
-          <a:stretch/>
-        </p:blipFill>
-        <p:spPr>
-          <a:xfrm>
-            <a:off x="0" y="3960000"/>
-            <a:ext cx="3023280" cy="1201320"/>
-          </a:xfrm>
-          <a:prstGeom prst="rect">
-            <a:avLst/>
-          </a:prstGeom>
-          <a:ln>
-            <a:noFill/>
-          </a:ln>
-        </p:spPr>
-      </p:pic>
-      <p:pic>
-        <p:nvPicPr>
-          <p:cNvPr id="156" name="Рисунок 137"/>
-          <p:cNvPicPr/>
-          <p:nvPr/>
-        </p:nvPicPr>
-        <p:blipFill>
-          <a:blip r:embed="rId6"/>
-          <a:stretch/>
-        </p:blipFill>
-        <p:spPr>
-          <a:xfrm>
-            <a:off x="158040" y="4896000"/>
-            <a:ext cx="2649240" cy="791280"/>
-          </a:xfrm>
-          <a:prstGeom prst="rect">
-            <a:avLst/>
-          </a:prstGeom>
-          <a:ln>
-            <a:noFill/>
-          </a:ln>
-        </p:spPr>
-      </p:pic>
-      <p:pic>
-        <p:nvPicPr>
-          <p:cNvPr id="157" name="Рисунок 138"/>
-          <p:cNvPicPr/>
-          <p:nvPr/>
-        </p:nvPicPr>
-        <p:blipFill>
-          <a:blip r:embed="rId7"/>
-          <a:stretch/>
-        </p:blipFill>
-        <p:spPr>
-          <a:xfrm>
-            <a:off x="636480" y="5688000"/>
-            <a:ext cx="1522800" cy="398160"/>
-          </a:xfrm>
-          <a:prstGeom prst="rect">
-            <a:avLst/>
-          </a:prstGeom>
-          <a:ln>
-            <a:noFill/>
-          </a:ln>
-        </p:spPr>
-      </p:pic>
-      <p:pic>
-        <p:nvPicPr>
-          <p:cNvPr id="158" name="Рисунок 139"/>
-          <p:cNvPicPr/>
-          <p:nvPr/>
-        </p:nvPicPr>
-        <p:blipFill>
-          <a:blip r:embed="rId8"/>
-          <a:stretch/>
-        </p:blipFill>
-        <p:spPr>
-          <a:xfrm>
-            <a:off x="2808000" y="3346920"/>
-            <a:ext cx="2375280" cy="1044360"/>
-          </a:xfrm>
-          <a:prstGeom prst="rect">
-            <a:avLst/>
-          </a:prstGeom>
-          <a:ln>
-            <a:noFill/>
-          </a:ln>
-        </p:spPr>
-      </p:pic>
-      <p:pic>
-        <p:nvPicPr>
-          <p:cNvPr id="159" name="Рисунок 140"/>
-          <p:cNvPicPr/>
-          <p:nvPr/>
-        </p:nvPicPr>
-        <p:blipFill>
-          <a:blip r:embed="rId9"/>
-          <a:stretch/>
-        </p:blipFill>
-        <p:spPr>
-          <a:xfrm>
-            <a:off x="2808000" y="4320000"/>
-            <a:ext cx="1162080" cy="863280"/>
-          </a:xfrm>
-          <a:prstGeom prst="rect">
-            <a:avLst/>
-          </a:prstGeom>
-          <a:ln>
-            <a:noFill/>
-          </a:ln>
-        </p:spPr>
-      </p:pic>
-      <p:pic>
-        <p:nvPicPr>
-          <p:cNvPr id="160" name="Рисунок 141"/>
-          <p:cNvPicPr/>
-          <p:nvPr/>
-        </p:nvPicPr>
-        <p:blipFill>
-          <a:blip r:embed="rId10"/>
-          <a:stretch/>
-        </p:blipFill>
-        <p:spPr>
-          <a:xfrm>
-            <a:off x="3998520" y="4137120"/>
-            <a:ext cx="1375200" cy="1375200"/>
-          </a:xfrm>
-          <a:prstGeom prst="rect">
-            <a:avLst/>
-          </a:prstGeom>
-          <a:ln>
-            <a:noFill/>
-          </a:ln>
-        </p:spPr>
-      </p:pic>
-      <p:pic>
-        <p:nvPicPr>
-          <p:cNvPr id="161" name="Рисунок 142"/>
-          <p:cNvPicPr/>
-          <p:nvPr/>
-        </p:nvPicPr>
-        <p:blipFill>
-          <a:blip r:embed="rId11"/>
-          <a:stretch/>
-        </p:blipFill>
-        <p:spPr>
-          <a:xfrm>
-            <a:off x="5616000" y="3096000"/>
-            <a:ext cx="6294960" cy="3437280"/>
-          </a:xfrm>
-          <a:prstGeom prst="rect">
-            <a:avLst/>
-          </a:prstGeom>
-          <a:ln>
-            <a:noFill/>
-          </a:ln>
+          <p:cNvPr id="2" name="Рисунок 1"/>
+          <p:cNvPicPr>
+            <a:picLocks noChangeAspect="1"/>
+          </p:cNvPicPr>
+          <p:nvPr/>
+        </p:nvPicPr>
+        <p:blipFill>
+          <a:blip r:embed="rId4">
+            <a:extLst>
+              <a:ext uri="{28A0092B-C50C-407E-A947-70E740481C1C}">
+                <a14:useLocalDpi xmlns:a14="http://schemas.microsoft.com/office/drawing/2010/main" val="0"/>
+              </a:ext>
+            </a:extLst>
+          </a:blip>
+          <a:stretch>
+            <a:fillRect/>
+          </a:stretch>
+        </p:blipFill>
+        <p:spPr>
+          <a:xfrm>
+            <a:off x="4511743" y="2562225"/>
+            <a:ext cx="6296025" cy="4295775"/>
+          </a:xfrm>
+          <a:prstGeom prst="rect">
+            <a:avLst/>
+          </a:prstGeom>
         </p:spPr>
       </p:pic>
     </p:spTree>
+    <p:extLst>
+      <p:ext uri="{BB962C8B-B14F-4D97-AF65-F5344CB8AC3E}">
+        <p14:creationId xmlns:p14="http://schemas.microsoft.com/office/powerpoint/2010/main" val="2596146323"/>
+      </p:ext>
+    </p:extLst>
   </p:cSld>
   <p:clrMapOvr>
     <a:masterClrMapping/>
@@ -5997,7 +6069,7 @@
       </p:grpSpPr>
       <p:pic>
         <p:nvPicPr>
-          <p:cNvPr id="162" name="Picture 14"/>
+          <p:cNvPr id="108" name="Picture 14"/>
           <p:cNvPicPr/>
           <p:nvPr/>
         </p:nvPicPr>
@@ -6020,7 +6092,7 @@
       </p:pic>
       <p:pic>
         <p:nvPicPr>
-          <p:cNvPr id="163" name="Picture 13"/>
+          <p:cNvPr id="109" name="Picture 13"/>
           <p:cNvPicPr/>
           <p:nvPr/>
         </p:nvPicPr>
@@ -6041,142 +6113,9 @@
           </a:ln>
         </p:spPr>
       </p:pic>
-      <p:sp>
-        <p:nvSpPr>
-          <p:cNvPr id="164" name="CustomShape 1"/>
-          <p:cNvSpPr/>
-          <p:nvPr/>
-        </p:nvSpPr>
-        <p:spPr>
-          <a:xfrm>
-            <a:off x="111960" y="2035080"/>
-            <a:ext cx="6506640" cy="699120"/>
-          </a:xfrm>
-          <a:prstGeom prst="rect">
-            <a:avLst/>
-          </a:prstGeom>
-          <a:noFill/>
-          <a:ln>
-            <a:noFill/>
-          </a:ln>
-        </p:spPr>
-        <p:style>
-          <a:lnRef idx="0">
-            <a:scrgbClr r="0" g="0" b="0"/>
-          </a:lnRef>
-          <a:fillRef idx="0">
-            <a:scrgbClr r="0" g="0" b="0"/>
-          </a:fillRef>
-          <a:effectRef idx="0">
-            <a:scrgbClr r="0" g="0" b="0"/>
-          </a:effectRef>
-          <a:fontRef idx="minor"/>
-        </p:style>
-        <p:txBody>
-          <a:bodyPr wrap="none" lIns="90000" tIns="45000" rIns="90000" bIns="45000"/>
-          <a:lstStyle/>
-          <a:p>
-            <a:pPr>
-              <a:lnSpc>
-                <a:spcPct val="100000"/>
-              </a:lnSpc>
-            </a:pPr>
-            <a:r>
-              <a:rPr lang="ru-RU" sz="4000" b="1" strike="noStrike" spc="-1">
-                <a:solidFill>
-                  <a:srgbClr val="000000"/>
-                </a:solidFill>
-                <a:uFill>
-                  <a:solidFill>
-                    <a:srgbClr val="FFFFFF"/>
-                  </a:solidFill>
-                </a:uFill>
-                <a:latin typeface="Anglecia Pro Title"/>
-                <a:ea typeface="ＭＳ Ｐゴシック"/>
-              </a:rPr>
-              <a:t>Финальный итог</a:t>
-            </a:r>
-            <a:endParaRPr lang="ru-RU" sz="1800" b="0" strike="noStrike" spc="-1">
-              <a:solidFill>
-                <a:srgbClr val="000000"/>
-              </a:solidFill>
-              <a:uFill>
-                <a:solidFill>
-                  <a:srgbClr val="FFFFFF"/>
-                </a:solidFill>
-              </a:uFill>
-              <a:latin typeface="Arial"/>
-            </a:endParaRPr>
-          </a:p>
-        </p:txBody>
-      </p:sp>
-      <p:sp>
-        <p:nvSpPr>
-          <p:cNvPr id="165" name="CustomShape 2"/>
-          <p:cNvSpPr/>
-          <p:nvPr/>
-        </p:nvSpPr>
-        <p:spPr>
-          <a:xfrm>
-            <a:off x="1152000" y="2952000"/>
-            <a:ext cx="3311280" cy="288000"/>
-          </a:xfrm>
-          <a:prstGeom prst="rect">
-            <a:avLst/>
-          </a:prstGeom>
-          <a:noFill/>
-          <a:ln>
-            <a:noFill/>
-          </a:ln>
-        </p:spPr>
-        <p:style>
-          <a:lnRef idx="0">
-            <a:scrgbClr r="0" g="0" b="0"/>
-          </a:lnRef>
-          <a:fillRef idx="0">
-            <a:scrgbClr r="0" g="0" b="0"/>
-          </a:fillRef>
-          <a:effectRef idx="0">
-            <a:scrgbClr r="0" g="0" b="0"/>
-          </a:effectRef>
-          <a:fontRef idx="minor"/>
-        </p:style>
-        <p:txBody>
-          <a:bodyPr lIns="90000" tIns="45000" rIns="90000" bIns="45000"/>
-          <a:lstStyle/>
-          <a:p>
-            <a:r>
-              <a:rPr lang="ru-RU" sz="1400" b="0" strike="noStrike" spc="-1">
-                <a:solidFill>
-                  <a:srgbClr val="000000"/>
-                </a:solidFill>
-                <a:uFill>
-                  <a:solidFill>
-                    <a:srgbClr val="FFFFFF"/>
-                  </a:solidFill>
-                </a:uFill>
-                <a:latin typeface="Arial"/>
-                <a:ea typeface="DejaVu Sans"/>
-              </a:rPr>
-              <a:t>~ 1 500 000 запросов в сутки</a:t>
-            </a:r>
-            <a:endParaRPr lang="ru-RU" sz="1800" b="0" strike="noStrike" spc="-1">
-              <a:solidFill>
-                <a:srgbClr val="000000"/>
-              </a:solidFill>
-              <a:uFill>
-                <a:solidFill>
-                  <a:srgbClr val="FFFFFF"/>
-                </a:solidFill>
-              </a:uFill>
-              <a:latin typeface="Arial"/>
-            </a:endParaRPr>
-          </a:p>
-        </p:txBody>
-      </p:sp>
-      <p:pic>
-        <p:nvPicPr>
-          <p:cNvPr id="166" name="Рисунок 139"/>
+      <p:pic>
+        <p:nvPicPr>
+          <p:cNvPr id="110" name="Рисунок 88"/>
           <p:cNvPicPr/>
           <p:nvPr/>
         </p:nvPicPr>
@@ -6186,20 +6125,20 @@
         </p:blipFill>
         <p:spPr>
           <a:xfrm>
-            <a:off x="216000" y="5412240"/>
-            <a:ext cx="2375280" cy="1044360"/>
-          </a:xfrm>
-          <a:prstGeom prst="rect">
-            <a:avLst/>
-          </a:prstGeom>
-          <a:ln>
-            <a:noFill/>
-          </a:ln>
-        </p:spPr>
-      </p:pic>
-      <p:pic>
-        <p:nvPicPr>
-          <p:cNvPr id="167" name="Рисунок 140"/>
+            <a:off x="6011940" y="2121120"/>
+            <a:ext cx="4320000" cy="774720"/>
+          </a:xfrm>
+          <a:prstGeom prst="rect">
+            <a:avLst/>
+          </a:prstGeom>
+          <a:ln>
+            <a:noFill/>
+          </a:ln>
+        </p:spPr>
+      </p:pic>
+      <p:pic>
+        <p:nvPicPr>
+          <p:cNvPr id="111" name="Рисунок 91"/>
           <p:cNvPicPr/>
           <p:nvPr/>
         </p:nvPicPr>
@@ -6209,20 +6148,20 @@
         </p:blipFill>
         <p:spPr>
           <a:xfrm>
-            <a:off x="2977560" y="3597120"/>
-            <a:ext cx="1162080" cy="863280"/>
-          </a:xfrm>
-          <a:prstGeom prst="rect">
-            <a:avLst/>
-          </a:prstGeom>
-          <a:ln>
-            <a:noFill/>
-          </a:ln>
-        </p:spPr>
-      </p:pic>
-      <p:pic>
-        <p:nvPicPr>
-          <p:cNvPr id="168" name="Рисунок 141"/>
+            <a:off x="6789438" y="3347280"/>
+            <a:ext cx="2880000" cy="753120"/>
+          </a:xfrm>
+          <a:prstGeom prst="rect">
+            <a:avLst/>
+          </a:prstGeom>
+          <a:ln>
+            <a:noFill/>
+          </a:ln>
+        </p:spPr>
+      </p:pic>
+      <p:pic>
+        <p:nvPicPr>
+          <p:cNvPr id="112" name="Рисунок 111"/>
           <p:cNvPicPr/>
           <p:nvPr/>
         </p:nvPicPr>
@@ -6232,20 +6171,20 @@
         </p:blipFill>
         <p:spPr>
           <a:xfrm>
-            <a:off x="3979080" y="3435480"/>
-            <a:ext cx="1375200" cy="1375200"/>
-          </a:xfrm>
-          <a:prstGeom prst="rect">
-            <a:avLst/>
-          </a:prstGeom>
-          <a:ln>
-            <a:noFill/>
-          </a:ln>
-        </p:spPr>
-      </p:pic>
-      <p:pic>
-        <p:nvPicPr>
-          <p:cNvPr id="169" name="Рисунок 142"/>
+            <a:off x="980640" y="1944000"/>
+            <a:ext cx="2907360" cy="1224000"/>
+          </a:xfrm>
+          <a:prstGeom prst="rect">
+            <a:avLst/>
+          </a:prstGeom>
+          <a:ln>
+            <a:noFill/>
+          </a:ln>
+        </p:spPr>
+      </p:pic>
+      <p:pic>
+        <p:nvPicPr>
+          <p:cNvPr id="113" name="Рисунок 112"/>
           <p:cNvPicPr/>
           <p:nvPr/>
         </p:nvPicPr>
@@ -6255,20 +6194,20 @@
         </p:blipFill>
         <p:spPr>
           <a:xfrm>
-            <a:off x="5616000" y="3096000"/>
-            <a:ext cx="6294960" cy="3437280"/>
-          </a:xfrm>
-          <a:prstGeom prst="rect">
-            <a:avLst/>
-          </a:prstGeom>
-          <a:ln>
-            <a:noFill/>
-          </a:ln>
-        </p:spPr>
-      </p:pic>
-      <p:pic>
-        <p:nvPicPr>
-          <p:cNvPr id="170" name="Рисунок 1"/>
+            <a:off x="720000" y="2998440"/>
+            <a:ext cx="3168000" cy="1393560"/>
+          </a:xfrm>
+          <a:prstGeom prst="rect">
+            <a:avLst/>
+          </a:prstGeom>
+          <a:ln>
+            <a:noFill/>
+          </a:ln>
+        </p:spPr>
+      </p:pic>
+      <p:pic>
+        <p:nvPicPr>
+          <p:cNvPr id="114" name="Рисунок 90"/>
           <p:cNvPicPr/>
           <p:nvPr/>
         </p:nvPicPr>
@@ -6278,20 +6217,20 @@
         </p:blipFill>
         <p:spPr>
           <a:xfrm>
-            <a:off x="2816280" y="4707720"/>
-            <a:ext cx="2142360" cy="2113920"/>
-          </a:xfrm>
-          <a:prstGeom prst="rect">
-            <a:avLst/>
-          </a:prstGeom>
-          <a:ln>
-            <a:noFill/>
-          </a:ln>
-        </p:spPr>
-      </p:pic>
-      <p:pic>
-        <p:nvPicPr>
-          <p:cNvPr id="171" name="Рисунок 14"/>
+            <a:off x="432000" y="4248000"/>
+            <a:ext cx="4336560" cy="1295280"/>
+          </a:xfrm>
+          <a:prstGeom prst="rect">
+            <a:avLst/>
+          </a:prstGeom>
+          <a:ln>
+            <a:noFill/>
+          </a:ln>
+        </p:spPr>
+      </p:pic>
+      <p:pic>
+        <p:nvPicPr>
+          <p:cNvPr id="115" name="Рисунок 114"/>
           <p:cNvPicPr/>
           <p:nvPr/>
         </p:nvPicPr>
@@ -6301,20 +6240,20 @@
         </p:blipFill>
         <p:spPr>
           <a:xfrm>
-            <a:off x="689760" y="6225120"/>
-            <a:ext cx="1522800" cy="398160"/>
-          </a:xfrm>
-          <a:prstGeom prst="rect">
-            <a:avLst/>
-          </a:prstGeom>
-          <a:ln>
-            <a:noFill/>
-          </a:ln>
-        </p:spPr>
-      </p:pic>
-      <p:pic>
-        <p:nvPicPr>
-          <p:cNvPr id="172" name="Рисунок 16"/>
+            <a:off x="8560260" y="4228560"/>
+            <a:ext cx="2607480" cy="2607480"/>
+          </a:xfrm>
+          <a:prstGeom prst="rect">
+            <a:avLst/>
+          </a:prstGeom>
+          <a:ln>
+            <a:noFill/>
+          </a:ln>
+        </p:spPr>
+      </p:pic>
+      <p:pic>
+        <p:nvPicPr>
+          <p:cNvPr id="116" name="Рисунок 115"/>
           <p:cNvPicPr/>
           <p:nvPr/>
         </p:nvPicPr>
@@ -6324,64 +6263,53 @@
         </p:blipFill>
         <p:spPr>
           <a:xfrm>
-            <a:off x="-20520" y="3804480"/>
-            <a:ext cx="3023280" cy="1201320"/>
-          </a:xfrm>
-          <a:prstGeom prst="rect">
-            <a:avLst/>
-          </a:prstGeom>
-          <a:ln>
-            <a:noFill/>
-          </a:ln>
-        </p:spPr>
-      </p:pic>
-      <p:pic>
-        <p:nvPicPr>
-          <p:cNvPr id="173" name="Рисунок 17"/>
-          <p:cNvPicPr/>
-          <p:nvPr/>
-        </p:nvPicPr>
-        <p:blipFill>
-          <a:blip r:embed="rId11"/>
-          <a:stretch/>
-        </p:blipFill>
-        <p:spPr>
-          <a:xfrm>
-            <a:off x="166320" y="4748400"/>
-            <a:ext cx="2649240" cy="791280"/>
-          </a:xfrm>
-          <a:prstGeom prst="rect">
-            <a:avLst/>
-          </a:prstGeom>
-          <a:ln>
-            <a:noFill/>
-          </a:ln>
-        </p:spPr>
-      </p:pic>
-      <p:pic>
-        <p:nvPicPr>
-          <p:cNvPr id="174" name="Рисунок 18"/>
-          <p:cNvPicPr/>
-          <p:nvPr/>
-        </p:nvPicPr>
-        <p:blipFill>
-          <a:blip r:embed="rId12"/>
-          <a:stretch/>
-        </p:blipFill>
-        <p:spPr>
-          <a:xfrm>
-            <a:off x="216000" y="3398400"/>
-            <a:ext cx="2519280" cy="451800"/>
-          </a:xfrm>
-          <a:prstGeom prst="rect">
-            <a:avLst/>
-          </a:prstGeom>
-          <a:ln>
-            <a:noFill/>
-          </a:ln>
+            <a:off x="1512000" y="5431320"/>
+            <a:ext cx="1890720" cy="1404720"/>
+          </a:xfrm>
+          <a:prstGeom prst="rect">
+            <a:avLst/>
+          </a:prstGeom>
+          <a:ln>
+            <a:noFill/>
+          </a:ln>
+        </p:spPr>
+      </p:pic>
+      <p:pic>
+        <p:nvPicPr>
+          <p:cNvPr id="2" name="Рисунок 1"/>
+          <p:cNvPicPr>
+            <a:picLocks noChangeAspect="1"/>
+          </p:cNvPicPr>
+          <p:nvPr/>
+        </p:nvPicPr>
+        <p:blipFill>
+          <a:blip r:embed="rId11">
+            <a:extLst>
+              <a:ext uri="{28A0092B-C50C-407E-A947-70E740481C1C}">
+                <a14:useLocalDpi xmlns:a14="http://schemas.microsoft.com/office/drawing/2010/main" val="0"/>
+              </a:ext>
+            </a:extLst>
+          </a:blip>
+          <a:stretch>
+            <a:fillRect/>
+          </a:stretch>
+        </p:blipFill>
+        <p:spPr>
+          <a:xfrm>
+            <a:off x="5848560" y="4397079"/>
+            <a:ext cx="2323380" cy="2292402"/>
+          </a:xfrm>
+          <a:prstGeom prst="rect">
+            <a:avLst/>
+          </a:prstGeom>
         </p:spPr>
       </p:pic>
     </p:spTree>
+    <p:extLst>
+      <p:ext uri="{BB962C8B-B14F-4D97-AF65-F5344CB8AC3E}">
+        <p14:creationId xmlns:p14="http://schemas.microsoft.com/office/powerpoint/2010/main" val="932819263"/>
+      </p:ext>
+    </p:extLst>
   </p:cSld>
   <p:clrMapOvr>
     <a:masterClrMapping/>
@@ -7297,7 +7225,7 @@
         </p:nvSpPr>
         <p:spPr>
           <a:xfrm>
-            <a:off x="397800" y="2035080"/>
+            <a:off x="397800" y="2048332"/>
             <a:ext cx="5932080" cy="699120"/>
           </a:xfrm>
           <a:prstGeom prst="rect">
@@ -7399,7 +7327,7 @@
         <p:spPr>
           <a:xfrm>
             <a:off x="720000" y="3240360"/>
-            <a:ext cx="10511640" cy="1369800"/>
+            <a:ext cx="10511640" cy="2087014"/>
           </a:xfrm>
           <a:prstGeom prst="rect">
             <a:avLst/>
@@ -7425,8 +7353,15 @@
           <a:bodyPr lIns="90000" tIns="45000" rIns="90000" bIns="45000"/>
           <a:lstStyle/>
           <a:p>
+            <a:pPr marL="285750" indent="-285750">
+              <a:lnSpc>
+                <a:spcPct val="200000"/>
+              </a:lnSpc>
+              <a:buFont typeface="Arial" panose="020B0604020202020204" pitchFamily="34" charset="0"/>
+              <a:buChar char="•"/>
+            </a:pPr>
             <a:r>
-              <a:rPr lang="ru-RU" sz="1800" b="0" strike="noStrike" spc="-1">
+              <a:rPr lang="ru-RU" sz="1800" b="0" strike="noStrike" spc="-1" dirty="0" smtClean="0">
                 <a:solidFill>
                   <a:srgbClr val="000000"/>
                 </a:solidFill>
@@ -7437,25 +7372,10 @@
                 </a:uFill>
                 <a:latin typeface="Arial"/>
               </a:rPr>
-              <a:t>&gt; 1000 сотрудников</a:t>
+              <a:t>&gt; </a:t>
             </a:r>
-          </a:p>
-          <a:p>
-            <a:endParaRPr lang="ru-RU" sz="1800" b="0" strike="noStrike" spc="-1">
-              <a:solidFill>
-                <a:srgbClr val="000000"/>
-              </a:solidFill>
-              <a:uFill>
-                <a:solidFill>
-                  <a:srgbClr val="FFFFFF"/>
-                </a:solidFill>
-              </a:uFill>
-              <a:latin typeface="Arial"/>
-            </a:endParaRPr>
-          </a:p>
-          <a:p>
             <a:r>
-              <a:rPr lang="ru-RU" sz="1800" b="0" strike="noStrike" spc="-1">
+              <a:rPr lang="ru-RU" sz="1800" b="0" strike="noStrike" spc="-1" dirty="0">
                 <a:solidFill>
                   <a:srgbClr val="000000"/>
                 </a:solidFill>
@@ -7466,25 +7386,10 @@
                 </a:uFill>
                 <a:latin typeface="Arial"/>
               </a:rPr>
-              <a:t>&gt; 100 разработчиков</a:t>
+              <a:t>1000 </a:t>
             </a:r>
-          </a:p>
-          <a:p>
-            <a:endParaRPr lang="ru-RU" sz="1800" b="0" strike="noStrike" spc="-1">
-              <a:solidFill>
-                <a:srgbClr val="000000"/>
-              </a:solidFill>
-              <a:uFill>
-                <a:solidFill>
-                  <a:srgbClr val="FFFFFF"/>
-                </a:solidFill>
-              </a:uFill>
-              <a:latin typeface="Arial"/>
-            </a:endParaRPr>
-          </a:p>
-          <a:p>
             <a:r>
-              <a:rPr lang="ru-RU" sz="1800" b="0" strike="noStrike" spc="-1">
+              <a:rPr lang="ru-RU" sz="1800" b="0" strike="noStrike" spc="-1" dirty="0" smtClean="0">
                 <a:solidFill>
                   <a:srgbClr val="000000"/>
                 </a:solidFill>
@@ -7495,8 +7400,152 @@
                 </a:uFill>
                 <a:latin typeface="Arial"/>
               </a:rPr>
-              <a:t>- 3й год на рынке</a:t>
+              <a:t>сотрудников</a:t>
             </a:r>
+            <a:endParaRPr lang="ru-RU" sz="1800" b="0" strike="noStrike" spc="-1" dirty="0">
+              <a:solidFill>
+                <a:srgbClr val="000000"/>
+              </a:solidFill>
+              <a:uFill>
+                <a:solidFill>
+                  <a:srgbClr val="FFFFFF"/>
+                </a:solidFill>
+              </a:uFill>
+              <a:latin typeface="Arial"/>
+            </a:endParaRPr>
+          </a:p>
+          <a:p>
+            <a:pPr marL="285750" indent="-285750">
+              <a:lnSpc>
+                <a:spcPct val="200000"/>
+              </a:lnSpc>
+              <a:buFont typeface="Arial" panose="020B0604020202020204" pitchFamily="34" charset="0"/>
+              <a:buChar char="•"/>
+            </a:pPr>
+            <a:r>
+              <a:rPr lang="ru-RU" sz="1800" b="0" strike="noStrike" spc="-1" dirty="0" smtClean="0">
+                <a:solidFill>
+                  <a:srgbClr val="000000"/>
+                </a:solidFill>
+                <a:uFill>
+                  <a:solidFill>
+                    <a:srgbClr val="FFFFFF"/>
+                  </a:solidFill>
+                </a:uFill>
+                <a:latin typeface="Arial"/>
+              </a:rPr>
+              <a:t>&gt; </a:t>
+            </a:r>
+            <a:r>
+              <a:rPr lang="ru-RU" sz="1800" b="0" strike="noStrike" spc="-1" dirty="0">
+                <a:solidFill>
+                  <a:srgbClr val="000000"/>
+                </a:solidFill>
+                <a:uFill>
+                  <a:solidFill>
+                    <a:srgbClr val="FFFFFF"/>
+                  </a:solidFill>
+                </a:uFill>
+                <a:latin typeface="Arial"/>
+              </a:rPr>
+              <a:t>100 </a:t>
+            </a:r>
+            <a:r>
+              <a:rPr lang="ru-RU" sz="1800" b="0" strike="noStrike" spc="-1" dirty="0" smtClean="0">
+                <a:solidFill>
+                  <a:srgbClr val="000000"/>
+                </a:solidFill>
+                <a:uFill>
+                  <a:solidFill>
+                    <a:srgbClr val="FFFFFF"/>
+                  </a:solidFill>
+                </a:uFill>
+                <a:latin typeface="Arial"/>
+              </a:rPr>
+              <a:t>разработчиков</a:t>
+            </a:r>
+            <a:endParaRPr lang="ru-RU" spc="-1" dirty="0">
+              <a:solidFill>
+                <a:srgbClr val="000000"/>
+              </a:solidFill>
+              <a:uFill>
+                <a:solidFill>
+                  <a:srgbClr val="FFFFFF"/>
+                </a:solidFill>
+              </a:uFill>
+              <a:latin typeface="Arial"/>
+            </a:endParaRPr>
+          </a:p>
+          <a:p>
+            <a:pPr marL="285750" indent="-285750">
+              <a:lnSpc>
+                <a:spcPct val="200000"/>
+              </a:lnSpc>
+              <a:buFont typeface="Arial" panose="020B0604020202020204" pitchFamily="34" charset="0"/>
+              <a:buChar char="•"/>
+            </a:pPr>
+            <a:r>
+              <a:rPr lang="ru-RU" sz="1800" b="0" strike="noStrike" spc="-1" dirty="0" smtClean="0">
+                <a:solidFill>
+                  <a:srgbClr val="000000"/>
+                </a:solidFill>
+                <a:uFill>
+                  <a:solidFill>
+                    <a:srgbClr val="FFFFFF"/>
+                  </a:solidFill>
+                </a:uFill>
+                <a:latin typeface="Arial"/>
+              </a:rPr>
+              <a:t>Делаем лучший банковский сервис;</a:t>
+            </a:r>
+          </a:p>
+          <a:p>
+            <a:pPr marL="285750" indent="-285750">
+              <a:lnSpc>
+                <a:spcPct val="200000"/>
+              </a:lnSpc>
+              <a:buFont typeface="Arial" panose="020B0604020202020204" pitchFamily="34" charset="0"/>
+              <a:buChar char="•"/>
+            </a:pPr>
+            <a:r>
+              <a:rPr lang="ru-RU" spc="-1" dirty="0" smtClean="0">
+                <a:solidFill>
+                  <a:srgbClr val="000000"/>
+                </a:solidFill>
+                <a:uFill>
+                  <a:solidFill>
+                    <a:srgbClr val="FFFFFF"/>
+                  </a:solidFill>
+                </a:uFill>
+                <a:latin typeface="Arial"/>
+              </a:rPr>
+              <a:t>Не д</a:t>
+            </a:r>
+            <a:r>
+              <a:rPr lang="ru-RU" sz="1800" b="0" strike="noStrike" spc="-1" dirty="0" smtClean="0">
+                <a:solidFill>
+                  <a:srgbClr val="000000"/>
+                </a:solidFill>
+                <a:uFill>
+                  <a:solidFill>
+                    <a:srgbClr val="FFFFFF"/>
+                  </a:solidFill>
+                </a:uFill>
+                <a:latin typeface="Arial"/>
+              </a:rPr>
+              <a:t>аем кредиты</a:t>
+            </a:r>
+            <a:endParaRPr lang="ru-RU" sz="1800" b="0" strike="noStrike" spc="-1" dirty="0">
+              <a:solidFill>
+                <a:srgbClr val="000000"/>
+              </a:solidFill>
+              <a:uFill>
+                <a:solidFill>
+                  <a:srgbClr val="FFFFFF"/>
+                </a:solidFill>
+              </a:uFill>
+              <a:latin typeface="Arial"/>
+            </a:endParaRPr>
           </a:p>
         </p:txBody>
       </p:sp>
@@ -8802,4 +8851,265 @@
   <a:objectDefaults/>
   <a:extraClrSchemeLst/>
 </a:theme>
+</file>
+
+<file path=ppt/theme/theme2.xml><?xml version="1.0" encoding="utf-8"?>
+<a:theme xmlns:a="http://schemas.openxmlformats.org/drawingml/2006/main" name="Тема Office">
+  <a:themeElements>
+    <a:clrScheme name="Стандартная">
+      <a:dk1>
+        <a:sysClr val="windowText" lastClr="000000"/>
+      </a:dk1>
+      <a:lt1>
+        <a:sysClr val="window" lastClr="FFFFFF"/>
+      </a:lt1>
+      <a:dk2>
+        <a:srgbClr val="44546A"/>
+      </a:dk2>
+      <a:lt2>
+        <a:srgbClr val="E7E6E6"/>
+      </a:lt2>
+      <a:accent1>
+        <a:srgbClr val="5B9BD5"/>
+      </a:accent1>
+      <a:accent2>
+        <a:srgbClr val="ED7D31"/>
+      </a:accent2>
+      <a:accent3>
+        <a:srgbClr val="A5A5A5"/>
+      </a:accent3>
+      <a:accent4>
+        <a:srgbClr val="FFC000"/>
+      </a:accent4>
+      <a:accent5>
+        <a:srgbClr val="4472C4"/>
+      </a:accent5>
+      <a:accent6>
+        <a:srgbClr val="70AD47"/>
+      </a:accent6>
+      <a:hlink>
+        <a:srgbClr val="0563C1"/>
+      </a:hlink>
+      <a:folHlink>
+        <a:srgbClr val="954F72"/>
+      </a:folHlink>
+    </a:clrScheme>
+    <a:fontScheme name="Стандартная">
+      <a:majorFont>
+        <a:latin typeface="Calibri Light" panose="020F0302020204030204"/>
+        <a:ea typeface=""/>
+        <a:cs typeface=""/>
+        <a:font script="Jpan" typeface="ＭＳ Ｐゴシック"/>
+        <a:font script="Hang" typeface="맑은 고딕"/>
+        <a:font script="Hans" typeface="宋体"/>
+        <a:font script="Hant" typeface="新細明體"/>
+        <a:font script="Arab" typeface="Times New Roman"/>
+        <a:font script="Hebr" typeface="Times New Roman"/>
+        <a:font script="Thai" typeface="Angsana New"/>
+        <a:font script="Ethi" typeface="Nyala"/>
+        <a:font script="Beng" typeface="Vrinda"/>
+        <a:font script="Gujr" typeface="Shruti"/>
+        <a:font script="Khmr" typeface="MoolBoran"/>
+        <a:font script="Knda" typeface="Tunga"/>
+        <a:font script="Guru" typeface="Raavi"/>
+        <a:font script="Cans" typeface="Euphemia"/>
+        <a:font script="Cher" typeface="Plantagenet Cherokee"/>
+        <a:font script="Yiii" typeface="Microsoft Yi Baiti"/>
+        <a:font script="Tibt" typeface="Microsoft Himalaya"/>
+        <a:font script="Thaa" typeface="MV Boli"/>
+        <a:font script="Deva" typeface="Mangal"/>
+        <a:font script="Telu" typeface="Gautami"/>
+        <a:font script="Taml" typeface="Latha"/>
+        <a:font script="Syrc" typeface="Estrangelo Edessa"/>
+        <a:font script="Orya" typeface="Kalinga"/>
+        <a:font script="Mlym" typeface="Kartika"/>
+        <a:font script="Laoo" typeface="DokChampa"/>
+        <a:font script="Sinh" typeface="Iskoola Pota"/>
+        <a:font script="Mong" typeface="Mongolian Baiti"/>
+        <a:font script="Viet" typeface="Times New Roman"/>
+        <a:font script="Uigh" typeface="Microsoft Uighur"/>
+        <a:font script="Geor" typeface="Sylfaen"/>
+      </a:majorFont>
+      <a:minorFont>
+        <a:latin typeface="Calibri" panose="020F0502020204030204"/>
+        <a:ea typeface=""/>
+        <a:cs typeface=""/>
+        <a:font script="Jpan" typeface="ＭＳ Ｐゴシック"/>
+        <a:font script="Hang" typeface="맑은 고딕"/>
+        <a:font script="Hans" typeface="宋体"/>
+        <a:font script="Hant" typeface="新細明體"/>
+        <a:font script="Arab" typeface="Arial"/>
+        <a:font script="Hebr" typeface="Arial"/>
+        <a:font script="Thai" typeface="Cordia New"/>
+        <a:font script="Ethi" typeface="Nyala"/>
+        <a:font script="Beng" typeface="Vrinda"/>
+        <a:font script="Gujr" typeface="Shruti"/>
+        <a:font script="Khmr" typeface="DaunPenh"/>
+        <a:font script="Knda" typeface="Tunga"/>
+        <a:font script="Guru" typeface="Raavi"/>
+        <a:font script="Cans" typeface="Euphemia"/>
+        <a:font script="Cher" typeface="Plantagenet Cherokee"/>
+        <a:font script="Yiii" typeface="Microsoft Yi Baiti"/>
+        <a:font script="Tibt" typeface="Microsoft Himalaya"/>
+        <a:font script="Thaa" typeface="MV Boli"/>
+        <a:font script="Deva" typeface="Mangal"/>
+        <a:font script="Telu" typeface="Gautami"/>
+        <a:font script="Taml" typeface="Latha"/>
+        <a:font script="Syrc" typeface="Estrangelo Edessa"/>
+        <a:font script="Orya" typeface="Kalinga"/>
+        <a:font script="Mlym" typeface="Kartika"/>
+        <a:font script="Laoo" typeface="DokChampa"/>
+        <a:font script="Sinh" typeface="Iskoola Pota"/>
+        <a:font script="Mong" typeface="Mongolian Baiti"/>
+        <a:font script="Viet" typeface="Arial"/>
+        <a:font script="Uigh" typeface="Microsoft Uighur"/>
+        <a:font script="Geor" typeface="Sylfaen"/>
+      </a:minorFont>
+    </a:fontScheme>
+    <a:fmtScheme name="Стандартная">
+      <a:fillStyleLst>
+        <a:solidFill>
+          <a:schemeClr val="phClr"/>
+        </a:solidFill>
+        <a:gradFill rotWithShape="1">
+          <a:gsLst>
+            <a:gs pos="0">
+              <a:schemeClr val="phClr">
+                <a:lumMod val="110000"/>
+                <a:satMod val="105000"/>
+                <a:tint val="67000"/>
+              </a:schemeClr>
+            </a:gs>
+            <a:gs pos="50000">
+              <a:schemeClr val="phClr">
+                <a:lumMod val="105000"/>
+                <a:satMod val="103000"/>
+                <a:tint val="73000"/>
+              </a:schemeClr>
+            </a:gs>
+            <a:gs pos="100000">
+              <a:schemeClr val="phClr">
+                <a:lumMod val="105000"/>
+                <a:satMod val="109000"/>
+                <a:tint val="81000"/>
+              </a:schemeClr>
+            </a:gs>
+          </a:gsLst>
+          <a:lin ang="5400000" scaled="0"/>
+        </a:gradFill>
+        <a:gradFill rotWithShape="1">
+          <a:gsLst>
+            <a:gs pos="0">
+              <a:schemeClr val="phClr">
+                <a:satMod val="103000"/>
+                <a:lumMod val="102000"/>
+                <a:tint val="94000"/>
+              </a:schemeClr>
+            </a:gs>
+            <a:gs pos="50000">
+              <a:schemeClr val="phClr">
+                <a:satMod val="110000"/>
+                <a:lumMod val="100000"/>
+                <a:shade val="100000"/>
+              </a:schemeClr>
+            </a:gs>
+            <a:gs pos="100000">
+              <a:schemeClr val="phClr">
+                <a:lumMod val="99000"/>
+                <a:satMod val="120000"/>
+                <a:shade val="78000"/>
+              </a:schemeClr>
+            </a:gs>
+          </a:gsLst>
+          <a:lin ang="5400000" scaled="0"/>
+        </a:gradFill>
+      </a:fillStyleLst>
+      <a:lnStyleLst>
+        <a:ln w="6350" cap="flat" cmpd="sng" algn="ctr">
+          <a:solidFill>
+            <a:schemeClr val="phClr"/>
+          </a:solidFill>
+          <a:prstDash val="solid"/>
+          <a:miter lim="800000"/>
+        </a:ln>
+        <a:ln w="12700" cap="flat" cmpd="sng" algn="ctr">
+          <a:solidFill>
+            <a:schemeClr val="phClr"/>
+          </a:solidFill>
+          <a:prstDash val="solid"/>
+          <a:miter lim="800000"/>
+        </a:ln>
+        <a:ln w="19050" cap="flat" cmpd="sng" algn="ctr">
+          <a:solidFill>
+            <a:schemeClr val="phClr"/>
+          </a:solidFill>
+          <a:prstDash val="solid"/>
+          <a:miter lim="800000"/>
+        </a:ln>
+      </a:lnStyleLst>
+      <a:effectStyleLst>
+        <a:effectStyle>
+          <a:effectLst/>
+        </a:effectStyle>
+        <a:effectStyle>
+          <a:effectLst/>
+        </a:effectStyle>
+        <a:effectStyle>
+          <a:effectLst>
+            <a:outerShdw blurRad="57150" dist="19050" dir="5400000" algn="ctr" rotWithShape="0">
+              <a:srgbClr val="000000">
+                <a:alpha val="63000"/>
+              </a:srgbClr>
+            </a:outerShdw>
+          </a:effectLst>
+        </a:effectStyle>
+      </a:effectStyleLst>
+      <a:bgFillStyleLst>
+        <a:solidFill>
+          <a:schemeClr val="phClr"/>
+        </a:solidFill>
+        <a:solidFill>
+          <a:schemeClr val="phClr">
+            <a:tint val="95000"/>
+            <a:satMod val="170000"/>
+          </a:schemeClr>
+        </a:solidFill>
+        <a:gradFill rotWithShape="1">
+          <a:gsLst>
+            <a:gs pos="0">
+              <a:schemeClr val="phClr">
+                <a:tint val="93000"/>
+                <a:satMod val="150000"/>
+                <a:shade val="98000"/>
+                <a:lumMod val="102000"/>
+              </a:schemeClr>
+            </a:gs>
+            <a:gs pos="50000">
+              <a:schemeClr val="phClr">
+                <a:tint val="98000"/>
+                <a:satMod val="130000"/>
+                <a:shade val="90000"/>
+                <a:lumMod val="103000"/>
+              </a:schemeClr>
+            </a:gs>
+            <a:gs pos="100000">
+              <a:schemeClr val="phClr">
+                <a:shade val="63000"/>
+                <a:satMod val="120000"/>
+              </a:schemeClr>
+            </a:gs>
+          </a:gsLst>
+          <a:lin ang="5400000" scaled="0"/>
+        </a:gradFill>
+      </a:bgFillStyleLst>
+    </a:fmtScheme>
+  </a:themeElements>
+  <a:objectDefaults/>
+  <a:extraClrSchemeLst/>
+  <a:extLst>
+    <a:ext uri="{05A4C25C-085E-4340-85A3-A5531E510DB2}">
+      <thm15:themeFamily xmlns:thm15="http://schemas.microsoft.com/office/thememl/2012/main" name="Office Theme" id="{62F939B6-93AF-4DB8-9C6B-D6C7DFDC589F}" vid="{4A3C46E8-61CC-4603-A589-7422A47A8E4A}"/>
+    </a:ext>
+  </a:extLst>
+</a:theme>
 </file>
--- a/Презентация.pptx
+++ b/Презентация.pptx
@@ -5,7 +5,7 @@
     <p:sldMasterId id="2147483648" r:id="rId1"/>
   </p:sldMasterIdLst>
   <p:notesMasterIdLst>
-    <p:notesMasterId r:id="rId28"/>
+    <p:notesMasterId r:id="rId31"/>
   </p:notesMasterIdLst>
   <p:sldIdLst>
     <p:sldId id="285" r:id="rId2"/>
@@ -25,15 +25,18 @@
     <p:sldId id="270" r:id="rId16"/>
     <p:sldId id="269" r:id="rId17"/>
     <p:sldId id="272" r:id="rId18"/>
-    <p:sldId id="283" r:id="rId19"/>
-    <p:sldId id="284" r:id="rId20"/>
-    <p:sldId id="274" r:id="rId21"/>
-    <p:sldId id="275" r:id="rId22"/>
-    <p:sldId id="286" r:id="rId23"/>
-    <p:sldId id="287" r:id="rId24"/>
-    <p:sldId id="278" r:id="rId25"/>
-    <p:sldId id="279" r:id="rId26"/>
-    <p:sldId id="280" r:id="rId27"/>
+    <p:sldId id="288" r:id="rId19"/>
+    <p:sldId id="283" r:id="rId20"/>
+    <p:sldId id="284" r:id="rId21"/>
+    <p:sldId id="274" r:id="rId22"/>
+    <p:sldId id="275" r:id="rId23"/>
+    <p:sldId id="286" r:id="rId24"/>
+    <p:sldId id="287" r:id="rId25"/>
+    <p:sldId id="278" r:id="rId26"/>
+    <p:sldId id="279" r:id="rId27"/>
+    <p:sldId id="289" r:id="rId28"/>
+    <p:sldId id="290" r:id="rId29"/>
+    <p:sldId id="280" r:id="rId30"/>
   </p:sldIdLst>
   <p:sldSz cx="12192000" cy="6858000"/>
   <p:notesSz cx="7559675" cy="10691813"/>
@@ -2894,6 +2897,13 @@
   <p:clrMapOvr>
     <a:masterClrMapping/>
   </p:clrMapOvr>
+  <p:timing>
+    <p:tnLst>
+      <p:par>
+        <p:cTn id="1" dur="indefinite" restart="never" nodeType="tmRoot"/>
+      </p:par>
+    </p:tnLst>
+  </p:timing>
 </p:sld>
 </file>
 
@@ -3831,21 +3841,7 @@
                 </a:uFill>
                 <a:latin typeface="Arial"/>
               </a:rPr>
-              <a:t>Интеграционное </a:t>
-            </a:r>
-            <a:r>
-              <a:rPr lang="ru-RU" spc="-1" dirty="0" smtClean="0">
-                <a:solidFill>
-                  <a:srgbClr val="000000"/>
-                </a:solidFill>
-                <a:uFill>
-                  <a:solidFill>
-                    <a:srgbClr val="FFFFFF"/>
-                  </a:solidFill>
-                </a:uFill>
-                <a:latin typeface="Arial"/>
-              </a:rPr>
-              <a:t>тестирование</a:t>
+              <a:t>Интеграционное тестирование</a:t>
             </a:r>
             <a:r>
               <a:rPr lang="ru-RU" spc="-1" dirty="0">
@@ -4031,7 +4027,7 @@
                 <a:latin typeface="Anglecia Pro Title"/>
                 <a:ea typeface="ＭＳ Ｐゴシック"/>
               </a:rPr>
-              <a:t>Ошибки стоят денег</a:t>
+              <a:t>Сложности</a:t>
             </a:r>
             <a:endParaRPr lang="ru-RU" sz="1800" b="0" strike="noStrike" spc="-1" dirty="0">
               <a:solidFill>
@@ -4841,7 +4837,7 @@
       </p:grpSpPr>
       <p:pic>
         <p:nvPicPr>
-          <p:cNvPr id="104" name="Picture 14"/>
+          <p:cNvPr id="129" name="Picture 14"/>
           <p:cNvPicPr/>
           <p:nvPr/>
         </p:nvPicPr>
@@ -4864,7 +4860,7 @@
       </p:pic>
       <p:pic>
         <p:nvPicPr>
-          <p:cNvPr id="105" name="Picture 13"/>
+          <p:cNvPr id="130" name="Picture 13"/>
           <p:cNvPicPr/>
           <p:nvPr/>
         </p:nvPicPr>
@@ -4885,70 +4881,6 @@
           </a:ln>
         </p:spPr>
       </p:pic>
-      <p:sp>
-        <p:nvSpPr>
-          <p:cNvPr id="106" name="CustomShape 1"/>
-          <p:cNvSpPr/>
-          <p:nvPr/>
-        </p:nvSpPr>
-        <p:spPr>
-          <a:xfrm>
-            <a:off x="720720" y="3816000"/>
-            <a:ext cx="3311280" cy="288000"/>
-          </a:xfrm>
-          <a:prstGeom prst="rect">
-            <a:avLst/>
-          </a:prstGeom>
-          <a:noFill/>
-          <a:ln>
-            <a:noFill/>
-          </a:ln>
-        </p:spPr>
-        <p:style>
-          <a:lnRef idx="0">
-            <a:scrgbClr r="0" g="0" b="0"/>
-          </a:lnRef>
-          <a:fillRef idx="0">
-            <a:scrgbClr r="0" g="0" b="0"/>
-          </a:fillRef>
-          <a:effectRef idx="0">
-            <a:scrgbClr r="0" g="0" b="0"/>
-          </a:effectRef>
-          <a:fontRef idx="minor"/>
-        </p:style>
-        <p:txBody>
-          <a:bodyPr lIns="90000" tIns="45000" rIns="90000" bIns="45000"/>
-          <a:lstStyle/>
-          <a:p>
-            <a:r>
-              <a:rPr lang="ru-RU" sz="1400" b="0" strike="noStrike" spc="-1" dirty="0" smtClean="0">
-                <a:solidFill>
-                  <a:srgbClr val="000000"/>
-                </a:solidFill>
-                <a:uFill>
-                  <a:solidFill>
-                    <a:srgbClr val="FFFFFF"/>
-                  </a:solidFill>
-                </a:uFill>
-                <a:latin typeface="Arial"/>
-                <a:ea typeface="DejaVu Sans"/>
-              </a:rPr>
-              <a:t>Нас устраивало…</a:t>
-            </a:r>
-            <a:endParaRPr lang="ru-RU" sz="1800" b="0" strike="noStrike" spc="-1" dirty="0">
-              <a:solidFill>
-                <a:srgbClr val="000000"/>
-              </a:solidFill>
-              <a:uFill>
-                <a:solidFill>
-                  <a:srgbClr val="FFFFFF"/>
-                </a:solidFill>
-              </a:uFill>
-              <a:latin typeface="Arial"/>
-            </a:endParaRPr>
-          </a:p>
-        </p:txBody>
-      </p:sp>
       <p:pic>
         <p:nvPicPr>
           <p:cNvPr id="2" name="Рисунок 1"/>
@@ -4971,18 +4903,109 @@
         </p:blipFill>
         <p:spPr>
           <a:xfrm>
-            <a:off x="4152563" y="1987826"/>
-            <a:ext cx="7001923" cy="4777409"/>
+            <a:off x="5009322" y="0"/>
+            <a:ext cx="7182678" cy="6854327"/>
           </a:xfrm>
           <a:prstGeom prst="rect">
             <a:avLst/>
           </a:prstGeom>
         </p:spPr>
       </p:pic>
+      <p:sp>
+        <p:nvSpPr>
+          <p:cNvPr id="7" name="CustomShape 1"/>
+          <p:cNvSpPr/>
+          <p:nvPr/>
+        </p:nvSpPr>
+        <p:spPr>
+          <a:xfrm>
+            <a:off x="619920" y="2035080"/>
+            <a:ext cx="7012080" cy="699120"/>
+          </a:xfrm>
+          <a:prstGeom prst="rect">
+            <a:avLst/>
+          </a:prstGeom>
+          <a:noFill/>
+          <a:ln>
+            <a:noFill/>
+          </a:ln>
+        </p:spPr>
+        <p:style>
+          <a:lnRef idx="0">
+            <a:scrgbClr r="0" g="0" b="0"/>
+          </a:lnRef>
+          <a:fillRef idx="0">
+            <a:scrgbClr r="0" g="0" b="0"/>
+          </a:fillRef>
+          <a:effectRef idx="0">
+            <a:scrgbClr r="0" g="0" b="0"/>
+          </a:effectRef>
+          <a:fontRef idx="minor"/>
+        </p:style>
+        <p:txBody>
+          <a:bodyPr wrap="none" lIns="90000" tIns="45000" rIns="90000" bIns="45000"/>
+          <a:lstStyle/>
+          <a:p>
+            <a:pPr>
+              <a:lnSpc>
+                <a:spcPct val="100000"/>
+              </a:lnSpc>
+            </a:pPr>
+            <a:r>
+              <a:rPr lang="ru-RU" sz="4000" b="1" spc="-1" dirty="0" smtClean="0">
+                <a:solidFill>
+                  <a:srgbClr val="000000"/>
+                </a:solidFill>
+                <a:uFill>
+                  <a:solidFill>
+                    <a:srgbClr val="FFFFFF"/>
+                  </a:solidFill>
+                </a:uFill>
+                <a:latin typeface="Anglecia Pro Title"/>
+                <a:ea typeface="ＭＳ Ｐゴシック"/>
+              </a:rPr>
+              <a:t>Постоянное</a:t>
+            </a:r>
+          </a:p>
+          <a:p>
+            <a:pPr>
+              <a:lnSpc>
+                <a:spcPct val="100000"/>
+              </a:lnSpc>
+            </a:pPr>
+            <a:r>
+              <a:rPr lang="ru-RU" sz="4000" b="1" strike="noStrike" spc="-1" dirty="0" smtClean="0">
+                <a:solidFill>
+                  <a:srgbClr val="000000"/>
+                </a:solidFill>
+                <a:uFill>
+                  <a:solidFill>
+                    <a:srgbClr val="FFFFFF"/>
+                  </a:solidFill>
+                </a:uFill>
+                <a:latin typeface="Anglecia Pro Title"/>
+                <a:ea typeface="ＭＳ Ｐゴシック"/>
+              </a:rPr>
+              <a:t>соединение</a:t>
+            </a:r>
+            <a:endParaRPr lang="ru-RU" sz="1800" b="0" strike="noStrike" spc="-1" dirty="0">
+              <a:solidFill>
+                <a:srgbClr val="000000"/>
+              </a:solidFill>
+              <a:uFill>
+                <a:solidFill>
+                  <a:srgbClr val="FFFFFF"/>
+                </a:solidFill>
+              </a:uFill>
+              <a:latin typeface="Arial"/>
+            </a:endParaRPr>
+          </a:p>
+        </p:txBody>
+      </p:sp>
     </p:spTree>
     <p:extLst>
       <p:ext uri="{BB962C8B-B14F-4D97-AF65-F5344CB8AC3E}">
-        <p14:creationId xmlns:p14="http://schemas.microsoft.com/office/powerpoint/2010/main" val="1474592550"/>
+        <p14:creationId xmlns:p14="http://schemas.microsoft.com/office/powerpoint/2010/main" val="2403137985"/>
       </p:ext>
     </p:extLst>
   </p:cSld>
@@ -5038,7 +5061,7 @@
       </p:grpSpPr>
       <p:pic>
         <p:nvPicPr>
-          <p:cNvPr id="89" name="Picture 14"/>
+          <p:cNvPr id="104" name="Picture 14"/>
           <p:cNvPicPr/>
           <p:nvPr/>
         </p:nvPicPr>
@@ -5061,7 +5084,7 @@
       </p:pic>
       <p:pic>
         <p:nvPicPr>
-          <p:cNvPr id="90" name="Picture 13"/>
+          <p:cNvPr id="105" name="Picture 13"/>
           <p:cNvPicPr/>
           <p:nvPr/>
         </p:nvPicPr>
@@ -5084,14 +5107,14 @@
       </p:pic>
       <p:sp>
         <p:nvSpPr>
-          <p:cNvPr id="91" name="CustomShape 1"/>
+          <p:cNvPr id="106" name="CustomShape 1"/>
           <p:cNvSpPr/>
           <p:nvPr/>
         </p:nvSpPr>
         <p:spPr>
           <a:xfrm>
-            <a:off x="619920" y="2035080"/>
-            <a:ext cx="7012080" cy="699120"/>
+            <a:off x="720720" y="3816000"/>
+            <a:ext cx="3311280" cy="288000"/>
           </a:xfrm>
           <a:prstGeom prst="rect">
             <a:avLst/>
@@ -5114,16 +5137,11 @@
           <a:fontRef idx="minor"/>
         </p:style>
         <p:txBody>
-          <a:bodyPr wrap="none" lIns="90000" tIns="45000" rIns="90000" bIns="45000"/>
+          <a:bodyPr lIns="90000" tIns="45000" rIns="90000" bIns="45000"/>
           <a:lstStyle/>
           <a:p>
-            <a:pPr>
-              <a:lnSpc>
-                <a:spcPct val="100000"/>
-              </a:lnSpc>
-            </a:pPr>
             <a:r>
-              <a:rPr lang="ru-RU" sz="4000" b="1" spc="-1" dirty="0" smtClean="0">
+              <a:rPr lang="ru-RU" sz="1400" b="0" strike="noStrike" spc="-1" dirty="0" smtClean="0">
                 <a:solidFill>
                   <a:srgbClr val="000000"/>
                 </a:solidFill>
@@ -5132,10 +5150,10 @@
                     <a:srgbClr val="FFFFFF"/>
                   </a:solidFill>
                 </a:uFill>
-                <a:latin typeface="Anglecia Pro Title"/>
-                <a:ea typeface="ＭＳ Ｐゴシック"/>
+                <a:latin typeface="Arial"/>
+                <a:ea typeface="DejaVu Sans"/>
               </a:rPr>
-              <a:t>Структура Точки</a:t>
+              <a:t>Нас устраивало…</a:t>
             </a:r>
             <a:endParaRPr lang="ru-RU" sz="1800" b="0" strike="noStrike" spc="-1" dirty="0">
               <a:solidFill>
@@ -5173,8 +5191,8 @@
         </p:blipFill>
         <p:spPr>
           <a:xfrm>
-            <a:off x="5197337" y="0"/>
-            <a:ext cx="6994663" cy="6858000"/>
+            <a:off x="4152563" y="1987826"/>
+            <a:ext cx="7001923" cy="4777409"/>
           </a:xfrm>
           <a:prstGeom prst="rect">
             <a:avLst/>
@@ -5184,7 +5202,7 @@
     </p:spTree>
     <p:extLst>
       <p:ext uri="{BB962C8B-B14F-4D97-AF65-F5344CB8AC3E}">
-        <p14:creationId xmlns:p14="http://schemas.microsoft.com/office/powerpoint/2010/main" val="1628847049"/>
+        <p14:creationId xmlns:p14="http://schemas.microsoft.com/office/powerpoint/2010/main" val="1474592550"/>
       </p:ext>
     </p:extLst>
   </p:cSld>
@@ -5578,7 +5596,7 @@
       </p:grpSpPr>
       <p:pic>
         <p:nvPicPr>
-          <p:cNvPr id="144" name="Picture 14"/>
+          <p:cNvPr id="89" name="Picture 14"/>
           <p:cNvPicPr/>
           <p:nvPr/>
         </p:nvPicPr>
@@ -5601,7 +5619,7 @@
       </p:pic>
       <p:pic>
         <p:nvPicPr>
-          <p:cNvPr id="145" name="Picture 13"/>
+          <p:cNvPr id="90" name="Picture 13"/>
           <p:cNvPicPr/>
           <p:nvPr/>
         </p:nvPicPr>
@@ -5622,30 +5640,111 @@
           </a:ln>
         </p:spPr>
       </p:pic>
+      <p:sp>
+        <p:nvSpPr>
+          <p:cNvPr id="91" name="CustomShape 1"/>
+          <p:cNvSpPr/>
+          <p:nvPr/>
+        </p:nvSpPr>
+        <p:spPr>
+          <a:xfrm>
+            <a:off x="619920" y="2035080"/>
+            <a:ext cx="7012080" cy="699120"/>
+          </a:xfrm>
+          <a:prstGeom prst="rect">
+            <a:avLst/>
+          </a:prstGeom>
+          <a:noFill/>
+          <a:ln>
+            <a:noFill/>
+          </a:ln>
+        </p:spPr>
+        <p:style>
+          <a:lnRef idx="0">
+            <a:scrgbClr r="0" g="0" b="0"/>
+          </a:lnRef>
+          <a:fillRef idx="0">
+            <a:scrgbClr r="0" g="0" b="0"/>
+          </a:fillRef>
+          <a:effectRef idx="0">
+            <a:scrgbClr r="0" g="0" b="0"/>
+          </a:effectRef>
+          <a:fontRef idx="minor"/>
+        </p:style>
+        <p:txBody>
+          <a:bodyPr wrap="none" lIns="90000" tIns="45000" rIns="90000" bIns="45000"/>
+          <a:lstStyle/>
+          <a:p>
+            <a:pPr>
+              <a:lnSpc>
+                <a:spcPct val="100000"/>
+              </a:lnSpc>
+            </a:pPr>
+            <a:r>
+              <a:rPr lang="ru-RU" sz="4000" b="1" spc="-1" dirty="0" smtClean="0">
+                <a:solidFill>
+                  <a:srgbClr val="000000"/>
+                </a:solidFill>
+                <a:uFill>
+                  <a:solidFill>
+                    <a:srgbClr val="FFFFFF"/>
+                  </a:solidFill>
+                </a:uFill>
+                <a:latin typeface="Anglecia Pro Title"/>
+                <a:ea typeface="ＭＳ Ｐゴシック"/>
+              </a:rPr>
+              <a:t>Структура Точки</a:t>
+            </a:r>
+            <a:endParaRPr lang="ru-RU" sz="1800" b="0" strike="noStrike" spc="-1" dirty="0">
+              <a:solidFill>
+                <a:srgbClr val="000000"/>
+              </a:solidFill>
+              <a:uFill>
+                <a:solidFill>
+                  <a:srgbClr val="FFFFFF"/>
+                </a:solidFill>
+              </a:uFill>
+              <a:latin typeface="Arial"/>
+            </a:endParaRPr>
+          </a:p>
+        </p:txBody>
+      </p:sp>
       <p:pic>
         <p:nvPicPr>
-          <p:cNvPr id="146" name="Рисунок 127"/>
-          <p:cNvPicPr/>
+          <p:cNvPr id="2" name="Рисунок 1"/>
+          <p:cNvPicPr>
+            <a:picLocks noChangeAspect="1"/>
+          </p:cNvPicPr>
           <p:nvPr/>
         </p:nvPicPr>
         <p:blipFill>
-          <a:blip r:embed="rId4"/>
-          <a:stretch/>
+          <a:blip r:embed="rId4">
+            <a:extLst>
+              <a:ext uri="{28A0092B-C50C-407E-A947-70E740481C1C}">
+                <a14:useLocalDpi xmlns:a14="http://schemas.microsoft.com/office/drawing/2010/main" val="0"/>
+              </a:ext>
+            </a:extLst>
+          </a:blip>
+          <a:stretch>
+            <a:fillRect/>
+          </a:stretch>
         </p:blipFill>
         <p:spPr>
           <a:xfrm>
-            <a:off x="1080000" y="2088000"/>
-            <a:ext cx="9645840" cy="4734000"/>
-          </a:xfrm>
-          <a:prstGeom prst="rect">
-            <a:avLst/>
-          </a:prstGeom>
-          <a:ln>
-            <a:noFill/>
-          </a:ln>
+            <a:off x="5197337" y="0"/>
+            <a:ext cx="6994663" cy="6858000"/>
+          </a:xfrm>
+          <a:prstGeom prst="rect">
+            <a:avLst/>
+          </a:prstGeom>
         </p:spPr>
       </p:pic>
     </p:spTree>
+    <p:extLst>
+      <p:ext uri="{BB962C8B-B14F-4D97-AF65-F5344CB8AC3E}">
+        <p14:creationId xmlns:p14="http://schemas.microsoft.com/office/powerpoint/2010/main" val="1628847049"/>
+      </p:ext>
+    </p:extLst>
   </p:cSld>
   <p:clrMapOvr>
     <a:masterClrMapping/>
@@ -5699,7 +5798,7 @@
       </p:grpSpPr>
       <p:pic>
         <p:nvPicPr>
-          <p:cNvPr id="147" name="Picture 14"/>
+          <p:cNvPr id="144" name="Picture 14"/>
           <p:cNvPicPr/>
           <p:nvPr/>
         </p:nvPicPr>
@@ -5722,7 +5821,7 @@
       </p:pic>
       <p:pic>
         <p:nvPicPr>
-          <p:cNvPr id="148" name="Picture 13"/>
+          <p:cNvPr id="145" name="Picture 13"/>
           <p:cNvPicPr/>
           <p:nvPr/>
         </p:nvPicPr>
@@ -5745,32 +5844,25 @@
       </p:pic>
       <p:pic>
         <p:nvPicPr>
-          <p:cNvPr id="3" name="Рисунок 2"/>
-          <p:cNvPicPr>
-            <a:picLocks noChangeAspect="1"/>
-          </p:cNvPicPr>
+          <p:cNvPr id="146" name="Рисунок 127"/>
+          <p:cNvPicPr/>
           <p:nvPr/>
         </p:nvPicPr>
         <p:blipFill>
-          <a:blip r:embed="rId4">
-            <a:extLst>
-              <a:ext uri="{28A0092B-C50C-407E-A947-70E740481C1C}">
-                <a14:useLocalDpi xmlns:a14="http://schemas.microsoft.com/office/drawing/2010/main" val="0"/>
-              </a:ext>
-            </a:extLst>
-          </a:blip>
-          <a:stretch>
-            <a:fillRect/>
-          </a:stretch>
+          <a:blip r:embed="rId4"/>
+          <a:stretch/>
         </p:blipFill>
         <p:spPr>
           <a:xfrm>
-            <a:off x="3479947" y="1990725"/>
-            <a:ext cx="6296025" cy="4867275"/>
-          </a:xfrm>
-          <a:prstGeom prst="rect">
-            <a:avLst/>
-          </a:prstGeom>
+            <a:off x="1080000" y="2088000"/>
+            <a:ext cx="9645840" cy="4734000"/>
+          </a:xfrm>
+          <a:prstGeom prst="rect">
+            <a:avLst/>
+          </a:prstGeom>
+          <a:ln>
+            <a:noFill/>
+          </a:ln>
         </p:spPr>
       </p:pic>
     </p:spTree>
@@ -5827,7 +5919,7 @@
       </p:grpSpPr>
       <p:pic>
         <p:nvPicPr>
-          <p:cNvPr id="104" name="Picture 14"/>
+          <p:cNvPr id="147" name="Picture 14"/>
           <p:cNvPicPr/>
           <p:nvPr/>
         </p:nvPicPr>
@@ -5850,7 +5942,7 @@
       </p:pic>
       <p:pic>
         <p:nvPicPr>
-          <p:cNvPr id="105" name="Picture 13"/>
+          <p:cNvPr id="148" name="Picture 13"/>
           <p:cNvPicPr/>
           <p:nvPr/>
         </p:nvPicPr>
@@ -5871,118 +5963,9 @@
           </a:ln>
         </p:spPr>
       </p:pic>
-      <p:sp>
-        <p:nvSpPr>
-          <p:cNvPr id="106" name="CustomShape 1"/>
-          <p:cNvSpPr/>
-          <p:nvPr/>
-        </p:nvSpPr>
-        <p:spPr>
-          <a:xfrm>
-            <a:off x="720720" y="3816000"/>
-            <a:ext cx="3311280" cy="288000"/>
-          </a:xfrm>
-          <a:prstGeom prst="rect">
-            <a:avLst/>
-          </a:prstGeom>
-          <a:noFill/>
-          <a:ln>
-            <a:noFill/>
-          </a:ln>
-        </p:spPr>
-        <p:style>
-          <a:lnRef idx="0">
-            <a:scrgbClr r="0" g="0" b="0"/>
-          </a:lnRef>
-          <a:fillRef idx="0">
-            <a:scrgbClr r="0" g="0" b="0"/>
-          </a:fillRef>
-          <a:effectRef idx="0">
-            <a:scrgbClr r="0" g="0" b="0"/>
-          </a:effectRef>
-          <a:fontRef idx="minor"/>
-        </p:style>
-        <p:txBody>
-          <a:bodyPr lIns="90000" tIns="45000" rIns="90000" bIns="45000"/>
-          <a:lstStyle/>
-          <a:p>
-            <a:r>
-              <a:rPr lang="ru-RU" sz="1400" b="0" strike="noStrike" spc="-1" dirty="0">
-                <a:solidFill>
-                  <a:srgbClr val="000000"/>
-                </a:solidFill>
-                <a:uFill>
-                  <a:solidFill>
-                    <a:srgbClr val="FFFFFF"/>
-                  </a:solidFill>
-                </a:uFill>
-                <a:latin typeface="Arial"/>
-                <a:ea typeface="DejaVu Sans"/>
-              </a:rPr>
-              <a:t>~ </a:t>
-            </a:r>
-            <a:r>
-              <a:rPr lang="en-US" sz="1400" b="0" strike="noStrike" spc="-1" dirty="0" smtClean="0">
-                <a:solidFill>
-                  <a:srgbClr val="000000"/>
-                </a:solidFill>
-                <a:uFill>
-                  <a:solidFill>
-                    <a:srgbClr val="FFFFFF"/>
-                  </a:solidFill>
-                </a:uFill>
-                <a:latin typeface="Arial"/>
-                <a:ea typeface="DejaVu Sans"/>
-              </a:rPr>
-              <a:t>1 5</a:t>
-            </a:r>
-            <a:r>
-              <a:rPr lang="ru-RU" sz="1400" b="0" strike="noStrike" spc="-1" dirty="0" smtClean="0">
-                <a:solidFill>
-                  <a:srgbClr val="000000"/>
-                </a:solidFill>
-                <a:uFill>
-                  <a:solidFill>
-                    <a:srgbClr val="FFFFFF"/>
-                  </a:solidFill>
-                </a:uFill>
-                <a:latin typeface="Arial"/>
-                <a:ea typeface="DejaVu Sans"/>
-              </a:rPr>
-              <a:t>00 </a:t>
-            </a:r>
-            <a:r>
-              <a:rPr lang="ru-RU" sz="1400" b="0" strike="noStrike" spc="-1" dirty="0">
-                <a:solidFill>
-                  <a:srgbClr val="000000"/>
-                </a:solidFill>
-                <a:uFill>
-                  <a:solidFill>
-                    <a:srgbClr val="FFFFFF"/>
-                  </a:solidFill>
-                </a:uFill>
-                <a:latin typeface="Arial"/>
-                <a:ea typeface="DejaVu Sans"/>
-              </a:rPr>
-              <a:t>000 запросов в сутки</a:t>
-            </a:r>
-            <a:endParaRPr lang="ru-RU" sz="1800" b="0" strike="noStrike" spc="-1" dirty="0">
-              <a:solidFill>
-                <a:srgbClr val="000000"/>
-              </a:solidFill>
-              <a:uFill>
-                <a:solidFill>
-                  <a:srgbClr val="FFFFFF"/>
-                </a:solidFill>
-              </a:uFill>
-              <a:latin typeface="Arial"/>
-            </a:endParaRPr>
-          </a:p>
-        </p:txBody>
-      </p:sp>
       <p:pic>
         <p:nvPicPr>
-          <p:cNvPr id="2" name="Рисунок 1"/>
+          <p:cNvPr id="3" name="Рисунок 2"/>
           <p:cNvPicPr>
             <a:picLocks noChangeAspect="1"/>
           </p:cNvPicPr>
@@ -6002,8 +5985,8 @@
         </p:blipFill>
         <p:spPr>
           <a:xfrm>
-            <a:off x="4511743" y="2562225"/>
-            <a:ext cx="6296025" cy="4295775"/>
+            <a:off x="3479947" y="1990725"/>
+            <a:ext cx="6296025" cy="4867275"/>
           </a:xfrm>
           <a:prstGeom prst="rect">
             <a:avLst/>
@@ -6011,11 +5994,6 @@
         </p:spPr>
       </p:pic>
     </p:spTree>
-    <p:extLst>
-      <p:ext uri="{BB962C8B-B14F-4D97-AF65-F5344CB8AC3E}">
-        <p14:creationId xmlns:p14="http://schemas.microsoft.com/office/powerpoint/2010/main" val="2596146323"/>
-      </p:ext>
-    </p:extLst>
   </p:cSld>
   <p:clrMapOvr>
     <a:masterClrMapping/>
@@ -6069,7 +6047,7 @@
       </p:grpSpPr>
       <p:pic>
         <p:nvPicPr>
-          <p:cNvPr id="108" name="Picture 14"/>
+          <p:cNvPr id="104" name="Picture 14"/>
           <p:cNvPicPr/>
           <p:nvPr/>
         </p:nvPicPr>
@@ -6092,7 +6070,7 @@
       </p:pic>
       <p:pic>
         <p:nvPicPr>
-          <p:cNvPr id="109" name="Picture 13"/>
+          <p:cNvPr id="105" name="Picture 13"/>
           <p:cNvPicPr/>
           <p:nvPr/>
         </p:nvPicPr>
@@ -6113,167 +6091,115 @@
           </a:ln>
         </p:spPr>
       </p:pic>
-      <p:pic>
-        <p:nvPicPr>
-          <p:cNvPr id="110" name="Рисунок 88"/>
-          <p:cNvPicPr/>
-          <p:nvPr/>
-        </p:nvPicPr>
-        <p:blipFill>
-          <a:blip r:embed="rId4"/>
-          <a:stretch/>
-        </p:blipFill>
-        <p:spPr>
-          <a:xfrm>
-            <a:off x="6011940" y="2121120"/>
-            <a:ext cx="4320000" cy="774720"/>
-          </a:xfrm>
-          <a:prstGeom prst="rect">
-            <a:avLst/>
-          </a:prstGeom>
-          <a:ln>
-            <a:noFill/>
-          </a:ln>
-        </p:spPr>
-      </p:pic>
-      <p:pic>
-        <p:nvPicPr>
-          <p:cNvPr id="111" name="Рисунок 91"/>
-          <p:cNvPicPr/>
-          <p:nvPr/>
-        </p:nvPicPr>
-        <p:blipFill>
-          <a:blip r:embed="rId5"/>
-          <a:stretch/>
-        </p:blipFill>
-        <p:spPr>
-          <a:xfrm>
-            <a:off x="6789438" y="3347280"/>
-            <a:ext cx="2880000" cy="753120"/>
-          </a:xfrm>
-          <a:prstGeom prst="rect">
-            <a:avLst/>
-          </a:prstGeom>
-          <a:ln>
-            <a:noFill/>
-          </a:ln>
-        </p:spPr>
-      </p:pic>
-      <p:pic>
-        <p:nvPicPr>
-          <p:cNvPr id="112" name="Рисунок 111"/>
-          <p:cNvPicPr/>
-          <p:nvPr/>
-        </p:nvPicPr>
-        <p:blipFill>
-          <a:blip r:embed="rId6"/>
-          <a:stretch/>
-        </p:blipFill>
-        <p:spPr>
-          <a:xfrm>
-            <a:off x="980640" y="1944000"/>
-            <a:ext cx="2907360" cy="1224000"/>
-          </a:xfrm>
-          <a:prstGeom prst="rect">
-            <a:avLst/>
-          </a:prstGeom>
-          <a:ln>
-            <a:noFill/>
-          </a:ln>
-        </p:spPr>
-      </p:pic>
-      <p:pic>
-        <p:nvPicPr>
-          <p:cNvPr id="113" name="Рисунок 112"/>
-          <p:cNvPicPr/>
-          <p:nvPr/>
-        </p:nvPicPr>
-        <p:blipFill>
-          <a:blip r:embed="rId7"/>
-          <a:stretch/>
-        </p:blipFill>
-        <p:spPr>
-          <a:xfrm>
-            <a:off x="720000" y="2998440"/>
-            <a:ext cx="3168000" cy="1393560"/>
-          </a:xfrm>
-          <a:prstGeom prst="rect">
-            <a:avLst/>
-          </a:prstGeom>
-          <a:ln>
-            <a:noFill/>
-          </a:ln>
-        </p:spPr>
-      </p:pic>
-      <p:pic>
-        <p:nvPicPr>
-          <p:cNvPr id="114" name="Рисунок 90"/>
-          <p:cNvPicPr/>
-          <p:nvPr/>
-        </p:nvPicPr>
-        <p:blipFill>
-          <a:blip r:embed="rId8"/>
-          <a:stretch/>
-        </p:blipFill>
-        <p:spPr>
-          <a:xfrm>
-            <a:off x="432000" y="4248000"/>
-            <a:ext cx="4336560" cy="1295280"/>
-          </a:xfrm>
-          <a:prstGeom prst="rect">
-            <a:avLst/>
-          </a:prstGeom>
-          <a:ln>
-            <a:noFill/>
-          </a:ln>
-        </p:spPr>
-      </p:pic>
-      <p:pic>
-        <p:nvPicPr>
-          <p:cNvPr id="115" name="Рисунок 114"/>
-          <p:cNvPicPr/>
-          <p:nvPr/>
-        </p:nvPicPr>
-        <p:blipFill>
-          <a:blip r:embed="rId9"/>
-          <a:stretch/>
-        </p:blipFill>
-        <p:spPr>
-          <a:xfrm>
-            <a:off x="8560260" y="4228560"/>
-            <a:ext cx="2607480" cy="2607480"/>
-          </a:xfrm>
-          <a:prstGeom prst="rect">
-            <a:avLst/>
-          </a:prstGeom>
-          <a:ln>
-            <a:noFill/>
-          </a:ln>
-        </p:spPr>
-      </p:pic>
-      <p:pic>
-        <p:nvPicPr>
-          <p:cNvPr id="116" name="Рисунок 115"/>
-          <p:cNvPicPr/>
-          <p:nvPr/>
-        </p:nvPicPr>
-        <p:blipFill>
-          <a:blip r:embed="rId10"/>
-          <a:stretch/>
-        </p:blipFill>
-        <p:spPr>
-          <a:xfrm>
-            <a:off x="1512000" y="5431320"/>
-            <a:ext cx="1890720" cy="1404720"/>
-          </a:xfrm>
-          <a:prstGeom prst="rect">
-            <a:avLst/>
-          </a:prstGeom>
-          <a:ln>
-            <a:noFill/>
-          </a:ln>
-        </p:spPr>
-      </p:pic>
+      <p:sp>
+        <p:nvSpPr>
+          <p:cNvPr id="106" name="CustomShape 1"/>
+          <p:cNvSpPr/>
+          <p:nvPr/>
+        </p:nvSpPr>
+        <p:spPr>
+          <a:xfrm>
+            <a:off x="720720" y="3816000"/>
+            <a:ext cx="3311280" cy="288000"/>
+          </a:xfrm>
+          <a:prstGeom prst="rect">
+            <a:avLst/>
+          </a:prstGeom>
+          <a:noFill/>
+          <a:ln>
+            <a:noFill/>
+          </a:ln>
+        </p:spPr>
+        <p:style>
+          <a:lnRef idx="0">
+            <a:scrgbClr r="0" g="0" b="0"/>
+          </a:lnRef>
+          <a:fillRef idx="0">
+            <a:scrgbClr r="0" g="0" b="0"/>
+          </a:fillRef>
+          <a:effectRef idx="0">
+            <a:scrgbClr r="0" g="0" b="0"/>
+          </a:effectRef>
+          <a:fontRef idx="minor"/>
+        </p:style>
+        <p:txBody>
+          <a:bodyPr lIns="90000" tIns="45000" rIns="90000" bIns="45000"/>
+          <a:lstStyle/>
+          <a:p>
+            <a:r>
+              <a:rPr lang="ru-RU" sz="1400" b="0" strike="noStrike" spc="-1" dirty="0">
+                <a:solidFill>
+                  <a:srgbClr val="000000"/>
+                </a:solidFill>
+                <a:uFill>
+                  <a:solidFill>
+                    <a:srgbClr val="FFFFFF"/>
+                  </a:solidFill>
+                </a:uFill>
+                <a:latin typeface="Arial"/>
+                <a:ea typeface="DejaVu Sans"/>
+              </a:rPr>
+              <a:t>~ </a:t>
+            </a:r>
+            <a:r>
+              <a:rPr lang="en-US" sz="1400" b="0" strike="noStrike" spc="-1" dirty="0" smtClean="0">
+                <a:solidFill>
+                  <a:srgbClr val="000000"/>
+                </a:solidFill>
+                <a:uFill>
+                  <a:solidFill>
+                    <a:srgbClr val="FFFFFF"/>
+                  </a:solidFill>
+                </a:uFill>
+                <a:latin typeface="Arial"/>
+                <a:ea typeface="DejaVu Sans"/>
+              </a:rPr>
+              <a:t>1 5</a:t>
+            </a:r>
+            <a:r>
+              <a:rPr lang="ru-RU" sz="1400" b="0" strike="noStrike" spc="-1" dirty="0" smtClean="0">
+                <a:solidFill>
+                  <a:srgbClr val="000000"/>
+                </a:solidFill>
+                <a:uFill>
+                  <a:solidFill>
+                    <a:srgbClr val="FFFFFF"/>
+                  </a:solidFill>
+                </a:uFill>
+                <a:latin typeface="Arial"/>
+                <a:ea typeface="DejaVu Sans"/>
+              </a:rPr>
+              <a:t>00 </a:t>
+            </a:r>
+            <a:r>
+              <a:rPr lang="ru-RU" sz="1400" b="0" strike="noStrike" spc="-1" dirty="0">
+                <a:solidFill>
+                  <a:srgbClr val="000000"/>
+                </a:solidFill>
+                <a:uFill>
+                  <a:solidFill>
+                    <a:srgbClr val="FFFFFF"/>
+                  </a:solidFill>
+                </a:uFill>
+                <a:latin typeface="Arial"/>
+                <a:ea typeface="DejaVu Sans"/>
+              </a:rPr>
+              <a:t>000 запросов в сутки</a:t>
+            </a:r>
+            <a:endParaRPr lang="ru-RU" sz="1800" b="0" strike="noStrike" spc="-1" dirty="0">
+              <a:solidFill>
+                <a:srgbClr val="000000"/>
+              </a:solidFill>
+              <a:uFill>
+                <a:solidFill>
+                  <a:srgbClr val="FFFFFF"/>
+                </a:solidFill>
+              </a:uFill>
+              <a:latin typeface="Arial"/>
+            </a:endParaRPr>
+          </a:p>
+        </p:txBody>
+      </p:sp>
       <p:pic>
         <p:nvPicPr>
           <p:cNvPr id="2" name="Рисунок 1"/>
@@ -6283,7 +6209,7 @@
           <p:nvPr/>
         </p:nvPicPr>
         <p:blipFill>
-          <a:blip r:embed="rId11">
+          <a:blip r:embed="rId4">
             <a:extLst>
               <a:ext uri="{28A0092B-C50C-407E-A947-70E740481C1C}">
                 <a14:useLocalDpi xmlns:a14="http://schemas.microsoft.com/office/drawing/2010/main" val="0"/>
@@ -6296,8 +6222,8 @@
         </p:blipFill>
         <p:spPr>
           <a:xfrm>
-            <a:off x="5848560" y="4397079"/>
-            <a:ext cx="2323380" cy="2292402"/>
+            <a:off x="4511743" y="2562225"/>
+            <a:ext cx="6296025" cy="4295775"/>
           </a:xfrm>
           <a:prstGeom prst="rect">
             <a:avLst/>
@@ -6307,7 +6233,7 @@
     </p:spTree>
     <p:extLst>
       <p:ext uri="{BB962C8B-B14F-4D97-AF65-F5344CB8AC3E}">
-        <p14:creationId xmlns:p14="http://schemas.microsoft.com/office/powerpoint/2010/main" val="932819263"/>
+        <p14:creationId xmlns:p14="http://schemas.microsoft.com/office/powerpoint/2010/main" val="2596146323"/>
       </p:ext>
     </p:extLst>
   </p:cSld>
@@ -6363,7 +6289,7 @@
       </p:grpSpPr>
       <p:pic>
         <p:nvPicPr>
-          <p:cNvPr id="175" name="Picture 14"/>
+          <p:cNvPr id="108" name="Picture 14"/>
           <p:cNvPicPr/>
           <p:nvPr/>
         </p:nvPicPr>
@@ -6386,7 +6312,7 @@
       </p:pic>
       <p:pic>
         <p:nvPicPr>
-          <p:cNvPr id="176" name="Picture 13"/>
+          <p:cNvPr id="109" name="Picture 13"/>
           <p:cNvPicPr/>
           <p:nvPr/>
         </p:nvPicPr>
@@ -6409,7 +6335,7 @@
       </p:pic>
       <p:pic>
         <p:nvPicPr>
-          <p:cNvPr id="177" name="Изображение7"/>
+          <p:cNvPr id="110" name="Рисунок 88"/>
           <p:cNvPicPr/>
           <p:nvPr/>
         </p:nvPicPr>
@@ -6419,18 +6345,191 @@
         </p:blipFill>
         <p:spPr>
           <a:xfrm>
-            <a:off x="3791880" y="0"/>
-            <a:ext cx="8208360" cy="6647760"/>
-          </a:xfrm>
-          <a:prstGeom prst="rect">
-            <a:avLst/>
-          </a:prstGeom>
-          <a:ln>
-            <a:noFill/>
-          </a:ln>
+            <a:off x="6011940" y="2121120"/>
+            <a:ext cx="4320000" cy="774720"/>
+          </a:xfrm>
+          <a:prstGeom prst="rect">
+            <a:avLst/>
+          </a:prstGeom>
+          <a:ln>
+            <a:noFill/>
+          </a:ln>
+        </p:spPr>
+      </p:pic>
+      <p:pic>
+        <p:nvPicPr>
+          <p:cNvPr id="111" name="Рисунок 91"/>
+          <p:cNvPicPr/>
+          <p:nvPr/>
+        </p:nvPicPr>
+        <p:blipFill>
+          <a:blip r:embed="rId5"/>
+          <a:stretch/>
+        </p:blipFill>
+        <p:spPr>
+          <a:xfrm>
+            <a:off x="6789438" y="3347280"/>
+            <a:ext cx="2880000" cy="753120"/>
+          </a:xfrm>
+          <a:prstGeom prst="rect">
+            <a:avLst/>
+          </a:prstGeom>
+          <a:ln>
+            <a:noFill/>
+          </a:ln>
+        </p:spPr>
+      </p:pic>
+      <p:pic>
+        <p:nvPicPr>
+          <p:cNvPr id="112" name="Рисунок 111"/>
+          <p:cNvPicPr/>
+          <p:nvPr/>
+        </p:nvPicPr>
+        <p:blipFill>
+          <a:blip r:embed="rId6"/>
+          <a:stretch/>
+        </p:blipFill>
+        <p:spPr>
+          <a:xfrm>
+            <a:off x="980640" y="1944000"/>
+            <a:ext cx="2907360" cy="1224000"/>
+          </a:xfrm>
+          <a:prstGeom prst="rect">
+            <a:avLst/>
+          </a:prstGeom>
+          <a:ln>
+            <a:noFill/>
+          </a:ln>
+        </p:spPr>
+      </p:pic>
+      <p:pic>
+        <p:nvPicPr>
+          <p:cNvPr id="113" name="Рисунок 112"/>
+          <p:cNvPicPr/>
+          <p:nvPr/>
+        </p:nvPicPr>
+        <p:blipFill>
+          <a:blip r:embed="rId7"/>
+          <a:stretch/>
+        </p:blipFill>
+        <p:spPr>
+          <a:xfrm>
+            <a:off x="720000" y="2998440"/>
+            <a:ext cx="3168000" cy="1393560"/>
+          </a:xfrm>
+          <a:prstGeom prst="rect">
+            <a:avLst/>
+          </a:prstGeom>
+          <a:ln>
+            <a:noFill/>
+          </a:ln>
+        </p:spPr>
+      </p:pic>
+      <p:pic>
+        <p:nvPicPr>
+          <p:cNvPr id="114" name="Рисунок 90"/>
+          <p:cNvPicPr/>
+          <p:nvPr/>
+        </p:nvPicPr>
+        <p:blipFill>
+          <a:blip r:embed="rId8"/>
+          <a:stretch/>
+        </p:blipFill>
+        <p:spPr>
+          <a:xfrm>
+            <a:off x="432000" y="4248000"/>
+            <a:ext cx="4336560" cy="1295280"/>
+          </a:xfrm>
+          <a:prstGeom prst="rect">
+            <a:avLst/>
+          </a:prstGeom>
+          <a:ln>
+            <a:noFill/>
+          </a:ln>
+        </p:spPr>
+      </p:pic>
+      <p:pic>
+        <p:nvPicPr>
+          <p:cNvPr id="115" name="Рисунок 114"/>
+          <p:cNvPicPr/>
+          <p:nvPr/>
+        </p:nvPicPr>
+        <p:blipFill>
+          <a:blip r:embed="rId9"/>
+          <a:stretch/>
+        </p:blipFill>
+        <p:spPr>
+          <a:xfrm>
+            <a:off x="8560260" y="4228560"/>
+            <a:ext cx="2607480" cy="2607480"/>
+          </a:xfrm>
+          <a:prstGeom prst="rect">
+            <a:avLst/>
+          </a:prstGeom>
+          <a:ln>
+            <a:noFill/>
+          </a:ln>
+        </p:spPr>
+      </p:pic>
+      <p:pic>
+        <p:nvPicPr>
+          <p:cNvPr id="116" name="Рисунок 115"/>
+          <p:cNvPicPr/>
+          <p:nvPr/>
+        </p:nvPicPr>
+        <p:blipFill>
+          <a:blip r:embed="rId10"/>
+          <a:stretch/>
+        </p:blipFill>
+        <p:spPr>
+          <a:xfrm>
+            <a:off x="1512000" y="5431320"/>
+            <a:ext cx="1890720" cy="1404720"/>
+          </a:xfrm>
+          <a:prstGeom prst="rect">
+            <a:avLst/>
+          </a:prstGeom>
+          <a:ln>
+            <a:noFill/>
+          </a:ln>
+        </p:spPr>
+      </p:pic>
+      <p:pic>
+        <p:nvPicPr>
+          <p:cNvPr id="2" name="Рисунок 1"/>
+          <p:cNvPicPr>
+            <a:picLocks noChangeAspect="1"/>
+          </p:cNvPicPr>
+          <p:nvPr/>
+        </p:nvPicPr>
+        <p:blipFill>
+          <a:blip r:embed="rId11">
+            <a:extLst>
+              <a:ext uri="{28A0092B-C50C-407E-A947-70E740481C1C}">
+                <a14:useLocalDpi xmlns:a14="http://schemas.microsoft.com/office/drawing/2010/main" val="0"/>
+              </a:ext>
+            </a:extLst>
+          </a:blip>
+          <a:stretch>
+            <a:fillRect/>
+          </a:stretch>
+        </p:blipFill>
+        <p:spPr>
+          <a:xfrm>
+            <a:off x="5848560" y="4397079"/>
+            <a:ext cx="2323380" cy="2292402"/>
+          </a:xfrm>
+          <a:prstGeom prst="rect">
+            <a:avLst/>
+          </a:prstGeom>
         </p:spPr>
       </p:pic>
     </p:spTree>
+    <p:extLst>
+      <p:ext uri="{BB962C8B-B14F-4D97-AF65-F5344CB8AC3E}">
+        <p14:creationId xmlns:p14="http://schemas.microsoft.com/office/powerpoint/2010/main" val="932819263"/>
+      </p:ext>
+    </p:extLst>
   </p:cSld>
   <p:clrMapOvr>
     <a:masterClrMapping/>
@@ -6484,7 +6583,7 @@
       </p:grpSpPr>
       <p:pic>
         <p:nvPicPr>
-          <p:cNvPr id="178" name="Picture 14"/>
+          <p:cNvPr id="175" name="Picture 14"/>
           <p:cNvPicPr/>
           <p:nvPr/>
         </p:nvPicPr>
@@ -6507,7 +6606,7 @@
       </p:pic>
       <p:pic>
         <p:nvPicPr>
-          <p:cNvPr id="179" name="Picture 13"/>
+          <p:cNvPr id="176" name="Picture 13"/>
           <p:cNvPicPr/>
           <p:nvPr/>
         </p:nvPicPr>
@@ -6530,7 +6629,7 @@
       </p:pic>
       <p:pic>
         <p:nvPicPr>
-          <p:cNvPr id="180" name="Рисунок 1"/>
+          <p:cNvPr id="177" name="Изображение7"/>
           <p:cNvPicPr/>
           <p:nvPr/>
         </p:nvPicPr>
@@ -6540,8 +6639,8 @@
         </p:blipFill>
         <p:spPr>
           <a:xfrm>
-            <a:off x="5735880" y="0"/>
-            <a:ext cx="6455160" cy="6907680"/>
+            <a:off x="3791880" y="0"/>
+            <a:ext cx="8208360" cy="6647760"/>
           </a:xfrm>
           <a:prstGeom prst="rect">
             <a:avLst/>
@@ -6587,6 +6686,918 @@
 </file>
 
 <file path=ppt/slides/slide26.xml><?xml version="1.0" encoding="utf-8"?>
+<p:sld xmlns:a="http://schemas.openxmlformats.org/drawingml/2006/main" xmlns:r="http://schemas.openxmlformats.org/officeDocument/2006/relationships" xmlns:p="http://schemas.openxmlformats.org/presentationml/2006/main">
+  <p:cSld>
+    <p:spTree>
+      <p:nvGrpSpPr>
+        <p:cNvPr id="1" name=""/>
+        <p:cNvGrpSpPr/>
+        <p:nvPr/>
+      </p:nvGrpSpPr>
+      <p:grpSpPr>
+        <a:xfrm>
+          <a:off x="0" y="0"/>
+          <a:ext cx="0" cy="0"/>
+          <a:chOff x="0" y="0"/>
+          <a:chExt cx="0" cy="0"/>
+        </a:xfrm>
+      </p:grpSpPr>
+      <p:pic>
+        <p:nvPicPr>
+          <p:cNvPr id="178" name="Picture 14"/>
+          <p:cNvPicPr/>
+          <p:nvPr/>
+        </p:nvPicPr>
+        <p:blipFill>
+          <a:blip r:embed="rId2"/>
+          <a:stretch/>
+        </p:blipFill>
+        <p:spPr>
+          <a:xfrm>
+            <a:off x="3643560" y="-2510280"/>
+            <a:ext cx="5968800" cy="5968080"/>
+          </a:xfrm>
+          <a:prstGeom prst="rect">
+            <a:avLst/>
+          </a:prstGeom>
+          <a:ln>
+            <a:noFill/>
+          </a:ln>
+        </p:spPr>
+      </p:pic>
+      <p:pic>
+        <p:nvPicPr>
+          <p:cNvPr id="179" name="Picture 13"/>
+          <p:cNvPicPr/>
+          <p:nvPr/>
+        </p:nvPicPr>
+        <p:blipFill>
+          <a:blip r:embed="rId3"/>
+          <a:stretch/>
+        </p:blipFill>
+        <p:spPr>
+          <a:xfrm>
+            <a:off x="658800" y="896400"/>
+            <a:ext cx="981360" cy="191520"/>
+          </a:xfrm>
+          <a:prstGeom prst="rect">
+            <a:avLst/>
+          </a:prstGeom>
+          <a:ln>
+            <a:noFill/>
+          </a:ln>
+        </p:spPr>
+      </p:pic>
+      <p:pic>
+        <p:nvPicPr>
+          <p:cNvPr id="180" name="Рисунок 1"/>
+          <p:cNvPicPr/>
+          <p:nvPr/>
+        </p:nvPicPr>
+        <p:blipFill>
+          <a:blip r:embed="rId4"/>
+          <a:stretch/>
+        </p:blipFill>
+        <p:spPr>
+          <a:xfrm>
+            <a:off x="5735880" y="0"/>
+            <a:ext cx="6455160" cy="6907680"/>
+          </a:xfrm>
+          <a:prstGeom prst="rect">
+            <a:avLst/>
+          </a:prstGeom>
+          <a:ln>
+            <a:noFill/>
+          </a:ln>
+        </p:spPr>
+      </p:pic>
+    </p:spTree>
+  </p:cSld>
+  <p:clrMapOvr>
+    <a:masterClrMapping/>
+  </p:clrMapOvr>
+  <p:timing>
+    <p:tnLst>
+      <p:par>
+        <p:cTn id="1" dur="indefinite" restart="never" nodeType="tmRoot">
+          <p:childTnLst>
+            <p:seq>
+              <p:cTn id="2" nodeType="mainSeq"/>
+              <p:prevCondLst>
+                <p:cond evt="onPrev" delay="0">
+                  <p:tgtEl>
+                    <p:sldTgt/>
+                  </p:tgtEl>
+                </p:cond>
+              </p:prevCondLst>
+              <p:nextCondLst>
+                <p:cond evt="onNext" delay="0">
+                  <p:tgtEl>
+                    <p:sldTgt/>
+                  </p:tgtEl>
+                </p:cond>
+              </p:nextCondLst>
+            </p:seq>
+          </p:childTnLst>
+        </p:cTn>
+      </p:par>
+    </p:tnLst>
+  </p:timing>
+</p:sld>
+</file>
+
+<file path=ppt/slides/slide27.xml><?xml version="1.0" encoding="utf-8"?>
+<p:sld xmlns:a="http://schemas.openxmlformats.org/drawingml/2006/main" xmlns:r="http://schemas.openxmlformats.org/officeDocument/2006/relationships" xmlns:p="http://schemas.openxmlformats.org/presentationml/2006/main">
+  <p:cSld>
+    <p:spTree>
+      <p:nvGrpSpPr>
+        <p:cNvPr id="1" name=""/>
+        <p:cNvGrpSpPr/>
+        <p:nvPr/>
+      </p:nvGrpSpPr>
+      <p:grpSpPr>
+        <a:xfrm>
+          <a:off x="0" y="0"/>
+          <a:ext cx="0" cy="0"/>
+          <a:chOff x="0" y="0"/>
+          <a:chExt cx="0" cy="0"/>
+        </a:xfrm>
+      </p:grpSpPr>
+      <p:pic>
+        <p:nvPicPr>
+          <p:cNvPr id="72" name="Picture 14"/>
+          <p:cNvPicPr/>
+          <p:nvPr/>
+        </p:nvPicPr>
+        <p:blipFill>
+          <a:blip r:embed="rId2"/>
+          <a:stretch/>
+        </p:blipFill>
+        <p:spPr>
+          <a:xfrm>
+            <a:off x="3643560" y="-2510280"/>
+            <a:ext cx="5968800" cy="5968080"/>
+          </a:xfrm>
+          <a:prstGeom prst="rect">
+            <a:avLst/>
+          </a:prstGeom>
+          <a:ln>
+            <a:noFill/>
+          </a:ln>
+        </p:spPr>
+      </p:pic>
+      <p:pic>
+        <p:nvPicPr>
+          <p:cNvPr id="73" name="Picture 13"/>
+          <p:cNvPicPr/>
+          <p:nvPr/>
+        </p:nvPicPr>
+        <p:blipFill>
+          <a:blip r:embed="rId3"/>
+          <a:stretch/>
+        </p:blipFill>
+        <p:spPr>
+          <a:xfrm>
+            <a:off x="658800" y="896400"/>
+            <a:ext cx="981360" cy="191520"/>
+          </a:xfrm>
+          <a:prstGeom prst="rect">
+            <a:avLst/>
+          </a:prstGeom>
+          <a:ln>
+            <a:noFill/>
+          </a:ln>
+        </p:spPr>
+      </p:pic>
+      <p:sp>
+        <p:nvSpPr>
+          <p:cNvPr id="74" name="CustomShape 1"/>
+          <p:cNvSpPr/>
+          <p:nvPr/>
+        </p:nvSpPr>
+        <p:spPr>
+          <a:xfrm>
+            <a:off x="397800" y="2035080"/>
+            <a:ext cx="5932080" cy="699120"/>
+          </a:xfrm>
+          <a:prstGeom prst="rect">
+            <a:avLst/>
+          </a:prstGeom>
+          <a:noFill/>
+          <a:ln>
+            <a:noFill/>
+          </a:ln>
+        </p:spPr>
+        <p:style>
+          <a:lnRef idx="0">
+            <a:scrgbClr r="0" g="0" b="0"/>
+          </a:lnRef>
+          <a:fillRef idx="0">
+            <a:scrgbClr r="0" g="0" b="0"/>
+          </a:fillRef>
+          <a:effectRef idx="0">
+            <a:scrgbClr r="0" g="0" b="0"/>
+          </a:effectRef>
+          <a:fontRef idx="minor"/>
+        </p:style>
+        <p:txBody>
+          <a:bodyPr wrap="none" lIns="90000" tIns="45000" rIns="90000" bIns="45000"/>
+          <a:lstStyle/>
+          <a:p>
+            <a:pPr>
+              <a:lnSpc>
+                <a:spcPct val="100000"/>
+              </a:lnSpc>
+            </a:pPr>
+            <a:r>
+              <a:rPr lang="ru-RU" sz="4000" b="1" strike="noStrike" spc="-1" dirty="0" smtClean="0">
+                <a:solidFill>
+                  <a:srgbClr val="000000"/>
+                </a:solidFill>
+                <a:uFill>
+                  <a:solidFill>
+                    <a:srgbClr val="FFFFFF"/>
+                  </a:solidFill>
+                </a:uFill>
+                <a:latin typeface="Anglecia Pro Title"/>
+                <a:ea typeface="ＭＳ Ｐゴシック"/>
+              </a:rPr>
+              <a:t>Результат</a:t>
+            </a:r>
+            <a:endParaRPr lang="ru-RU" sz="1800" b="0" strike="noStrike" spc="-1" dirty="0">
+              <a:solidFill>
+                <a:srgbClr val="000000"/>
+              </a:solidFill>
+              <a:uFill>
+                <a:solidFill>
+                  <a:srgbClr val="FFFFFF"/>
+                </a:solidFill>
+              </a:uFill>
+              <a:latin typeface="Arial"/>
+            </a:endParaRPr>
+          </a:p>
+        </p:txBody>
+      </p:sp>
+      <p:sp>
+        <p:nvSpPr>
+          <p:cNvPr id="75" name="CustomShape 2"/>
+          <p:cNvSpPr/>
+          <p:nvPr/>
+        </p:nvSpPr>
+        <p:spPr>
+          <a:xfrm>
+            <a:off x="720000" y="2952000"/>
+            <a:ext cx="3743280" cy="288000"/>
+          </a:xfrm>
+          <a:prstGeom prst="rect">
+            <a:avLst/>
+          </a:prstGeom>
+          <a:noFill/>
+          <a:ln>
+            <a:noFill/>
+          </a:ln>
+        </p:spPr>
+        <p:style>
+          <a:lnRef idx="0">
+            <a:scrgbClr r="0" g="0" b="0"/>
+          </a:lnRef>
+          <a:fillRef idx="0">
+            <a:scrgbClr r="0" g="0" b="0"/>
+          </a:fillRef>
+          <a:effectRef idx="0">
+            <a:scrgbClr r="0" g="0" b="0"/>
+          </a:effectRef>
+          <a:fontRef idx="minor"/>
+        </p:style>
+      </p:sp>
+      <p:sp>
+        <p:nvSpPr>
+          <p:cNvPr id="76" name="CustomShape 3"/>
+          <p:cNvSpPr/>
+          <p:nvPr/>
+        </p:nvSpPr>
+        <p:spPr>
+          <a:xfrm>
+            <a:off x="720000" y="3240359"/>
+            <a:ext cx="10511640" cy="2140023"/>
+          </a:xfrm>
+          <a:prstGeom prst="rect">
+            <a:avLst/>
+          </a:prstGeom>
+          <a:noFill/>
+          <a:ln>
+            <a:noFill/>
+          </a:ln>
+        </p:spPr>
+        <p:style>
+          <a:lnRef idx="0">
+            <a:scrgbClr r="0" g="0" b="0"/>
+          </a:lnRef>
+          <a:fillRef idx="0">
+            <a:scrgbClr r="0" g="0" b="0"/>
+          </a:fillRef>
+          <a:effectRef idx="0">
+            <a:scrgbClr r="0" g="0" b="0"/>
+          </a:effectRef>
+          <a:fontRef idx="minor"/>
+        </p:style>
+        <p:txBody>
+          <a:bodyPr lIns="90000" tIns="45000" rIns="90000" bIns="45000"/>
+          <a:lstStyle/>
+          <a:p>
+            <a:pPr marL="285750" indent="-285750">
+              <a:lnSpc>
+                <a:spcPct val="200000"/>
+              </a:lnSpc>
+              <a:buFont typeface="Arial" panose="020B0604020202020204" pitchFamily="34" charset="0"/>
+              <a:buChar char="•"/>
+            </a:pPr>
+            <a:r>
+              <a:rPr lang="ru-RU" sz="1800" b="0" strike="noStrike" spc="-1" dirty="0" smtClean="0">
+                <a:solidFill>
+                  <a:srgbClr val="000000"/>
+                </a:solidFill>
+                <a:uFill>
+                  <a:solidFill>
+                    <a:srgbClr val="FFFFFF"/>
+                  </a:solidFill>
+                </a:uFill>
+                <a:latin typeface="Arial"/>
+              </a:rPr>
+              <a:t>Рост производительности в </a:t>
+            </a:r>
+            <a:r>
+              <a:rPr lang="en-US" sz="1800" b="0" strike="noStrike" spc="-1" dirty="0" smtClean="0">
+                <a:solidFill>
+                  <a:srgbClr val="000000"/>
+                </a:solidFill>
+                <a:uFill>
+                  <a:solidFill>
+                    <a:srgbClr val="FFFFFF"/>
+                  </a:solidFill>
+                </a:uFill>
+                <a:latin typeface="Arial"/>
+              </a:rPr>
+              <a:t>~2</a:t>
+            </a:r>
+            <a:r>
+              <a:rPr lang="ru-RU" sz="1800" b="0" strike="noStrike" spc="-1" dirty="0" smtClean="0">
+                <a:solidFill>
+                  <a:srgbClr val="000000"/>
+                </a:solidFill>
+                <a:uFill>
+                  <a:solidFill>
+                    <a:srgbClr val="FFFFFF"/>
+                  </a:solidFill>
+                </a:uFill>
+                <a:latin typeface="Arial"/>
+              </a:rPr>
+              <a:t> раза;</a:t>
+            </a:r>
+            <a:endParaRPr lang="ru-RU" sz="1800" b="0" strike="noStrike" spc="-1" dirty="0">
+              <a:solidFill>
+                <a:srgbClr val="000000"/>
+              </a:solidFill>
+              <a:uFill>
+                <a:solidFill>
+                  <a:srgbClr val="FFFFFF"/>
+                </a:solidFill>
+              </a:uFill>
+              <a:latin typeface="Arial"/>
+            </a:endParaRPr>
+          </a:p>
+          <a:p>
+            <a:pPr marL="285750" indent="-285750">
+              <a:lnSpc>
+                <a:spcPct val="200000"/>
+              </a:lnSpc>
+              <a:buFont typeface="Arial" panose="020B0604020202020204" pitchFamily="34" charset="0"/>
+              <a:buChar char="•"/>
+            </a:pPr>
+            <a:r>
+              <a:rPr lang="ru-RU" sz="1800" b="0" strike="noStrike" spc="-1" dirty="0" smtClean="0">
+                <a:solidFill>
+                  <a:srgbClr val="000000"/>
+                </a:solidFill>
+                <a:uFill>
+                  <a:solidFill>
+                    <a:srgbClr val="FFFFFF"/>
+                  </a:solidFill>
+                </a:uFill>
+                <a:latin typeface="Arial"/>
+              </a:rPr>
+              <a:t>Увеличена отказоустойчивость сервиса;</a:t>
+            </a:r>
+            <a:endParaRPr lang="ru-RU" sz="1800" b="0" strike="noStrike" spc="-1" dirty="0">
+              <a:solidFill>
+                <a:srgbClr val="000000"/>
+              </a:solidFill>
+              <a:uFill>
+                <a:solidFill>
+                  <a:srgbClr val="FFFFFF"/>
+                </a:solidFill>
+              </a:uFill>
+              <a:latin typeface="Arial"/>
+            </a:endParaRPr>
+          </a:p>
+          <a:p>
+            <a:pPr marL="285750" indent="-285750">
+              <a:lnSpc>
+                <a:spcPct val="200000"/>
+              </a:lnSpc>
+              <a:buFont typeface="Arial" panose="020B0604020202020204" pitchFamily="34" charset="0"/>
+              <a:buChar char="•"/>
+            </a:pPr>
+            <a:r>
+              <a:rPr lang="ru-RU" sz="1800" b="0" strike="noStrike" spc="-1" dirty="0" smtClean="0">
+                <a:solidFill>
+                  <a:srgbClr val="000000"/>
+                </a:solidFill>
+                <a:uFill>
+                  <a:solidFill>
+                    <a:srgbClr val="FFFFFF"/>
+                  </a:solidFill>
+                </a:uFill>
+                <a:latin typeface="Arial"/>
+              </a:rPr>
+              <a:t>Добавлены адекватные мониторинг и </a:t>
+            </a:r>
+            <a:r>
+              <a:rPr lang="ru-RU" sz="1800" b="0" strike="noStrike" spc="-1" dirty="0" err="1" smtClean="0">
+                <a:solidFill>
+                  <a:srgbClr val="000000"/>
+                </a:solidFill>
+                <a:uFill>
+                  <a:solidFill>
+                    <a:srgbClr val="FFFFFF"/>
+                  </a:solidFill>
+                </a:uFill>
+                <a:latin typeface="Arial"/>
+              </a:rPr>
+              <a:t>логирование</a:t>
+            </a:r>
+            <a:r>
+              <a:rPr lang="ru-RU" sz="1800" b="0" strike="noStrike" spc="-1" dirty="0" smtClean="0">
+                <a:solidFill>
+                  <a:srgbClr val="000000"/>
+                </a:solidFill>
+                <a:uFill>
+                  <a:solidFill>
+                    <a:srgbClr val="FFFFFF"/>
+                  </a:solidFill>
+                </a:uFill>
+                <a:latin typeface="Arial"/>
+              </a:rPr>
+              <a:t>.</a:t>
+            </a:r>
+            <a:endParaRPr lang="ru-RU" sz="1800" b="0" strike="noStrike" spc="-1" dirty="0">
+              <a:solidFill>
+                <a:srgbClr val="000000"/>
+              </a:solidFill>
+              <a:uFill>
+                <a:solidFill>
+                  <a:srgbClr val="FFFFFF"/>
+                </a:solidFill>
+              </a:uFill>
+              <a:latin typeface="Arial"/>
+            </a:endParaRPr>
+          </a:p>
+        </p:txBody>
+      </p:sp>
+    </p:spTree>
+    <p:extLst>
+      <p:ext uri="{BB962C8B-B14F-4D97-AF65-F5344CB8AC3E}">
+        <p14:creationId xmlns:p14="http://schemas.microsoft.com/office/powerpoint/2010/main" val="1133031471"/>
+      </p:ext>
+    </p:extLst>
+  </p:cSld>
+  <p:clrMapOvr>
+    <a:masterClrMapping/>
+  </p:clrMapOvr>
+  <p:timing>
+    <p:tnLst>
+      <p:par>
+        <p:cTn id="1" dur="indefinite" restart="never" nodeType="tmRoot">
+          <p:childTnLst>
+            <p:seq>
+              <p:cTn id="2" nodeType="mainSeq"/>
+              <p:prevCondLst>
+                <p:cond evt="onPrev" delay="0">
+                  <p:tgtEl>
+                    <p:sldTgt/>
+                  </p:tgtEl>
+                </p:cond>
+              </p:prevCondLst>
+              <p:nextCondLst>
+                <p:cond evt="onNext" delay="0">
+                  <p:tgtEl>
+                    <p:sldTgt/>
+                  </p:tgtEl>
+                </p:cond>
+              </p:nextCondLst>
+            </p:seq>
+          </p:childTnLst>
+        </p:cTn>
+      </p:par>
+    </p:tnLst>
+  </p:timing>
+</p:sld>
+</file>
+
+<file path=ppt/slides/slide28.xml><?xml version="1.0" encoding="utf-8"?>
+<p:sld xmlns:a="http://schemas.openxmlformats.org/drawingml/2006/main" xmlns:r="http://schemas.openxmlformats.org/officeDocument/2006/relationships" xmlns:p="http://schemas.openxmlformats.org/presentationml/2006/main">
+  <p:cSld>
+    <p:spTree>
+      <p:nvGrpSpPr>
+        <p:cNvPr id="1" name=""/>
+        <p:cNvGrpSpPr/>
+        <p:nvPr/>
+      </p:nvGrpSpPr>
+      <p:grpSpPr>
+        <a:xfrm>
+          <a:off x="0" y="0"/>
+          <a:ext cx="0" cy="0"/>
+          <a:chOff x="0" y="0"/>
+          <a:chExt cx="0" cy="0"/>
+        </a:xfrm>
+      </p:grpSpPr>
+      <p:pic>
+        <p:nvPicPr>
+          <p:cNvPr id="72" name="Picture 14"/>
+          <p:cNvPicPr/>
+          <p:nvPr/>
+        </p:nvPicPr>
+        <p:blipFill>
+          <a:blip r:embed="rId2"/>
+          <a:stretch/>
+        </p:blipFill>
+        <p:spPr>
+          <a:xfrm>
+            <a:off x="3643560" y="-2510280"/>
+            <a:ext cx="5968800" cy="5968080"/>
+          </a:xfrm>
+          <a:prstGeom prst="rect">
+            <a:avLst/>
+          </a:prstGeom>
+          <a:ln>
+            <a:noFill/>
+          </a:ln>
+        </p:spPr>
+      </p:pic>
+      <p:pic>
+        <p:nvPicPr>
+          <p:cNvPr id="73" name="Picture 13"/>
+          <p:cNvPicPr/>
+          <p:nvPr/>
+        </p:nvPicPr>
+        <p:blipFill>
+          <a:blip r:embed="rId3"/>
+          <a:stretch/>
+        </p:blipFill>
+        <p:spPr>
+          <a:xfrm>
+            <a:off x="658800" y="896400"/>
+            <a:ext cx="981360" cy="191520"/>
+          </a:xfrm>
+          <a:prstGeom prst="rect">
+            <a:avLst/>
+          </a:prstGeom>
+          <a:ln>
+            <a:noFill/>
+          </a:ln>
+        </p:spPr>
+      </p:pic>
+      <p:sp>
+        <p:nvSpPr>
+          <p:cNvPr id="74" name="CustomShape 1"/>
+          <p:cNvSpPr/>
+          <p:nvPr/>
+        </p:nvSpPr>
+        <p:spPr>
+          <a:xfrm>
+            <a:off x="397800" y="2035080"/>
+            <a:ext cx="5932080" cy="699120"/>
+          </a:xfrm>
+          <a:prstGeom prst="rect">
+            <a:avLst/>
+          </a:prstGeom>
+          <a:noFill/>
+          <a:ln>
+            <a:noFill/>
+          </a:ln>
+        </p:spPr>
+        <p:style>
+          <a:lnRef idx="0">
+            <a:scrgbClr r="0" g="0" b="0"/>
+          </a:lnRef>
+          <a:fillRef idx="0">
+            <a:scrgbClr r="0" g="0" b="0"/>
+          </a:fillRef>
+          <a:effectRef idx="0">
+            <a:scrgbClr r="0" g="0" b="0"/>
+          </a:effectRef>
+          <a:fontRef idx="minor"/>
+        </p:style>
+        <p:txBody>
+          <a:bodyPr wrap="none" lIns="90000" tIns="45000" rIns="90000" bIns="45000"/>
+          <a:lstStyle/>
+          <a:p>
+            <a:pPr>
+              <a:lnSpc>
+                <a:spcPct val="100000"/>
+              </a:lnSpc>
+            </a:pPr>
+            <a:r>
+              <a:rPr lang="ru-RU" sz="4000" b="1" strike="noStrike" spc="-1" dirty="0" smtClean="0">
+                <a:solidFill>
+                  <a:srgbClr val="000000"/>
+                </a:solidFill>
+                <a:uFill>
+                  <a:solidFill>
+                    <a:srgbClr val="FFFFFF"/>
+                  </a:solidFill>
+                </a:uFill>
+                <a:latin typeface="Anglecia Pro Title"/>
+                <a:ea typeface="ＭＳ Ｐゴシック"/>
+              </a:rPr>
+              <a:t>Цена ошибки в </a:t>
+            </a:r>
+            <a:r>
+              <a:rPr lang="ru-RU" sz="4000" b="1" strike="noStrike" spc="-1" dirty="0" err="1" smtClean="0">
+                <a:solidFill>
+                  <a:srgbClr val="000000"/>
+                </a:solidFill>
+                <a:uFill>
+                  <a:solidFill>
+                    <a:srgbClr val="FFFFFF"/>
+                  </a:solidFill>
+                </a:uFill>
+                <a:latin typeface="Anglecia Pro Title"/>
+                <a:ea typeface="ＭＳ Ｐゴシック"/>
+              </a:rPr>
+              <a:t>финтехе</a:t>
+            </a:r>
+            <a:endParaRPr lang="ru-RU" sz="1800" b="0" strike="noStrike" spc="-1" dirty="0">
+              <a:solidFill>
+                <a:srgbClr val="000000"/>
+              </a:solidFill>
+              <a:uFill>
+                <a:solidFill>
+                  <a:srgbClr val="FFFFFF"/>
+                </a:solidFill>
+              </a:uFill>
+              <a:latin typeface="Arial"/>
+            </a:endParaRPr>
+          </a:p>
+        </p:txBody>
+      </p:sp>
+      <p:sp>
+        <p:nvSpPr>
+          <p:cNvPr id="75" name="CustomShape 2"/>
+          <p:cNvSpPr/>
+          <p:nvPr/>
+        </p:nvSpPr>
+        <p:spPr>
+          <a:xfrm>
+            <a:off x="720000" y="2952000"/>
+            <a:ext cx="3743280" cy="288000"/>
+          </a:xfrm>
+          <a:prstGeom prst="rect">
+            <a:avLst/>
+          </a:prstGeom>
+          <a:noFill/>
+          <a:ln>
+            <a:noFill/>
+          </a:ln>
+        </p:spPr>
+        <p:style>
+          <a:lnRef idx="0">
+            <a:scrgbClr r="0" g="0" b="0"/>
+          </a:lnRef>
+          <a:fillRef idx="0">
+            <a:scrgbClr r="0" g="0" b="0"/>
+          </a:fillRef>
+          <a:effectRef idx="0">
+            <a:scrgbClr r="0" g="0" b="0"/>
+          </a:effectRef>
+          <a:fontRef idx="minor"/>
+        </p:style>
+      </p:sp>
+      <p:sp>
+        <p:nvSpPr>
+          <p:cNvPr id="76" name="CustomShape 3"/>
+          <p:cNvSpPr/>
+          <p:nvPr/>
+        </p:nvSpPr>
+        <p:spPr>
+          <a:xfrm>
+            <a:off x="720000" y="3240359"/>
+            <a:ext cx="10511640" cy="2140023"/>
+          </a:xfrm>
+          <a:prstGeom prst="rect">
+            <a:avLst/>
+          </a:prstGeom>
+          <a:noFill/>
+          <a:ln>
+            <a:noFill/>
+          </a:ln>
+        </p:spPr>
+        <p:style>
+          <a:lnRef idx="0">
+            <a:scrgbClr r="0" g="0" b="0"/>
+          </a:lnRef>
+          <a:fillRef idx="0">
+            <a:scrgbClr r="0" g="0" b="0"/>
+          </a:fillRef>
+          <a:effectRef idx="0">
+            <a:scrgbClr r="0" g="0" b="0"/>
+          </a:effectRef>
+          <a:fontRef idx="minor"/>
+        </p:style>
+        <p:txBody>
+          <a:bodyPr lIns="90000" tIns="45000" rIns="90000" bIns="45000"/>
+          <a:lstStyle/>
+          <a:p>
+            <a:pPr marL="285750" indent="-285750">
+              <a:lnSpc>
+                <a:spcPct val="200000"/>
+              </a:lnSpc>
+              <a:buFont typeface="Arial" panose="020B0604020202020204" pitchFamily="34" charset="0"/>
+              <a:buChar char="•"/>
+            </a:pPr>
+            <a:r>
+              <a:rPr lang="ru-RU" sz="1800" b="0" strike="noStrike" spc="-1" dirty="0" smtClean="0">
+                <a:solidFill>
+                  <a:srgbClr val="000000"/>
+                </a:solidFill>
+                <a:uFill>
+                  <a:solidFill>
+                    <a:srgbClr val="FFFFFF"/>
+                  </a:solidFill>
+                </a:uFill>
+                <a:latin typeface="Arial"/>
+              </a:rPr>
+              <a:t>Кратный рост запросов в техподдержку;</a:t>
+            </a:r>
+            <a:endParaRPr lang="ru-RU" sz="1800" b="0" strike="noStrike" spc="-1" dirty="0">
+              <a:solidFill>
+                <a:srgbClr val="000000"/>
+              </a:solidFill>
+              <a:uFill>
+                <a:solidFill>
+                  <a:srgbClr val="FFFFFF"/>
+                </a:solidFill>
+              </a:uFill>
+              <a:latin typeface="Arial"/>
+            </a:endParaRPr>
+          </a:p>
+          <a:p>
+            <a:pPr marL="285750" indent="-285750">
+              <a:lnSpc>
+                <a:spcPct val="200000"/>
+              </a:lnSpc>
+              <a:buFont typeface="Arial" panose="020B0604020202020204" pitchFamily="34" charset="0"/>
+              <a:buChar char="•"/>
+            </a:pPr>
+            <a:r>
+              <a:rPr lang="ru-RU" sz="1800" b="0" strike="noStrike" spc="-1" dirty="0" err="1" smtClean="0">
+                <a:solidFill>
+                  <a:srgbClr val="000000"/>
+                </a:solidFill>
+                <a:uFill>
+                  <a:solidFill>
+                    <a:srgbClr val="FFFFFF"/>
+                  </a:solidFill>
+                </a:uFill>
+                <a:latin typeface="Arial"/>
+              </a:rPr>
+              <a:t>Репутационные</a:t>
+            </a:r>
+            <a:r>
+              <a:rPr lang="ru-RU" sz="1800" b="0" strike="noStrike" spc="-1" dirty="0" smtClean="0">
+                <a:solidFill>
+                  <a:srgbClr val="000000"/>
+                </a:solidFill>
+                <a:uFill>
+                  <a:solidFill>
+                    <a:srgbClr val="FFFFFF"/>
+                  </a:solidFill>
+                </a:uFill>
+                <a:latin typeface="Arial"/>
+              </a:rPr>
+              <a:t> издержки;</a:t>
+            </a:r>
+          </a:p>
+          <a:p>
+            <a:pPr marL="285750" indent="-285750">
+              <a:lnSpc>
+                <a:spcPct val="200000"/>
+              </a:lnSpc>
+              <a:buFont typeface="Arial" panose="020B0604020202020204" pitchFamily="34" charset="0"/>
+              <a:buChar char="•"/>
+            </a:pPr>
+            <a:r>
+              <a:rPr lang="ru-RU" spc="-1" dirty="0" smtClean="0">
+                <a:solidFill>
+                  <a:srgbClr val="000000"/>
+                </a:solidFill>
+                <a:uFill>
+                  <a:solidFill>
+                    <a:srgbClr val="FFFFFF"/>
+                  </a:solidFill>
+                </a:uFill>
+                <a:latin typeface="Arial"/>
+              </a:rPr>
+              <a:t>Прямые и косвенные финансовые потери;</a:t>
+            </a:r>
+            <a:endParaRPr lang="ru-RU" sz="1800" b="0" strike="noStrike" spc="-1" dirty="0">
+              <a:solidFill>
+                <a:srgbClr val="000000"/>
+              </a:solidFill>
+              <a:uFill>
+                <a:solidFill>
+                  <a:srgbClr val="FFFFFF"/>
+                </a:solidFill>
+              </a:uFill>
+              <a:latin typeface="Arial"/>
+            </a:endParaRPr>
+          </a:p>
+          <a:p>
+            <a:pPr marL="285750" indent="-285750">
+              <a:lnSpc>
+                <a:spcPct val="200000"/>
+              </a:lnSpc>
+              <a:buFont typeface="Arial" panose="020B0604020202020204" pitchFamily="34" charset="0"/>
+              <a:buChar char="•"/>
+            </a:pPr>
+            <a:r>
+              <a:rPr lang="ru-RU" spc="-1" dirty="0">
+                <a:solidFill>
+                  <a:srgbClr val="000000"/>
+                </a:solidFill>
+                <a:uFill>
+                  <a:solidFill>
+                    <a:srgbClr val="FFFFFF"/>
+                  </a:solidFill>
+                </a:uFill>
+              </a:rPr>
+              <a:t>Кто-то может попасть на деньги.</a:t>
+            </a:r>
+            <a:endParaRPr lang="ru-RU" sz="1800" b="0" strike="noStrike" spc="-1" dirty="0">
+              <a:solidFill>
+                <a:srgbClr val="000000"/>
+              </a:solidFill>
+              <a:uFill>
+                <a:solidFill>
+                  <a:srgbClr val="FFFFFF"/>
+                </a:solidFill>
+              </a:uFill>
+              <a:latin typeface="Arial"/>
+            </a:endParaRPr>
+          </a:p>
+        </p:txBody>
+      </p:sp>
+    </p:spTree>
+    <p:extLst>
+      <p:ext uri="{BB962C8B-B14F-4D97-AF65-F5344CB8AC3E}">
+        <p14:creationId xmlns:p14="http://schemas.microsoft.com/office/powerpoint/2010/main" val="1235262859"/>
+      </p:ext>
+    </p:extLst>
+  </p:cSld>
+  <p:clrMapOvr>
+    <a:masterClrMapping/>
+  </p:clrMapOvr>
+  <p:timing>
+    <p:tnLst>
+      <p:par>
+        <p:cTn id="1" dur="indefinite" restart="never" nodeType="tmRoot">
+          <p:childTnLst>
+            <p:seq>
+              <p:cTn id="2" nodeType="mainSeq"/>
+              <p:prevCondLst>
+                <p:cond evt="onPrev" delay="0">
+                  <p:tgtEl>
+                    <p:sldTgt/>
+                  </p:tgtEl>
+                </p:cond>
+              </p:prevCondLst>
+              <p:nextCondLst>
+                <p:cond evt="onNext" delay="0">
+                  <p:tgtEl>
+                    <p:sldTgt/>
+                  </p:tgtEl>
+                </p:cond>
+              </p:nextCondLst>
+            </p:seq>
+          </p:childTnLst>
+        </p:cTn>
+      </p:par>
+    </p:tnLst>
+  </p:timing>
+</p:sld>
+</file>
+
+<file path=ppt/slides/slide29.xml><?xml version="1.0" encoding="utf-8"?>
 <p:sld xmlns:a="http://schemas.openxmlformats.org/drawingml/2006/main" xmlns:r="http://schemas.openxmlformats.org/officeDocument/2006/relationships" xmlns:p="http://schemas.openxmlformats.org/presentationml/2006/main">
   <p:cSld>
     <p:spTree>
@@ -8252,8 +9263,8 @@
         </p:nvSpPr>
         <p:spPr>
           <a:xfrm>
-            <a:off x="720000" y="3240360"/>
-            <a:ext cx="10511640" cy="1369800"/>
+            <a:off x="720000" y="3240359"/>
+            <a:ext cx="10511640" cy="2193031"/>
           </a:xfrm>
           <a:prstGeom prst="rect">
             <a:avLst/>
@@ -8279,8 +9290,15 @@
           <a:bodyPr lIns="90000" tIns="45000" rIns="90000" bIns="45000"/>
           <a:lstStyle/>
           <a:p>
+            <a:pPr marL="285750" indent="-285750">
+              <a:lnSpc>
+                <a:spcPct val="200000"/>
+              </a:lnSpc>
+              <a:buFont typeface="Arial" panose="020B0604020202020204" pitchFamily="34" charset="0"/>
+              <a:buChar char="•"/>
+            </a:pPr>
             <a:r>
-              <a:rPr lang="ru-RU" sz="1800" b="0" strike="noStrike" spc="-1">
+              <a:rPr lang="ru-RU" sz="1800" b="0" strike="noStrike" spc="-1" dirty="0" smtClean="0">
                 <a:solidFill>
                   <a:srgbClr val="000000"/>
                 </a:solidFill>
@@ -8291,25 +9309,19 @@
                 </a:uFill>
                 <a:latin typeface="Arial"/>
               </a:rPr>
-              <a:t>- низкая производительность</a:t>
+              <a:t>низкая производительность;</a:t>
             </a:r>
           </a:p>
           <a:p>
-            <a:endParaRPr lang="ru-RU" sz="1800" b="0" strike="noStrike" spc="-1">
-              <a:solidFill>
-                <a:srgbClr val="000000"/>
-              </a:solidFill>
-              <a:uFill>
-                <a:solidFill>
-                  <a:srgbClr val="FFFFFF"/>
-                </a:solidFill>
-              </a:uFill>
-              <a:latin typeface="Arial"/>
-            </a:endParaRPr>
-          </a:p>
-          <a:p>
+            <a:pPr marL="285750" indent="-285750">
+              <a:lnSpc>
+                <a:spcPct val="200000"/>
+              </a:lnSpc>
+              <a:buFont typeface="Arial" panose="020B0604020202020204" pitchFamily="34" charset="0"/>
+              <a:buChar char="•"/>
+            </a:pPr>
             <a:r>
-              <a:rPr lang="ru-RU" sz="1800" b="0" strike="noStrike" spc="-1">
+              <a:rPr lang="ru-RU" sz="1800" b="0" strike="noStrike" spc="-1" dirty="0" smtClean="0">
                 <a:solidFill>
                   <a:srgbClr val="000000"/>
                 </a:solidFill>
@@ -8320,25 +9332,19 @@
                 </a:uFill>
                 <a:latin typeface="Arial"/>
               </a:rPr>
-              <a:t>- нет нормального мониторинга</a:t>
+              <a:t>нет нормального мониторинга;</a:t>
             </a:r>
           </a:p>
           <a:p>
-            <a:endParaRPr lang="ru-RU" sz="1800" b="0" strike="noStrike" spc="-1">
-              <a:solidFill>
-                <a:srgbClr val="000000"/>
-              </a:solidFill>
-              <a:uFill>
-                <a:solidFill>
-                  <a:srgbClr val="FFFFFF"/>
-                </a:solidFill>
-              </a:uFill>
-              <a:latin typeface="Arial"/>
-            </a:endParaRPr>
-          </a:p>
-          <a:p>
+            <a:pPr marL="285750" indent="-285750">
+              <a:lnSpc>
+                <a:spcPct val="200000"/>
+              </a:lnSpc>
+              <a:buFont typeface="Arial" panose="020B0604020202020204" pitchFamily="34" charset="0"/>
+              <a:buChar char="•"/>
+            </a:pPr>
             <a:r>
-              <a:rPr lang="ru-RU" sz="1800" b="0" strike="noStrike" spc="-1">
+              <a:rPr lang="ru-RU" sz="1800" b="0" strike="noStrike" spc="-1" dirty="0" smtClean="0">
                 <a:solidFill>
                   <a:srgbClr val="000000"/>
                 </a:solidFill>
@@ -8349,8 +9355,47 @@
                 </a:uFill>
                 <a:latin typeface="Arial"/>
               </a:rPr>
-              <a:t>- нет нормального логирования</a:t>
+              <a:t>нет нормального </a:t>
             </a:r>
+            <a:r>
+              <a:rPr lang="ru-RU" sz="1800" b="0" strike="noStrike" spc="-1" dirty="0" err="1" smtClean="0">
+                <a:solidFill>
+                  <a:srgbClr val="000000"/>
+                </a:solidFill>
+                <a:uFill>
+                  <a:solidFill>
+                    <a:srgbClr val="FFFFFF"/>
+                  </a:solidFill>
+                </a:uFill>
+                <a:latin typeface="Arial"/>
+              </a:rPr>
+              <a:t>логирования</a:t>
+            </a:r>
+            <a:r>
+              <a:rPr lang="ru-RU" sz="1800" b="0" strike="noStrike" spc="-1" dirty="0" smtClean="0">
+                <a:solidFill>
+                  <a:srgbClr val="000000"/>
+                </a:solidFill>
+                <a:uFill>
+                  <a:solidFill>
+                    <a:srgbClr val="FFFFFF"/>
+                  </a:solidFill>
+                </a:uFill>
+                <a:latin typeface="Arial"/>
+              </a:rPr>
+              <a:t>.</a:t>
+            </a:r>
+            <a:endParaRPr lang="ru-RU" sz="1800" b="0" strike="noStrike" spc="-1" dirty="0">
+              <a:solidFill>
+                <a:srgbClr val="000000"/>
+              </a:solidFill>
+              <a:uFill>
+                <a:solidFill>
+                  <a:srgbClr val="FFFFFF"/>
+                </a:solidFill>
+              </a:uFill>
+              <a:latin typeface="Arial"/>
+            </a:endParaRPr>
           </a:p>
         </p:txBody>
       </p:sp>
@@ -8493,7 +9538,7 @@
               </a:lnSpc>
             </a:pPr>
             <a:r>
-              <a:rPr lang="ru-RU" sz="4000" b="1" strike="noStrike" spc="-1">
+              <a:rPr lang="ru-RU" sz="4000" b="1" strike="noStrike" spc="-1" dirty="0" smtClean="0">
                 <a:solidFill>
                   <a:srgbClr val="000000"/>
                 </a:solidFill>
@@ -8505,9 +9550,24 @@
                 <a:latin typeface="Anglecia Pro Title"/>
                 <a:ea typeface="ＭＳ Ｐゴシック"/>
               </a:rPr>
-              <a:t>Месяц спустя...</a:t>
+              <a:t>Очевидный выход - </a:t>
             </a:r>
-            <a:endParaRPr lang="ru-RU" sz="1800" b="0" strike="noStrike" spc="-1">
+            <a:r>
+              <a:rPr lang="ru-RU" sz="4000" b="1" strike="noStrike" spc="-1" dirty="0" err="1" smtClean="0">
+                <a:solidFill>
+                  <a:srgbClr val="000000"/>
+                </a:solidFill>
+                <a:uFill>
+                  <a:solidFill>
+                    <a:srgbClr val="FFFFFF"/>
+                  </a:solidFill>
+                </a:uFill>
+                <a:latin typeface="Anglecia Pro Title"/>
+                <a:ea typeface="ＭＳ Ｐゴシック"/>
+              </a:rPr>
+              <a:t>рефакторинг</a:t>
+            </a:r>
+            <a:endParaRPr lang="ru-RU" sz="1800" b="0" strike="noStrike" spc="-1" dirty="0">
               <a:solidFill>
                 <a:srgbClr val="000000"/>
               </a:solidFill>
@@ -8576,20 +9636,17 @@
           <a:bodyPr lIns="90000" tIns="45000" rIns="90000" bIns="45000"/>
           <a:lstStyle/>
           <a:p>
-            <a:r>
-              <a:rPr lang="ru-RU" sz="1800" b="0" strike="noStrike" spc="-1">
-                <a:solidFill>
-                  <a:srgbClr val="000000"/>
-                </a:solidFill>
-                <a:uFill>
-                  <a:solidFill>
-                    <a:srgbClr val="FFFFFF"/>
-                  </a:solidFill>
-                </a:uFill>
-                <a:latin typeface="Arial"/>
-              </a:rPr>
-              <a:t>...появился WS-NEW</a:t>
-            </a:r>
+            <a:endParaRPr lang="ru-RU" sz="1800" b="0" strike="noStrike" spc="-1" dirty="0">
+              <a:solidFill>
+                <a:srgbClr val="000000"/>
+              </a:solidFill>
+              <a:uFill>
+                <a:solidFill>
+                  <a:srgbClr val="FFFFFF"/>
+                </a:solidFill>
+              </a:uFill>
+              <a:latin typeface="Arial"/>
+            </a:endParaRPr>
           </a:p>
         </p:txBody>
       </p:sp>

--- a/Презентация.pptx
+++ b/Презентация.pptx
@@ -5,7 +5,7 @@
     <p:sldMasterId id="2147483648" r:id="rId1"/>
   </p:sldMasterIdLst>
   <p:notesMasterIdLst>
-    <p:notesMasterId r:id="rId31"/>
+    <p:notesMasterId r:id="rId33"/>
   </p:notesMasterIdLst>
   <p:sldIdLst>
     <p:sldId id="285" r:id="rId2"/>
@@ -20,23 +20,25 @@
     <p:sldId id="265" r:id="rId11"/>
     <p:sldId id="266" r:id="rId12"/>
     <p:sldId id="267" r:id="rId13"/>
-    <p:sldId id="282" r:id="rId14"/>
-    <p:sldId id="281" r:id="rId15"/>
-    <p:sldId id="270" r:id="rId16"/>
-    <p:sldId id="269" r:id="rId17"/>
-    <p:sldId id="272" r:id="rId18"/>
-    <p:sldId id="288" r:id="rId19"/>
-    <p:sldId id="283" r:id="rId20"/>
-    <p:sldId id="284" r:id="rId21"/>
-    <p:sldId id="274" r:id="rId22"/>
-    <p:sldId id="275" r:id="rId23"/>
-    <p:sldId id="286" r:id="rId24"/>
-    <p:sldId id="287" r:id="rId25"/>
-    <p:sldId id="278" r:id="rId26"/>
-    <p:sldId id="279" r:id="rId27"/>
-    <p:sldId id="289" r:id="rId28"/>
-    <p:sldId id="290" r:id="rId29"/>
-    <p:sldId id="280" r:id="rId30"/>
+    <p:sldId id="290" r:id="rId14"/>
+    <p:sldId id="282" r:id="rId15"/>
+    <p:sldId id="281" r:id="rId16"/>
+    <p:sldId id="292" r:id="rId17"/>
+    <p:sldId id="270" r:id="rId18"/>
+    <p:sldId id="269" r:id="rId19"/>
+    <p:sldId id="272" r:id="rId20"/>
+    <p:sldId id="288" r:id="rId21"/>
+    <p:sldId id="291" r:id="rId22"/>
+    <p:sldId id="283" r:id="rId23"/>
+    <p:sldId id="284" r:id="rId24"/>
+    <p:sldId id="274" r:id="rId25"/>
+    <p:sldId id="275" r:id="rId26"/>
+    <p:sldId id="286" r:id="rId27"/>
+    <p:sldId id="287" r:id="rId28"/>
+    <p:sldId id="278" r:id="rId29"/>
+    <p:sldId id="279" r:id="rId30"/>
+    <p:sldId id="289" r:id="rId31"/>
+    <p:sldId id="280" r:id="rId32"/>
   </p:sldIdLst>
   <p:sldSz cx="12192000" cy="6858000"/>
   <p:notesSz cx="7559675" cy="10691813"/>
@@ -225,7 +227,7 @@
           <a:p>
             <a:fld id="{C3B00A1E-5CF3-4B45-94BE-67851AB72581}" type="datetimeFigureOut">
               <a:rPr lang="ru-RU" smtClean="0"/>
-              <a:t>18.09.2017</a:t>
+              <a:t>19.09.2017</a:t>
             </a:fld>
             <a:endParaRPr lang="ru-RU"/>
           </a:p>
@@ -3224,7 +3226,7 @@
               </a:lnSpc>
             </a:pPr>
             <a:r>
-              <a:rPr lang="ru-RU" sz="4000" b="1" strike="noStrike" spc="-1">
+              <a:rPr lang="ru-RU" sz="4000" b="1" spc="-1" dirty="0" smtClean="0">
                 <a:solidFill>
                   <a:srgbClr val="000000"/>
                 </a:solidFill>
@@ -3236,9 +3238,9 @@
                 <a:latin typeface="Anglecia Pro Title"/>
                 <a:ea typeface="ＭＳ Ｐゴシック"/>
               </a:rPr>
-              <a:t>Производительность...</a:t>
+              <a:t>Улучшения</a:t>
             </a:r>
-            <a:endParaRPr lang="ru-RU" sz="1800" b="0" strike="noStrike" spc="-1">
+            <a:endParaRPr lang="ru-RU" sz="1800" b="0" strike="noStrike" spc="-1" dirty="0">
               <a:solidFill>
                 <a:srgbClr val="000000"/>
               </a:solidFill>
@@ -3292,8 +3294,8 @@
         </p:nvSpPr>
         <p:spPr>
           <a:xfrm>
-            <a:off x="720000" y="4320000"/>
-            <a:ext cx="3744000" cy="503640"/>
+            <a:off x="658800" y="3567779"/>
+            <a:ext cx="9677896" cy="2727003"/>
           </a:xfrm>
           <a:prstGeom prst="rect">
             <a:avLst/>
@@ -3319,8 +3321,15 @@
           <a:bodyPr lIns="90000" tIns="45000" rIns="90000" bIns="45000"/>
           <a:lstStyle/>
           <a:p>
+            <a:pPr marL="285750" indent="-285750">
+              <a:lnSpc>
+                <a:spcPct val="250000"/>
+              </a:lnSpc>
+              <a:buFont typeface="Arial" panose="020B0604020202020204" pitchFamily="34" charset="0"/>
+              <a:buChar char="•"/>
+            </a:pPr>
             <a:r>
-              <a:rPr lang="ru-RU" sz="1800" b="0" strike="noStrike" spc="-1">
+              <a:rPr lang="ru-RU" sz="1800" b="0" strike="noStrike" spc="-1" dirty="0" smtClean="0">
                 <a:solidFill>
                   <a:srgbClr val="000000"/>
                 </a:solidFill>
@@ -3331,8 +3340,112 @@
                 </a:uFill>
                 <a:latin typeface="Arial"/>
               </a:rPr>
-              <a:t>...выросла в 1.8 раз</a:t>
+              <a:t>Производительность выросла в </a:t>
             </a:r>
+            <a:r>
+              <a:rPr lang="en-US" sz="1800" b="0" strike="noStrike" spc="-1" dirty="0" smtClean="0">
+                <a:solidFill>
+                  <a:srgbClr val="000000"/>
+                </a:solidFill>
+                <a:uFill>
+                  <a:solidFill>
+                    <a:srgbClr val="FFFFFF"/>
+                  </a:solidFill>
+                </a:uFill>
+                <a:latin typeface="Arial"/>
+              </a:rPr>
+              <a:t>~1.8 </a:t>
+            </a:r>
+            <a:r>
+              <a:rPr lang="ru-RU" sz="1800" b="0" strike="noStrike" spc="-1" dirty="0" smtClean="0">
+                <a:solidFill>
+                  <a:srgbClr val="000000"/>
+                </a:solidFill>
+                <a:uFill>
+                  <a:solidFill>
+                    <a:srgbClr val="FFFFFF"/>
+                  </a:solidFill>
+                </a:uFill>
+                <a:latin typeface="Arial"/>
+              </a:rPr>
+              <a:t>раза</a:t>
+            </a:r>
+          </a:p>
+          <a:p>
+            <a:pPr marL="285750" indent="-285750">
+              <a:lnSpc>
+                <a:spcPct val="250000"/>
+              </a:lnSpc>
+              <a:buFont typeface="Arial" panose="020B0604020202020204" pitchFamily="34" charset="0"/>
+              <a:buChar char="•"/>
+            </a:pPr>
+            <a:r>
+              <a:rPr lang="ru-RU" spc="-1" dirty="0" smtClean="0">
+                <a:solidFill>
+                  <a:srgbClr val="000000"/>
+                </a:solidFill>
+                <a:uFill>
+                  <a:solidFill>
+                    <a:srgbClr val="FFFFFF"/>
+                  </a:solidFill>
+                </a:uFill>
+                <a:latin typeface="Arial"/>
+              </a:rPr>
+              <a:t>Цикломатическая сложность кода снизилась в </a:t>
+            </a:r>
+            <a:r>
+              <a:rPr lang="en-US" spc="-1" dirty="0" smtClean="0">
+                <a:solidFill>
+                  <a:srgbClr val="000000"/>
+                </a:solidFill>
+                <a:uFill>
+                  <a:solidFill>
+                    <a:srgbClr val="FFFFFF"/>
+                  </a:solidFill>
+                </a:uFill>
+                <a:latin typeface="Arial"/>
+              </a:rPr>
+              <a:t>~ </a:t>
+            </a:r>
+            <a:r>
+              <a:rPr lang="ru-RU" spc="-1" dirty="0" smtClean="0">
+                <a:solidFill>
+                  <a:srgbClr val="000000"/>
+                </a:solidFill>
+                <a:uFill>
+                  <a:solidFill>
+                    <a:srgbClr val="FFFFFF"/>
+                  </a:solidFill>
+                </a:uFill>
+                <a:latin typeface="Arial"/>
+              </a:rPr>
+              <a:t>1.5 раза</a:t>
+            </a:r>
+            <a:r>
+              <a:rPr lang="ru-RU" sz="1800" b="0" strike="noStrike" spc="-1" dirty="0" smtClean="0">
+                <a:solidFill>
+                  <a:srgbClr val="000000"/>
+                </a:solidFill>
+                <a:uFill>
+                  <a:solidFill>
+                    <a:srgbClr val="FFFFFF"/>
+                  </a:solidFill>
+                </a:uFill>
+                <a:latin typeface="Arial"/>
+              </a:rPr>
+              <a:t> </a:t>
+            </a:r>
+            <a:endParaRPr lang="ru-RU" sz="1800" b="0" strike="noStrike" spc="-1" dirty="0">
+              <a:solidFill>
+                <a:srgbClr val="000000"/>
+              </a:solidFill>
+              <a:uFill>
+                <a:solidFill>
+                  <a:srgbClr val="FFFFFF"/>
+                </a:solidFill>
+              </a:uFill>
+              <a:latin typeface="Arial"/>
+            </a:endParaRPr>
           </a:p>
         </p:txBody>
       </p:sp>
@@ -3344,27 +3457,7 @@
   <p:timing>
     <p:tnLst>
       <p:par>
-        <p:cTn id="1" dur="indefinite" restart="never" nodeType="tmRoot">
-          <p:childTnLst>
-            <p:seq>
-              <p:cTn id="2" nodeType="mainSeq"/>
-              <p:prevCondLst>
-                <p:cond evt="onPrev" delay="0">
-                  <p:tgtEl>
-                    <p:sldTgt/>
-                  </p:tgtEl>
-                </p:cond>
-              </p:prevCondLst>
-              <p:nextCondLst>
-                <p:cond evt="onNext" delay="0">
-                  <p:tgtEl>
-                    <p:sldTgt/>
-                  </p:tgtEl>
-                </p:cond>
-              </p:nextCondLst>
-            </p:seq>
-          </p:childTnLst>
-        </p:cTn>
+        <p:cTn id="1" dur="indefinite" restart="never" nodeType="tmRoot"/>
       </p:par>
     </p:tnLst>
   </p:timing>
@@ -3614,7 +3707,7 @@
       </p:grpSpPr>
       <p:pic>
         <p:nvPicPr>
-          <p:cNvPr id="89" name="Picture 14"/>
+          <p:cNvPr id="72" name="Picture 14"/>
           <p:cNvPicPr/>
           <p:nvPr/>
         </p:nvPicPr>
@@ -3637,7 +3730,7 @@
       </p:pic>
       <p:pic>
         <p:nvPicPr>
-          <p:cNvPr id="90" name="Picture 13"/>
+          <p:cNvPr id="73" name="Picture 13"/>
           <p:cNvPicPr/>
           <p:nvPr/>
         </p:nvPicPr>
@@ -3660,14 +3753,14 @@
       </p:pic>
       <p:sp>
         <p:nvSpPr>
-          <p:cNvPr id="91" name="CustomShape 1"/>
+          <p:cNvPr id="74" name="CustomShape 1"/>
           <p:cNvSpPr/>
           <p:nvPr/>
         </p:nvSpPr>
         <p:spPr>
           <a:xfrm>
-            <a:off x="619920" y="2035080"/>
-            <a:ext cx="7012080" cy="699120"/>
+            <a:off x="658800" y="2048332"/>
+            <a:ext cx="6943904" cy="699120"/>
           </a:xfrm>
           <a:prstGeom prst="rect">
             <a:avLst/>
@@ -3699,7 +3792,7 @@
               </a:lnSpc>
             </a:pPr>
             <a:r>
-              <a:rPr lang="ru-RU" sz="4000" b="1" spc="-1" dirty="0" smtClean="0">
+              <a:rPr lang="ru-RU" sz="4000" b="1" strike="noStrike" spc="-1" dirty="0" smtClean="0">
                 <a:solidFill>
                   <a:srgbClr val="000000"/>
                 </a:solidFill>
@@ -3711,7 +3804,22 @@
                 <a:latin typeface="Anglecia Pro Title"/>
                 <a:ea typeface="ＭＳ Ｐゴシック"/>
               </a:rPr>
-              <a:t>Способы тестирования</a:t>
+              <a:t>Цена ошибки в </a:t>
+            </a:r>
+            <a:r>
+              <a:rPr lang="ru-RU" sz="4000" b="1" strike="noStrike" spc="-1" dirty="0" err="1" smtClean="0">
+                <a:solidFill>
+                  <a:srgbClr val="000000"/>
+                </a:solidFill>
+                <a:uFill>
+                  <a:solidFill>
+                    <a:srgbClr val="FFFFFF"/>
+                  </a:solidFill>
+                </a:uFill>
+                <a:latin typeface="Anglecia Pro Title"/>
+                <a:ea typeface="ＭＳ Ｐゴシック"/>
+              </a:rPr>
+              <a:t>финтехе</a:t>
             </a:r>
             <a:endParaRPr lang="ru-RU" sz="1800" b="0" strike="noStrike" spc="-1" dirty="0">
               <a:solidFill>
@@ -3729,14 +3837,46 @@
       </p:sp>
       <p:sp>
         <p:nvSpPr>
-          <p:cNvPr id="93" name="CustomShape 3"/>
+          <p:cNvPr id="75" name="CustomShape 2"/>
           <p:cNvSpPr/>
           <p:nvPr/>
         </p:nvSpPr>
         <p:spPr>
           <a:xfrm>
-            <a:off x="658799" y="3175919"/>
-            <a:ext cx="10883843" cy="2867071"/>
+            <a:off x="720000" y="2952000"/>
+            <a:ext cx="3743280" cy="288000"/>
+          </a:xfrm>
+          <a:prstGeom prst="rect">
+            <a:avLst/>
+          </a:prstGeom>
+          <a:noFill/>
+          <a:ln>
+            <a:noFill/>
+          </a:ln>
+        </p:spPr>
+        <p:style>
+          <a:lnRef idx="0">
+            <a:scrgbClr r="0" g="0" b="0"/>
+          </a:lnRef>
+          <a:fillRef idx="0">
+            <a:scrgbClr r="0" g="0" b="0"/>
+          </a:fillRef>
+          <a:effectRef idx="0">
+            <a:scrgbClr r="0" g="0" b="0"/>
+          </a:effectRef>
+          <a:fontRef idx="minor"/>
+        </p:style>
+      </p:sp>
+      <p:sp>
+        <p:nvSpPr>
+          <p:cNvPr id="76" name="CustomShape 3"/>
+          <p:cNvSpPr/>
+          <p:nvPr/>
+        </p:nvSpPr>
+        <p:spPr>
+          <a:xfrm>
+            <a:off x="720000" y="3240359"/>
+            <a:ext cx="10511640" cy="2140023"/>
           </a:xfrm>
           <a:prstGeom prst="rect">
             <a:avLst/>
@@ -3770,7 +3910,7 @@
               <a:buChar char="•"/>
             </a:pPr>
             <a:r>
-              <a:rPr lang="en-US" sz="1800" b="0" strike="noStrike" spc="-1" dirty="0" smtClean="0">
+              <a:rPr lang="ru-RU" sz="1800" b="0" strike="noStrike" spc="-1" dirty="0" smtClean="0">
                 <a:solidFill>
                   <a:srgbClr val="000000"/>
                 </a:solidFill>
@@ -3781,22 +3921,19 @@
                 </a:uFill>
                 <a:latin typeface="Arial"/>
               </a:rPr>
-              <a:t>Unit-</a:t>
+              <a:t>Кратный рост запросов в техподдержку;</a:t>
             </a:r>
-            <a:r>
-              <a:rPr lang="ru-RU" sz="1800" b="0" strike="noStrike" spc="-1" dirty="0" smtClean="0">
-                <a:solidFill>
-                  <a:srgbClr val="000000"/>
-                </a:solidFill>
-                <a:uFill>
-                  <a:solidFill>
-                    <a:srgbClr val="FFFFFF"/>
-                  </a:solidFill>
-                </a:uFill>
-                <a:latin typeface="Arial"/>
-              </a:rPr>
-              <a:t>тесты;</a:t>
-            </a:r>
+            <a:endParaRPr lang="ru-RU" sz="1800" b="0" strike="noStrike" spc="-1" dirty="0">
+              <a:solidFill>
+                <a:srgbClr val="000000"/>
+              </a:solidFill>
+              <a:uFill>
+                <a:solidFill>
+                  <a:srgbClr val="FFFFFF"/>
+                </a:solidFill>
+              </a:uFill>
+              <a:latin typeface="Arial"/>
+            </a:endParaRPr>
           </a:p>
           <a:p>
             <a:pPr marL="285750" indent="-285750">
@@ -3807,7 +3944,7 @@
               <a:buChar char="•"/>
             </a:pPr>
             <a:r>
-              <a:rPr lang="ru-RU" sz="1800" b="0" strike="noStrike" spc="-1" dirty="0" smtClean="0">
+              <a:rPr lang="ru-RU" sz="1800" b="0" strike="noStrike" spc="-1" dirty="0" err="1" smtClean="0">
                 <a:solidFill>
                   <a:srgbClr val="000000"/>
                 </a:solidFill>
@@ -3818,7 +3955,21 @@
                 </a:uFill>
                 <a:latin typeface="Arial"/>
               </a:rPr>
-              <a:t>Функциональные тесты;</a:t>
+              <a:t>Репутационные</a:t>
+            </a:r>
+            <a:r>
+              <a:rPr lang="ru-RU" sz="1800" b="0" strike="noStrike" spc="-1" dirty="0" smtClean="0">
+                <a:solidFill>
+                  <a:srgbClr val="000000"/>
+                </a:solidFill>
+                <a:uFill>
+                  <a:solidFill>
+                    <a:srgbClr val="FFFFFF"/>
+                  </a:solidFill>
+                </a:uFill>
+                <a:latin typeface="Arial"/>
+              </a:rPr>
+              <a:t> издержки;</a:t>
             </a:r>
           </a:p>
           <a:p>
@@ -3841,8 +3992,28 @@
                 </a:uFill>
                 <a:latin typeface="Arial"/>
               </a:rPr>
-              <a:t>Интеграционное тестирование</a:t>
+              <a:t>Прямые и косвенные финансовые потери;</a:t>
             </a:r>
+            <a:endParaRPr lang="ru-RU" sz="1800" b="0" strike="noStrike" spc="-1" dirty="0">
+              <a:solidFill>
+                <a:srgbClr val="000000"/>
+              </a:solidFill>
+              <a:uFill>
+                <a:solidFill>
+                  <a:srgbClr val="FFFFFF"/>
+                </a:solidFill>
+              </a:uFill>
+              <a:latin typeface="Arial"/>
+            </a:endParaRPr>
+          </a:p>
+          <a:p>
+            <a:pPr marL="285750" indent="-285750">
+              <a:lnSpc>
+                <a:spcPct val="200000"/>
+              </a:lnSpc>
+              <a:buFont typeface="Arial" panose="020B0604020202020204" pitchFamily="34" charset="0"/>
+              <a:buChar char="•"/>
+            </a:pPr>
             <a:r>
               <a:rPr lang="ru-RU" spc="-1" dirty="0">
                 <a:solidFill>
@@ -3853,11 +4024,10 @@
                     <a:srgbClr val="FFFFFF"/>
                   </a:solidFill>
                 </a:uFill>
-                <a:latin typeface="Arial"/>
               </a:rPr>
-              <a:t>.</a:t>
+              <a:t>Кто-то может попасть на деньги.</a:t>
             </a:r>
-            <a:endParaRPr lang="ru-RU" spc="-1" dirty="0" smtClean="0">
+            <a:endParaRPr lang="ru-RU" sz="1800" b="0" strike="noStrike" spc="-1" dirty="0">
               <a:solidFill>
                 <a:srgbClr val="000000"/>
               </a:solidFill>
@@ -3874,7 +4044,7 @@
     </p:spTree>
     <p:extLst>
       <p:ext uri="{BB962C8B-B14F-4D97-AF65-F5344CB8AC3E}">
-        <p14:creationId xmlns:p14="http://schemas.microsoft.com/office/powerpoint/2010/main" val="1503881524"/>
+        <p14:creationId xmlns:p14="http://schemas.microsoft.com/office/powerpoint/2010/main" val="1235262859"/>
       </p:ext>
     </p:extLst>
   </p:cSld>
@@ -4027,7 +4197,7 @@
                 <a:latin typeface="Anglecia Pro Title"/>
                 <a:ea typeface="ＭＳ Ｐゴシック"/>
               </a:rPr>
-              <a:t>Сложности</a:t>
+              <a:t>Способы тестирования</a:t>
             </a:r>
             <a:endParaRPr lang="ru-RU" sz="1800" b="0" strike="noStrike" spc="-1" dirty="0">
               <a:solidFill>
@@ -4086,7 +4256,7 @@
               <a:buChar char="•"/>
             </a:pPr>
             <a:r>
-              <a:rPr lang="ru-RU" sz="1800" b="0" strike="noStrike" spc="-1" dirty="0" smtClean="0">
+              <a:rPr lang="en-US" sz="1800" b="0" strike="noStrike" spc="-1" dirty="0" smtClean="0">
                 <a:solidFill>
                   <a:srgbClr val="000000"/>
                 </a:solidFill>
@@ -4097,7 +4267,21 @@
                 </a:uFill>
                 <a:latin typeface="Arial"/>
               </a:rPr>
-              <a:t>Не все методы идемпотенты;</a:t>
+              <a:t>Unit-</a:t>
+            </a:r>
+            <a:r>
+              <a:rPr lang="ru-RU" sz="1800" b="0" strike="noStrike" spc="-1" dirty="0" smtClean="0">
+                <a:solidFill>
+                  <a:srgbClr val="000000"/>
+                </a:solidFill>
+                <a:uFill>
+                  <a:solidFill>
+                    <a:srgbClr val="FFFFFF"/>
+                  </a:solidFill>
+                </a:uFill>
+                <a:latin typeface="Arial"/>
+              </a:rPr>
+              <a:t>тесты;</a:t>
             </a:r>
           </a:p>
           <a:p>
@@ -4120,7 +4304,7 @@
                 </a:uFill>
                 <a:latin typeface="Arial"/>
               </a:rPr>
-              <a:t>Слишком много взаимосвязанных систем;</a:t>
+              <a:t>Функциональные тесты;</a:t>
             </a:r>
           </a:p>
           <a:p>
@@ -4143,10 +4327,10 @@
                 </a:uFill>
                 <a:latin typeface="Arial"/>
               </a:rPr>
-              <a:t>Несовершенство старого </a:t>
+              <a:t>Интеграционное тестирование</a:t>
             </a:r>
             <a:r>
-              <a:rPr lang="en-US" spc="-1" dirty="0" smtClean="0">
+              <a:rPr lang="ru-RU" spc="-1" dirty="0">
                 <a:solidFill>
                   <a:srgbClr val="000000"/>
                 </a:solidFill>
@@ -4157,49 +4341,9 @@
                 </a:uFill>
                 <a:latin typeface="Arial"/>
               </a:rPr>
-              <a:t>API;</a:t>
+              <a:t>.</a:t>
             </a:r>
-          </a:p>
-          <a:p>
-            <a:pPr marL="285750" indent="-285750">
-              <a:lnSpc>
-                <a:spcPct val="200000"/>
-              </a:lnSpc>
-              <a:buFont typeface="Arial" panose="020B0604020202020204" pitchFamily="34" charset="0"/>
-              <a:buChar char="•"/>
-            </a:pPr>
-            <a:r>
-              <a:rPr lang="en-US" sz="1800" b="0" strike="noStrike" spc="-1" dirty="0" smtClean="0">
-                <a:solidFill>
-                  <a:srgbClr val="000000"/>
-                </a:solidFill>
-                <a:uFill>
-                  <a:solidFill>
-                    <a:srgbClr val="FFFFFF"/>
-                  </a:solidFill>
-                </a:uFill>
-                <a:latin typeface="Arial"/>
-              </a:rPr>
-              <a:t>PCI DSS.</a:t>
-            </a:r>
-            <a:endParaRPr lang="ru-RU" sz="1800" b="0" strike="noStrike" spc="-1" dirty="0" smtClean="0">
-              <a:solidFill>
-                <a:srgbClr val="000000"/>
-              </a:solidFill>
-              <a:uFill>
-                <a:solidFill>
-                  <a:srgbClr val="FFFFFF"/>
-                </a:solidFill>
-              </a:uFill>
-              <a:latin typeface="Arial"/>
-            </a:endParaRPr>
-          </a:p>
-          <a:p>
-            <a:pPr marL="285750" indent="-285750">
-              <a:buFont typeface="Arial" panose="020B0604020202020204" pitchFamily="34" charset="0"/>
-              <a:buChar char="•"/>
-            </a:pPr>
-            <a:endParaRPr lang="ru-RU" sz="1800" b="0" strike="noStrike" spc="-1" dirty="0">
+            <a:endParaRPr lang="ru-RU" spc="-1" dirty="0" smtClean="0">
               <a:solidFill>
                 <a:srgbClr val="000000"/>
               </a:solidFill>
@@ -4216,7 +4360,7 @@
     </p:spTree>
     <p:extLst>
       <p:ext uri="{BB962C8B-B14F-4D97-AF65-F5344CB8AC3E}">
-        <p14:creationId xmlns:p14="http://schemas.microsoft.com/office/powerpoint/2010/main" val="2953560021"/>
+        <p14:creationId xmlns:p14="http://schemas.microsoft.com/office/powerpoint/2010/main" val="1503881524"/>
       </p:ext>
     </p:extLst>
   </p:cSld>
@@ -4272,7 +4416,7 @@
       </p:grpSpPr>
       <p:pic>
         <p:nvPicPr>
-          <p:cNvPr id="108" name="Picture 14"/>
+          <p:cNvPr id="89" name="Picture 14"/>
           <p:cNvPicPr/>
           <p:nvPr/>
         </p:nvPicPr>
@@ -4295,7 +4439,7 @@
       </p:pic>
       <p:pic>
         <p:nvPicPr>
-          <p:cNvPr id="109" name="Picture 13"/>
+          <p:cNvPr id="90" name="Picture 13"/>
           <p:cNvPicPr/>
           <p:nvPr/>
         </p:nvPicPr>
@@ -4316,168 +4460,251 @@
           </a:ln>
         </p:spPr>
       </p:pic>
-      <p:pic>
-        <p:nvPicPr>
-          <p:cNvPr id="110" name="Рисунок 88"/>
-          <p:cNvPicPr/>
-          <p:nvPr/>
-        </p:nvPicPr>
-        <p:blipFill>
-          <a:blip r:embed="rId4"/>
-          <a:stretch/>
-        </p:blipFill>
-        <p:spPr>
-          <a:xfrm>
-            <a:off x="6480000" y="2177280"/>
-            <a:ext cx="4320000" cy="774720"/>
-          </a:xfrm>
-          <a:prstGeom prst="rect">
-            <a:avLst/>
-          </a:prstGeom>
-          <a:ln>
-            <a:noFill/>
-          </a:ln>
-        </p:spPr>
-      </p:pic>
-      <p:pic>
-        <p:nvPicPr>
-          <p:cNvPr id="111" name="Рисунок 91"/>
-          <p:cNvPicPr/>
-          <p:nvPr/>
-        </p:nvPicPr>
-        <p:blipFill>
-          <a:blip r:embed="rId5"/>
-          <a:stretch/>
-        </p:blipFill>
-        <p:spPr>
-          <a:xfrm>
-            <a:off x="7200000" y="3312000"/>
-            <a:ext cx="2880000" cy="753120"/>
-          </a:xfrm>
-          <a:prstGeom prst="rect">
-            <a:avLst/>
-          </a:prstGeom>
-          <a:ln>
-            <a:noFill/>
-          </a:ln>
-        </p:spPr>
-      </p:pic>
-      <p:pic>
-        <p:nvPicPr>
-          <p:cNvPr id="112" name="Рисунок 111"/>
-          <p:cNvPicPr/>
-          <p:nvPr/>
-        </p:nvPicPr>
-        <p:blipFill>
-          <a:blip r:embed="rId6"/>
-          <a:stretch/>
-        </p:blipFill>
-        <p:spPr>
-          <a:xfrm>
-            <a:off x="980640" y="1944000"/>
-            <a:ext cx="2907360" cy="1224000"/>
-          </a:xfrm>
-          <a:prstGeom prst="rect">
-            <a:avLst/>
-          </a:prstGeom>
-          <a:ln>
-            <a:noFill/>
-          </a:ln>
-        </p:spPr>
-      </p:pic>
-      <p:pic>
-        <p:nvPicPr>
-          <p:cNvPr id="113" name="Рисунок 112"/>
-          <p:cNvPicPr/>
-          <p:nvPr/>
-        </p:nvPicPr>
-        <p:blipFill>
-          <a:blip r:embed="rId7"/>
-          <a:stretch/>
-        </p:blipFill>
-        <p:spPr>
-          <a:xfrm>
-            <a:off x="720000" y="2998440"/>
-            <a:ext cx="3168000" cy="1393560"/>
-          </a:xfrm>
-          <a:prstGeom prst="rect">
-            <a:avLst/>
-          </a:prstGeom>
-          <a:ln>
-            <a:noFill/>
-          </a:ln>
-        </p:spPr>
-      </p:pic>
-      <p:pic>
-        <p:nvPicPr>
-          <p:cNvPr id="114" name="Рисунок 90"/>
-          <p:cNvPicPr/>
-          <p:nvPr/>
-        </p:nvPicPr>
-        <p:blipFill>
-          <a:blip r:embed="rId8"/>
-          <a:stretch/>
-        </p:blipFill>
-        <p:spPr>
-          <a:xfrm>
-            <a:off x="432000" y="4248000"/>
-            <a:ext cx="4336560" cy="1295280"/>
-          </a:xfrm>
-          <a:prstGeom prst="rect">
-            <a:avLst/>
-          </a:prstGeom>
-          <a:ln>
-            <a:noFill/>
-          </a:ln>
-        </p:spPr>
-      </p:pic>
-      <p:pic>
-        <p:nvPicPr>
-          <p:cNvPr id="115" name="Рисунок 114"/>
-          <p:cNvPicPr/>
-          <p:nvPr/>
-        </p:nvPicPr>
-        <p:blipFill>
-          <a:blip r:embed="rId9"/>
-          <a:stretch/>
-        </p:blipFill>
-        <p:spPr>
-          <a:xfrm>
-            <a:off x="7256520" y="4160520"/>
-            <a:ext cx="2607480" cy="2607480"/>
-          </a:xfrm>
-          <a:prstGeom prst="rect">
-            <a:avLst/>
-          </a:prstGeom>
-          <a:ln>
-            <a:noFill/>
-          </a:ln>
-        </p:spPr>
-      </p:pic>
-      <p:pic>
-        <p:nvPicPr>
-          <p:cNvPr id="116" name="Рисунок 115"/>
-          <p:cNvPicPr/>
-          <p:nvPr/>
-        </p:nvPicPr>
-        <p:blipFill>
-          <a:blip r:embed="rId10"/>
-          <a:stretch/>
-        </p:blipFill>
-        <p:spPr>
-          <a:xfrm>
-            <a:off x="1512000" y="5431320"/>
-            <a:ext cx="1890720" cy="1404720"/>
-          </a:xfrm>
-          <a:prstGeom prst="rect">
-            <a:avLst/>
-          </a:prstGeom>
-          <a:ln>
-            <a:noFill/>
-          </a:ln>
-        </p:spPr>
-      </p:pic>
+      <p:sp>
+        <p:nvSpPr>
+          <p:cNvPr id="91" name="CustomShape 1"/>
+          <p:cNvSpPr/>
+          <p:nvPr/>
+        </p:nvSpPr>
+        <p:spPr>
+          <a:xfrm>
+            <a:off x="619920" y="2035080"/>
+            <a:ext cx="7012080" cy="699120"/>
+          </a:xfrm>
+          <a:prstGeom prst="rect">
+            <a:avLst/>
+          </a:prstGeom>
+          <a:noFill/>
+          <a:ln>
+            <a:noFill/>
+          </a:ln>
+        </p:spPr>
+        <p:style>
+          <a:lnRef idx="0">
+            <a:scrgbClr r="0" g="0" b="0"/>
+          </a:lnRef>
+          <a:fillRef idx="0">
+            <a:scrgbClr r="0" g="0" b="0"/>
+          </a:fillRef>
+          <a:effectRef idx="0">
+            <a:scrgbClr r="0" g="0" b="0"/>
+          </a:effectRef>
+          <a:fontRef idx="minor"/>
+        </p:style>
+        <p:txBody>
+          <a:bodyPr wrap="none" lIns="90000" tIns="45000" rIns="90000" bIns="45000"/>
+          <a:lstStyle/>
+          <a:p>
+            <a:pPr>
+              <a:lnSpc>
+                <a:spcPct val="100000"/>
+              </a:lnSpc>
+            </a:pPr>
+            <a:r>
+              <a:rPr lang="ru-RU" sz="4000" b="1" spc="-1" dirty="0" smtClean="0">
+                <a:solidFill>
+                  <a:srgbClr val="000000"/>
+                </a:solidFill>
+                <a:uFill>
+                  <a:solidFill>
+                    <a:srgbClr val="FFFFFF"/>
+                  </a:solidFill>
+                </a:uFill>
+                <a:latin typeface="Anglecia Pro Title"/>
+                <a:ea typeface="ＭＳ Ｐゴシック"/>
+              </a:rPr>
+              <a:t>Сложности</a:t>
+            </a:r>
+            <a:endParaRPr lang="ru-RU" sz="1800" b="0" strike="noStrike" spc="-1" dirty="0">
+              <a:solidFill>
+                <a:srgbClr val="000000"/>
+              </a:solidFill>
+              <a:uFill>
+                <a:solidFill>
+                  <a:srgbClr val="FFFFFF"/>
+                </a:solidFill>
+              </a:uFill>
+              <a:latin typeface="Arial"/>
+            </a:endParaRPr>
+          </a:p>
+        </p:txBody>
+      </p:sp>
+      <p:sp>
+        <p:nvSpPr>
+          <p:cNvPr id="93" name="CustomShape 3"/>
+          <p:cNvSpPr/>
+          <p:nvPr/>
+        </p:nvSpPr>
+        <p:spPr>
+          <a:xfrm>
+            <a:off x="658799" y="3175919"/>
+            <a:ext cx="10883843" cy="2867071"/>
+          </a:xfrm>
+          <a:prstGeom prst="rect">
+            <a:avLst/>
+          </a:prstGeom>
+          <a:noFill/>
+          <a:ln>
+            <a:noFill/>
+          </a:ln>
+        </p:spPr>
+        <p:style>
+          <a:lnRef idx="0">
+            <a:scrgbClr r="0" g="0" b="0"/>
+          </a:lnRef>
+          <a:fillRef idx="0">
+            <a:scrgbClr r="0" g="0" b="0"/>
+          </a:fillRef>
+          <a:effectRef idx="0">
+            <a:scrgbClr r="0" g="0" b="0"/>
+          </a:effectRef>
+          <a:fontRef idx="minor"/>
+        </p:style>
+        <p:txBody>
+          <a:bodyPr lIns="90000" tIns="45000" rIns="90000" bIns="45000"/>
+          <a:lstStyle/>
+          <a:p>
+            <a:pPr marL="285750" indent="-285750">
+              <a:lnSpc>
+                <a:spcPct val="200000"/>
+              </a:lnSpc>
+              <a:buFont typeface="Arial" panose="020B0604020202020204" pitchFamily="34" charset="0"/>
+              <a:buChar char="•"/>
+            </a:pPr>
+            <a:r>
+              <a:rPr lang="ru-RU" sz="1800" b="0" strike="noStrike" spc="-1" dirty="0" smtClean="0">
+                <a:solidFill>
+                  <a:srgbClr val="000000"/>
+                </a:solidFill>
+                <a:uFill>
+                  <a:solidFill>
+                    <a:srgbClr val="FFFFFF"/>
+                  </a:solidFill>
+                </a:uFill>
+                <a:latin typeface="Arial"/>
+              </a:rPr>
+              <a:t>Не все методы идемпотенты;</a:t>
+            </a:r>
+          </a:p>
+          <a:p>
+            <a:pPr marL="285750" indent="-285750">
+              <a:lnSpc>
+                <a:spcPct val="200000"/>
+              </a:lnSpc>
+              <a:buFont typeface="Arial" panose="020B0604020202020204" pitchFamily="34" charset="0"/>
+              <a:buChar char="•"/>
+            </a:pPr>
+            <a:r>
+              <a:rPr lang="ru-RU" sz="1800" b="0" strike="noStrike" spc="-1" dirty="0" smtClean="0">
+                <a:solidFill>
+                  <a:srgbClr val="000000"/>
+                </a:solidFill>
+                <a:uFill>
+                  <a:solidFill>
+                    <a:srgbClr val="FFFFFF"/>
+                  </a:solidFill>
+                </a:uFill>
+                <a:latin typeface="Arial"/>
+              </a:rPr>
+              <a:t>Слишком много взаимосвязанных систем;</a:t>
+            </a:r>
+          </a:p>
+          <a:p>
+            <a:pPr marL="285750" indent="-285750">
+              <a:lnSpc>
+                <a:spcPct val="200000"/>
+              </a:lnSpc>
+              <a:buFont typeface="Arial" panose="020B0604020202020204" pitchFamily="34" charset="0"/>
+              <a:buChar char="•"/>
+            </a:pPr>
+            <a:r>
+              <a:rPr lang="ru-RU" spc="-1" dirty="0" smtClean="0">
+                <a:solidFill>
+                  <a:srgbClr val="000000"/>
+                </a:solidFill>
+                <a:uFill>
+                  <a:solidFill>
+                    <a:srgbClr val="FFFFFF"/>
+                  </a:solidFill>
+                </a:uFill>
+                <a:latin typeface="Arial"/>
+              </a:rPr>
+              <a:t>Несовершенство старого </a:t>
+            </a:r>
+            <a:r>
+              <a:rPr lang="en-US" spc="-1" dirty="0" smtClean="0">
+                <a:solidFill>
+                  <a:srgbClr val="000000"/>
+                </a:solidFill>
+                <a:uFill>
+                  <a:solidFill>
+                    <a:srgbClr val="FFFFFF"/>
+                  </a:solidFill>
+                </a:uFill>
+                <a:latin typeface="Arial"/>
+              </a:rPr>
+              <a:t>API;</a:t>
+            </a:r>
+          </a:p>
+          <a:p>
+            <a:pPr marL="285750" indent="-285750">
+              <a:lnSpc>
+                <a:spcPct val="200000"/>
+              </a:lnSpc>
+              <a:buFont typeface="Arial" panose="020B0604020202020204" pitchFamily="34" charset="0"/>
+              <a:buChar char="•"/>
+            </a:pPr>
+            <a:r>
+              <a:rPr lang="en-US" sz="1800" b="0" strike="noStrike" spc="-1" dirty="0" smtClean="0">
+                <a:solidFill>
+                  <a:srgbClr val="000000"/>
+                </a:solidFill>
+                <a:uFill>
+                  <a:solidFill>
+                    <a:srgbClr val="FFFFFF"/>
+                  </a:solidFill>
+                </a:uFill>
+                <a:latin typeface="Arial"/>
+              </a:rPr>
+              <a:t>PCI DSS.</a:t>
+            </a:r>
+            <a:endParaRPr lang="ru-RU" sz="1800" b="0" strike="noStrike" spc="-1" dirty="0" smtClean="0">
+              <a:solidFill>
+                <a:srgbClr val="000000"/>
+              </a:solidFill>
+              <a:uFill>
+                <a:solidFill>
+                  <a:srgbClr val="FFFFFF"/>
+                </a:solidFill>
+              </a:uFill>
+              <a:latin typeface="Arial"/>
+            </a:endParaRPr>
+          </a:p>
+          <a:p>
+            <a:pPr marL="285750" indent="-285750">
+              <a:buFont typeface="Arial" panose="020B0604020202020204" pitchFamily="34" charset="0"/>
+              <a:buChar char="•"/>
+            </a:pPr>
+            <a:endParaRPr lang="ru-RU" sz="1800" b="0" strike="noStrike" spc="-1" dirty="0">
+              <a:solidFill>
+                <a:srgbClr val="000000"/>
+              </a:solidFill>
+              <a:uFill>
+                <a:solidFill>
+                  <a:srgbClr val="FFFFFF"/>
+                </a:solidFill>
+              </a:uFill>
+              <a:latin typeface="Arial"/>
+            </a:endParaRPr>
+          </a:p>
+        </p:txBody>
+      </p:sp>
     </p:spTree>
+    <p:extLst>
+      <p:ext uri="{BB962C8B-B14F-4D97-AF65-F5344CB8AC3E}">
+        <p14:creationId xmlns:p14="http://schemas.microsoft.com/office/powerpoint/2010/main" val="2953560021"/>
+      </p:ext>
+    </p:extLst>
   </p:cSld>
   <p:clrMapOvr>
     <a:masterClrMapping/>
@@ -4531,7 +4758,7 @@
       </p:grpSpPr>
       <p:pic>
         <p:nvPicPr>
-          <p:cNvPr id="104" name="Picture 14"/>
+          <p:cNvPr id="89" name="Picture 14"/>
           <p:cNvPicPr/>
           <p:nvPr/>
         </p:nvPicPr>
@@ -4554,7 +4781,7 @@
       </p:pic>
       <p:pic>
         <p:nvPicPr>
-          <p:cNvPr id="105" name="Picture 13"/>
+          <p:cNvPr id="90" name="Picture 13"/>
           <p:cNvPicPr/>
           <p:nvPr/>
         </p:nvPicPr>
@@ -4577,14 +4804,14 @@
       </p:pic>
       <p:sp>
         <p:nvSpPr>
-          <p:cNvPr id="106" name="CustomShape 1"/>
+          <p:cNvPr id="91" name="CustomShape 1"/>
           <p:cNvSpPr/>
           <p:nvPr/>
         </p:nvSpPr>
         <p:spPr>
           <a:xfrm>
-            <a:off x="720720" y="3816000"/>
-            <a:ext cx="3311280" cy="288000"/>
+            <a:off x="619920" y="2035080"/>
+            <a:ext cx="7012080" cy="699120"/>
           </a:xfrm>
           <a:prstGeom prst="rect">
             <a:avLst/>
@@ -4607,11 +4834,16 @@
           <a:fontRef idx="minor"/>
         </p:style>
         <p:txBody>
-          <a:bodyPr lIns="90000" tIns="45000" rIns="90000" bIns="45000"/>
+          <a:bodyPr wrap="none" lIns="90000" tIns="45000" rIns="90000" bIns="45000"/>
           <a:lstStyle/>
           <a:p>
+            <a:pPr>
+              <a:lnSpc>
+                <a:spcPct val="100000"/>
+              </a:lnSpc>
+            </a:pPr>
             <a:r>
-              <a:rPr lang="ru-RU" sz="1400" b="0" strike="noStrike" spc="-1">
+              <a:rPr lang="ru-RU" sz="4000" b="1" spc="-1" dirty="0" smtClean="0">
                 <a:solidFill>
                   <a:srgbClr val="000000"/>
                 </a:solidFill>
@@ -4620,12 +4852,27 @@
                     <a:srgbClr val="FFFFFF"/>
                   </a:solidFill>
                 </a:uFill>
-                <a:latin typeface="Arial"/>
-                <a:ea typeface="DejaVu Sans"/>
+                <a:latin typeface="Anglecia Pro Title"/>
+                <a:ea typeface="ＭＳ Ｐゴシック"/>
               </a:rPr>
-              <a:t>~ 800 000 запросов в сутки</a:t>
+              <a:t>Модель ветвления в </a:t>
             </a:r>
-            <a:endParaRPr lang="ru-RU" sz="1800" b="0" strike="noStrike" spc="-1">
+            <a:r>
+              <a:rPr lang="en-US" sz="4000" b="1" spc="-1" dirty="0" err="1" smtClean="0">
+                <a:solidFill>
+                  <a:srgbClr val="000000"/>
+                </a:solidFill>
+                <a:uFill>
+                  <a:solidFill>
+                    <a:srgbClr val="FFFFFF"/>
+                  </a:solidFill>
+                </a:uFill>
+                <a:latin typeface="Anglecia Pro Title"/>
+                <a:ea typeface="ＭＳ Ｐゴシック"/>
+              </a:rPr>
+              <a:t>git</a:t>
+            </a:r>
+            <a:endParaRPr lang="ru-RU" sz="1800" b="0" strike="noStrike" spc="-1" dirty="0">
               <a:solidFill>
                 <a:srgbClr val="000000"/>
               </a:solidFill>
@@ -4641,28 +4888,40 @@
       </p:sp>
       <p:pic>
         <p:nvPicPr>
-          <p:cNvPr id="107" name="Рисунок 106"/>
-          <p:cNvPicPr/>
+          <p:cNvPr id="2" name="Рисунок 1"/>
+          <p:cNvPicPr>
+            <a:picLocks noChangeAspect="1"/>
+          </p:cNvPicPr>
           <p:nvPr/>
         </p:nvPicPr>
         <p:blipFill>
-          <a:blip r:embed="rId4"/>
-          <a:stretch/>
+          <a:blip r:embed="rId4">
+            <a:extLst>
+              <a:ext uri="{28A0092B-C50C-407E-A947-70E740481C1C}">
+                <a14:useLocalDpi xmlns:a14="http://schemas.microsoft.com/office/drawing/2010/main" val="0"/>
+              </a:ext>
+            </a:extLst>
+          </a:blip>
+          <a:stretch>
+            <a:fillRect/>
+          </a:stretch>
         </p:blipFill>
         <p:spPr>
           <a:xfrm>
-            <a:off x="4752000" y="2040480"/>
-            <a:ext cx="6295680" cy="4295520"/>
-          </a:xfrm>
-          <a:prstGeom prst="rect">
-            <a:avLst/>
-          </a:prstGeom>
-          <a:ln>
-            <a:noFill/>
-          </a:ln>
+            <a:off x="155216" y="2934087"/>
+            <a:ext cx="11864303" cy="3731755"/>
+          </a:xfrm>
+          <a:prstGeom prst="rect">
+            <a:avLst/>
+          </a:prstGeom>
         </p:spPr>
       </p:pic>
     </p:spTree>
+    <p:extLst>
+      <p:ext uri="{BB962C8B-B14F-4D97-AF65-F5344CB8AC3E}">
+        <p14:creationId xmlns:p14="http://schemas.microsoft.com/office/powerpoint/2010/main" val="4224428726"/>
+      </p:ext>
+    </p:extLst>
   </p:cSld>
   <p:clrMapOvr>
     <a:masterClrMapping/>
@@ -4716,7 +4975,7 @@
       </p:grpSpPr>
       <p:pic>
         <p:nvPicPr>
-          <p:cNvPr id="129" name="Picture 14"/>
+          <p:cNvPr id="108" name="Picture 14"/>
           <p:cNvPicPr/>
           <p:nvPr/>
         </p:nvPicPr>
@@ -4739,7 +4998,7 @@
       </p:pic>
       <p:pic>
         <p:nvPicPr>
-          <p:cNvPr id="130" name="Picture 13"/>
+          <p:cNvPr id="109" name="Picture 13"/>
           <p:cNvPicPr/>
           <p:nvPr/>
         </p:nvPicPr>
@@ -4762,7 +5021,7 @@
       </p:pic>
       <p:pic>
         <p:nvPicPr>
-          <p:cNvPr id="131" name="Рисунок 112"/>
+          <p:cNvPr id="110" name="Рисунок 88"/>
           <p:cNvPicPr/>
           <p:nvPr/>
         </p:nvPicPr>
@@ -4772,8 +5031,146 @@
         </p:blipFill>
         <p:spPr>
           <a:xfrm>
-            <a:off x="360" y="2304000"/>
-            <a:ext cx="12191040" cy="3527280"/>
+            <a:off x="6480000" y="2177280"/>
+            <a:ext cx="4320000" cy="774720"/>
+          </a:xfrm>
+          <a:prstGeom prst="rect">
+            <a:avLst/>
+          </a:prstGeom>
+          <a:ln>
+            <a:noFill/>
+          </a:ln>
+        </p:spPr>
+      </p:pic>
+      <p:pic>
+        <p:nvPicPr>
+          <p:cNvPr id="111" name="Рисунок 91"/>
+          <p:cNvPicPr/>
+          <p:nvPr/>
+        </p:nvPicPr>
+        <p:blipFill>
+          <a:blip r:embed="rId5"/>
+          <a:stretch/>
+        </p:blipFill>
+        <p:spPr>
+          <a:xfrm>
+            <a:off x="7200000" y="3312000"/>
+            <a:ext cx="2880000" cy="753120"/>
+          </a:xfrm>
+          <a:prstGeom prst="rect">
+            <a:avLst/>
+          </a:prstGeom>
+          <a:ln>
+            <a:noFill/>
+          </a:ln>
+        </p:spPr>
+      </p:pic>
+      <p:pic>
+        <p:nvPicPr>
+          <p:cNvPr id="112" name="Рисунок 111"/>
+          <p:cNvPicPr/>
+          <p:nvPr/>
+        </p:nvPicPr>
+        <p:blipFill>
+          <a:blip r:embed="rId6"/>
+          <a:stretch/>
+        </p:blipFill>
+        <p:spPr>
+          <a:xfrm>
+            <a:off x="980640" y="1944000"/>
+            <a:ext cx="2907360" cy="1224000"/>
+          </a:xfrm>
+          <a:prstGeom prst="rect">
+            <a:avLst/>
+          </a:prstGeom>
+          <a:ln>
+            <a:noFill/>
+          </a:ln>
+        </p:spPr>
+      </p:pic>
+      <p:pic>
+        <p:nvPicPr>
+          <p:cNvPr id="113" name="Рисунок 112"/>
+          <p:cNvPicPr/>
+          <p:nvPr/>
+        </p:nvPicPr>
+        <p:blipFill>
+          <a:blip r:embed="rId7"/>
+          <a:stretch/>
+        </p:blipFill>
+        <p:spPr>
+          <a:xfrm>
+            <a:off x="720000" y="2998440"/>
+            <a:ext cx="3168000" cy="1393560"/>
+          </a:xfrm>
+          <a:prstGeom prst="rect">
+            <a:avLst/>
+          </a:prstGeom>
+          <a:ln>
+            <a:noFill/>
+          </a:ln>
+        </p:spPr>
+      </p:pic>
+      <p:pic>
+        <p:nvPicPr>
+          <p:cNvPr id="114" name="Рисунок 90"/>
+          <p:cNvPicPr/>
+          <p:nvPr/>
+        </p:nvPicPr>
+        <p:blipFill>
+          <a:blip r:embed="rId8"/>
+          <a:stretch/>
+        </p:blipFill>
+        <p:spPr>
+          <a:xfrm>
+            <a:off x="432000" y="4248000"/>
+            <a:ext cx="4336560" cy="1295280"/>
+          </a:xfrm>
+          <a:prstGeom prst="rect">
+            <a:avLst/>
+          </a:prstGeom>
+          <a:ln>
+            <a:noFill/>
+          </a:ln>
+        </p:spPr>
+      </p:pic>
+      <p:pic>
+        <p:nvPicPr>
+          <p:cNvPr id="115" name="Рисунок 114"/>
+          <p:cNvPicPr/>
+          <p:nvPr/>
+        </p:nvPicPr>
+        <p:blipFill>
+          <a:blip r:embed="rId9"/>
+          <a:stretch/>
+        </p:blipFill>
+        <p:spPr>
+          <a:xfrm>
+            <a:off x="7256520" y="4160520"/>
+            <a:ext cx="2607480" cy="2607480"/>
+          </a:xfrm>
+          <a:prstGeom prst="rect">
+            <a:avLst/>
+          </a:prstGeom>
+          <a:ln>
+            <a:noFill/>
+          </a:ln>
+        </p:spPr>
+      </p:pic>
+      <p:pic>
+        <p:nvPicPr>
+          <p:cNvPr id="116" name="Рисунок 115"/>
+          <p:cNvPicPr/>
+          <p:nvPr/>
+        </p:nvPicPr>
+        <p:blipFill>
+          <a:blip r:embed="rId10"/>
+          <a:stretch/>
+        </p:blipFill>
+        <p:spPr>
+          <a:xfrm>
+            <a:off x="1512000" y="5431320"/>
+            <a:ext cx="1890720" cy="1404720"/>
           </a:xfrm>
           <a:prstGeom prst="rect">
             <a:avLst/>
@@ -4837,7 +5234,7 @@
       </p:grpSpPr>
       <p:pic>
         <p:nvPicPr>
-          <p:cNvPr id="129" name="Picture 14"/>
+          <p:cNvPr id="104" name="Picture 14"/>
           <p:cNvPicPr/>
           <p:nvPr/>
         </p:nvPicPr>
@@ -4860,7 +5257,7 @@
       </p:pic>
       <p:pic>
         <p:nvPicPr>
-          <p:cNvPr id="130" name="Picture 13"/>
+          <p:cNvPr id="105" name="Picture 13"/>
           <p:cNvPicPr/>
           <p:nvPr/>
         </p:nvPicPr>
@@ -4881,46 +5278,16 @@
           </a:ln>
         </p:spPr>
       </p:pic>
-      <p:pic>
-        <p:nvPicPr>
-          <p:cNvPr id="2" name="Рисунок 1"/>
-          <p:cNvPicPr>
-            <a:picLocks noChangeAspect="1"/>
-          </p:cNvPicPr>
-          <p:nvPr/>
-        </p:nvPicPr>
-        <p:blipFill>
-          <a:blip r:embed="rId4">
-            <a:extLst>
-              <a:ext uri="{28A0092B-C50C-407E-A947-70E740481C1C}">
-                <a14:useLocalDpi xmlns:a14="http://schemas.microsoft.com/office/drawing/2010/main" val="0"/>
-              </a:ext>
-            </a:extLst>
-          </a:blip>
-          <a:stretch>
-            <a:fillRect/>
-          </a:stretch>
-        </p:blipFill>
-        <p:spPr>
-          <a:xfrm>
-            <a:off x="5009322" y="0"/>
-            <a:ext cx="7182678" cy="6854327"/>
-          </a:xfrm>
-          <a:prstGeom prst="rect">
-            <a:avLst/>
-          </a:prstGeom>
-        </p:spPr>
-      </p:pic>
       <p:sp>
         <p:nvSpPr>
-          <p:cNvPr id="7" name="CustomShape 1"/>
+          <p:cNvPr id="106" name="CustomShape 1"/>
           <p:cNvSpPr/>
           <p:nvPr/>
         </p:nvSpPr>
         <p:spPr>
           <a:xfrm>
-            <a:off x="619920" y="2035080"/>
-            <a:ext cx="7012080" cy="699120"/>
+            <a:off x="720720" y="3816000"/>
+            <a:ext cx="3311280" cy="288000"/>
           </a:xfrm>
           <a:prstGeom prst="rect">
             <a:avLst/>
@@ -4943,16 +5310,11 @@
           <a:fontRef idx="minor"/>
         </p:style>
         <p:txBody>
-          <a:bodyPr wrap="none" lIns="90000" tIns="45000" rIns="90000" bIns="45000"/>
+          <a:bodyPr lIns="90000" tIns="45000" rIns="90000" bIns="45000"/>
           <a:lstStyle/>
           <a:p>
-            <a:pPr>
-              <a:lnSpc>
-                <a:spcPct val="100000"/>
-              </a:lnSpc>
-            </a:pPr>
             <a:r>
-              <a:rPr lang="ru-RU" sz="4000" b="1" spc="-1" dirty="0" smtClean="0">
+              <a:rPr lang="ru-RU" sz="1400" b="0" strike="noStrike" spc="-1">
                 <a:solidFill>
                   <a:srgbClr val="000000"/>
                 </a:solidFill>
@@ -4961,34 +5323,12 @@
                     <a:srgbClr val="FFFFFF"/>
                   </a:solidFill>
                 </a:uFill>
-                <a:latin typeface="Anglecia Pro Title"/>
-                <a:ea typeface="ＭＳ Ｐゴシック"/>
+                <a:latin typeface="Arial"/>
+                <a:ea typeface="DejaVu Sans"/>
               </a:rPr>
-              <a:t>Постоянное</a:t>
+              <a:t>~ 800 000 запросов в сутки</a:t>
             </a:r>
-          </a:p>
-          <a:p>
-            <a:pPr>
-              <a:lnSpc>
-                <a:spcPct val="100000"/>
-              </a:lnSpc>
-            </a:pPr>
-            <a:r>
-              <a:rPr lang="ru-RU" sz="4000" b="1" strike="noStrike" spc="-1" dirty="0" smtClean="0">
-                <a:solidFill>
-                  <a:srgbClr val="000000"/>
-                </a:solidFill>
-                <a:uFill>
-                  <a:solidFill>
-                    <a:srgbClr val="FFFFFF"/>
-                  </a:solidFill>
-                </a:uFill>
-                <a:latin typeface="Anglecia Pro Title"/>
-                <a:ea typeface="ＭＳ Ｐゴシック"/>
-              </a:rPr>
-              <a:t>соединение</a:t>
-            </a:r>
-            <a:endParaRPr lang="ru-RU" sz="1800" b="0" strike="noStrike" spc="-1" dirty="0">
+            <a:endParaRPr lang="ru-RU" sz="1800" b="0" strike="noStrike" spc="-1">
               <a:solidFill>
                 <a:srgbClr val="000000"/>
               </a:solidFill>
@@ -5002,12 +5342,30 @@
           </a:p>
         </p:txBody>
       </p:sp>
+      <p:pic>
+        <p:nvPicPr>
+          <p:cNvPr id="107" name="Рисунок 106"/>
+          <p:cNvPicPr/>
+          <p:nvPr/>
+        </p:nvPicPr>
+        <p:blipFill>
+          <a:blip r:embed="rId4"/>
+          <a:stretch/>
+        </p:blipFill>
+        <p:spPr>
+          <a:xfrm>
+            <a:off x="4752000" y="2040480"/>
+            <a:ext cx="6295680" cy="4295520"/>
+          </a:xfrm>
+          <a:prstGeom prst="rect">
+            <a:avLst/>
+          </a:prstGeom>
+          <a:ln>
+            <a:noFill/>
+          </a:ln>
+        </p:spPr>
+      </p:pic>
     </p:spTree>
-    <p:extLst>
-      <p:ext uri="{BB962C8B-B14F-4D97-AF65-F5344CB8AC3E}">
-        <p14:creationId xmlns:p14="http://schemas.microsoft.com/office/powerpoint/2010/main" val="2403137985"/>
-      </p:ext>
-    </p:extLst>
   </p:cSld>
   <p:clrMapOvr>
     <a:masterClrMapping/>
@@ -5061,7 +5419,7 @@
       </p:grpSpPr>
       <p:pic>
         <p:nvPicPr>
-          <p:cNvPr id="104" name="Picture 14"/>
+          <p:cNvPr id="129" name="Picture 14"/>
           <p:cNvPicPr/>
           <p:nvPr/>
         </p:nvPicPr>
@@ -5084,7 +5442,7 @@
       </p:pic>
       <p:pic>
         <p:nvPicPr>
-          <p:cNvPr id="105" name="Picture 13"/>
+          <p:cNvPr id="130" name="Picture 13"/>
           <p:cNvPicPr/>
           <p:nvPr/>
         </p:nvPicPr>
@@ -5105,106 +5463,30 @@
           </a:ln>
         </p:spPr>
       </p:pic>
-      <p:sp>
-        <p:nvSpPr>
-          <p:cNvPr id="106" name="CustomShape 1"/>
-          <p:cNvSpPr/>
-          <p:nvPr/>
-        </p:nvSpPr>
-        <p:spPr>
-          <a:xfrm>
-            <a:off x="720720" y="3816000"/>
-            <a:ext cx="3311280" cy="288000"/>
-          </a:xfrm>
-          <a:prstGeom prst="rect">
-            <a:avLst/>
-          </a:prstGeom>
-          <a:noFill/>
-          <a:ln>
-            <a:noFill/>
-          </a:ln>
-        </p:spPr>
-        <p:style>
-          <a:lnRef idx="0">
-            <a:scrgbClr r="0" g="0" b="0"/>
-          </a:lnRef>
-          <a:fillRef idx="0">
-            <a:scrgbClr r="0" g="0" b="0"/>
-          </a:fillRef>
-          <a:effectRef idx="0">
-            <a:scrgbClr r="0" g="0" b="0"/>
-          </a:effectRef>
-          <a:fontRef idx="minor"/>
-        </p:style>
-        <p:txBody>
-          <a:bodyPr lIns="90000" tIns="45000" rIns="90000" bIns="45000"/>
-          <a:lstStyle/>
-          <a:p>
-            <a:r>
-              <a:rPr lang="ru-RU" sz="1400" b="0" strike="noStrike" spc="-1" dirty="0" smtClean="0">
-                <a:solidFill>
-                  <a:srgbClr val="000000"/>
-                </a:solidFill>
-                <a:uFill>
-                  <a:solidFill>
-                    <a:srgbClr val="FFFFFF"/>
-                  </a:solidFill>
-                </a:uFill>
-                <a:latin typeface="Arial"/>
-                <a:ea typeface="DejaVu Sans"/>
-              </a:rPr>
-              <a:t>Нас устраивало…</a:t>
-            </a:r>
-            <a:endParaRPr lang="ru-RU" sz="1800" b="0" strike="noStrike" spc="-1" dirty="0">
-              <a:solidFill>
-                <a:srgbClr val="000000"/>
-              </a:solidFill>
-              <a:uFill>
-                <a:solidFill>
-                  <a:srgbClr val="FFFFFF"/>
-                </a:solidFill>
-              </a:uFill>
-              <a:latin typeface="Arial"/>
-            </a:endParaRPr>
-          </a:p>
-        </p:txBody>
-      </p:sp>
       <p:pic>
         <p:nvPicPr>
-          <p:cNvPr id="2" name="Рисунок 1"/>
-          <p:cNvPicPr>
-            <a:picLocks noChangeAspect="1"/>
-          </p:cNvPicPr>
+          <p:cNvPr id="131" name="Рисунок 112"/>
+          <p:cNvPicPr/>
           <p:nvPr/>
         </p:nvPicPr>
         <p:blipFill>
-          <a:blip r:embed="rId4">
-            <a:extLst>
-              <a:ext uri="{28A0092B-C50C-407E-A947-70E740481C1C}">
-                <a14:useLocalDpi xmlns:a14="http://schemas.microsoft.com/office/drawing/2010/main" val="0"/>
-              </a:ext>
-            </a:extLst>
-          </a:blip>
-          <a:stretch>
-            <a:fillRect/>
-          </a:stretch>
+          <a:blip r:embed="rId4"/>
+          <a:stretch/>
         </p:blipFill>
         <p:spPr>
           <a:xfrm>
-            <a:off x="4152563" y="1987826"/>
-            <a:ext cx="7001923" cy="4777409"/>
-          </a:xfrm>
-          <a:prstGeom prst="rect">
-            <a:avLst/>
-          </a:prstGeom>
+            <a:off x="360" y="2304000"/>
+            <a:ext cx="12191040" cy="3527280"/>
+          </a:xfrm>
+          <a:prstGeom prst="rect">
+            <a:avLst/>
+          </a:prstGeom>
+          <a:ln>
+            <a:noFill/>
+          </a:ln>
         </p:spPr>
       </p:pic>
     </p:spTree>
-    <p:extLst>
-      <p:ext uri="{BB962C8B-B14F-4D97-AF65-F5344CB8AC3E}">
-        <p14:creationId xmlns:p14="http://schemas.microsoft.com/office/powerpoint/2010/main" val="1474592550"/>
-      </p:ext>
-    </p:extLst>
   </p:cSld>
   <p:clrMapOvr>
     <a:masterClrMapping/>
@@ -5412,7 +5694,7 @@
         <p:spPr>
           <a:xfrm>
             <a:off x="720000" y="3240360"/>
-            <a:ext cx="10511640" cy="1881720"/>
+            <a:ext cx="10511640" cy="2550840"/>
           </a:xfrm>
           <a:prstGeom prst="rect">
             <a:avLst/>
@@ -5438,8 +5720,15 @@
           <a:bodyPr lIns="90000" tIns="45000" rIns="90000" bIns="45000"/>
           <a:lstStyle/>
           <a:p>
+            <a:pPr marL="285750" indent="-285750">
+              <a:lnSpc>
+                <a:spcPct val="200000"/>
+              </a:lnSpc>
+              <a:buFont typeface="Arial" panose="020B0604020202020204" pitchFamily="34" charset="0"/>
+              <a:buChar char="•"/>
+            </a:pPr>
             <a:r>
-              <a:rPr lang="ru-RU" sz="1800" b="0" strike="noStrike" spc="-1">
+              <a:rPr lang="ru-RU" sz="1800" b="0" strike="noStrike" spc="-1" dirty="0" smtClean="0">
                 <a:solidFill>
                   <a:srgbClr val="000000"/>
                 </a:solidFill>
@@ -5450,11 +5739,9 @@
                 </a:uFill>
                 <a:latin typeface="Arial"/>
               </a:rPr>
-              <a:t>- 27 лет</a:t>
+              <a:t>27 лет</a:t>
             </a:r>
-          </a:p>
-          <a:p>
-            <a:endParaRPr lang="ru-RU" sz="1800" b="0" strike="noStrike" spc="-1">
+            <a:endParaRPr lang="ru-RU" sz="1800" b="0" strike="noStrike" spc="-1" dirty="0">
               <a:solidFill>
                 <a:srgbClr val="000000"/>
               </a:solidFill>
@@ -5467,8 +5754,15 @@
             </a:endParaRPr>
           </a:p>
           <a:p>
+            <a:pPr marL="285750" indent="-285750">
+              <a:lnSpc>
+                <a:spcPct val="200000"/>
+              </a:lnSpc>
+              <a:buFont typeface="Arial" panose="020B0604020202020204" pitchFamily="34" charset="0"/>
+              <a:buChar char="•"/>
+            </a:pPr>
             <a:r>
-              <a:rPr lang="ru-RU" sz="1800" b="0" strike="noStrike" spc="-1">
+              <a:rPr lang="ru-RU" sz="1800" b="0" strike="noStrike" spc="-1" dirty="0" smtClean="0">
                 <a:solidFill>
                   <a:srgbClr val="000000"/>
                 </a:solidFill>
@@ -5479,25 +5773,10 @@
                 </a:uFill>
                 <a:latin typeface="Arial"/>
               </a:rPr>
-              <a:t>- Магистр вычислительной техники и программного обеспечения</a:t>
+              <a:t>Магистр </a:t>
             </a:r>
-          </a:p>
-          <a:p>
-            <a:endParaRPr lang="ru-RU" sz="1800" b="0" strike="noStrike" spc="-1">
-              <a:solidFill>
-                <a:srgbClr val="000000"/>
-              </a:solidFill>
-              <a:uFill>
-                <a:solidFill>
-                  <a:srgbClr val="FFFFFF"/>
-                </a:solidFill>
-              </a:uFill>
-              <a:latin typeface="Arial"/>
-            </a:endParaRPr>
-          </a:p>
-          <a:p>
             <a:r>
-              <a:rPr lang="ru-RU" sz="1800" b="0" strike="noStrike" spc="-1">
+              <a:rPr lang="ru-RU" sz="1800" b="0" strike="noStrike" spc="-1" dirty="0">
                 <a:solidFill>
                   <a:srgbClr val="000000"/>
                 </a:solidFill>
@@ -5508,25 +5787,10 @@
                 </a:uFill>
                 <a:latin typeface="Arial"/>
               </a:rPr>
-              <a:t>- Кодил на VisualBasic, Java, JavaScript, PHP</a:t>
+              <a:t>вычислительной техники и программного </a:t>
             </a:r>
-          </a:p>
-          <a:p>
-            <a:endParaRPr lang="ru-RU" sz="1800" b="0" strike="noStrike" spc="-1">
-              <a:solidFill>
-                <a:srgbClr val="000000"/>
-              </a:solidFill>
-              <a:uFill>
-                <a:solidFill>
-                  <a:srgbClr val="FFFFFF"/>
-                </a:solidFill>
-              </a:uFill>
-              <a:latin typeface="Arial"/>
-            </a:endParaRPr>
-          </a:p>
-          <a:p>
             <a:r>
-              <a:rPr lang="ru-RU" sz="1800" b="0" strike="noStrike" spc="-1">
+              <a:rPr lang="ru-RU" sz="1800" b="0" strike="noStrike" spc="-1" dirty="0" smtClean="0">
                 <a:solidFill>
                   <a:srgbClr val="000000"/>
                 </a:solidFill>
@@ -5537,7 +5801,215 @@
                 </a:uFill>
                 <a:latin typeface="Arial"/>
               </a:rPr>
-              <a:t>- Опыт на PHP более двух лет</a:t>
+              <a:t>обеспечения</a:t>
+            </a:r>
+            <a:endParaRPr lang="ru-RU" sz="1800" b="0" strike="noStrike" spc="-1" dirty="0">
+              <a:solidFill>
+                <a:srgbClr val="000000"/>
+              </a:solidFill>
+              <a:uFill>
+                <a:solidFill>
+                  <a:srgbClr val="FFFFFF"/>
+                </a:solidFill>
+              </a:uFill>
+              <a:latin typeface="Arial"/>
+            </a:endParaRPr>
+          </a:p>
+          <a:p>
+            <a:pPr marL="285750" indent="-285750">
+              <a:lnSpc>
+                <a:spcPct val="200000"/>
+              </a:lnSpc>
+              <a:buFont typeface="Arial" panose="020B0604020202020204" pitchFamily="34" charset="0"/>
+              <a:buChar char="•"/>
+            </a:pPr>
+            <a:r>
+              <a:rPr lang="ru-RU" sz="1800" b="0" strike="noStrike" spc="-1" dirty="0" err="1" smtClean="0">
+                <a:solidFill>
+                  <a:srgbClr val="000000"/>
+                </a:solidFill>
+                <a:uFill>
+                  <a:solidFill>
+                    <a:srgbClr val="FFFFFF"/>
+                  </a:solidFill>
+                </a:uFill>
+                <a:latin typeface="Arial"/>
+              </a:rPr>
+              <a:t>Кодил</a:t>
+            </a:r>
+            <a:r>
+              <a:rPr lang="ru-RU" sz="1800" b="0" strike="noStrike" spc="-1" dirty="0" smtClean="0">
+                <a:solidFill>
+                  <a:srgbClr val="000000"/>
+                </a:solidFill>
+                <a:uFill>
+                  <a:solidFill>
+                    <a:srgbClr val="FFFFFF"/>
+                  </a:solidFill>
+                </a:uFill>
+                <a:latin typeface="Arial"/>
+              </a:rPr>
+              <a:t> </a:t>
+            </a:r>
+            <a:r>
+              <a:rPr lang="ru-RU" sz="1800" b="0" strike="noStrike" spc="-1" dirty="0">
+                <a:solidFill>
+                  <a:srgbClr val="000000"/>
+                </a:solidFill>
+                <a:uFill>
+                  <a:solidFill>
+                    <a:srgbClr val="FFFFFF"/>
+                  </a:solidFill>
+                </a:uFill>
+                <a:latin typeface="Arial"/>
+              </a:rPr>
+              <a:t>на </a:t>
+            </a:r>
+            <a:r>
+              <a:rPr lang="ru-RU" sz="1800" b="0" strike="noStrike" spc="-1" dirty="0" err="1">
+                <a:solidFill>
+                  <a:srgbClr val="000000"/>
+                </a:solidFill>
+                <a:uFill>
+                  <a:solidFill>
+                    <a:srgbClr val="FFFFFF"/>
+                  </a:solidFill>
+                </a:uFill>
+                <a:latin typeface="Arial"/>
+              </a:rPr>
+              <a:t>VisualBasic</a:t>
+            </a:r>
+            <a:r>
+              <a:rPr lang="ru-RU" sz="1800" b="0" strike="noStrike" spc="-1" dirty="0">
+                <a:solidFill>
+                  <a:srgbClr val="000000"/>
+                </a:solidFill>
+                <a:uFill>
+                  <a:solidFill>
+                    <a:srgbClr val="FFFFFF"/>
+                  </a:solidFill>
+                </a:uFill>
+                <a:latin typeface="Arial"/>
+              </a:rPr>
+              <a:t>, </a:t>
+            </a:r>
+            <a:r>
+              <a:rPr lang="ru-RU" sz="1800" b="0" strike="noStrike" spc="-1" dirty="0" err="1">
+                <a:solidFill>
+                  <a:srgbClr val="000000"/>
+                </a:solidFill>
+                <a:uFill>
+                  <a:solidFill>
+                    <a:srgbClr val="FFFFFF"/>
+                  </a:solidFill>
+                </a:uFill>
+                <a:latin typeface="Arial"/>
+              </a:rPr>
+              <a:t>Java</a:t>
+            </a:r>
+            <a:r>
+              <a:rPr lang="ru-RU" sz="1800" b="0" strike="noStrike" spc="-1" dirty="0">
+                <a:solidFill>
+                  <a:srgbClr val="000000"/>
+                </a:solidFill>
+                <a:uFill>
+                  <a:solidFill>
+                    <a:srgbClr val="FFFFFF"/>
+                  </a:solidFill>
+                </a:uFill>
+                <a:latin typeface="Arial"/>
+              </a:rPr>
+              <a:t>, </a:t>
+            </a:r>
+            <a:r>
+              <a:rPr lang="ru-RU" sz="1800" b="0" strike="noStrike" spc="-1" dirty="0" err="1">
+                <a:solidFill>
+                  <a:srgbClr val="000000"/>
+                </a:solidFill>
+                <a:uFill>
+                  <a:solidFill>
+                    <a:srgbClr val="FFFFFF"/>
+                  </a:solidFill>
+                </a:uFill>
+                <a:latin typeface="Arial"/>
+              </a:rPr>
+              <a:t>JavaScript</a:t>
+            </a:r>
+            <a:r>
+              <a:rPr lang="ru-RU" sz="1800" b="0" strike="noStrike" spc="-1" dirty="0">
+                <a:solidFill>
+                  <a:srgbClr val="000000"/>
+                </a:solidFill>
+                <a:uFill>
+                  <a:solidFill>
+                    <a:srgbClr val="FFFFFF"/>
+                  </a:solidFill>
+                </a:uFill>
+                <a:latin typeface="Arial"/>
+              </a:rPr>
+              <a:t>, </a:t>
+            </a:r>
+            <a:r>
+              <a:rPr lang="ru-RU" sz="1800" b="0" strike="noStrike" spc="-1" dirty="0" smtClean="0">
+                <a:solidFill>
+                  <a:srgbClr val="000000"/>
+                </a:solidFill>
+                <a:uFill>
+                  <a:solidFill>
+                    <a:srgbClr val="FFFFFF"/>
+                  </a:solidFill>
+                </a:uFill>
+                <a:latin typeface="Arial"/>
+              </a:rPr>
+              <a:t>PHP</a:t>
+            </a:r>
+            <a:endParaRPr lang="ru-RU" sz="1800" b="0" strike="noStrike" spc="-1" dirty="0">
+              <a:solidFill>
+                <a:srgbClr val="000000"/>
+              </a:solidFill>
+              <a:uFill>
+                <a:solidFill>
+                  <a:srgbClr val="FFFFFF"/>
+                </a:solidFill>
+              </a:uFill>
+              <a:latin typeface="Arial"/>
+            </a:endParaRPr>
+          </a:p>
+          <a:p>
+            <a:pPr marL="285750" indent="-285750">
+              <a:lnSpc>
+                <a:spcPct val="200000"/>
+              </a:lnSpc>
+              <a:buFont typeface="Arial" panose="020B0604020202020204" pitchFamily="34" charset="0"/>
+              <a:buChar char="•"/>
+            </a:pPr>
+            <a:r>
+              <a:rPr lang="ru-RU" sz="1800" b="0" strike="noStrike" spc="-1" dirty="0" smtClean="0">
+                <a:solidFill>
+                  <a:srgbClr val="000000"/>
+                </a:solidFill>
+                <a:uFill>
+                  <a:solidFill>
+                    <a:srgbClr val="FFFFFF"/>
+                  </a:solidFill>
+                </a:uFill>
+                <a:latin typeface="Arial"/>
+              </a:rPr>
+              <a:t>Опыт </a:t>
+            </a:r>
+            <a:r>
+              <a:rPr lang="ru-RU" sz="1800" b="0" strike="noStrike" spc="-1" dirty="0">
+                <a:solidFill>
+                  <a:srgbClr val="000000"/>
+                </a:solidFill>
+                <a:uFill>
+                  <a:solidFill>
+                    <a:srgbClr val="FFFFFF"/>
+                  </a:solidFill>
+                </a:uFill>
+                <a:latin typeface="Arial"/>
+              </a:rPr>
+              <a:t>на PHP более двух лет</a:t>
             </a:r>
           </a:p>
         </p:txBody>
@@ -5550,27 +6022,7 @@
   <p:timing>
     <p:tnLst>
       <p:par>
-        <p:cTn id="1" dur="indefinite" restart="never" nodeType="tmRoot">
-          <p:childTnLst>
-            <p:seq>
-              <p:cTn id="2" nodeType="mainSeq"/>
-              <p:prevCondLst>
-                <p:cond evt="onPrev" delay="0">
-                  <p:tgtEl>
-                    <p:sldTgt/>
-                  </p:tgtEl>
-                </p:cond>
-              </p:prevCondLst>
-              <p:nextCondLst>
-                <p:cond evt="onNext" delay="0">
-                  <p:tgtEl>
-                    <p:sldTgt/>
-                  </p:tgtEl>
-                </p:cond>
-              </p:nextCondLst>
-            </p:seq>
-          </p:childTnLst>
-        </p:cTn>
+        <p:cTn id="1" dur="indefinite" restart="never" nodeType="tmRoot"/>
       </p:par>
     </p:tnLst>
   </p:timing>
@@ -5596,7 +6048,7 @@
       </p:grpSpPr>
       <p:pic>
         <p:nvPicPr>
-          <p:cNvPr id="89" name="Picture 14"/>
+          <p:cNvPr id="129" name="Picture 14"/>
           <p:cNvPicPr/>
           <p:nvPr/>
         </p:nvPicPr>
@@ -5619,7 +6071,7 @@
       </p:pic>
       <p:pic>
         <p:nvPicPr>
-          <p:cNvPr id="90" name="Picture 13"/>
+          <p:cNvPr id="130" name="Picture 13"/>
           <p:cNvPicPr/>
           <p:nvPr/>
         </p:nvPicPr>
@@ -5640,9 +6092,39 @@
           </a:ln>
         </p:spPr>
       </p:pic>
+      <p:pic>
+        <p:nvPicPr>
+          <p:cNvPr id="2" name="Рисунок 1"/>
+          <p:cNvPicPr>
+            <a:picLocks noChangeAspect="1"/>
+          </p:cNvPicPr>
+          <p:nvPr/>
+        </p:nvPicPr>
+        <p:blipFill>
+          <a:blip r:embed="rId4">
+            <a:extLst>
+              <a:ext uri="{28A0092B-C50C-407E-A947-70E740481C1C}">
+                <a14:useLocalDpi xmlns:a14="http://schemas.microsoft.com/office/drawing/2010/main" val="0"/>
+              </a:ext>
+            </a:extLst>
+          </a:blip>
+          <a:stretch>
+            <a:fillRect/>
+          </a:stretch>
+        </p:blipFill>
+        <p:spPr>
+          <a:xfrm>
+            <a:off x="5009322" y="0"/>
+            <a:ext cx="7182678" cy="6854327"/>
+          </a:xfrm>
+          <a:prstGeom prst="rect">
+            <a:avLst/>
+          </a:prstGeom>
+        </p:spPr>
+      </p:pic>
       <p:sp>
         <p:nvSpPr>
-          <p:cNvPr id="91" name="CustomShape 1"/>
+          <p:cNvPr id="7" name="CustomShape 1"/>
           <p:cNvSpPr/>
           <p:nvPr/>
         </p:nvSpPr>
@@ -5693,7 +6175,29 @@
                 <a:latin typeface="Anglecia Pro Title"/>
                 <a:ea typeface="ＭＳ Ｐゴシック"/>
               </a:rPr>
-              <a:t>Структура Точки</a:t>
+              <a:t>Постоянное</a:t>
+            </a:r>
+          </a:p>
+          <a:p>
+            <a:pPr>
+              <a:lnSpc>
+                <a:spcPct val="100000"/>
+              </a:lnSpc>
+            </a:pPr>
+            <a:r>
+              <a:rPr lang="ru-RU" sz="4000" b="1" strike="noStrike" spc="-1" dirty="0" smtClean="0">
+                <a:solidFill>
+                  <a:srgbClr val="000000"/>
+                </a:solidFill>
+                <a:uFill>
+                  <a:solidFill>
+                    <a:srgbClr val="FFFFFF"/>
+                  </a:solidFill>
+                </a:uFill>
+                <a:latin typeface="Anglecia Pro Title"/>
+                <a:ea typeface="ＭＳ Ｐゴシック"/>
+              </a:rPr>
+              <a:t>соединение</a:t>
             </a:r>
             <a:endParaRPr lang="ru-RU" sz="1800" b="0" strike="noStrike" spc="-1" dirty="0">
               <a:solidFill>
@@ -5709,40 +6213,10 @@
           </a:p>
         </p:txBody>
       </p:sp>
-      <p:pic>
-        <p:nvPicPr>
-          <p:cNvPr id="2" name="Рисунок 1"/>
-          <p:cNvPicPr>
-            <a:picLocks noChangeAspect="1"/>
-          </p:cNvPicPr>
-          <p:nvPr/>
-        </p:nvPicPr>
-        <p:blipFill>
-          <a:blip r:embed="rId4">
-            <a:extLst>
-              <a:ext uri="{28A0092B-C50C-407E-A947-70E740481C1C}">
-                <a14:useLocalDpi xmlns:a14="http://schemas.microsoft.com/office/drawing/2010/main" val="0"/>
-              </a:ext>
-            </a:extLst>
-          </a:blip>
-          <a:stretch>
-            <a:fillRect/>
-          </a:stretch>
-        </p:blipFill>
-        <p:spPr>
-          <a:xfrm>
-            <a:off x="5197337" y="0"/>
-            <a:ext cx="6994663" cy="6858000"/>
-          </a:xfrm>
-          <a:prstGeom prst="rect">
-            <a:avLst/>
-          </a:prstGeom>
-        </p:spPr>
-      </p:pic>
     </p:spTree>
     <p:extLst>
       <p:ext uri="{BB962C8B-B14F-4D97-AF65-F5344CB8AC3E}">
-        <p14:creationId xmlns:p14="http://schemas.microsoft.com/office/powerpoint/2010/main" val="1628847049"/>
+        <p14:creationId xmlns:p14="http://schemas.microsoft.com/office/powerpoint/2010/main" val="2403137985"/>
       </p:ext>
     </p:extLst>
   </p:cSld>
@@ -5798,7 +6272,7 @@
       </p:grpSpPr>
       <p:pic>
         <p:nvPicPr>
-          <p:cNvPr id="144" name="Picture 14"/>
+          <p:cNvPr id="129" name="Picture 14"/>
           <p:cNvPicPr/>
           <p:nvPr/>
         </p:nvPicPr>
@@ -5821,7 +6295,7 @@
       </p:pic>
       <p:pic>
         <p:nvPicPr>
-          <p:cNvPr id="145" name="Picture 13"/>
+          <p:cNvPr id="130" name="Picture 13"/>
           <p:cNvPicPr/>
           <p:nvPr/>
         </p:nvPicPr>
@@ -5842,30 +6316,126 @@
           </a:ln>
         </p:spPr>
       </p:pic>
+      <p:sp>
+        <p:nvSpPr>
+          <p:cNvPr id="7" name="CustomShape 1"/>
+          <p:cNvSpPr/>
+          <p:nvPr/>
+        </p:nvSpPr>
+        <p:spPr>
+          <a:xfrm>
+            <a:off x="619920" y="2035080"/>
+            <a:ext cx="7012080" cy="699120"/>
+          </a:xfrm>
+          <a:prstGeom prst="rect">
+            <a:avLst/>
+          </a:prstGeom>
+          <a:noFill/>
+          <a:ln>
+            <a:noFill/>
+          </a:ln>
+        </p:spPr>
+        <p:style>
+          <a:lnRef idx="0">
+            <a:scrgbClr r="0" g="0" b="0"/>
+          </a:lnRef>
+          <a:fillRef idx="0">
+            <a:scrgbClr r="0" g="0" b="0"/>
+          </a:fillRef>
+          <a:effectRef idx="0">
+            <a:scrgbClr r="0" g="0" b="0"/>
+          </a:effectRef>
+          <a:fontRef idx="minor"/>
+        </p:style>
+        <p:txBody>
+          <a:bodyPr wrap="none" lIns="90000" tIns="45000" rIns="90000" bIns="45000"/>
+          <a:lstStyle/>
+          <a:p>
+            <a:pPr>
+              <a:lnSpc>
+                <a:spcPct val="100000"/>
+              </a:lnSpc>
+            </a:pPr>
+            <a:r>
+              <a:rPr lang="ru-RU" sz="4000" b="1" spc="-1" dirty="0" smtClean="0">
+                <a:solidFill>
+                  <a:srgbClr val="000000"/>
+                </a:solidFill>
+                <a:uFill>
+                  <a:solidFill>
+                    <a:srgbClr val="FFFFFF"/>
+                  </a:solidFill>
+                </a:uFill>
+                <a:latin typeface="Anglecia Pro Title"/>
+                <a:ea typeface="ＭＳ Ｐゴシック"/>
+              </a:rPr>
+              <a:t>Баг в </a:t>
+            </a:r>
+            <a:r>
+              <a:rPr lang="en-US" sz="4000" b="1" spc="-1" dirty="0" smtClean="0">
+                <a:solidFill>
+                  <a:srgbClr val="000000"/>
+                </a:solidFill>
+                <a:uFill>
+                  <a:solidFill>
+                    <a:srgbClr val="FFFFFF"/>
+                  </a:solidFill>
+                </a:uFill>
+                <a:latin typeface="Anglecia Pro Title"/>
+                <a:ea typeface="ＭＳ Ｐゴシック"/>
+              </a:rPr>
+              <a:t>php7</a:t>
+            </a:r>
+            <a:endParaRPr lang="ru-RU" sz="1800" b="0" strike="noStrike" spc="-1" dirty="0">
+              <a:solidFill>
+                <a:srgbClr val="000000"/>
+              </a:solidFill>
+              <a:uFill>
+                <a:solidFill>
+                  <a:srgbClr val="FFFFFF"/>
+                </a:solidFill>
+              </a:uFill>
+              <a:latin typeface="Arial"/>
+            </a:endParaRPr>
+          </a:p>
+        </p:txBody>
+      </p:sp>
       <p:pic>
         <p:nvPicPr>
-          <p:cNvPr id="146" name="Рисунок 127"/>
-          <p:cNvPicPr/>
+          <p:cNvPr id="3" name="Рисунок 2"/>
+          <p:cNvPicPr>
+            <a:picLocks noChangeAspect="1"/>
+          </p:cNvPicPr>
           <p:nvPr/>
         </p:nvPicPr>
         <p:blipFill>
-          <a:blip r:embed="rId4"/>
-          <a:stretch/>
+          <a:blip r:embed="rId4">
+            <a:extLst>
+              <a:ext uri="{28A0092B-C50C-407E-A947-70E740481C1C}">
+                <a14:useLocalDpi xmlns:a14="http://schemas.microsoft.com/office/drawing/2010/main" val="0"/>
+              </a:ext>
+            </a:extLst>
+          </a:blip>
+          <a:stretch>
+            <a:fillRect/>
+          </a:stretch>
         </p:blipFill>
         <p:spPr>
           <a:xfrm>
-            <a:off x="1080000" y="2088000"/>
-            <a:ext cx="9645840" cy="4734000"/>
-          </a:xfrm>
-          <a:prstGeom prst="rect">
-            <a:avLst/>
-          </a:prstGeom>
-          <a:ln>
-            <a:noFill/>
-          </a:ln>
+            <a:off x="658800" y="3188490"/>
+            <a:ext cx="10991299" cy="3305076"/>
+          </a:xfrm>
+          <a:prstGeom prst="rect">
+            <a:avLst/>
+          </a:prstGeom>
         </p:spPr>
       </p:pic>
     </p:spTree>
+    <p:extLst>
+      <p:ext uri="{BB962C8B-B14F-4D97-AF65-F5344CB8AC3E}">
+        <p14:creationId xmlns:p14="http://schemas.microsoft.com/office/powerpoint/2010/main" val="1969495991"/>
+      </p:ext>
+    </p:extLst>
   </p:cSld>
   <p:clrMapOvr>
     <a:masterClrMapping/>
@@ -5919,7 +6489,7 @@
       </p:grpSpPr>
       <p:pic>
         <p:nvPicPr>
-          <p:cNvPr id="147" name="Picture 14"/>
+          <p:cNvPr id="104" name="Picture 14"/>
           <p:cNvPicPr/>
           <p:nvPr/>
         </p:nvPicPr>
@@ -5942,7 +6512,7 @@
       </p:pic>
       <p:pic>
         <p:nvPicPr>
-          <p:cNvPr id="148" name="Picture 13"/>
+          <p:cNvPr id="105" name="Picture 13"/>
           <p:cNvPicPr/>
           <p:nvPr/>
         </p:nvPicPr>
@@ -5963,9 +6533,73 @@
           </a:ln>
         </p:spPr>
       </p:pic>
+      <p:sp>
+        <p:nvSpPr>
+          <p:cNvPr id="106" name="CustomShape 1"/>
+          <p:cNvSpPr/>
+          <p:nvPr/>
+        </p:nvSpPr>
+        <p:spPr>
+          <a:xfrm>
+            <a:off x="720720" y="3816000"/>
+            <a:ext cx="3311280" cy="288000"/>
+          </a:xfrm>
+          <a:prstGeom prst="rect">
+            <a:avLst/>
+          </a:prstGeom>
+          <a:noFill/>
+          <a:ln>
+            <a:noFill/>
+          </a:ln>
+        </p:spPr>
+        <p:style>
+          <a:lnRef idx="0">
+            <a:scrgbClr r="0" g="0" b="0"/>
+          </a:lnRef>
+          <a:fillRef idx="0">
+            <a:scrgbClr r="0" g="0" b="0"/>
+          </a:fillRef>
+          <a:effectRef idx="0">
+            <a:scrgbClr r="0" g="0" b="0"/>
+          </a:effectRef>
+          <a:fontRef idx="minor"/>
+        </p:style>
+        <p:txBody>
+          <a:bodyPr lIns="90000" tIns="45000" rIns="90000" bIns="45000"/>
+          <a:lstStyle/>
+          <a:p>
+            <a:r>
+              <a:rPr lang="ru-RU" sz="1400" b="0" strike="noStrike" spc="-1" dirty="0" smtClean="0">
+                <a:solidFill>
+                  <a:srgbClr val="000000"/>
+                </a:solidFill>
+                <a:uFill>
+                  <a:solidFill>
+                    <a:srgbClr val="FFFFFF"/>
+                  </a:solidFill>
+                </a:uFill>
+                <a:latin typeface="Arial"/>
+                <a:ea typeface="DejaVu Sans"/>
+              </a:rPr>
+              <a:t>Нас устраивало…</a:t>
+            </a:r>
+            <a:endParaRPr lang="ru-RU" sz="1800" b="0" strike="noStrike" spc="-1" dirty="0">
+              <a:solidFill>
+                <a:srgbClr val="000000"/>
+              </a:solidFill>
+              <a:uFill>
+                <a:solidFill>
+                  <a:srgbClr val="FFFFFF"/>
+                </a:solidFill>
+              </a:uFill>
+              <a:latin typeface="Arial"/>
+            </a:endParaRPr>
+          </a:p>
+        </p:txBody>
+      </p:sp>
       <p:pic>
         <p:nvPicPr>
-          <p:cNvPr id="3" name="Рисунок 2"/>
+          <p:cNvPr id="2" name="Рисунок 1"/>
           <p:cNvPicPr>
             <a:picLocks noChangeAspect="1"/>
           </p:cNvPicPr>
@@ -5985,8 +6619,8 @@
         </p:blipFill>
         <p:spPr>
           <a:xfrm>
-            <a:off x="3479947" y="1990725"/>
-            <a:ext cx="6296025" cy="4867275"/>
+            <a:off x="4152563" y="1987826"/>
+            <a:ext cx="7001923" cy="4777409"/>
           </a:xfrm>
           <a:prstGeom prst="rect">
             <a:avLst/>
@@ -5994,6 +6628,11 @@
         </p:spPr>
       </p:pic>
     </p:spTree>
+    <p:extLst>
+      <p:ext uri="{BB962C8B-B14F-4D97-AF65-F5344CB8AC3E}">
+        <p14:creationId xmlns:p14="http://schemas.microsoft.com/office/powerpoint/2010/main" val="1474592550"/>
+      </p:ext>
+    </p:extLst>
   </p:cSld>
   <p:clrMapOvr>
     <a:masterClrMapping/>
@@ -6047,7 +6686,7 @@
       </p:grpSpPr>
       <p:pic>
         <p:nvPicPr>
-          <p:cNvPr id="104" name="Picture 14"/>
+          <p:cNvPr id="89" name="Picture 14"/>
           <p:cNvPicPr/>
           <p:nvPr/>
         </p:nvPicPr>
@@ -6070,7 +6709,7 @@
       </p:pic>
       <p:pic>
         <p:nvPicPr>
-          <p:cNvPr id="105" name="Picture 13"/>
+          <p:cNvPr id="90" name="Picture 13"/>
           <p:cNvPicPr/>
           <p:nvPr/>
         </p:nvPicPr>
@@ -6093,14 +6732,14 @@
       </p:pic>
       <p:sp>
         <p:nvSpPr>
-          <p:cNvPr id="106" name="CustomShape 1"/>
+          <p:cNvPr id="91" name="CustomShape 1"/>
           <p:cNvSpPr/>
           <p:nvPr/>
         </p:nvSpPr>
         <p:spPr>
           <a:xfrm>
-            <a:off x="720720" y="3816000"/>
-            <a:ext cx="3311280" cy="288000"/>
+            <a:off x="619920" y="2035080"/>
+            <a:ext cx="7012080" cy="699120"/>
           </a:xfrm>
           <a:prstGeom prst="rect">
             <a:avLst/>
@@ -6123,11 +6762,16 @@
           <a:fontRef idx="minor"/>
         </p:style>
         <p:txBody>
-          <a:bodyPr lIns="90000" tIns="45000" rIns="90000" bIns="45000"/>
+          <a:bodyPr wrap="none" lIns="90000" tIns="45000" rIns="90000" bIns="45000"/>
           <a:lstStyle/>
           <a:p>
+            <a:pPr>
+              <a:lnSpc>
+                <a:spcPct val="100000"/>
+              </a:lnSpc>
+            </a:pPr>
             <a:r>
-              <a:rPr lang="ru-RU" sz="1400" b="0" strike="noStrike" spc="-1" dirty="0">
+              <a:rPr lang="ru-RU" sz="4000" b="1" spc="-1" dirty="0" smtClean="0">
                 <a:solidFill>
                   <a:srgbClr val="000000"/>
                 </a:solidFill>
@@ -6136,55 +6780,10 @@
                     <a:srgbClr val="FFFFFF"/>
                   </a:solidFill>
                 </a:uFill>
-                <a:latin typeface="Arial"/>
-                <a:ea typeface="DejaVu Sans"/>
+                <a:latin typeface="Anglecia Pro Title"/>
+                <a:ea typeface="ＭＳ Ｐゴシック"/>
               </a:rPr>
-              <a:t>~ </a:t>
-            </a:r>
-            <a:r>
-              <a:rPr lang="en-US" sz="1400" b="0" strike="noStrike" spc="-1" dirty="0" smtClean="0">
-                <a:solidFill>
-                  <a:srgbClr val="000000"/>
-                </a:solidFill>
-                <a:uFill>
-                  <a:solidFill>
-                    <a:srgbClr val="FFFFFF"/>
-                  </a:solidFill>
-                </a:uFill>
-                <a:latin typeface="Arial"/>
-                <a:ea typeface="DejaVu Sans"/>
-              </a:rPr>
-              <a:t>1 5</a:t>
-            </a:r>
-            <a:r>
-              <a:rPr lang="ru-RU" sz="1400" b="0" strike="noStrike" spc="-1" dirty="0" smtClean="0">
-                <a:solidFill>
-                  <a:srgbClr val="000000"/>
-                </a:solidFill>
-                <a:uFill>
-                  <a:solidFill>
-                    <a:srgbClr val="FFFFFF"/>
-                  </a:solidFill>
-                </a:uFill>
-                <a:latin typeface="Arial"/>
-                <a:ea typeface="DejaVu Sans"/>
-              </a:rPr>
-              <a:t>00 </a:t>
-            </a:r>
-            <a:r>
-              <a:rPr lang="ru-RU" sz="1400" b="0" strike="noStrike" spc="-1" dirty="0">
-                <a:solidFill>
-                  <a:srgbClr val="000000"/>
-                </a:solidFill>
-                <a:uFill>
-                  <a:solidFill>
-                    <a:srgbClr val="FFFFFF"/>
-                  </a:solidFill>
-                </a:uFill>
-                <a:latin typeface="Arial"/>
-                <a:ea typeface="DejaVu Sans"/>
-              </a:rPr>
-              <a:t>000 запросов в сутки</a:t>
+              <a:t>Структура Точки</a:t>
             </a:r>
             <a:endParaRPr lang="ru-RU" sz="1800" b="0" strike="noStrike" spc="-1" dirty="0">
               <a:solidFill>
@@ -6222,8 +6821,8 @@
         </p:blipFill>
         <p:spPr>
           <a:xfrm>
-            <a:off x="4511743" y="2562225"/>
-            <a:ext cx="6296025" cy="4295775"/>
+            <a:off x="5197337" y="0"/>
+            <a:ext cx="6994663" cy="6858000"/>
           </a:xfrm>
           <a:prstGeom prst="rect">
             <a:avLst/>
@@ -6233,7 +6832,7 @@
     </p:spTree>
     <p:extLst>
       <p:ext uri="{BB962C8B-B14F-4D97-AF65-F5344CB8AC3E}">
-        <p14:creationId xmlns:p14="http://schemas.microsoft.com/office/powerpoint/2010/main" val="2596146323"/>
+        <p14:creationId xmlns:p14="http://schemas.microsoft.com/office/powerpoint/2010/main" val="1628847049"/>
       </p:ext>
     </p:extLst>
   </p:cSld>
@@ -6289,7 +6888,7 @@
       </p:grpSpPr>
       <p:pic>
         <p:nvPicPr>
-          <p:cNvPr id="108" name="Picture 14"/>
+          <p:cNvPr id="144" name="Picture 14"/>
           <p:cNvPicPr/>
           <p:nvPr/>
         </p:nvPicPr>
@@ -6312,7 +6911,7 @@
       </p:pic>
       <p:pic>
         <p:nvPicPr>
-          <p:cNvPr id="109" name="Picture 13"/>
+          <p:cNvPr id="145" name="Picture 13"/>
           <p:cNvPicPr/>
           <p:nvPr/>
         </p:nvPicPr>
@@ -6335,7 +6934,7 @@
       </p:pic>
       <p:pic>
         <p:nvPicPr>
-          <p:cNvPr id="110" name="Рисунок 88"/>
+          <p:cNvPr id="146" name="Рисунок 127"/>
           <p:cNvPicPr/>
           <p:nvPr/>
         </p:nvPicPr>
@@ -6345,191 +6944,18 @@
         </p:blipFill>
         <p:spPr>
           <a:xfrm>
-            <a:off x="6011940" y="2121120"/>
-            <a:ext cx="4320000" cy="774720"/>
-          </a:xfrm>
-          <a:prstGeom prst="rect">
-            <a:avLst/>
-          </a:prstGeom>
-          <a:ln>
-            <a:noFill/>
-          </a:ln>
-        </p:spPr>
-      </p:pic>
-      <p:pic>
-        <p:nvPicPr>
-          <p:cNvPr id="111" name="Рисунок 91"/>
-          <p:cNvPicPr/>
-          <p:nvPr/>
-        </p:nvPicPr>
-        <p:blipFill>
-          <a:blip r:embed="rId5"/>
-          <a:stretch/>
-        </p:blipFill>
-        <p:spPr>
-          <a:xfrm>
-            <a:off x="6789438" y="3347280"/>
-            <a:ext cx="2880000" cy="753120"/>
-          </a:xfrm>
-          <a:prstGeom prst="rect">
-            <a:avLst/>
-          </a:prstGeom>
-          <a:ln>
-            <a:noFill/>
-          </a:ln>
-        </p:spPr>
-      </p:pic>
-      <p:pic>
-        <p:nvPicPr>
-          <p:cNvPr id="112" name="Рисунок 111"/>
-          <p:cNvPicPr/>
-          <p:nvPr/>
-        </p:nvPicPr>
-        <p:blipFill>
-          <a:blip r:embed="rId6"/>
-          <a:stretch/>
-        </p:blipFill>
-        <p:spPr>
-          <a:xfrm>
-            <a:off x="980640" y="1944000"/>
-            <a:ext cx="2907360" cy="1224000"/>
-          </a:xfrm>
-          <a:prstGeom prst="rect">
-            <a:avLst/>
-          </a:prstGeom>
-          <a:ln>
-            <a:noFill/>
-          </a:ln>
-        </p:spPr>
-      </p:pic>
-      <p:pic>
-        <p:nvPicPr>
-          <p:cNvPr id="113" name="Рисунок 112"/>
-          <p:cNvPicPr/>
-          <p:nvPr/>
-        </p:nvPicPr>
-        <p:blipFill>
-          <a:blip r:embed="rId7"/>
-          <a:stretch/>
-        </p:blipFill>
-        <p:spPr>
-          <a:xfrm>
-            <a:off x="720000" y="2998440"/>
-            <a:ext cx="3168000" cy="1393560"/>
-          </a:xfrm>
-          <a:prstGeom prst="rect">
-            <a:avLst/>
-          </a:prstGeom>
-          <a:ln>
-            <a:noFill/>
-          </a:ln>
-        </p:spPr>
-      </p:pic>
-      <p:pic>
-        <p:nvPicPr>
-          <p:cNvPr id="114" name="Рисунок 90"/>
-          <p:cNvPicPr/>
-          <p:nvPr/>
-        </p:nvPicPr>
-        <p:blipFill>
-          <a:blip r:embed="rId8"/>
-          <a:stretch/>
-        </p:blipFill>
-        <p:spPr>
-          <a:xfrm>
-            <a:off x="432000" y="4248000"/>
-            <a:ext cx="4336560" cy="1295280"/>
-          </a:xfrm>
-          <a:prstGeom prst="rect">
-            <a:avLst/>
-          </a:prstGeom>
-          <a:ln>
-            <a:noFill/>
-          </a:ln>
-        </p:spPr>
-      </p:pic>
-      <p:pic>
-        <p:nvPicPr>
-          <p:cNvPr id="115" name="Рисунок 114"/>
-          <p:cNvPicPr/>
-          <p:nvPr/>
-        </p:nvPicPr>
-        <p:blipFill>
-          <a:blip r:embed="rId9"/>
-          <a:stretch/>
-        </p:blipFill>
-        <p:spPr>
-          <a:xfrm>
-            <a:off x="8560260" y="4228560"/>
-            <a:ext cx="2607480" cy="2607480"/>
-          </a:xfrm>
-          <a:prstGeom prst="rect">
-            <a:avLst/>
-          </a:prstGeom>
-          <a:ln>
-            <a:noFill/>
-          </a:ln>
-        </p:spPr>
-      </p:pic>
-      <p:pic>
-        <p:nvPicPr>
-          <p:cNvPr id="116" name="Рисунок 115"/>
-          <p:cNvPicPr/>
-          <p:nvPr/>
-        </p:nvPicPr>
-        <p:blipFill>
-          <a:blip r:embed="rId10"/>
-          <a:stretch/>
-        </p:blipFill>
-        <p:spPr>
-          <a:xfrm>
-            <a:off x="1512000" y="5431320"/>
-            <a:ext cx="1890720" cy="1404720"/>
-          </a:xfrm>
-          <a:prstGeom prst="rect">
-            <a:avLst/>
-          </a:prstGeom>
-          <a:ln>
-            <a:noFill/>
-          </a:ln>
-        </p:spPr>
-      </p:pic>
-      <p:pic>
-        <p:nvPicPr>
-          <p:cNvPr id="2" name="Рисунок 1"/>
-          <p:cNvPicPr>
-            <a:picLocks noChangeAspect="1"/>
-          </p:cNvPicPr>
-          <p:nvPr/>
-        </p:nvPicPr>
-        <p:blipFill>
-          <a:blip r:embed="rId11">
-            <a:extLst>
-              <a:ext uri="{28A0092B-C50C-407E-A947-70E740481C1C}">
-                <a14:useLocalDpi xmlns:a14="http://schemas.microsoft.com/office/drawing/2010/main" val="0"/>
-              </a:ext>
-            </a:extLst>
-          </a:blip>
-          <a:stretch>
-            <a:fillRect/>
-          </a:stretch>
-        </p:blipFill>
-        <p:spPr>
-          <a:xfrm>
-            <a:off x="5848560" y="4397079"/>
-            <a:ext cx="2323380" cy="2292402"/>
-          </a:xfrm>
-          <a:prstGeom prst="rect">
-            <a:avLst/>
-          </a:prstGeom>
+            <a:off x="1080000" y="2088000"/>
+            <a:ext cx="9645840" cy="4734000"/>
+          </a:xfrm>
+          <a:prstGeom prst="rect">
+            <a:avLst/>
+          </a:prstGeom>
+          <a:ln>
+            <a:noFill/>
+          </a:ln>
         </p:spPr>
       </p:pic>
     </p:spTree>
-    <p:extLst>
-      <p:ext uri="{BB962C8B-B14F-4D97-AF65-F5344CB8AC3E}">
-        <p14:creationId xmlns:p14="http://schemas.microsoft.com/office/powerpoint/2010/main" val="932819263"/>
-      </p:ext>
-    </p:extLst>
   </p:cSld>
   <p:clrMapOvr>
     <a:masterClrMapping/>
@@ -6583,7 +7009,7 @@
       </p:grpSpPr>
       <p:pic>
         <p:nvPicPr>
-          <p:cNvPr id="175" name="Picture 14"/>
+          <p:cNvPr id="147" name="Picture 14"/>
           <p:cNvPicPr/>
           <p:nvPr/>
         </p:nvPicPr>
@@ -6606,7 +7032,7 @@
       </p:pic>
       <p:pic>
         <p:nvPicPr>
-          <p:cNvPr id="176" name="Picture 13"/>
+          <p:cNvPr id="148" name="Picture 13"/>
           <p:cNvPicPr/>
           <p:nvPr/>
         </p:nvPicPr>
@@ -6629,25 +7055,32 @@
       </p:pic>
       <p:pic>
         <p:nvPicPr>
-          <p:cNvPr id="177" name="Изображение7"/>
-          <p:cNvPicPr/>
+          <p:cNvPr id="3" name="Рисунок 2"/>
+          <p:cNvPicPr>
+            <a:picLocks noChangeAspect="1"/>
+          </p:cNvPicPr>
           <p:nvPr/>
         </p:nvPicPr>
         <p:blipFill>
-          <a:blip r:embed="rId4"/>
-          <a:stretch/>
+          <a:blip r:embed="rId4">
+            <a:extLst>
+              <a:ext uri="{28A0092B-C50C-407E-A947-70E740481C1C}">
+                <a14:useLocalDpi xmlns:a14="http://schemas.microsoft.com/office/drawing/2010/main" val="0"/>
+              </a:ext>
+            </a:extLst>
+          </a:blip>
+          <a:stretch>
+            <a:fillRect/>
+          </a:stretch>
         </p:blipFill>
         <p:spPr>
           <a:xfrm>
-            <a:off x="3791880" y="0"/>
-            <a:ext cx="8208360" cy="6647760"/>
-          </a:xfrm>
-          <a:prstGeom prst="rect">
-            <a:avLst/>
-          </a:prstGeom>
-          <a:ln>
-            <a:noFill/>
-          </a:ln>
+            <a:off x="3479947" y="1990725"/>
+            <a:ext cx="6296025" cy="4867275"/>
+          </a:xfrm>
+          <a:prstGeom prst="rect">
+            <a:avLst/>
+          </a:prstGeom>
         </p:spPr>
       </p:pic>
     </p:spTree>
@@ -6704,7 +7137,7 @@
       </p:grpSpPr>
       <p:pic>
         <p:nvPicPr>
-          <p:cNvPr id="178" name="Picture 14"/>
+          <p:cNvPr id="104" name="Picture 14"/>
           <p:cNvPicPr/>
           <p:nvPr/>
         </p:nvPicPr>
@@ -6727,7 +7160,7 @@
       </p:pic>
       <p:pic>
         <p:nvPicPr>
-          <p:cNvPr id="179" name="Picture 13"/>
+          <p:cNvPr id="105" name="Picture 13"/>
           <p:cNvPicPr/>
           <p:nvPr/>
         </p:nvPicPr>
@@ -6748,30 +7181,151 @@
           </a:ln>
         </p:spPr>
       </p:pic>
+      <p:sp>
+        <p:nvSpPr>
+          <p:cNvPr id="106" name="CustomShape 1"/>
+          <p:cNvSpPr/>
+          <p:nvPr/>
+        </p:nvSpPr>
+        <p:spPr>
+          <a:xfrm>
+            <a:off x="720720" y="3816000"/>
+            <a:ext cx="3311280" cy="288000"/>
+          </a:xfrm>
+          <a:prstGeom prst="rect">
+            <a:avLst/>
+          </a:prstGeom>
+          <a:noFill/>
+          <a:ln>
+            <a:noFill/>
+          </a:ln>
+        </p:spPr>
+        <p:style>
+          <a:lnRef idx="0">
+            <a:scrgbClr r="0" g="0" b="0"/>
+          </a:lnRef>
+          <a:fillRef idx="0">
+            <a:scrgbClr r="0" g="0" b="0"/>
+          </a:fillRef>
+          <a:effectRef idx="0">
+            <a:scrgbClr r="0" g="0" b="0"/>
+          </a:effectRef>
+          <a:fontRef idx="minor"/>
+        </p:style>
+        <p:txBody>
+          <a:bodyPr lIns="90000" tIns="45000" rIns="90000" bIns="45000"/>
+          <a:lstStyle/>
+          <a:p>
+            <a:r>
+              <a:rPr lang="ru-RU" sz="1400" b="0" strike="noStrike" spc="-1" dirty="0">
+                <a:solidFill>
+                  <a:srgbClr val="000000"/>
+                </a:solidFill>
+                <a:uFill>
+                  <a:solidFill>
+                    <a:srgbClr val="FFFFFF"/>
+                  </a:solidFill>
+                </a:uFill>
+                <a:latin typeface="Arial"/>
+                <a:ea typeface="DejaVu Sans"/>
+              </a:rPr>
+              <a:t>~ </a:t>
+            </a:r>
+            <a:r>
+              <a:rPr lang="en-US" sz="1400" b="0" strike="noStrike" spc="-1" dirty="0" smtClean="0">
+                <a:solidFill>
+                  <a:srgbClr val="000000"/>
+                </a:solidFill>
+                <a:uFill>
+                  <a:solidFill>
+                    <a:srgbClr val="FFFFFF"/>
+                  </a:solidFill>
+                </a:uFill>
+                <a:latin typeface="Arial"/>
+                <a:ea typeface="DejaVu Sans"/>
+              </a:rPr>
+              <a:t>1 5</a:t>
+            </a:r>
+            <a:r>
+              <a:rPr lang="ru-RU" sz="1400" b="0" strike="noStrike" spc="-1" dirty="0" smtClean="0">
+                <a:solidFill>
+                  <a:srgbClr val="000000"/>
+                </a:solidFill>
+                <a:uFill>
+                  <a:solidFill>
+                    <a:srgbClr val="FFFFFF"/>
+                  </a:solidFill>
+                </a:uFill>
+                <a:latin typeface="Arial"/>
+                <a:ea typeface="DejaVu Sans"/>
+              </a:rPr>
+              <a:t>00 </a:t>
+            </a:r>
+            <a:r>
+              <a:rPr lang="ru-RU" sz="1400" b="0" strike="noStrike" spc="-1" dirty="0">
+                <a:solidFill>
+                  <a:srgbClr val="000000"/>
+                </a:solidFill>
+                <a:uFill>
+                  <a:solidFill>
+                    <a:srgbClr val="FFFFFF"/>
+                  </a:solidFill>
+                </a:uFill>
+                <a:latin typeface="Arial"/>
+                <a:ea typeface="DejaVu Sans"/>
+              </a:rPr>
+              <a:t>000 запросов в сутки</a:t>
+            </a:r>
+            <a:endParaRPr lang="ru-RU" sz="1800" b="0" strike="noStrike" spc="-1" dirty="0">
+              <a:solidFill>
+                <a:srgbClr val="000000"/>
+              </a:solidFill>
+              <a:uFill>
+                <a:solidFill>
+                  <a:srgbClr val="FFFFFF"/>
+                </a:solidFill>
+              </a:uFill>
+              <a:latin typeface="Arial"/>
+            </a:endParaRPr>
+          </a:p>
+        </p:txBody>
+      </p:sp>
       <p:pic>
         <p:nvPicPr>
-          <p:cNvPr id="180" name="Рисунок 1"/>
-          <p:cNvPicPr/>
+          <p:cNvPr id="2" name="Рисунок 1"/>
+          <p:cNvPicPr>
+            <a:picLocks noChangeAspect="1"/>
+          </p:cNvPicPr>
           <p:nvPr/>
         </p:nvPicPr>
         <p:blipFill>
-          <a:blip r:embed="rId4"/>
-          <a:stretch/>
+          <a:blip r:embed="rId4">
+            <a:extLst>
+              <a:ext uri="{28A0092B-C50C-407E-A947-70E740481C1C}">
+                <a14:useLocalDpi xmlns:a14="http://schemas.microsoft.com/office/drawing/2010/main" val="0"/>
+              </a:ext>
+            </a:extLst>
+          </a:blip>
+          <a:stretch>
+            <a:fillRect/>
+          </a:stretch>
         </p:blipFill>
         <p:spPr>
           <a:xfrm>
-            <a:off x="5735880" y="0"/>
-            <a:ext cx="6455160" cy="6907680"/>
-          </a:xfrm>
-          <a:prstGeom prst="rect">
-            <a:avLst/>
-          </a:prstGeom>
-          <a:ln>
-            <a:noFill/>
-          </a:ln>
+            <a:off x="4511743" y="2562225"/>
+            <a:ext cx="6296025" cy="4295775"/>
+          </a:xfrm>
+          <a:prstGeom prst="rect">
+            <a:avLst/>
+          </a:prstGeom>
         </p:spPr>
       </p:pic>
     </p:spTree>
+    <p:extLst>
+      <p:ext uri="{BB962C8B-B14F-4D97-AF65-F5344CB8AC3E}">
+        <p14:creationId xmlns:p14="http://schemas.microsoft.com/office/powerpoint/2010/main" val="2596146323"/>
+      </p:ext>
+    </p:extLst>
   </p:cSld>
   <p:clrMapOvr>
     <a:masterClrMapping/>
@@ -6825,7 +7379,7 @@
       </p:grpSpPr>
       <p:pic>
         <p:nvPicPr>
-          <p:cNvPr id="72" name="Picture 14"/>
+          <p:cNvPr id="108" name="Picture 14"/>
           <p:cNvPicPr/>
           <p:nvPr/>
         </p:nvPicPr>
@@ -6848,7 +7402,7 @@
       </p:pic>
       <p:pic>
         <p:nvPicPr>
-          <p:cNvPr id="73" name="Picture 13"/>
+          <p:cNvPr id="109" name="Picture 13"/>
           <p:cNvPicPr/>
           <p:nvPr/>
         </p:nvPicPr>
@@ -6869,305 +7423,201 @@
           </a:ln>
         </p:spPr>
       </p:pic>
-      <p:sp>
-        <p:nvSpPr>
-          <p:cNvPr id="74" name="CustomShape 1"/>
-          <p:cNvSpPr/>
-          <p:nvPr/>
-        </p:nvSpPr>
-        <p:spPr>
-          <a:xfrm>
-            <a:off x="397800" y="2035080"/>
-            <a:ext cx="5932080" cy="699120"/>
-          </a:xfrm>
-          <a:prstGeom prst="rect">
-            <a:avLst/>
-          </a:prstGeom>
-          <a:noFill/>
-          <a:ln>
-            <a:noFill/>
-          </a:ln>
-        </p:spPr>
-        <p:style>
-          <a:lnRef idx="0">
-            <a:scrgbClr r="0" g="0" b="0"/>
-          </a:lnRef>
-          <a:fillRef idx="0">
-            <a:scrgbClr r="0" g="0" b="0"/>
-          </a:fillRef>
-          <a:effectRef idx="0">
-            <a:scrgbClr r="0" g="0" b="0"/>
-          </a:effectRef>
-          <a:fontRef idx="minor"/>
-        </p:style>
-        <p:txBody>
-          <a:bodyPr wrap="none" lIns="90000" tIns="45000" rIns="90000" bIns="45000"/>
-          <a:lstStyle/>
-          <a:p>
-            <a:pPr>
-              <a:lnSpc>
-                <a:spcPct val="100000"/>
-              </a:lnSpc>
-            </a:pPr>
-            <a:r>
-              <a:rPr lang="ru-RU" sz="4000" b="1" strike="noStrike" spc="-1" dirty="0" smtClean="0">
-                <a:solidFill>
-                  <a:srgbClr val="000000"/>
-                </a:solidFill>
-                <a:uFill>
-                  <a:solidFill>
-                    <a:srgbClr val="FFFFFF"/>
-                  </a:solidFill>
-                </a:uFill>
-                <a:latin typeface="Anglecia Pro Title"/>
-                <a:ea typeface="ＭＳ Ｐゴシック"/>
-              </a:rPr>
-              <a:t>Результат</a:t>
-            </a:r>
-            <a:endParaRPr lang="ru-RU" sz="1800" b="0" strike="noStrike" spc="-1" dirty="0">
-              <a:solidFill>
-                <a:srgbClr val="000000"/>
-              </a:solidFill>
-              <a:uFill>
-                <a:solidFill>
-                  <a:srgbClr val="FFFFFF"/>
-                </a:solidFill>
-              </a:uFill>
-              <a:latin typeface="Arial"/>
-            </a:endParaRPr>
-          </a:p>
-        </p:txBody>
-      </p:sp>
-      <p:sp>
-        <p:nvSpPr>
-          <p:cNvPr id="75" name="CustomShape 2"/>
-          <p:cNvSpPr/>
-          <p:nvPr/>
-        </p:nvSpPr>
-        <p:spPr>
-          <a:xfrm>
-            <a:off x="720000" y="2952000"/>
-            <a:ext cx="3743280" cy="288000"/>
-          </a:xfrm>
-          <a:prstGeom prst="rect">
-            <a:avLst/>
-          </a:prstGeom>
-          <a:noFill/>
-          <a:ln>
-            <a:noFill/>
-          </a:ln>
-        </p:spPr>
-        <p:style>
-          <a:lnRef idx="0">
-            <a:scrgbClr r="0" g="0" b="0"/>
-          </a:lnRef>
-          <a:fillRef idx="0">
-            <a:scrgbClr r="0" g="0" b="0"/>
-          </a:fillRef>
-          <a:effectRef idx="0">
-            <a:scrgbClr r="0" g="0" b="0"/>
-          </a:effectRef>
-          <a:fontRef idx="minor"/>
-        </p:style>
-      </p:sp>
-      <p:sp>
-        <p:nvSpPr>
-          <p:cNvPr id="76" name="CustomShape 3"/>
-          <p:cNvSpPr/>
-          <p:nvPr/>
-        </p:nvSpPr>
-        <p:spPr>
-          <a:xfrm>
-            <a:off x="720000" y="3240359"/>
-            <a:ext cx="10511640" cy="2140023"/>
-          </a:xfrm>
-          <a:prstGeom prst="rect">
-            <a:avLst/>
-          </a:prstGeom>
-          <a:noFill/>
-          <a:ln>
-            <a:noFill/>
-          </a:ln>
-        </p:spPr>
-        <p:style>
-          <a:lnRef idx="0">
-            <a:scrgbClr r="0" g="0" b="0"/>
-          </a:lnRef>
-          <a:fillRef idx="0">
-            <a:scrgbClr r="0" g="0" b="0"/>
-          </a:fillRef>
-          <a:effectRef idx="0">
-            <a:scrgbClr r="0" g="0" b="0"/>
-          </a:effectRef>
-          <a:fontRef idx="minor"/>
-        </p:style>
-        <p:txBody>
-          <a:bodyPr lIns="90000" tIns="45000" rIns="90000" bIns="45000"/>
-          <a:lstStyle/>
-          <a:p>
-            <a:pPr marL="285750" indent="-285750">
-              <a:lnSpc>
-                <a:spcPct val="200000"/>
-              </a:lnSpc>
-              <a:buFont typeface="Arial" panose="020B0604020202020204" pitchFamily="34" charset="0"/>
-              <a:buChar char="•"/>
-            </a:pPr>
-            <a:r>
-              <a:rPr lang="ru-RU" sz="1800" b="0" strike="noStrike" spc="-1" dirty="0" smtClean="0">
-                <a:solidFill>
-                  <a:srgbClr val="000000"/>
-                </a:solidFill>
-                <a:uFill>
-                  <a:solidFill>
-                    <a:srgbClr val="FFFFFF"/>
-                  </a:solidFill>
-                </a:uFill>
-                <a:latin typeface="Arial"/>
-              </a:rPr>
-              <a:t>Рост производительности в </a:t>
-            </a:r>
-            <a:r>
-              <a:rPr lang="en-US" sz="1800" b="0" strike="noStrike" spc="-1" dirty="0" smtClean="0">
-                <a:solidFill>
-                  <a:srgbClr val="000000"/>
-                </a:solidFill>
-                <a:uFill>
-                  <a:solidFill>
-                    <a:srgbClr val="FFFFFF"/>
-                  </a:solidFill>
-                </a:uFill>
-                <a:latin typeface="Arial"/>
-              </a:rPr>
-              <a:t>~2</a:t>
-            </a:r>
-            <a:r>
-              <a:rPr lang="ru-RU" sz="1800" b="0" strike="noStrike" spc="-1" dirty="0" smtClean="0">
-                <a:solidFill>
-                  <a:srgbClr val="000000"/>
-                </a:solidFill>
-                <a:uFill>
-                  <a:solidFill>
-                    <a:srgbClr val="FFFFFF"/>
-                  </a:solidFill>
-                </a:uFill>
-                <a:latin typeface="Arial"/>
-              </a:rPr>
-              <a:t> раза;</a:t>
-            </a:r>
-            <a:endParaRPr lang="ru-RU" sz="1800" b="0" strike="noStrike" spc="-1" dirty="0">
-              <a:solidFill>
-                <a:srgbClr val="000000"/>
-              </a:solidFill>
-              <a:uFill>
-                <a:solidFill>
-                  <a:srgbClr val="FFFFFF"/>
-                </a:solidFill>
-              </a:uFill>
-              <a:latin typeface="Arial"/>
-            </a:endParaRPr>
-          </a:p>
-          <a:p>
-            <a:pPr marL="285750" indent="-285750">
-              <a:lnSpc>
-                <a:spcPct val="200000"/>
-              </a:lnSpc>
-              <a:buFont typeface="Arial" panose="020B0604020202020204" pitchFamily="34" charset="0"/>
-              <a:buChar char="•"/>
-            </a:pPr>
-            <a:r>
-              <a:rPr lang="ru-RU" sz="1800" b="0" strike="noStrike" spc="-1" dirty="0" smtClean="0">
-                <a:solidFill>
-                  <a:srgbClr val="000000"/>
-                </a:solidFill>
-                <a:uFill>
-                  <a:solidFill>
-                    <a:srgbClr val="FFFFFF"/>
-                  </a:solidFill>
-                </a:uFill>
-                <a:latin typeface="Arial"/>
-              </a:rPr>
-              <a:t>Увеличена отказоустойчивость сервиса;</a:t>
-            </a:r>
-            <a:endParaRPr lang="ru-RU" sz="1800" b="0" strike="noStrike" spc="-1" dirty="0">
-              <a:solidFill>
-                <a:srgbClr val="000000"/>
-              </a:solidFill>
-              <a:uFill>
-                <a:solidFill>
-                  <a:srgbClr val="FFFFFF"/>
-                </a:solidFill>
-              </a:uFill>
-              <a:latin typeface="Arial"/>
-            </a:endParaRPr>
-          </a:p>
-          <a:p>
-            <a:pPr marL="285750" indent="-285750">
-              <a:lnSpc>
-                <a:spcPct val="200000"/>
-              </a:lnSpc>
-              <a:buFont typeface="Arial" panose="020B0604020202020204" pitchFamily="34" charset="0"/>
-              <a:buChar char="•"/>
-            </a:pPr>
-            <a:r>
-              <a:rPr lang="ru-RU" sz="1800" b="0" strike="noStrike" spc="-1" dirty="0" smtClean="0">
-                <a:solidFill>
-                  <a:srgbClr val="000000"/>
-                </a:solidFill>
-                <a:uFill>
-                  <a:solidFill>
-                    <a:srgbClr val="FFFFFF"/>
-                  </a:solidFill>
-                </a:uFill>
-                <a:latin typeface="Arial"/>
-              </a:rPr>
-              <a:t>Добавлены адекватные мониторинг и </a:t>
-            </a:r>
-            <a:r>
-              <a:rPr lang="ru-RU" sz="1800" b="0" strike="noStrike" spc="-1" dirty="0" err="1" smtClean="0">
-                <a:solidFill>
-                  <a:srgbClr val="000000"/>
-                </a:solidFill>
-                <a:uFill>
-                  <a:solidFill>
-                    <a:srgbClr val="FFFFFF"/>
-                  </a:solidFill>
-                </a:uFill>
-                <a:latin typeface="Arial"/>
-              </a:rPr>
-              <a:t>логирование</a:t>
-            </a:r>
-            <a:r>
-              <a:rPr lang="ru-RU" sz="1800" b="0" strike="noStrike" spc="-1" dirty="0" smtClean="0">
-                <a:solidFill>
-                  <a:srgbClr val="000000"/>
-                </a:solidFill>
-                <a:uFill>
-                  <a:solidFill>
-                    <a:srgbClr val="FFFFFF"/>
-                  </a:solidFill>
-                </a:uFill>
-                <a:latin typeface="Arial"/>
-              </a:rPr>
-              <a:t>.</a:t>
-            </a:r>
-            <a:endParaRPr lang="ru-RU" sz="1800" b="0" strike="noStrike" spc="-1" dirty="0">
-              <a:solidFill>
-                <a:srgbClr val="000000"/>
-              </a:solidFill>
-              <a:uFill>
-                <a:solidFill>
-                  <a:srgbClr val="FFFFFF"/>
-                </a:solidFill>
-              </a:uFill>
-              <a:latin typeface="Arial"/>
-            </a:endParaRPr>
-          </a:p>
-        </p:txBody>
-      </p:sp>
+      <p:pic>
+        <p:nvPicPr>
+          <p:cNvPr id="110" name="Рисунок 88"/>
+          <p:cNvPicPr/>
+          <p:nvPr/>
+        </p:nvPicPr>
+        <p:blipFill>
+          <a:blip r:embed="rId4"/>
+          <a:stretch/>
+        </p:blipFill>
+        <p:spPr>
+          <a:xfrm>
+            <a:off x="6011940" y="2121120"/>
+            <a:ext cx="4320000" cy="774720"/>
+          </a:xfrm>
+          <a:prstGeom prst="rect">
+            <a:avLst/>
+          </a:prstGeom>
+          <a:ln>
+            <a:noFill/>
+          </a:ln>
+        </p:spPr>
+      </p:pic>
+      <p:pic>
+        <p:nvPicPr>
+          <p:cNvPr id="111" name="Рисунок 91"/>
+          <p:cNvPicPr/>
+          <p:nvPr/>
+        </p:nvPicPr>
+        <p:blipFill>
+          <a:blip r:embed="rId5"/>
+          <a:stretch/>
+        </p:blipFill>
+        <p:spPr>
+          <a:xfrm>
+            <a:off x="6789438" y="3347280"/>
+            <a:ext cx="2880000" cy="753120"/>
+          </a:xfrm>
+          <a:prstGeom prst="rect">
+            <a:avLst/>
+          </a:prstGeom>
+          <a:ln>
+            <a:noFill/>
+          </a:ln>
+        </p:spPr>
+      </p:pic>
+      <p:pic>
+        <p:nvPicPr>
+          <p:cNvPr id="112" name="Рисунок 111"/>
+          <p:cNvPicPr/>
+          <p:nvPr/>
+        </p:nvPicPr>
+        <p:blipFill>
+          <a:blip r:embed="rId6"/>
+          <a:stretch/>
+        </p:blipFill>
+        <p:spPr>
+          <a:xfrm>
+            <a:off x="980640" y="1944000"/>
+            <a:ext cx="2907360" cy="1224000"/>
+          </a:xfrm>
+          <a:prstGeom prst="rect">
+            <a:avLst/>
+          </a:prstGeom>
+          <a:ln>
+            <a:noFill/>
+          </a:ln>
+        </p:spPr>
+      </p:pic>
+      <p:pic>
+        <p:nvPicPr>
+          <p:cNvPr id="113" name="Рисунок 112"/>
+          <p:cNvPicPr/>
+          <p:nvPr/>
+        </p:nvPicPr>
+        <p:blipFill>
+          <a:blip r:embed="rId7"/>
+          <a:stretch/>
+        </p:blipFill>
+        <p:spPr>
+          <a:xfrm>
+            <a:off x="720000" y="2998440"/>
+            <a:ext cx="3168000" cy="1393560"/>
+          </a:xfrm>
+          <a:prstGeom prst="rect">
+            <a:avLst/>
+          </a:prstGeom>
+          <a:ln>
+            <a:noFill/>
+          </a:ln>
+        </p:spPr>
+      </p:pic>
+      <p:pic>
+        <p:nvPicPr>
+          <p:cNvPr id="114" name="Рисунок 90"/>
+          <p:cNvPicPr/>
+          <p:nvPr/>
+        </p:nvPicPr>
+        <p:blipFill>
+          <a:blip r:embed="rId8"/>
+          <a:stretch/>
+        </p:blipFill>
+        <p:spPr>
+          <a:xfrm>
+            <a:off x="432000" y="4248000"/>
+            <a:ext cx="4336560" cy="1295280"/>
+          </a:xfrm>
+          <a:prstGeom prst="rect">
+            <a:avLst/>
+          </a:prstGeom>
+          <a:ln>
+            <a:noFill/>
+          </a:ln>
+        </p:spPr>
+      </p:pic>
+      <p:pic>
+        <p:nvPicPr>
+          <p:cNvPr id="115" name="Рисунок 114"/>
+          <p:cNvPicPr/>
+          <p:nvPr/>
+        </p:nvPicPr>
+        <p:blipFill>
+          <a:blip r:embed="rId9"/>
+          <a:stretch/>
+        </p:blipFill>
+        <p:spPr>
+          <a:xfrm>
+            <a:off x="8560260" y="4228560"/>
+            <a:ext cx="2607480" cy="2607480"/>
+          </a:xfrm>
+          <a:prstGeom prst="rect">
+            <a:avLst/>
+          </a:prstGeom>
+          <a:ln>
+            <a:noFill/>
+          </a:ln>
+        </p:spPr>
+      </p:pic>
+      <p:pic>
+        <p:nvPicPr>
+          <p:cNvPr id="116" name="Рисунок 115"/>
+          <p:cNvPicPr/>
+          <p:nvPr/>
+        </p:nvPicPr>
+        <p:blipFill>
+          <a:blip r:embed="rId10"/>
+          <a:stretch/>
+        </p:blipFill>
+        <p:spPr>
+          <a:xfrm>
+            <a:off x="1512000" y="5431320"/>
+            <a:ext cx="1890720" cy="1404720"/>
+          </a:xfrm>
+          <a:prstGeom prst="rect">
+            <a:avLst/>
+          </a:prstGeom>
+          <a:ln>
+            <a:noFill/>
+          </a:ln>
+        </p:spPr>
+      </p:pic>
+      <p:pic>
+        <p:nvPicPr>
+          <p:cNvPr id="2" name="Рисунок 1"/>
+          <p:cNvPicPr>
+            <a:picLocks noChangeAspect="1"/>
+          </p:cNvPicPr>
+          <p:nvPr/>
+        </p:nvPicPr>
+        <p:blipFill>
+          <a:blip r:embed="rId11">
+            <a:extLst>
+              <a:ext uri="{28A0092B-C50C-407E-A947-70E740481C1C}">
+                <a14:useLocalDpi xmlns:a14="http://schemas.microsoft.com/office/drawing/2010/main" val="0"/>
+              </a:ext>
+            </a:extLst>
+          </a:blip>
+          <a:stretch>
+            <a:fillRect/>
+          </a:stretch>
+        </p:blipFill>
+        <p:spPr>
+          <a:xfrm>
+            <a:off x="5848560" y="4397079"/>
+            <a:ext cx="2323380" cy="2292402"/>
+          </a:xfrm>
+          <a:prstGeom prst="rect">
+            <a:avLst/>
+          </a:prstGeom>
+        </p:spPr>
+      </p:pic>
     </p:spTree>
     <p:extLst>
       <p:ext uri="{BB962C8B-B14F-4D97-AF65-F5344CB8AC3E}">
-        <p14:creationId xmlns:p14="http://schemas.microsoft.com/office/powerpoint/2010/main" val="1133031471"/>
+        <p14:creationId xmlns:p14="http://schemas.microsoft.com/office/powerpoint/2010/main" val="932819263"/>
       </p:ext>
     </p:extLst>
   </p:cSld>
@@ -7223,7 +7673,7 @@
       </p:grpSpPr>
       <p:pic>
         <p:nvPicPr>
-          <p:cNvPr id="72" name="Picture 14"/>
+          <p:cNvPr id="175" name="Picture 14"/>
           <p:cNvPicPr/>
           <p:nvPr/>
         </p:nvPicPr>
@@ -7246,7 +7696,7 @@
       </p:pic>
       <p:pic>
         <p:nvPicPr>
-          <p:cNvPr id="73" name="Picture 13"/>
+          <p:cNvPr id="176" name="Picture 13"/>
           <p:cNvPicPr/>
           <p:nvPr/>
         </p:nvPicPr>
@@ -7267,302 +7717,37 @@
           </a:ln>
         </p:spPr>
       </p:pic>
-      <p:sp>
-        <p:nvSpPr>
-          <p:cNvPr id="74" name="CustomShape 1"/>
-          <p:cNvSpPr/>
-          <p:nvPr/>
-        </p:nvSpPr>
-        <p:spPr>
-          <a:xfrm>
-            <a:off x="397800" y="2035080"/>
-            <a:ext cx="5932080" cy="699120"/>
-          </a:xfrm>
-          <a:prstGeom prst="rect">
-            <a:avLst/>
-          </a:prstGeom>
-          <a:noFill/>
-          <a:ln>
-            <a:noFill/>
-          </a:ln>
-        </p:spPr>
-        <p:style>
-          <a:lnRef idx="0">
-            <a:scrgbClr r="0" g="0" b="0"/>
-          </a:lnRef>
-          <a:fillRef idx="0">
-            <a:scrgbClr r="0" g="0" b="0"/>
-          </a:fillRef>
-          <a:effectRef idx="0">
-            <a:scrgbClr r="0" g="0" b="0"/>
-          </a:effectRef>
-          <a:fontRef idx="minor"/>
-        </p:style>
-        <p:txBody>
-          <a:bodyPr wrap="none" lIns="90000" tIns="45000" rIns="90000" bIns="45000"/>
-          <a:lstStyle/>
-          <a:p>
-            <a:pPr>
-              <a:lnSpc>
-                <a:spcPct val="100000"/>
-              </a:lnSpc>
-            </a:pPr>
-            <a:r>
-              <a:rPr lang="ru-RU" sz="4000" b="1" strike="noStrike" spc="-1" dirty="0" smtClean="0">
-                <a:solidFill>
-                  <a:srgbClr val="000000"/>
-                </a:solidFill>
-                <a:uFill>
-                  <a:solidFill>
-                    <a:srgbClr val="FFFFFF"/>
-                  </a:solidFill>
-                </a:uFill>
-                <a:latin typeface="Anglecia Pro Title"/>
-                <a:ea typeface="ＭＳ Ｐゴシック"/>
-              </a:rPr>
-              <a:t>Цена ошибки в </a:t>
-            </a:r>
-            <a:r>
-              <a:rPr lang="ru-RU" sz="4000" b="1" strike="noStrike" spc="-1" dirty="0" err="1" smtClean="0">
-                <a:solidFill>
-                  <a:srgbClr val="000000"/>
-                </a:solidFill>
-                <a:uFill>
-                  <a:solidFill>
-                    <a:srgbClr val="FFFFFF"/>
-                  </a:solidFill>
-                </a:uFill>
-                <a:latin typeface="Anglecia Pro Title"/>
-                <a:ea typeface="ＭＳ Ｐゴシック"/>
-              </a:rPr>
-              <a:t>финтехе</a:t>
-            </a:r>
-            <a:endParaRPr lang="ru-RU" sz="1800" b="0" strike="noStrike" spc="-1" dirty="0">
-              <a:solidFill>
-                <a:srgbClr val="000000"/>
-              </a:solidFill>
-              <a:uFill>
-                <a:solidFill>
-                  <a:srgbClr val="FFFFFF"/>
-                </a:solidFill>
-              </a:uFill>
-              <a:latin typeface="Arial"/>
-            </a:endParaRPr>
-          </a:p>
-        </p:txBody>
-      </p:sp>
-      <p:sp>
-        <p:nvSpPr>
-          <p:cNvPr id="75" name="CustomShape 2"/>
-          <p:cNvSpPr/>
-          <p:nvPr/>
-        </p:nvSpPr>
-        <p:spPr>
-          <a:xfrm>
-            <a:off x="720000" y="2952000"/>
-            <a:ext cx="3743280" cy="288000"/>
-          </a:xfrm>
-          <a:prstGeom prst="rect">
-            <a:avLst/>
-          </a:prstGeom>
-          <a:noFill/>
-          <a:ln>
-            <a:noFill/>
-          </a:ln>
-        </p:spPr>
-        <p:style>
-          <a:lnRef idx="0">
-            <a:scrgbClr r="0" g="0" b="0"/>
-          </a:lnRef>
-          <a:fillRef idx="0">
-            <a:scrgbClr r="0" g="0" b="0"/>
-          </a:fillRef>
-          <a:effectRef idx="0">
-            <a:scrgbClr r="0" g="0" b="0"/>
-          </a:effectRef>
-          <a:fontRef idx="minor"/>
-        </p:style>
-      </p:sp>
-      <p:sp>
-        <p:nvSpPr>
-          <p:cNvPr id="76" name="CustomShape 3"/>
-          <p:cNvSpPr/>
-          <p:nvPr/>
-        </p:nvSpPr>
-        <p:spPr>
-          <a:xfrm>
-            <a:off x="720000" y="3240359"/>
-            <a:ext cx="10511640" cy="2140023"/>
-          </a:xfrm>
-          <a:prstGeom prst="rect">
-            <a:avLst/>
-          </a:prstGeom>
-          <a:noFill/>
-          <a:ln>
-            <a:noFill/>
-          </a:ln>
-        </p:spPr>
-        <p:style>
-          <a:lnRef idx="0">
-            <a:scrgbClr r="0" g="0" b="0"/>
-          </a:lnRef>
-          <a:fillRef idx="0">
-            <a:scrgbClr r="0" g="0" b="0"/>
-          </a:fillRef>
-          <a:effectRef idx="0">
-            <a:scrgbClr r="0" g="0" b="0"/>
-          </a:effectRef>
-          <a:fontRef idx="minor"/>
-        </p:style>
-        <p:txBody>
-          <a:bodyPr lIns="90000" tIns="45000" rIns="90000" bIns="45000"/>
-          <a:lstStyle/>
-          <a:p>
-            <a:pPr marL="285750" indent="-285750">
-              <a:lnSpc>
-                <a:spcPct val="200000"/>
-              </a:lnSpc>
-              <a:buFont typeface="Arial" panose="020B0604020202020204" pitchFamily="34" charset="0"/>
-              <a:buChar char="•"/>
-            </a:pPr>
-            <a:r>
-              <a:rPr lang="ru-RU" sz="1800" b="0" strike="noStrike" spc="-1" dirty="0" smtClean="0">
-                <a:solidFill>
-                  <a:srgbClr val="000000"/>
-                </a:solidFill>
-                <a:uFill>
-                  <a:solidFill>
-                    <a:srgbClr val="FFFFFF"/>
-                  </a:solidFill>
-                </a:uFill>
-                <a:latin typeface="Arial"/>
-              </a:rPr>
-              <a:t>Кратный рост запросов в техподдержку;</a:t>
-            </a:r>
-            <a:endParaRPr lang="ru-RU" sz="1800" b="0" strike="noStrike" spc="-1" dirty="0">
-              <a:solidFill>
-                <a:srgbClr val="000000"/>
-              </a:solidFill>
-              <a:uFill>
-                <a:solidFill>
-                  <a:srgbClr val="FFFFFF"/>
-                </a:solidFill>
-              </a:uFill>
-              <a:latin typeface="Arial"/>
-            </a:endParaRPr>
-          </a:p>
-          <a:p>
-            <a:pPr marL="285750" indent="-285750">
-              <a:lnSpc>
-                <a:spcPct val="200000"/>
-              </a:lnSpc>
-              <a:buFont typeface="Arial" panose="020B0604020202020204" pitchFamily="34" charset="0"/>
-              <a:buChar char="•"/>
-            </a:pPr>
-            <a:r>
-              <a:rPr lang="ru-RU" sz="1800" b="0" strike="noStrike" spc="-1" dirty="0" err="1" smtClean="0">
-                <a:solidFill>
-                  <a:srgbClr val="000000"/>
-                </a:solidFill>
-                <a:uFill>
-                  <a:solidFill>
-                    <a:srgbClr val="FFFFFF"/>
-                  </a:solidFill>
-                </a:uFill>
-                <a:latin typeface="Arial"/>
-              </a:rPr>
-              <a:t>Репутационные</a:t>
-            </a:r>
-            <a:r>
-              <a:rPr lang="ru-RU" sz="1800" b="0" strike="noStrike" spc="-1" dirty="0" smtClean="0">
-                <a:solidFill>
-                  <a:srgbClr val="000000"/>
-                </a:solidFill>
-                <a:uFill>
-                  <a:solidFill>
-                    <a:srgbClr val="FFFFFF"/>
-                  </a:solidFill>
-                </a:uFill>
-                <a:latin typeface="Arial"/>
-              </a:rPr>
-              <a:t> издержки;</a:t>
-            </a:r>
-          </a:p>
-          <a:p>
-            <a:pPr marL="285750" indent="-285750">
-              <a:lnSpc>
-                <a:spcPct val="200000"/>
-              </a:lnSpc>
-              <a:buFont typeface="Arial" panose="020B0604020202020204" pitchFamily="34" charset="0"/>
-              <a:buChar char="•"/>
-            </a:pPr>
-            <a:r>
-              <a:rPr lang="ru-RU" spc="-1" dirty="0" smtClean="0">
-                <a:solidFill>
-                  <a:srgbClr val="000000"/>
-                </a:solidFill>
-                <a:uFill>
-                  <a:solidFill>
-                    <a:srgbClr val="FFFFFF"/>
-                  </a:solidFill>
-                </a:uFill>
-                <a:latin typeface="Arial"/>
-              </a:rPr>
-              <a:t>Прямые и косвенные финансовые потери;</a:t>
-            </a:r>
-            <a:endParaRPr lang="ru-RU" sz="1800" b="0" strike="noStrike" spc="-1" dirty="0">
-              <a:solidFill>
-                <a:srgbClr val="000000"/>
-              </a:solidFill>
-              <a:uFill>
-                <a:solidFill>
-                  <a:srgbClr val="FFFFFF"/>
-                </a:solidFill>
-              </a:uFill>
-              <a:latin typeface="Arial"/>
-            </a:endParaRPr>
-          </a:p>
-          <a:p>
-            <a:pPr marL="285750" indent="-285750">
-              <a:lnSpc>
-                <a:spcPct val="200000"/>
-              </a:lnSpc>
-              <a:buFont typeface="Arial" panose="020B0604020202020204" pitchFamily="34" charset="0"/>
-              <a:buChar char="•"/>
-            </a:pPr>
-            <a:r>
-              <a:rPr lang="ru-RU" spc="-1" dirty="0">
-                <a:solidFill>
-                  <a:srgbClr val="000000"/>
-                </a:solidFill>
-                <a:uFill>
-                  <a:solidFill>
-                    <a:srgbClr val="FFFFFF"/>
-                  </a:solidFill>
-                </a:uFill>
-              </a:rPr>
-              <a:t>Кто-то может попасть на деньги.</a:t>
-            </a:r>
-            <a:endParaRPr lang="ru-RU" sz="1800" b="0" strike="noStrike" spc="-1" dirty="0">
-              <a:solidFill>
-                <a:srgbClr val="000000"/>
-              </a:solidFill>
-              <a:uFill>
-                <a:solidFill>
-                  <a:srgbClr val="FFFFFF"/>
-                </a:solidFill>
-              </a:uFill>
-              <a:latin typeface="Arial"/>
-            </a:endParaRPr>
-          </a:p>
-        </p:txBody>
-      </p:sp>
+      <p:pic>
+        <p:nvPicPr>
+          <p:cNvPr id="2" name="Рисунок 1"/>
+          <p:cNvPicPr>
+            <a:picLocks noChangeAspect="1"/>
+          </p:cNvPicPr>
+          <p:nvPr/>
+        </p:nvPicPr>
+        <p:blipFill>
+          <a:blip r:embed="rId4">
+            <a:extLst>
+              <a:ext uri="{28A0092B-C50C-407E-A947-70E740481C1C}">
+                <a14:useLocalDpi xmlns:a14="http://schemas.microsoft.com/office/drawing/2010/main" val="0"/>
+              </a:ext>
+            </a:extLst>
+          </a:blip>
+          <a:stretch>
+            <a:fillRect/>
+          </a:stretch>
+        </p:blipFill>
+        <p:spPr>
+          <a:xfrm>
+            <a:off x="3326296" y="-19514"/>
+            <a:ext cx="8865704" cy="6877514"/>
+          </a:xfrm>
+          <a:prstGeom prst="rect">
+            <a:avLst/>
+          </a:prstGeom>
+        </p:spPr>
+      </p:pic>
     </p:spTree>
-    <p:extLst>
-      <p:ext uri="{BB962C8B-B14F-4D97-AF65-F5344CB8AC3E}">
-        <p14:creationId xmlns:p14="http://schemas.microsoft.com/office/powerpoint/2010/main" val="1235262859"/>
-      </p:ext>
-    </p:extLst>
   </p:cSld>
   <p:clrMapOvr>
     <a:masterClrMapping/>
@@ -7616,7 +7801,7 @@
       </p:grpSpPr>
       <p:pic>
         <p:nvPicPr>
-          <p:cNvPr id="181" name="Picture 4"/>
+          <p:cNvPr id="178" name="Picture 14"/>
           <p:cNvPicPr/>
           <p:nvPr/>
         </p:nvPicPr>
@@ -7626,8 +7811,8 @@
         </p:blipFill>
         <p:spPr>
           <a:xfrm>
-            <a:off x="10868760" y="0"/>
-            <a:ext cx="659160" cy="1097640"/>
+            <a:off x="3643560" y="-2510280"/>
+            <a:ext cx="5968800" cy="5968080"/>
           </a:xfrm>
           <a:prstGeom prst="rect">
             <a:avLst/>
@@ -7639,7 +7824,7 @@
       </p:pic>
       <p:pic>
         <p:nvPicPr>
-          <p:cNvPr id="182" name="Picture 1"/>
+          <p:cNvPr id="179" name="Picture 13"/>
           <p:cNvPicPr/>
           <p:nvPr/>
         </p:nvPicPr>
@@ -7648,9 +7833,9 @@
           <a:stretch/>
         </p:blipFill>
         <p:spPr>
-          <a:xfrm rot="20115600">
-            <a:off x="-2009520" y="475200"/>
-            <a:ext cx="6781320" cy="6781320"/>
+          <a:xfrm>
+            <a:off x="658800" y="896400"/>
+            <a:ext cx="981360" cy="191520"/>
           </a:xfrm>
           <a:prstGeom prst="rect">
             <a:avLst/>
@@ -7660,200 +7845,35 @@
           </a:ln>
         </p:spPr>
       </p:pic>
-      <p:sp>
-        <p:nvSpPr>
-          <p:cNvPr id="183" name="CustomShape 1"/>
-          <p:cNvSpPr/>
-          <p:nvPr/>
-        </p:nvSpPr>
-        <p:spPr>
-          <a:xfrm>
-            <a:off x="5829840" y="2732760"/>
-            <a:ext cx="3455640" cy="912600"/>
-          </a:xfrm>
-          <a:prstGeom prst="rect">
-            <a:avLst/>
-          </a:prstGeom>
-          <a:noFill/>
-          <a:ln>
-            <a:noFill/>
-          </a:ln>
-        </p:spPr>
-        <p:style>
-          <a:lnRef idx="0">
-            <a:scrgbClr r="0" g="0" b="0"/>
-          </a:lnRef>
-          <a:fillRef idx="0">
-            <a:scrgbClr r="0" g="0" b="0"/>
-          </a:fillRef>
-          <a:effectRef idx="0">
-            <a:scrgbClr r="0" g="0" b="0"/>
-          </a:effectRef>
-          <a:fontRef idx="minor"/>
-        </p:style>
-        <p:txBody>
-          <a:bodyPr wrap="none" lIns="90000" tIns="45000" rIns="90000" bIns="45000"/>
-          <a:lstStyle/>
-          <a:p>
-            <a:pPr>
-              <a:lnSpc>
-                <a:spcPct val="100000"/>
-              </a:lnSpc>
-            </a:pPr>
-            <a:r>
-              <a:rPr lang="ru-RU" sz="5400" b="1" strike="noStrike" spc="-1">
-                <a:solidFill>
-                  <a:srgbClr val="000000"/>
-                </a:solidFill>
-                <a:uFill>
-                  <a:solidFill>
-                    <a:srgbClr val="FFFFFF"/>
-                  </a:solidFill>
-                </a:uFill>
-                <a:latin typeface="Anglecia Pro Title"/>
-                <a:ea typeface="ＭＳ Ｐゴシック"/>
-              </a:rPr>
-              <a:t>Спасибо</a:t>
-            </a:r>
-            <a:endParaRPr lang="ru-RU" sz="1800" b="0" strike="noStrike" spc="-1">
-              <a:solidFill>
-                <a:srgbClr val="000000"/>
-              </a:solidFill>
-              <a:uFill>
-                <a:solidFill>
-                  <a:srgbClr val="FFFFFF"/>
-                </a:solidFill>
-              </a:uFill>
-              <a:latin typeface="Arial"/>
-            </a:endParaRPr>
-          </a:p>
-        </p:txBody>
-      </p:sp>
       <p:pic>
         <p:nvPicPr>
-          <p:cNvPr id="184" name="Picture 3"/>
-          <p:cNvPicPr/>
+          <p:cNvPr id="2" name="Рисунок 1"/>
+          <p:cNvPicPr>
+            <a:picLocks noChangeAspect="1"/>
+          </p:cNvPicPr>
           <p:nvPr/>
         </p:nvPicPr>
-        <p:blipFill>
-          <a:blip r:embed="rId4"/>
+        <p:blipFill rotWithShape="1">
+          <a:blip r:embed="rId4">
+            <a:extLst>
+              <a:ext uri="{28A0092B-C50C-407E-A947-70E740481C1C}">
+                <a14:useLocalDpi xmlns:a14="http://schemas.microsoft.com/office/drawing/2010/main" val="0"/>
+              </a:ext>
+            </a:extLst>
+          </a:blip>
+          <a:srcRect l="419"/>
           <a:stretch/>
         </p:blipFill>
         <p:spPr>
           <a:xfrm>
-            <a:off x="1308240" y="2889000"/>
-            <a:ext cx="1823040" cy="573480"/>
-          </a:xfrm>
-          <a:prstGeom prst="rect">
-            <a:avLst/>
-          </a:prstGeom>
-          <a:ln>
-            <a:noFill/>
-          </a:ln>
+            <a:off x="1855304" y="0"/>
+            <a:ext cx="10336696" cy="6512426"/>
+          </a:xfrm>
+          <a:prstGeom prst="rect">
+            <a:avLst/>
+          </a:prstGeom>
         </p:spPr>
       </p:pic>
-      <p:sp>
-        <p:nvSpPr>
-          <p:cNvPr id="185" name="CustomShape 2"/>
-          <p:cNvSpPr/>
-          <p:nvPr/>
-        </p:nvSpPr>
-        <p:spPr>
-          <a:xfrm>
-            <a:off x="1180800" y="5837040"/>
-            <a:ext cx="1512360" cy="454680"/>
-          </a:xfrm>
-          <a:prstGeom prst="rect">
-            <a:avLst/>
-          </a:prstGeom>
-          <a:noFill/>
-          <a:ln>
-            <a:noFill/>
-          </a:ln>
-        </p:spPr>
-        <p:style>
-          <a:lnRef idx="0">
-            <a:scrgbClr r="0" g="0" b="0"/>
-          </a:lnRef>
-          <a:fillRef idx="0">
-            <a:scrgbClr r="0" g="0" b="0"/>
-          </a:fillRef>
-          <a:effectRef idx="0">
-            <a:scrgbClr r="0" g="0" b="0"/>
-          </a:effectRef>
-          <a:fontRef idx="minor"/>
-        </p:style>
-        <p:txBody>
-          <a:bodyPr wrap="none" lIns="90000" tIns="45000" rIns="90000" bIns="45000"/>
-          <a:lstStyle/>
-          <a:p>
-            <a:pPr>
-              <a:lnSpc>
-                <a:spcPct val="100000"/>
-              </a:lnSpc>
-            </a:pPr>
-            <a:r>
-              <a:rPr lang="ru-RU" sz="1200" b="1" strike="noStrike" spc="-1">
-                <a:solidFill>
-                  <a:srgbClr val="000000"/>
-                </a:solidFill>
-                <a:uFill>
-                  <a:solidFill>
-                    <a:srgbClr val="FFFFFF"/>
-                  </a:solidFill>
-                </a:uFill>
-                <a:latin typeface="Geometria Bold"/>
-                <a:ea typeface="DejaVu Sans"/>
-              </a:rPr>
-              <a:t>8 800 2000 024</a:t>
-            </a:r>
-            <a:endParaRPr lang="ru-RU" sz="1800" b="0" strike="noStrike" spc="-1">
-              <a:solidFill>
-                <a:srgbClr val="000000"/>
-              </a:solidFill>
-              <a:uFill>
-                <a:solidFill>
-                  <a:srgbClr val="FFFFFF"/>
-                </a:solidFill>
-              </a:uFill>
-              <a:latin typeface="Arial"/>
-            </a:endParaRPr>
-          </a:p>
-          <a:p>
-            <a:pPr>
-              <a:lnSpc>
-                <a:spcPct val="100000"/>
-              </a:lnSpc>
-            </a:pPr>
-            <a:r>
-              <a:rPr lang="ru-RU" sz="1200" b="1" strike="noStrike" spc="-1">
-                <a:solidFill>
-                  <a:srgbClr val="000000"/>
-                </a:solidFill>
-                <a:uFill>
-                  <a:solidFill>
-                    <a:srgbClr val="FFFFFF"/>
-                  </a:solidFill>
-                </a:uFill>
-                <a:latin typeface="Geometria Bold"/>
-                <a:ea typeface="DejaVu Sans"/>
-              </a:rPr>
-              <a:t>tochka.com</a:t>
-            </a:r>
-            <a:endParaRPr lang="ru-RU" sz="1800" b="0" strike="noStrike" spc="-1">
-              <a:solidFill>
-                <a:srgbClr val="000000"/>
-              </a:solidFill>
-              <a:uFill>
-                <a:solidFill>
-                  <a:srgbClr val="FFFFFF"/>
-                </a:solidFill>
-              </a:uFill>
-              <a:latin typeface="Arial"/>
-            </a:endParaRPr>
-          </a:p>
-        </p:txBody>
-      </p:sp>
     </p:spTree>
   </p:cSld>
   <p:clrMapOvr>
@@ -8130,6 +8150,696 @@
           </a:ln>
         </p:spPr>
       </p:pic>
+    </p:spTree>
+  </p:cSld>
+  <p:clrMapOvr>
+    <a:masterClrMapping/>
+  </p:clrMapOvr>
+  <p:timing>
+    <p:tnLst>
+      <p:par>
+        <p:cTn id="1" dur="indefinite" restart="never" nodeType="tmRoot">
+          <p:childTnLst>
+            <p:seq>
+              <p:cTn id="2" nodeType="mainSeq"/>
+              <p:prevCondLst>
+                <p:cond evt="onPrev" delay="0">
+                  <p:tgtEl>
+                    <p:sldTgt/>
+                  </p:tgtEl>
+                </p:cond>
+              </p:prevCondLst>
+              <p:nextCondLst>
+                <p:cond evt="onNext" delay="0">
+                  <p:tgtEl>
+                    <p:sldTgt/>
+                  </p:tgtEl>
+                </p:cond>
+              </p:nextCondLst>
+            </p:seq>
+          </p:childTnLst>
+        </p:cTn>
+      </p:par>
+    </p:tnLst>
+  </p:timing>
+</p:sld>
+</file>
+
+<file path=ppt/slides/slide30.xml><?xml version="1.0" encoding="utf-8"?>
+<p:sld xmlns:a="http://schemas.openxmlformats.org/drawingml/2006/main" xmlns:r="http://schemas.openxmlformats.org/officeDocument/2006/relationships" xmlns:p="http://schemas.openxmlformats.org/presentationml/2006/main">
+  <p:cSld>
+    <p:spTree>
+      <p:nvGrpSpPr>
+        <p:cNvPr id="1" name=""/>
+        <p:cNvGrpSpPr/>
+        <p:nvPr/>
+      </p:nvGrpSpPr>
+      <p:grpSpPr>
+        <a:xfrm>
+          <a:off x="0" y="0"/>
+          <a:ext cx="0" cy="0"/>
+          <a:chOff x="0" y="0"/>
+          <a:chExt cx="0" cy="0"/>
+        </a:xfrm>
+      </p:grpSpPr>
+      <p:pic>
+        <p:nvPicPr>
+          <p:cNvPr id="72" name="Picture 14"/>
+          <p:cNvPicPr/>
+          <p:nvPr/>
+        </p:nvPicPr>
+        <p:blipFill>
+          <a:blip r:embed="rId2"/>
+          <a:stretch/>
+        </p:blipFill>
+        <p:spPr>
+          <a:xfrm>
+            <a:off x="3643560" y="-2510280"/>
+            <a:ext cx="5968800" cy="5968080"/>
+          </a:xfrm>
+          <a:prstGeom prst="rect">
+            <a:avLst/>
+          </a:prstGeom>
+          <a:ln>
+            <a:noFill/>
+          </a:ln>
+        </p:spPr>
+      </p:pic>
+      <p:pic>
+        <p:nvPicPr>
+          <p:cNvPr id="73" name="Picture 13"/>
+          <p:cNvPicPr/>
+          <p:nvPr/>
+        </p:nvPicPr>
+        <p:blipFill>
+          <a:blip r:embed="rId3"/>
+          <a:stretch/>
+        </p:blipFill>
+        <p:spPr>
+          <a:xfrm>
+            <a:off x="658800" y="896400"/>
+            <a:ext cx="981360" cy="191520"/>
+          </a:xfrm>
+          <a:prstGeom prst="rect">
+            <a:avLst/>
+          </a:prstGeom>
+          <a:ln>
+            <a:noFill/>
+          </a:ln>
+        </p:spPr>
+      </p:pic>
+      <p:sp>
+        <p:nvSpPr>
+          <p:cNvPr id="74" name="CustomShape 1"/>
+          <p:cNvSpPr/>
+          <p:nvPr/>
+        </p:nvSpPr>
+        <p:spPr>
+          <a:xfrm>
+            <a:off x="397800" y="2035080"/>
+            <a:ext cx="5932080" cy="699120"/>
+          </a:xfrm>
+          <a:prstGeom prst="rect">
+            <a:avLst/>
+          </a:prstGeom>
+          <a:noFill/>
+          <a:ln>
+            <a:noFill/>
+          </a:ln>
+        </p:spPr>
+        <p:style>
+          <a:lnRef idx="0">
+            <a:scrgbClr r="0" g="0" b="0"/>
+          </a:lnRef>
+          <a:fillRef idx="0">
+            <a:scrgbClr r="0" g="0" b="0"/>
+          </a:fillRef>
+          <a:effectRef idx="0">
+            <a:scrgbClr r="0" g="0" b="0"/>
+          </a:effectRef>
+          <a:fontRef idx="minor"/>
+        </p:style>
+        <p:txBody>
+          <a:bodyPr wrap="none" lIns="90000" tIns="45000" rIns="90000" bIns="45000"/>
+          <a:lstStyle/>
+          <a:p>
+            <a:pPr>
+              <a:lnSpc>
+                <a:spcPct val="100000"/>
+              </a:lnSpc>
+            </a:pPr>
+            <a:r>
+              <a:rPr lang="ru-RU" sz="4000" b="1" strike="noStrike" spc="-1" dirty="0" smtClean="0">
+                <a:solidFill>
+                  <a:srgbClr val="000000"/>
+                </a:solidFill>
+                <a:uFill>
+                  <a:solidFill>
+                    <a:srgbClr val="FFFFFF"/>
+                  </a:solidFill>
+                </a:uFill>
+                <a:latin typeface="Anglecia Pro Title"/>
+                <a:ea typeface="ＭＳ Ｐゴシック"/>
+              </a:rPr>
+              <a:t>Результат</a:t>
+            </a:r>
+            <a:endParaRPr lang="ru-RU" sz="1800" b="0" strike="noStrike" spc="-1" dirty="0">
+              <a:solidFill>
+                <a:srgbClr val="000000"/>
+              </a:solidFill>
+              <a:uFill>
+                <a:solidFill>
+                  <a:srgbClr val="FFFFFF"/>
+                </a:solidFill>
+              </a:uFill>
+              <a:latin typeface="Arial"/>
+            </a:endParaRPr>
+          </a:p>
+        </p:txBody>
+      </p:sp>
+      <p:sp>
+        <p:nvSpPr>
+          <p:cNvPr id="75" name="CustomShape 2"/>
+          <p:cNvSpPr/>
+          <p:nvPr/>
+        </p:nvSpPr>
+        <p:spPr>
+          <a:xfrm>
+            <a:off x="720000" y="2952000"/>
+            <a:ext cx="3743280" cy="288000"/>
+          </a:xfrm>
+          <a:prstGeom prst="rect">
+            <a:avLst/>
+          </a:prstGeom>
+          <a:noFill/>
+          <a:ln>
+            <a:noFill/>
+          </a:ln>
+        </p:spPr>
+        <p:style>
+          <a:lnRef idx="0">
+            <a:scrgbClr r="0" g="0" b="0"/>
+          </a:lnRef>
+          <a:fillRef idx="0">
+            <a:scrgbClr r="0" g="0" b="0"/>
+          </a:fillRef>
+          <a:effectRef idx="0">
+            <a:scrgbClr r="0" g="0" b="0"/>
+          </a:effectRef>
+          <a:fontRef idx="minor"/>
+        </p:style>
+      </p:sp>
+      <p:sp>
+        <p:nvSpPr>
+          <p:cNvPr id="76" name="CustomShape 3"/>
+          <p:cNvSpPr/>
+          <p:nvPr/>
+        </p:nvSpPr>
+        <p:spPr>
+          <a:xfrm>
+            <a:off x="720000" y="3240359"/>
+            <a:ext cx="10511640" cy="2140023"/>
+          </a:xfrm>
+          <a:prstGeom prst="rect">
+            <a:avLst/>
+          </a:prstGeom>
+          <a:noFill/>
+          <a:ln>
+            <a:noFill/>
+          </a:ln>
+        </p:spPr>
+        <p:style>
+          <a:lnRef idx="0">
+            <a:scrgbClr r="0" g="0" b="0"/>
+          </a:lnRef>
+          <a:fillRef idx="0">
+            <a:scrgbClr r="0" g="0" b="0"/>
+          </a:fillRef>
+          <a:effectRef idx="0">
+            <a:scrgbClr r="0" g="0" b="0"/>
+          </a:effectRef>
+          <a:fontRef idx="minor"/>
+        </p:style>
+        <p:txBody>
+          <a:bodyPr lIns="90000" tIns="45000" rIns="90000" bIns="45000"/>
+          <a:lstStyle/>
+          <a:p>
+            <a:pPr marL="285750" indent="-285750">
+              <a:lnSpc>
+                <a:spcPct val="200000"/>
+              </a:lnSpc>
+              <a:buFont typeface="Arial" panose="020B0604020202020204" pitchFamily="34" charset="0"/>
+              <a:buChar char="•"/>
+            </a:pPr>
+            <a:r>
+              <a:rPr lang="ru-RU" sz="1800" b="0" strike="noStrike" spc="-1" dirty="0" smtClean="0">
+                <a:solidFill>
+                  <a:srgbClr val="000000"/>
+                </a:solidFill>
+                <a:uFill>
+                  <a:solidFill>
+                    <a:srgbClr val="FFFFFF"/>
+                  </a:solidFill>
+                </a:uFill>
+                <a:latin typeface="Arial"/>
+              </a:rPr>
+              <a:t>Рост производительности в </a:t>
+            </a:r>
+            <a:r>
+              <a:rPr lang="en-US" sz="1800" b="0" strike="noStrike" spc="-1" dirty="0" smtClean="0">
+                <a:solidFill>
+                  <a:srgbClr val="000000"/>
+                </a:solidFill>
+                <a:uFill>
+                  <a:solidFill>
+                    <a:srgbClr val="FFFFFF"/>
+                  </a:solidFill>
+                </a:uFill>
+                <a:latin typeface="Arial"/>
+              </a:rPr>
+              <a:t>~2</a:t>
+            </a:r>
+            <a:r>
+              <a:rPr lang="ru-RU" sz="1800" b="0" strike="noStrike" spc="-1" dirty="0" smtClean="0">
+                <a:solidFill>
+                  <a:srgbClr val="000000"/>
+                </a:solidFill>
+                <a:uFill>
+                  <a:solidFill>
+                    <a:srgbClr val="FFFFFF"/>
+                  </a:solidFill>
+                </a:uFill>
+                <a:latin typeface="Arial"/>
+              </a:rPr>
+              <a:t> раза;</a:t>
+            </a:r>
+            <a:endParaRPr lang="ru-RU" sz="1800" b="0" strike="noStrike" spc="-1" dirty="0">
+              <a:solidFill>
+                <a:srgbClr val="000000"/>
+              </a:solidFill>
+              <a:uFill>
+                <a:solidFill>
+                  <a:srgbClr val="FFFFFF"/>
+                </a:solidFill>
+              </a:uFill>
+              <a:latin typeface="Arial"/>
+            </a:endParaRPr>
+          </a:p>
+          <a:p>
+            <a:pPr marL="285750" indent="-285750">
+              <a:lnSpc>
+                <a:spcPct val="200000"/>
+              </a:lnSpc>
+              <a:buFont typeface="Arial" panose="020B0604020202020204" pitchFamily="34" charset="0"/>
+              <a:buChar char="•"/>
+            </a:pPr>
+            <a:r>
+              <a:rPr lang="ru-RU" sz="1800" b="0" strike="noStrike" spc="-1" dirty="0" smtClean="0">
+                <a:solidFill>
+                  <a:srgbClr val="000000"/>
+                </a:solidFill>
+                <a:uFill>
+                  <a:solidFill>
+                    <a:srgbClr val="FFFFFF"/>
+                  </a:solidFill>
+                </a:uFill>
+                <a:latin typeface="Arial"/>
+              </a:rPr>
+              <a:t>Увеличена отказоустойчивость сервиса;</a:t>
+            </a:r>
+            <a:endParaRPr lang="ru-RU" sz="1800" b="0" strike="noStrike" spc="-1" dirty="0">
+              <a:solidFill>
+                <a:srgbClr val="000000"/>
+              </a:solidFill>
+              <a:uFill>
+                <a:solidFill>
+                  <a:srgbClr val="FFFFFF"/>
+                </a:solidFill>
+              </a:uFill>
+              <a:latin typeface="Arial"/>
+            </a:endParaRPr>
+          </a:p>
+          <a:p>
+            <a:pPr marL="285750" indent="-285750">
+              <a:lnSpc>
+                <a:spcPct val="200000"/>
+              </a:lnSpc>
+              <a:buFont typeface="Arial" panose="020B0604020202020204" pitchFamily="34" charset="0"/>
+              <a:buChar char="•"/>
+            </a:pPr>
+            <a:r>
+              <a:rPr lang="ru-RU" sz="1800" b="0" strike="noStrike" spc="-1" dirty="0" smtClean="0">
+                <a:solidFill>
+                  <a:srgbClr val="000000"/>
+                </a:solidFill>
+                <a:uFill>
+                  <a:solidFill>
+                    <a:srgbClr val="FFFFFF"/>
+                  </a:solidFill>
+                </a:uFill>
+                <a:latin typeface="Arial"/>
+              </a:rPr>
+              <a:t>Добавлены адекватные мониторинг и </a:t>
+            </a:r>
+            <a:r>
+              <a:rPr lang="ru-RU" sz="1800" b="0" strike="noStrike" spc="-1" dirty="0" err="1" smtClean="0">
+                <a:solidFill>
+                  <a:srgbClr val="000000"/>
+                </a:solidFill>
+                <a:uFill>
+                  <a:solidFill>
+                    <a:srgbClr val="FFFFFF"/>
+                  </a:solidFill>
+                </a:uFill>
+                <a:latin typeface="Arial"/>
+              </a:rPr>
+              <a:t>логирование</a:t>
+            </a:r>
+            <a:r>
+              <a:rPr lang="ru-RU" sz="1800" b="0" strike="noStrike" spc="-1" dirty="0" smtClean="0">
+                <a:solidFill>
+                  <a:srgbClr val="000000"/>
+                </a:solidFill>
+                <a:uFill>
+                  <a:solidFill>
+                    <a:srgbClr val="FFFFFF"/>
+                  </a:solidFill>
+                </a:uFill>
+                <a:latin typeface="Arial"/>
+              </a:rPr>
+              <a:t>.</a:t>
+            </a:r>
+            <a:endParaRPr lang="ru-RU" sz="1800" b="0" strike="noStrike" spc="-1" dirty="0">
+              <a:solidFill>
+                <a:srgbClr val="000000"/>
+              </a:solidFill>
+              <a:uFill>
+                <a:solidFill>
+                  <a:srgbClr val="FFFFFF"/>
+                </a:solidFill>
+              </a:uFill>
+              <a:latin typeface="Arial"/>
+            </a:endParaRPr>
+          </a:p>
+        </p:txBody>
+      </p:sp>
+    </p:spTree>
+    <p:extLst>
+      <p:ext uri="{BB962C8B-B14F-4D97-AF65-F5344CB8AC3E}">
+        <p14:creationId xmlns:p14="http://schemas.microsoft.com/office/powerpoint/2010/main" val="1133031471"/>
+      </p:ext>
+    </p:extLst>
+  </p:cSld>
+  <p:clrMapOvr>
+    <a:masterClrMapping/>
+  </p:clrMapOvr>
+  <p:timing>
+    <p:tnLst>
+      <p:par>
+        <p:cTn id="1" dur="indefinite" restart="never" nodeType="tmRoot">
+          <p:childTnLst>
+            <p:seq>
+              <p:cTn id="2" nodeType="mainSeq"/>
+              <p:prevCondLst>
+                <p:cond evt="onPrev" delay="0">
+                  <p:tgtEl>
+                    <p:sldTgt/>
+                  </p:tgtEl>
+                </p:cond>
+              </p:prevCondLst>
+              <p:nextCondLst>
+                <p:cond evt="onNext" delay="0">
+                  <p:tgtEl>
+                    <p:sldTgt/>
+                  </p:tgtEl>
+                </p:cond>
+              </p:nextCondLst>
+            </p:seq>
+          </p:childTnLst>
+        </p:cTn>
+      </p:par>
+    </p:tnLst>
+  </p:timing>
+</p:sld>
+</file>
+
+<file path=ppt/slides/slide31.xml><?xml version="1.0" encoding="utf-8"?>
+<p:sld xmlns:a="http://schemas.openxmlformats.org/drawingml/2006/main" xmlns:r="http://schemas.openxmlformats.org/officeDocument/2006/relationships" xmlns:p="http://schemas.openxmlformats.org/presentationml/2006/main">
+  <p:cSld>
+    <p:spTree>
+      <p:nvGrpSpPr>
+        <p:cNvPr id="1" name=""/>
+        <p:cNvGrpSpPr/>
+        <p:nvPr/>
+      </p:nvGrpSpPr>
+      <p:grpSpPr>
+        <a:xfrm>
+          <a:off x="0" y="0"/>
+          <a:ext cx="0" cy="0"/>
+          <a:chOff x="0" y="0"/>
+          <a:chExt cx="0" cy="0"/>
+        </a:xfrm>
+      </p:grpSpPr>
+      <p:pic>
+        <p:nvPicPr>
+          <p:cNvPr id="181" name="Picture 4"/>
+          <p:cNvPicPr/>
+          <p:nvPr/>
+        </p:nvPicPr>
+        <p:blipFill>
+          <a:blip r:embed="rId2"/>
+          <a:stretch/>
+        </p:blipFill>
+        <p:spPr>
+          <a:xfrm>
+            <a:off x="10868760" y="0"/>
+            <a:ext cx="659160" cy="1097640"/>
+          </a:xfrm>
+          <a:prstGeom prst="rect">
+            <a:avLst/>
+          </a:prstGeom>
+          <a:ln>
+            <a:noFill/>
+          </a:ln>
+        </p:spPr>
+      </p:pic>
+      <p:pic>
+        <p:nvPicPr>
+          <p:cNvPr id="182" name="Picture 1"/>
+          <p:cNvPicPr/>
+          <p:nvPr/>
+        </p:nvPicPr>
+        <p:blipFill>
+          <a:blip r:embed="rId3"/>
+          <a:stretch/>
+        </p:blipFill>
+        <p:spPr>
+          <a:xfrm rot="20115600">
+            <a:off x="-2009520" y="475200"/>
+            <a:ext cx="6781320" cy="6781320"/>
+          </a:xfrm>
+          <a:prstGeom prst="rect">
+            <a:avLst/>
+          </a:prstGeom>
+          <a:ln>
+            <a:noFill/>
+          </a:ln>
+        </p:spPr>
+      </p:pic>
+      <p:sp>
+        <p:nvSpPr>
+          <p:cNvPr id="183" name="CustomShape 1"/>
+          <p:cNvSpPr/>
+          <p:nvPr/>
+        </p:nvSpPr>
+        <p:spPr>
+          <a:xfrm>
+            <a:off x="5829840" y="2732760"/>
+            <a:ext cx="3455640" cy="912600"/>
+          </a:xfrm>
+          <a:prstGeom prst="rect">
+            <a:avLst/>
+          </a:prstGeom>
+          <a:noFill/>
+          <a:ln>
+            <a:noFill/>
+          </a:ln>
+        </p:spPr>
+        <p:style>
+          <a:lnRef idx="0">
+            <a:scrgbClr r="0" g="0" b="0"/>
+          </a:lnRef>
+          <a:fillRef idx="0">
+            <a:scrgbClr r="0" g="0" b="0"/>
+          </a:fillRef>
+          <a:effectRef idx="0">
+            <a:scrgbClr r="0" g="0" b="0"/>
+          </a:effectRef>
+          <a:fontRef idx="minor"/>
+        </p:style>
+        <p:txBody>
+          <a:bodyPr wrap="none" lIns="90000" tIns="45000" rIns="90000" bIns="45000"/>
+          <a:lstStyle/>
+          <a:p>
+            <a:pPr>
+              <a:lnSpc>
+                <a:spcPct val="100000"/>
+              </a:lnSpc>
+            </a:pPr>
+            <a:r>
+              <a:rPr lang="ru-RU" sz="5400" b="1" strike="noStrike" spc="-1">
+                <a:solidFill>
+                  <a:srgbClr val="000000"/>
+                </a:solidFill>
+                <a:uFill>
+                  <a:solidFill>
+                    <a:srgbClr val="FFFFFF"/>
+                  </a:solidFill>
+                </a:uFill>
+                <a:latin typeface="Anglecia Pro Title"/>
+                <a:ea typeface="ＭＳ Ｐゴシック"/>
+              </a:rPr>
+              <a:t>Спасибо</a:t>
+            </a:r>
+            <a:endParaRPr lang="ru-RU" sz="1800" b="0" strike="noStrike" spc="-1">
+              <a:solidFill>
+                <a:srgbClr val="000000"/>
+              </a:solidFill>
+              <a:uFill>
+                <a:solidFill>
+                  <a:srgbClr val="FFFFFF"/>
+                </a:solidFill>
+              </a:uFill>
+              <a:latin typeface="Arial"/>
+            </a:endParaRPr>
+          </a:p>
+        </p:txBody>
+      </p:sp>
+      <p:pic>
+        <p:nvPicPr>
+          <p:cNvPr id="184" name="Picture 3"/>
+          <p:cNvPicPr/>
+          <p:nvPr/>
+        </p:nvPicPr>
+        <p:blipFill>
+          <a:blip r:embed="rId4"/>
+          <a:stretch/>
+        </p:blipFill>
+        <p:spPr>
+          <a:xfrm>
+            <a:off x="1308240" y="2889000"/>
+            <a:ext cx="1823040" cy="573480"/>
+          </a:xfrm>
+          <a:prstGeom prst="rect">
+            <a:avLst/>
+          </a:prstGeom>
+          <a:ln>
+            <a:noFill/>
+          </a:ln>
+        </p:spPr>
+      </p:pic>
+      <p:sp>
+        <p:nvSpPr>
+          <p:cNvPr id="185" name="CustomShape 2"/>
+          <p:cNvSpPr/>
+          <p:nvPr/>
+        </p:nvSpPr>
+        <p:spPr>
+          <a:xfrm>
+            <a:off x="1180800" y="5837040"/>
+            <a:ext cx="1512360" cy="454680"/>
+          </a:xfrm>
+          <a:prstGeom prst="rect">
+            <a:avLst/>
+          </a:prstGeom>
+          <a:noFill/>
+          <a:ln>
+            <a:noFill/>
+          </a:ln>
+        </p:spPr>
+        <p:style>
+          <a:lnRef idx="0">
+            <a:scrgbClr r="0" g="0" b="0"/>
+          </a:lnRef>
+          <a:fillRef idx="0">
+            <a:scrgbClr r="0" g="0" b="0"/>
+          </a:fillRef>
+          <a:effectRef idx="0">
+            <a:scrgbClr r="0" g="0" b="0"/>
+          </a:effectRef>
+          <a:fontRef idx="minor"/>
+        </p:style>
+        <p:txBody>
+          <a:bodyPr wrap="none" lIns="90000" tIns="45000" rIns="90000" bIns="45000"/>
+          <a:lstStyle/>
+          <a:p>
+            <a:pPr>
+              <a:lnSpc>
+                <a:spcPct val="100000"/>
+              </a:lnSpc>
+            </a:pPr>
+            <a:r>
+              <a:rPr lang="ru-RU" sz="1200" b="1" strike="noStrike" spc="-1">
+                <a:solidFill>
+                  <a:srgbClr val="000000"/>
+                </a:solidFill>
+                <a:uFill>
+                  <a:solidFill>
+                    <a:srgbClr val="FFFFFF"/>
+                  </a:solidFill>
+                </a:uFill>
+                <a:latin typeface="Geometria Bold"/>
+                <a:ea typeface="DejaVu Sans"/>
+              </a:rPr>
+              <a:t>8 800 2000 024</a:t>
+            </a:r>
+            <a:endParaRPr lang="ru-RU" sz="1800" b="0" strike="noStrike" spc="-1">
+              <a:solidFill>
+                <a:srgbClr val="000000"/>
+              </a:solidFill>
+              <a:uFill>
+                <a:solidFill>
+                  <a:srgbClr val="FFFFFF"/>
+                </a:solidFill>
+              </a:uFill>
+              <a:latin typeface="Arial"/>
+            </a:endParaRPr>
+          </a:p>
+          <a:p>
+            <a:pPr>
+              <a:lnSpc>
+                <a:spcPct val="100000"/>
+              </a:lnSpc>
+            </a:pPr>
+            <a:r>
+              <a:rPr lang="ru-RU" sz="1200" b="1" strike="noStrike" spc="-1">
+                <a:solidFill>
+                  <a:srgbClr val="000000"/>
+                </a:solidFill>
+                <a:uFill>
+                  <a:solidFill>
+                    <a:srgbClr val="FFFFFF"/>
+                  </a:solidFill>
+                </a:uFill>
+                <a:latin typeface="Geometria Bold"/>
+                <a:ea typeface="DejaVu Sans"/>
+              </a:rPr>
+              <a:t>tochka.com</a:t>
+            </a:r>
+            <a:endParaRPr lang="ru-RU" sz="1800" b="0" strike="noStrike" spc="-1">
+              <a:solidFill>
+                <a:srgbClr val="000000"/>
+              </a:solidFill>
+              <a:uFill>
+                <a:solidFill>
+                  <a:srgbClr val="FFFFFF"/>
+                </a:solidFill>
+              </a:uFill>
+              <a:latin typeface="Arial"/>
+            </a:endParaRPr>
+          </a:p>
+        </p:txBody>
+      </p:sp>
     </p:spTree>
   </p:cSld>
   <p:clrMapOvr>
@@ -9298,7 +10008,7 @@
               <a:buChar char="•"/>
             </a:pPr>
             <a:r>
-              <a:rPr lang="ru-RU" sz="1800" b="0" strike="noStrike" spc="-1" dirty="0" smtClean="0">
+              <a:rPr lang="ru-RU" spc="-1" dirty="0">
                 <a:solidFill>
                   <a:srgbClr val="000000"/>
                 </a:solidFill>
@@ -9309,7 +10019,35 @@
                 </a:uFill>
                 <a:latin typeface="Arial"/>
               </a:rPr>
-              <a:t>низкая производительность;</a:t>
+              <a:t>Н</a:t>
+            </a:r>
+            <a:r>
+              <a:rPr lang="ru-RU" sz="1800" b="0" strike="noStrike" spc="-1" dirty="0" smtClean="0">
+                <a:solidFill>
+                  <a:srgbClr val="000000"/>
+                </a:solidFill>
+                <a:uFill>
+                  <a:solidFill>
+                    <a:srgbClr val="FFFFFF"/>
+                  </a:solidFill>
+                </a:uFill>
+                <a:latin typeface="Arial"/>
+              </a:rPr>
+              <a:t>изкая </a:t>
+            </a:r>
+            <a:r>
+              <a:rPr lang="ru-RU" sz="1800" b="0" strike="noStrike" spc="-1" dirty="0" smtClean="0">
+                <a:solidFill>
+                  <a:srgbClr val="000000"/>
+                </a:solidFill>
+                <a:uFill>
+                  <a:solidFill>
+                    <a:srgbClr val="FFFFFF"/>
+                  </a:solidFill>
+                </a:uFill>
+                <a:latin typeface="Arial"/>
+              </a:rPr>
+              <a:t>производительность;</a:t>
             </a:r>
           </a:p>
           <a:p>
@@ -9332,7 +10070,21 @@
                 </a:uFill>
                 <a:latin typeface="Arial"/>
               </a:rPr>
-              <a:t>нет нормального мониторинга;</a:t>
+              <a:t>Нет </a:t>
+            </a:r>
+            <a:r>
+              <a:rPr lang="ru-RU" sz="1800" b="0" strike="noStrike" spc="-1" dirty="0" smtClean="0">
+                <a:solidFill>
+                  <a:srgbClr val="000000"/>
+                </a:solidFill>
+                <a:uFill>
+                  <a:solidFill>
+                    <a:srgbClr val="FFFFFF"/>
+                  </a:solidFill>
+                </a:uFill>
+                <a:latin typeface="Arial"/>
+              </a:rPr>
+              <a:t>нормального мониторинга;</a:t>
             </a:r>
           </a:p>
           <a:p>
@@ -9355,7 +10107,21 @@
                 </a:uFill>
                 <a:latin typeface="Arial"/>
               </a:rPr>
-              <a:t>нет нормального </a:t>
+              <a:t>Нет </a:t>
+            </a:r>
+            <a:r>
+              <a:rPr lang="ru-RU" sz="1800" b="0" strike="noStrike" spc="-1" dirty="0" smtClean="0">
+                <a:solidFill>
+                  <a:srgbClr val="000000"/>
+                </a:solidFill>
+                <a:uFill>
+                  <a:solidFill>
+                    <a:srgbClr val="FFFFFF"/>
+                  </a:solidFill>
+                </a:uFill>
+                <a:latin typeface="Arial"/>
+              </a:rPr>
+              <a:t>нормального </a:t>
             </a:r>
             <a:r>
               <a:rPr lang="ru-RU" sz="1800" b="0" strike="noStrike" spc="-1" dirty="0" err="1" smtClean="0">

--- a/Презентация.pptx
+++ b/Презентация.pptx
@@ -5,7 +5,7 @@
     <p:sldMasterId id="2147483648" r:id="rId1"/>
   </p:sldMasterIdLst>
   <p:notesMasterIdLst>
-    <p:notesMasterId r:id="rId33"/>
+    <p:notesMasterId r:id="rId32"/>
   </p:notesMasterIdLst>
   <p:sldIdLst>
     <p:sldId id="285" r:id="rId2"/>
@@ -19,26 +19,25 @@
     <p:sldId id="264" r:id="rId10"/>
     <p:sldId id="265" r:id="rId11"/>
     <p:sldId id="266" r:id="rId12"/>
-    <p:sldId id="267" r:id="rId13"/>
-    <p:sldId id="290" r:id="rId14"/>
-    <p:sldId id="282" r:id="rId15"/>
-    <p:sldId id="281" r:id="rId16"/>
-    <p:sldId id="292" r:id="rId17"/>
-    <p:sldId id="270" r:id="rId18"/>
-    <p:sldId id="269" r:id="rId19"/>
-    <p:sldId id="272" r:id="rId20"/>
-    <p:sldId id="288" r:id="rId21"/>
-    <p:sldId id="291" r:id="rId22"/>
-    <p:sldId id="283" r:id="rId23"/>
-    <p:sldId id="284" r:id="rId24"/>
-    <p:sldId id="274" r:id="rId25"/>
-    <p:sldId id="275" r:id="rId26"/>
-    <p:sldId id="286" r:id="rId27"/>
-    <p:sldId id="287" r:id="rId28"/>
-    <p:sldId id="278" r:id="rId29"/>
-    <p:sldId id="279" r:id="rId30"/>
-    <p:sldId id="289" r:id="rId31"/>
-    <p:sldId id="280" r:id="rId32"/>
+    <p:sldId id="290" r:id="rId13"/>
+    <p:sldId id="282" r:id="rId14"/>
+    <p:sldId id="281" r:id="rId15"/>
+    <p:sldId id="292" r:id="rId16"/>
+    <p:sldId id="270" r:id="rId17"/>
+    <p:sldId id="269" r:id="rId18"/>
+    <p:sldId id="272" r:id="rId19"/>
+    <p:sldId id="288" r:id="rId20"/>
+    <p:sldId id="291" r:id="rId21"/>
+    <p:sldId id="283" r:id="rId22"/>
+    <p:sldId id="284" r:id="rId23"/>
+    <p:sldId id="274" r:id="rId24"/>
+    <p:sldId id="275" r:id="rId25"/>
+    <p:sldId id="286" r:id="rId26"/>
+    <p:sldId id="287" r:id="rId27"/>
+    <p:sldId id="278" r:id="rId28"/>
+    <p:sldId id="279" r:id="rId29"/>
+    <p:sldId id="289" r:id="rId30"/>
+    <p:sldId id="280" r:id="rId31"/>
   </p:sldIdLst>
   <p:sldSz cx="12192000" cy="6858000"/>
   <p:notesSz cx="7559675" cy="10691813"/>
@@ -227,7 +226,7 @@
           <a:p>
             <a:fld id="{C3B00A1E-5CF3-4B45-94BE-67851AB72581}" type="datetimeFigureOut">
               <a:rPr lang="ru-RU" smtClean="0"/>
-              <a:t>19.09.2017</a:t>
+              <a:t>21.09.2017</a:t>
             </a:fld>
             <a:endParaRPr lang="ru-RU"/>
           </a:p>
@@ -3483,7 +3482,7 @@
       </p:grpSpPr>
       <p:pic>
         <p:nvPicPr>
-          <p:cNvPr id="94" name="Picture 14"/>
+          <p:cNvPr id="72" name="Picture 14"/>
           <p:cNvPicPr/>
           <p:nvPr/>
         </p:nvPicPr>
@@ -3506,7 +3505,7 @@
       </p:pic>
       <p:pic>
         <p:nvPicPr>
-          <p:cNvPr id="95" name="Picture 13"/>
+          <p:cNvPr id="73" name="Picture 13"/>
           <p:cNvPicPr/>
           <p:nvPr/>
         </p:nvPicPr>
@@ -3529,14 +3528,14 @@
       </p:pic>
       <p:sp>
         <p:nvSpPr>
-          <p:cNvPr id="96" name="TextShape 1"/>
-          <p:cNvSpPr txBox="1"/>
+          <p:cNvPr id="74" name="CustomShape 1"/>
+          <p:cNvSpPr/>
           <p:nvPr/>
         </p:nvSpPr>
         <p:spPr>
           <a:xfrm>
-            <a:off x="2123280" y="2160000"/>
-            <a:ext cx="756720" cy="346320"/>
+            <a:off x="658800" y="2048332"/>
+            <a:ext cx="6943904" cy="699120"/>
           </a:xfrm>
           <a:prstGeom prst="rect">
             <a:avLst/>
@@ -3546,12 +3545,147 @@
             <a:noFill/>
           </a:ln>
         </p:spPr>
+        <p:style>
+          <a:lnRef idx="0">
+            <a:scrgbClr r="0" g="0" b="0"/>
+          </a:lnRef>
+          <a:fillRef idx="0">
+            <a:scrgbClr r="0" g="0" b="0"/>
+          </a:fillRef>
+          <a:effectRef idx="0">
+            <a:scrgbClr r="0" g="0" b="0"/>
+          </a:effectRef>
+          <a:fontRef idx="minor"/>
+        </p:style>
+        <p:txBody>
+          <a:bodyPr wrap="none" lIns="90000" tIns="45000" rIns="90000" bIns="45000"/>
+          <a:lstStyle/>
+          <a:p>
+            <a:pPr>
+              <a:lnSpc>
+                <a:spcPct val="100000"/>
+              </a:lnSpc>
+            </a:pPr>
+            <a:r>
+              <a:rPr lang="ru-RU" sz="4000" b="1" strike="noStrike" spc="-1" dirty="0" smtClean="0">
+                <a:solidFill>
+                  <a:srgbClr val="000000"/>
+                </a:solidFill>
+                <a:uFill>
+                  <a:solidFill>
+                    <a:srgbClr val="FFFFFF"/>
+                  </a:solidFill>
+                </a:uFill>
+                <a:latin typeface="Anglecia Pro Title"/>
+                <a:ea typeface="ＭＳ Ｐゴシック"/>
+              </a:rPr>
+              <a:t>Цена ошибки в </a:t>
+            </a:r>
+            <a:r>
+              <a:rPr lang="ru-RU" sz="4000" b="1" strike="noStrike" spc="-1" dirty="0" err="1" smtClean="0">
+                <a:solidFill>
+                  <a:srgbClr val="000000"/>
+                </a:solidFill>
+                <a:uFill>
+                  <a:solidFill>
+                    <a:srgbClr val="FFFFFF"/>
+                  </a:solidFill>
+                </a:uFill>
+                <a:latin typeface="Anglecia Pro Title"/>
+                <a:ea typeface="ＭＳ Ｐゴシック"/>
+              </a:rPr>
+              <a:t>финтехе</a:t>
+            </a:r>
+            <a:endParaRPr lang="ru-RU" sz="1800" b="0" strike="noStrike" spc="-1" dirty="0">
+              <a:solidFill>
+                <a:srgbClr val="000000"/>
+              </a:solidFill>
+              <a:uFill>
+                <a:solidFill>
+                  <a:srgbClr val="FFFFFF"/>
+                </a:solidFill>
+              </a:uFill>
+              <a:latin typeface="Arial"/>
+            </a:endParaRPr>
+          </a:p>
+        </p:txBody>
+      </p:sp>
+      <p:sp>
+        <p:nvSpPr>
+          <p:cNvPr id="75" name="CustomShape 2"/>
+          <p:cNvSpPr/>
+          <p:nvPr/>
+        </p:nvSpPr>
+        <p:spPr>
+          <a:xfrm>
+            <a:off x="720000" y="2952000"/>
+            <a:ext cx="3743280" cy="288000"/>
+          </a:xfrm>
+          <a:prstGeom prst="rect">
+            <a:avLst/>
+          </a:prstGeom>
+          <a:noFill/>
+          <a:ln>
+            <a:noFill/>
+          </a:ln>
+        </p:spPr>
+        <p:style>
+          <a:lnRef idx="0">
+            <a:scrgbClr r="0" g="0" b="0"/>
+          </a:lnRef>
+          <a:fillRef idx="0">
+            <a:scrgbClr r="0" g="0" b="0"/>
+          </a:fillRef>
+          <a:effectRef idx="0">
+            <a:scrgbClr r="0" g="0" b="0"/>
+          </a:effectRef>
+          <a:fontRef idx="minor"/>
+        </p:style>
+      </p:sp>
+      <p:sp>
+        <p:nvSpPr>
+          <p:cNvPr id="76" name="CustomShape 3"/>
+          <p:cNvSpPr/>
+          <p:nvPr/>
+        </p:nvSpPr>
+        <p:spPr>
+          <a:xfrm>
+            <a:off x="720000" y="3240359"/>
+            <a:ext cx="10511640" cy="2140023"/>
+          </a:xfrm>
+          <a:prstGeom prst="rect">
+            <a:avLst/>
+          </a:prstGeom>
+          <a:noFill/>
+          <a:ln>
+            <a:noFill/>
+          </a:ln>
+        </p:spPr>
+        <p:style>
+          <a:lnRef idx="0">
+            <a:scrgbClr r="0" g="0" b="0"/>
+          </a:lnRef>
+          <a:fillRef idx="0">
+            <a:scrgbClr r="0" g="0" b="0"/>
+          </a:fillRef>
+          <a:effectRef idx="0">
+            <a:scrgbClr r="0" g="0" b="0"/>
+          </a:effectRef>
+          <a:fontRef idx="minor"/>
+        </p:style>
         <p:txBody>
           <a:bodyPr lIns="90000" tIns="45000" rIns="90000" bIns="45000"/>
           <a:lstStyle/>
           <a:p>
+            <a:pPr marL="285750" indent="-285750">
+              <a:lnSpc>
+                <a:spcPct val="200000"/>
+              </a:lnSpc>
+              <a:buFont typeface="Arial" panose="020B0604020202020204" pitchFamily="34" charset="0"/>
+              <a:buChar char="•"/>
+            </a:pPr>
             <a:r>
-              <a:rPr lang="ru-RU" sz="1800" b="0" strike="noStrike" spc="-1">
+              <a:rPr lang="ru-RU" sz="1800" b="0" strike="noStrike" spc="-1" dirty="0" smtClean="0">
                 <a:solidFill>
                   <a:srgbClr val="000000"/>
                 </a:solidFill>
@@ -3562,36 +3696,30 @@
                 </a:uFill>
                 <a:latin typeface="Arial"/>
               </a:rPr>
-              <a:t>Было</a:t>
+              <a:t>Кратный рост запросов в техподдержку;</a:t>
             </a:r>
+            <a:endParaRPr lang="ru-RU" sz="1800" b="0" strike="noStrike" spc="-1" dirty="0">
+              <a:solidFill>
+                <a:srgbClr val="000000"/>
+              </a:solidFill>
+              <a:uFill>
+                <a:solidFill>
+                  <a:srgbClr val="FFFFFF"/>
+                </a:solidFill>
+              </a:uFill>
+              <a:latin typeface="Arial"/>
+            </a:endParaRPr>
           </a:p>
-        </p:txBody>
-      </p:sp>
-      <p:sp>
-        <p:nvSpPr>
-          <p:cNvPr id="97" name="TextShape 2"/>
-          <p:cNvSpPr txBox="1"/>
-          <p:nvPr/>
-        </p:nvSpPr>
-        <p:spPr>
-          <a:xfrm>
-            <a:off x="7876080" y="2160000"/>
-            <a:ext cx="835920" cy="346320"/>
-          </a:xfrm>
-          <a:prstGeom prst="rect">
-            <a:avLst/>
-          </a:prstGeom>
-          <a:noFill/>
-          <a:ln>
-            <a:noFill/>
-          </a:ln>
-        </p:spPr>
-        <p:txBody>
-          <a:bodyPr lIns="90000" tIns="45000" rIns="90000" bIns="45000"/>
-          <a:lstStyle/>
           <a:p>
+            <a:pPr marL="285750" indent="-285750">
+              <a:lnSpc>
+                <a:spcPct val="200000"/>
+              </a:lnSpc>
+              <a:buFont typeface="Arial" panose="020B0604020202020204" pitchFamily="34" charset="0"/>
+              <a:buChar char="•"/>
+            </a:pPr>
             <a:r>
-              <a:rPr lang="ru-RU" sz="1800" b="0" strike="noStrike" spc="-1">
+              <a:rPr lang="ru-RU" sz="1800" b="0" strike="noStrike" spc="-1" dirty="0" err="1" smtClean="0">
                 <a:solidFill>
                   <a:srgbClr val="000000"/>
                 </a:solidFill>
@@ -3602,58 +3730,98 @@
                 </a:uFill>
                 <a:latin typeface="Arial"/>
               </a:rPr>
-              <a:t>Стало</a:t>
+              <a:t>Репутационные</a:t>
             </a:r>
+            <a:r>
+              <a:rPr lang="ru-RU" sz="1800" b="0" strike="noStrike" spc="-1" dirty="0" smtClean="0">
+                <a:solidFill>
+                  <a:srgbClr val="000000"/>
+                </a:solidFill>
+                <a:uFill>
+                  <a:solidFill>
+                    <a:srgbClr val="FFFFFF"/>
+                  </a:solidFill>
+                </a:uFill>
+                <a:latin typeface="Arial"/>
+              </a:rPr>
+              <a:t> издержки;</a:t>
+            </a:r>
+          </a:p>
+          <a:p>
+            <a:pPr marL="285750" indent="-285750">
+              <a:lnSpc>
+                <a:spcPct val="200000"/>
+              </a:lnSpc>
+              <a:buFont typeface="Arial" panose="020B0604020202020204" pitchFamily="34" charset="0"/>
+              <a:buChar char="•"/>
+            </a:pPr>
+            <a:r>
+              <a:rPr lang="ru-RU" spc="-1" dirty="0" smtClean="0">
+                <a:solidFill>
+                  <a:srgbClr val="000000"/>
+                </a:solidFill>
+                <a:uFill>
+                  <a:solidFill>
+                    <a:srgbClr val="FFFFFF"/>
+                  </a:solidFill>
+                </a:uFill>
+                <a:latin typeface="Arial"/>
+              </a:rPr>
+              <a:t>Прямые и косвенные финансовые потери;</a:t>
+            </a:r>
+            <a:endParaRPr lang="ru-RU" sz="1800" b="0" strike="noStrike" spc="-1" dirty="0">
+              <a:solidFill>
+                <a:srgbClr val="000000"/>
+              </a:solidFill>
+              <a:uFill>
+                <a:solidFill>
+                  <a:srgbClr val="FFFFFF"/>
+                </a:solidFill>
+              </a:uFill>
+              <a:latin typeface="Arial"/>
+            </a:endParaRPr>
+          </a:p>
+          <a:p>
+            <a:pPr marL="285750" indent="-285750">
+              <a:lnSpc>
+                <a:spcPct val="200000"/>
+              </a:lnSpc>
+              <a:buFont typeface="Arial" panose="020B0604020202020204" pitchFamily="34" charset="0"/>
+              <a:buChar char="•"/>
+            </a:pPr>
+            <a:r>
+              <a:rPr lang="ru-RU" spc="-1" dirty="0">
+                <a:solidFill>
+                  <a:srgbClr val="000000"/>
+                </a:solidFill>
+                <a:uFill>
+                  <a:solidFill>
+                    <a:srgbClr val="FFFFFF"/>
+                  </a:solidFill>
+                </a:uFill>
+              </a:rPr>
+              <a:t>Кто-то может попасть на деньги.</a:t>
+            </a:r>
+            <a:endParaRPr lang="ru-RU" sz="1800" b="0" strike="noStrike" spc="-1" dirty="0">
+              <a:solidFill>
+                <a:srgbClr val="000000"/>
+              </a:solidFill>
+              <a:uFill>
+                <a:solidFill>
+                  <a:srgbClr val="FFFFFF"/>
+                </a:solidFill>
+              </a:uFill>
+              <a:latin typeface="Arial"/>
+            </a:endParaRPr>
           </a:p>
         </p:txBody>
       </p:sp>
-      <p:pic>
-        <p:nvPicPr>
-          <p:cNvPr id="98" name="Рисунок 97"/>
-          <p:cNvPicPr/>
-          <p:nvPr/>
-        </p:nvPicPr>
-        <p:blipFill>
-          <a:blip r:embed="rId4"/>
-          <a:stretch/>
-        </p:blipFill>
-        <p:spPr>
-          <a:xfrm>
-            <a:off x="288000" y="2520000"/>
-            <a:ext cx="5465880" cy="4300560"/>
-          </a:xfrm>
-          <a:prstGeom prst="rect">
-            <a:avLst/>
-          </a:prstGeom>
-          <a:ln>
-            <a:noFill/>
-          </a:ln>
-        </p:spPr>
-      </p:pic>
-      <p:pic>
-        <p:nvPicPr>
-          <p:cNvPr id="99" name="Рисунок 98"/>
-          <p:cNvPicPr/>
-          <p:nvPr/>
-        </p:nvPicPr>
-        <p:blipFill>
-          <a:blip r:embed="rId5"/>
-          <a:stretch/>
-        </p:blipFill>
-        <p:spPr>
-          <a:xfrm>
-            <a:off x="5824080" y="2502000"/>
-            <a:ext cx="5472000" cy="3924720"/>
-          </a:xfrm>
-          <a:prstGeom prst="rect">
-            <a:avLst/>
-          </a:prstGeom>
-          <a:ln>
-            <a:noFill/>
-          </a:ln>
-        </p:spPr>
-      </p:pic>
     </p:spTree>
+    <p:extLst>
+      <p:ext uri="{BB962C8B-B14F-4D97-AF65-F5344CB8AC3E}">
+        <p14:creationId xmlns:p14="http://schemas.microsoft.com/office/powerpoint/2010/main" val="1235262859"/>
+      </p:ext>
+    </p:extLst>
   </p:cSld>
   <p:clrMapOvr>
     <a:masterClrMapping/>
@@ -3707,7 +3875,7 @@
       </p:grpSpPr>
       <p:pic>
         <p:nvPicPr>
-          <p:cNvPr id="72" name="Picture 14"/>
+          <p:cNvPr id="89" name="Picture 14"/>
           <p:cNvPicPr/>
           <p:nvPr/>
         </p:nvPicPr>
@@ -3730,7 +3898,7 @@
       </p:pic>
       <p:pic>
         <p:nvPicPr>
-          <p:cNvPr id="73" name="Picture 13"/>
+          <p:cNvPr id="90" name="Picture 13"/>
           <p:cNvPicPr/>
           <p:nvPr/>
         </p:nvPicPr>
@@ -3753,14 +3921,14 @@
       </p:pic>
       <p:sp>
         <p:nvSpPr>
-          <p:cNvPr id="74" name="CustomShape 1"/>
+          <p:cNvPr id="91" name="CustomShape 1"/>
           <p:cNvSpPr/>
           <p:nvPr/>
         </p:nvSpPr>
         <p:spPr>
           <a:xfrm>
-            <a:off x="658800" y="2048332"/>
-            <a:ext cx="6943904" cy="699120"/>
+            <a:off x="619920" y="2035080"/>
+            <a:ext cx="7012080" cy="699120"/>
           </a:xfrm>
           <a:prstGeom prst="rect">
             <a:avLst/>
@@ -3792,7 +3960,7 @@
               </a:lnSpc>
             </a:pPr>
             <a:r>
-              <a:rPr lang="ru-RU" sz="4000" b="1" strike="noStrike" spc="-1" dirty="0" smtClean="0">
+              <a:rPr lang="ru-RU" sz="4000" b="1" spc="-1" dirty="0" smtClean="0">
                 <a:solidFill>
                   <a:srgbClr val="000000"/>
                 </a:solidFill>
@@ -3804,22 +3972,7 @@
                 <a:latin typeface="Anglecia Pro Title"/>
                 <a:ea typeface="ＭＳ Ｐゴシック"/>
               </a:rPr>
-              <a:t>Цена ошибки в </a:t>
-            </a:r>
-            <a:r>
-              <a:rPr lang="ru-RU" sz="4000" b="1" strike="noStrike" spc="-1" dirty="0" err="1" smtClean="0">
-                <a:solidFill>
-                  <a:srgbClr val="000000"/>
-                </a:solidFill>
-                <a:uFill>
-                  <a:solidFill>
-                    <a:srgbClr val="FFFFFF"/>
-                  </a:solidFill>
-                </a:uFill>
-                <a:latin typeface="Anglecia Pro Title"/>
-                <a:ea typeface="ＭＳ Ｐゴシック"/>
-              </a:rPr>
-              <a:t>финтехе</a:t>
+              <a:t>Способы тестирования</a:t>
             </a:r>
             <a:endParaRPr lang="ru-RU" sz="1800" b="0" strike="noStrike" spc="-1" dirty="0">
               <a:solidFill>
@@ -3837,46 +3990,14 @@
       </p:sp>
       <p:sp>
         <p:nvSpPr>
-          <p:cNvPr id="75" name="CustomShape 2"/>
+          <p:cNvPr id="93" name="CustomShape 3"/>
           <p:cNvSpPr/>
           <p:nvPr/>
         </p:nvSpPr>
         <p:spPr>
           <a:xfrm>
-            <a:off x="720000" y="2952000"/>
-            <a:ext cx="3743280" cy="288000"/>
-          </a:xfrm>
-          <a:prstGeom prst="rect">
-            <a:avLst/>
-          </a:prstGeom>
-          <a:noFill/>
-          <a:ln>
-            <a:noFill/>
-          </a:ln>
-        </p:spPr>
-        <p:style>
-          <a:lnRef idx="0">
-            <a:scrgbClr r="0" g="0" b="0"/>
-          </a:lnRef>
-          <a:fillRef idx="0">
-            <a:scrgbClr r="0" g="0" b="0"/>
-          </a:fillRef>
-          <a:effectRef idx="0">
-            <a:scrgbClr r="0" g="0" b="0"/>
-          </a:effectRef>
-          <a:fontRef idx="minor"/>
-        </p:style>
-      </p:sp>
-      <p:sp>
-        <p:nvSpPr>
-          <p:cNvPr id="76" name="CustomShape 3"/>
-          <p:cNvSpPr/>
-          <p:nvPr/>
-        </p:nvSpPr>
-        <p:spPr>
-          <a:xfrm>
-            <a:off x="720000" y="3240359"/>
-            <a:ext cx="10511640" cy="2140023"/>
+            <a:off x="658799" y="3175919"/>
+            <a:ext cx="10883843" cy="2867071"/>
           </a:xfrm>
           <a:prstGeom prst="rect">
             <a:avLst/>
@@ -3910,7 +4031,7 @@
               <a:buChar char="•"/>
             </a:pPr>
             <a:r>
-              <a:rPr lang="ru-RU" sz="1800" b="0" strike="noStrike" spc="-1" dirty="0" smtClean="0">
+              <a:rPr lang="en-US" sz="1800" b="0" strike="noStrike" spc="-1" dirty="0" smtClean="0">
                 <a:solidFill>
                   <a:srgbClr val="000000"/>
                 </a:solidFill>
@@ -3921,19 +4042,22 @@
                 </a:uFill>
                 <a:latin typeface="Arial"/>
               </a:rPr>
-              <a:t>Кратный рост запросов в техподдержку;</a:t>
+              <a:t>Unit-</a:t>
             </a:r>
-            <a:endParaRPr lang="ru-RU" sz="1800" b="0" strike="noStrike" spc="-1" dirty="0">
-              <a:solidFill>
-                <a:srgbClr val="000000"/>
-              </a:solidFill>
-              <a:uFill>
-                <a:solidFill>
-                  <a:srgbClr val="FFFFFF"/>
-                </a:solidFill>
-              </a:uFill>
-              <a:latin typeface="Arial"/>
-            </a:endParaRPr>
+            <a:r>
+              <a:rPr lang="ru-RU" sz="1800" b="0" strike="noStrike" spc="-1" dirty="0" smtClean="0">
+                <a:solidFill>
+                  <a:srgbClr val="000000"/>
+                </a:solidFill>
+                <a:uFill>
+                  <a:solidFill>
+                    <a:srgbClr val="FFFFFF"/>
+                  </a:solidFill>
+                </a:uFill>
+                <a:latin typeface="Arial"/>
+              </a:rPr>
+              <a:t>тесты;</a:t>
+            </a:r>
           </a:p>
           <a:p>
             <a:pPr marL="285750" indent="-285750">
@@ -3944,7 +4068,7 @@
               <a:buChar char="•"/>
             </a:pPr>
             <a:r>
-              <a:rPr lang="ru-RU" sz="1800" b="0" strike="noStrike" spc="-1" dirty="0" err="1" smtClean="0">
+              <a:rPr lang="ru-RU" sz="1800" b="0" strike="noStrike" spc="-1" dirty="0" smtClean="0">
                 <a:solidFill>
                   <a:srgbClr val="000000"/>
                 </a:solidFill>
@@ -3955,21 +4079,7 @@
                 </a:uFill>
                 <a:latin typeface="Arial"/>
               </a:rPr>
-              <a:t>Репутационные</a:t>
-            </a:r>
-            <a:r>
-              <a:rPr lang="ru-RU" sz="1800" b="0" strike="noStrike" spc="-1" dirty="0" smtClean="0">
-                <a:solidFill>
-                  <a:srgbClr val="000000"/>
-                </a:solidFill>
-                <a:uFill>
-                  <a:solidFill>
-                    <a:srgbClr val="FFFFFF"/>
-                  </a:solidFill>
-                </a:uFill>
-                <a:latin typeface="Arial"/>
-              </a:rPr>
-              <a:t> издержки;</a:t>
+              <a:t>Функциональные тесты;</a:t>
             </a:r>
           </a:p>
           <a:p>
@@ -3992,28 +4102,8 @@
                 </a:uFill>
                 <a:latin typeface="Arial"/>
               </a:rPr>
-              <a:t>Прямые и косвенные финансовые потери;</a:t>
+              <a:t>Интеграционное тестирование</a:t>
             </a:r>
-            <a:endParaRPr lang="ru-RU" sz="1800" b="0" strike="noStrike" spc="-1" dirty="0">
-              <a:solidFill>
-                <a:srgbClr val="000000"/>
-              </a:solidFill>
-              <a:uFill>
-                <a:solidFill>
-                  <a:srgbClr val="FFFFFF"/>
-                </a:solidFill>
-              </a:uFill>
-              <a:latin typeface="Arial"/>
-            </a:endParaRPr>
-          </a:p>
-          <a:p>
-            <a:pPr marL="285750" indent="-285750">
-              <a:lnSpc>
-                <a:spcPct val="200000"/>
-              </a:lnSpc>
-              <a:buFont typeface="Arial" panose="020B0604020202020204" pitchFamily="34" charset="0"/>
-              <a:buChar char="•"/>
-            </a:pPr>
             <a:r>
               <a:rPr lang="ru-RU" spc="-1" dirty="0">
                 <a:solidFill>
@@ -4024,10 +4114,11 @@
                     <a:srgbClr val="FFFFFF"/>
                   </a:solidFill>
                 </a:uFill>
+                <a:latin typeface="Arial"/>
               </a:rPr>
-              <a:t>Кто-то может попасть на деньги.</a:t>
+              <a:t>.</a:t>
             </a:r>
-            <a:endParaRPr lang="ru-RU" sz="1800" b="0" strike="noStrike" spc="-1" dirty="0">
+            <a:endParaRPr lang="ru-RU" spc="-1" dirty="0" smtClean="0">
               <a:solidFill>
                 <a:srgbClr val="000000"/>
               </a:solidFill>
@@ -4044,7 +4135,7 @@
     </p:spTree>
     <p:extLst>
       <p:ext uri="{BB962C8B-B14F-4D97-AF65-F5344CB8AC3E}">
-        <p14:creationId xmlns:p14="http://schemas.microsoft.com/office/powerpoint/2010/main" val="1235262859"/>
+        <p14:creationId xmlns:p14="http://schemas.microsoft.com/office/powerpoint/2010/main" val="1503881524"/>
       </p:ext>
     </p:extLst>
   </p:cSld>
@@ -4197,7 +4288,7 @@
                 <a:latin typeface="Anglecia Pro Title"/>
                 <a:ea typeface="ＭＳ Ｐゴシック"/>
               </a:rPr>
-              <a:t>Способы тестирования</a:t>
+              <a:t>Сложности</a:t>
             </a:r>
             <a:endParaRPr lang="ru-RU" sz="1800" b="0" strike="noStrike" spc="-1" dirty="0">
               <a:solidFill>
@@ -4256,7 +4347,7 @@
               <a:buChar char="•"/>
             </a:pPr>
             <a:r>
-              <a:rPr lang="en-US" sz="1800" b="0" strike="noStrike" spc="-1" dirty="0" smtClean="0">
+              <a:rPr lang="ru-RU" sz="1800" b="0" strike="noStrike" spc="-1" dirty="0" smtClean="0">
                 <a:solidFill>
                   <a:srgbClr val="000000"/>
                 </a:solidFill>
@@ -4267,21 +4358,7 @@
                 </a:uFill>
                 <a:latin typeface="Arial"/>
               </a:rPr>
-              <a:t>Unit-</a:t>
-            </a:r>
-            <a:r>
-              <a:rPr lang="ru-RU" sz="1800" b="0" strike="noStrike" spc="-1" dirty="0" smtClean="0">
-                <a:solidFill>
-                  <a:srgbClr val="000000"/>
-                </a:solidFill>
-                <a:uFill>
-                  <a:solidFill>
-                    <a:srgbClr val="FFFFFF"/>
-                  </a:solidFill>
-                </a:uFill>
-                <a:latin typeface="Arial"/>
-              </a:rPr>
-              <a:t>тесты;</a:t>
+              <a:t>Не все методы идемпотенты;</a:t>
             </a:r>
           </a:p>
           <a:p>
@@ -4304,7 +4381,7 @@
                 </a:uFill>
                 <a:latin typeface="Arial"/>
               </a:rPr>
-              <a:t>Функциональные тесты;</a:t>
+              <a:t>Слишком много взаимосвязанных систем;</a:t>
             </a:r>
           </a:p>
           <a:p>
@@ -4327,10 +4404,10 @@
                 </a:uFill>
                 <a:latin typeface="Arial"/>
               </a:rPr>
-              <a:t>Интеграционное тестирование</a:t>
+              <a:t>Несовершенство старого </a:t>
             </a:r>
             <a:r>
-              <a:rPr lang="ru-RU" spc="-1" dirty="0">
+              <a:rPr lang="en-US" spc="-1" dirty="0" smtClean="0">
                 <a:solidFill>
                   <a:srgbClr val="000000"/>
                 </a:solidFill>
@@ -4341,9 +4418,49 @@
                 </a:uFill>
                 <a:latin typeface="Arial"/>
               </a:rPr>
-              <a:t>.</a:t>
+              <a:t>API;</a:t>
             </a:r>
-            <a:endParaRPr lang="ru-RU" spc="-1" dirty="0" smtClean="0">
+          </a:p>
+          <a:p>
+            <a:pPr marL="285750" indent="-285750">
+              <a:lnSpc>
+                <a:spcPct val="200000"/>
+              </a:lnSpc>
+              <a:buFont typeface="Arial" panose="020B0604020202020204" pitchFamily="34" charset="0"/>
+              <a:buChar char="•"/>
+            </a:pPr>
+            <a:r>
+              <a:rPr lang="en-US" sz="1800" b="0" strike="noStrike" spc="-1" dirty="0" smtClean="0">
+                <a:solidFill>
+                  <a:srgbClr val="000000"/>
+                </a:solidFill>
+                <a:uFill>
+                  <a:solidFill>
+                    <a:srgbClr val="FFFFFF"/>
+                  </a:solidFill>
+                </a:uFill>
+                <a:latin typeface="Arial"/>
+              </a:rPr>
+              <a:t>PCI DSS.</a:t>
+            </a:r>
+            <a:endParaRPr lang="ru-RU" sz="1800" b="0" strike="noStrike" spc="-1" dirty="0" smtClean="0">
+              <a:solidFill>
+                <a:srgbClr val="000000"/>
+              </a:solidFill>
+              <a:uFill>
+                <a:solidFill>
+                  <a:srgbClr val="FFFFFF"/>
+                </a:solidFill>
+              </a:uFill>
+              <a:latin typeface="Arial"/>
+            </a:endParaRPr>
+          </a:p>
+          <a:p>
+            <a:pPr marL="285750" indent="-285750">
+              <a:buFont typeface="Arial" panose="020B0604020202020204" pitchFamily="34" charset="0"/>
+              <a:buChar char="•"/>
+            </a:pPr>
+            <a:endParaRPr lang="ru-RU" sz="1800" b="0" strike="noStrike" spc="-1" dirty="0">
               <a:solidFill>
                 <a:srgbClr val="000000"/>
               </a:solidFill>
@@ -4360,7 +4477,7 @@
     </p:spTree>
     <p:extLst>
       <p:ext uri="{BB962C8B-B14F-4D97-AF65-F5344CB8AC3E}">
-        <p14:creationId xmlns:p14="http://schemas.microsoft.com/office/powerpoint/2010/main" val="1503881524"/>
+        <p14:creationId xmlns:p14="http://schemas.microsoft.com/office/powerpoint/2010/main" val="2953560021"/>
       </p:ext>
     </p:extLst>
   </p:cSld>
@@ -4513,7 +4630,22 @@
                 <a:latin typeface="Anglecia Pro Title"/>
                 <a:ea typeface="ＭＳ Ｐゴシック"/>
               </a:rPr>
-              <a:t>Сложности</a:t>
+              <a:t>Модель ветвления в </a:t>
+            </a:r>
+            <a:r>
+              <a:rPr lang="en-US" sz="4000" b="1" spc="-1" dirty="0" err="1" smtClean="0">
+                <a:solidFill>
+                  <a:srgbClr val="000000"/>
+                </a:solidFill>
+                <a:uFill>
+                  <a:solidFill>
+                    <a:srgbClr val="FFFFFF"/>
+                  </a:solidFill>
+                </a:uFill>
+                <a:latin typeface="Anglecia Pro Title"/>
+                <a:ea typeface="ＭＳ Ｐゴシック"/>
+              </a:rPr>
+              <a:t>git</a:t>
             </a:r>
             <a:endParaRPr lang="ru-RU" sz="1800" b="0" strike="noStrike" spc="-1" dirty="0">
               <a:solidFill>
@@ -4529,180 +4661,40 @@
           </a:p>
         </p:txBody>
       </p:sp>
-      <p:sp>
-        <p:nvSpPr>
-          <p:cNvPr id="93" name="CustomShape 3"/>
-          <p:cNvSpPr/>
-          <p:nvPr/>
-        </p:nvSpPr>
-        <p:spPr>
-          <a:xfrm>
-            <a:off x="658799" y="3175919"/>
-            <a:ext cx="10883843" cy="2867071"/>
-          </a:xfrm>
-          <a:prstGeom prst="rect">
-            <a:avLst/>
-          </a:prstGeom>
-          <a:noFill/>
-          <a:ln>
-            <a:noFill/>
-          </a:ln>
-        </p:spPr>
-        <p:style>
-          <a:lnRef idx="0">
-            <a:scrgbClr r="0" g="0" b="0"/>
-          </a:lnRef>
-          <a:fillRef idx="0">
-            <a:scrgbClr r="0" g="0" b="0"/>
-          </a:fillRef>
-          <a:effectRef idx="0">
-            <a:scrgbClr r="0" g="0" b="0"/>
-          </a:effectRef>
-          <a:fontRef idx="minor"/>
-        </p:style>
-        <p:txBody>
-          <a:bodyPr lIns="90000" tIns="45000" rIns="90000" bIns="45000"/>
-          <a:lstStyle/>
-          <a:p>
-            <a:pPr marL="285750" indent="-285750">
-              <a:lnSpc>
-                <a:spcPct val="200000"/>
-              </a:lnSpc>
-              <a:buFont typeface="Arial" panose="020B0604020202020204" pitchFamily="34" charset="0"/>
-              <a:buChar char="•"/>
-            </a:pPr>
-            <a:r>
-              <a:rPr lang="ru-RU" sz="1800" b="0" strike="noStrike" spc="-1" dirty="0" smtClean="0">
-                <a:solidFill>
-                  <a:srgbClr val="000000"/>
-                </a:solidFill>
-                <a:uFill>
-                  <a:solidFill>
-                    <a:srgbClr val="FFFFFF"/>
-                  </a:solidFill>
-                </a:uFill>
-                <a:latin typeface="Arial"/>
-              </a:rPr>
-              <a:t>Не все методы идемпотенты;</a:t>
-            </a:r>
-          </a:p>
-          <a:p>
-            <a:pPr marL="285750" indent="-285750">
-              <a:lnSpc>
-                <a:spcPct val="200000"/>
-              </a:lnSpc>
-              <a:buFont typeface="Arial" panose="020B0604020202020204" pitchFamily="34" charset="0"/>
-              <a:buChar char="•"/>
-            </a:pPr>
-            <a:r>
-              <a:rPr lang="ru-RU" sz="1800" b="0" strike="noStrike" spc="-1" dirty="0" smtClean="0">
-                <a:solidFill>
-                  <a:srgbClr val="000000"/>
-                </a:solidFill>
-                <a:uFill>
-                  <a:solidFill>
-                    <a:srgbClr val="FFFFFF"/>
-                  </a:solidFill>
-                </a:uFill>
-                <a:latin typeface="Arial"/>
-              </a:rPr>
-              <a:t>Слишком много взаимосвязанных систем;</a:t>
-            </a:r>
-          </a:p>
-          <a:p>
-            <a:pPr marL="285750" indent="-285750">
-              <a:lnSpc>
-                <a:spcPct val="200000"/>
-              </a:lnSpc>
-              <a:buFont typeface="Arial" panose="020B0604020202020204" pitchFamily="34" charset="0"/>
-              <a:buChar char="•"/>
-            </a:pPr>
-            <a:r>
-              <a:rPr lang="ru-RU" spc="-1" dirty="0" smtClean="0">
-                <a:solidFill>
-                  <a:srgbClr val="000000"/>
-                </a:solidFill>
-                <a:uFill>
-                  <a:solidFill>
-                    <a:srgbClr val="FFFFFF"/>
-                  </a:solidFill>
-                </a:uFill>
-                <a:latin typeface="Arial"/>
-              </a:rPr>
-              <a:t>Несовершенство старого </a:t>
-            </a:r>
-            <a:r>
-              <a:rPr lang="en-US" spc="-1" dirty="0" smtClean="0">
-                <a:solidFill>
-                  <a:srgbClr val="000000"/>
-                </a:solidFill>
-                <a:uFill>
-                  <a:solidFill>
-                    <a:srgbClr val="FFFFFF"/>
-                  </a:solidFill>
-                </a:uFill>
-                <a:latin typeface="Arial"/>
-              </a:rPr>
-              <a:t>API;</a:t>
-            </a:r>
-          </a:p>
-          <a:p>
-            <a:pPr marL="285750" indent="-285750">
-              <a:lnSpc>
-                <a:spcPct val="200000"/>
-              </a:lnSpc>
-              <a:buFont typeface="Arial" panose="020B0604020202020204" pitchFamily="34" charset="0"/>
-              <a:buChar char="•"/>
-            </a:pPr>
-            <a:r>
-              <a:rPr lang="en-US" sz="1800" b="0" strike="noStrike" spc="-1" dirty="0" smtClean="0">
-                <a:solidFill>
-                  <a:srgbClr val="000000"/>
-                </a:solidFill>
-                <a:uFill>
-                  <a:solidFill>
-                    <a:srgbClr val="FFFFFF"/>
-                  </a:solidFill>
-                </a:uFill>
-                <a:latin typeface="Arial"/>
-              </a:rPr>
-              <a:t>PCI DSS.</a:t>
-            </a:r>
-            <a:endParaRPr lang="ru-RU" sz="1800" b="0" strike="noStrike" spc="-1" dirty="0" smtClean="0">
-              <a:solidFill>
-                <a:srgbClr val="000000"/>
-              </a:solidFill>
-              <a:uFill>
-                <a:solidFill>
-                  <a:srgbClr val="FFFFFF"/>
-                </a:solidFill>
-              </a:uFill>
-              <a:latin typeface="Arial"/>
-            </a:endParaRPr>
-          </a:p>
-          <a:p>
-            <a:pPr marL="285750" indent="-285750">
-              <a:buFont typeface="Arial" panose="020B0604020202020204" pitchFamily="34" charset="0"/>
-              <a:buChar char="•"/>
-            </a:pPr>
-            <a:endParaRPr lang="ru-RU" sz="1800" b="0" strike="noStrike" spc="-1" dirty="0">
-              <a:solidFill>
-                <a:srgbClr val="000000"/>
-              </a:solidFill>
-              <a:uFill>
-                <a:solidFill>
-                  <a:srgbClr val="FFFFFF"/>
-                </a:solidFill>
-              </a:uFill>
-              <a:latin typeface="Arial"/>
-            </a:endParaRPr>
-          </a:p>
-        </p:txBody>
-      </p:sp>
+      <p:pic>
+        <p:nvPicPr>
+          <p:cNvPr id="2" name="Рисунок 1"/>
+          <p:cNvPicPr>
+            <a:picLocks noChangeAspect="1"/>
+          </p:cNvPicPr>
+          <p:nvPr/>
+        </p:nvPicPr>
+        <p:blipFill>
+          <a:blip r:embed="rId4">
+            <a:extLst>
+              <a:ext uri="{28A0092B-C50C-407E-A947-70E740481C1C}">
+                <a14:useLocalDpi xmlns:a14="http://schemas.microsoft.com/office/drawing/2010/main" val="0"/>
+              </a:ext>
+            </a:extLst>
+          </a:blip>
+          <a:stretch>
+            <a:fillRect/>
+          </a:stretch>
+        </p:blipFill>
+        <p:spPr>
+          <a:xfrm>
+            <a:off x="155216" y="2934087"/>
+            <a:ext cx="11864303" cy="3731755"/>
+          </a:xfrm>
+          <a:prstGeom prst="rect">
+            <a:avLst/>
+          </a:prstGeom>
+        </p:spPr>
+      </p:pic>
     </p:spTree>
     <p:extLst>
       <p:ext uri="{BB962C8B-B14F-4D97-AF65-F5344CB8AC3E}">
-        <p14:creationId xmlns:p14="http://schemas.microsoft.com/office/powerpoint/2010/main" val="2953560021"/>
+        <p14:creationId xmlns:p14="http://schemas.microsoft.com/office/powerpoint/2010/main" val="4224428726"/>
       </p:ext>
     </p:extLst>
   </p:cSld>
@@ -4758,7 +4750,7 @@
       </p:grpSpPr>
       <p:pic>
         <p:nvPicPr>
-          <p:cNvPr id="89" name="Picture 14"/>
+          <p:cNvPr id="108" name="Picture 14"/>
           <p:cNvPicPr/>
           <p:nvPr/>
         </p:nvPicPr>
@@ -4781,7 +4773,7 @@
       </p:pic>
       <p:pic>
         <p:nvPicPr>
-          <p:cNvPr id="90" name="Picture 13"/>
+          <p:cNvPr id="109" name="Picture 13"/>
           <p:cNvPicPr/>
           <p:nvPr/>
         </p:nvPicPr>
@@ -4802,126 +4794,168 @@
           </a:ln>
         </p:spPr>
       </p:pic>
-      <p:sp>
-        <p:nvSpPr>
-          <p:cNvPr id="91" name="CustomShape 1"/>
-          <p:cNvSpPr/>
-          <p:nvPr/>
-        </p:nvSpPr>
-        <p:spPr>
-          <a:xfrm>
-            <a:off x="619920" y="2035080"/>
-            <a:ext cx="7012080" cy="699120"/>
-          </a:xfrm>
-          <a:prstGeom prst="rect">
-            <a:avLst/>
-          </a:prstGeom>
-          <a:noFill/>
-          <a:ln>
-            <a:noFill/>
-          </a:ln>
-        </p:spPr>
-        <p:style>
-          <a:lnRef idx="0">
-            <a:scrgbClr r="0" g="0" b="0"/>
-          </a:lnRef>
-          <a:fillRef idx="0">
-            <a:scrgbClr r="0" g="0" b="0"/>
-          </a:fillRef>
-          <a:effectRef idx="0">
-            <a:scrgbClr r="0" g="0" b="0"/>
-          </a:effectRef>
-          <a:fontRef idx="minor"/>
-        </p:style>
-        <p:txBody>
-          <a:bodyPr wrap="none" lIns="90000" tIns="45000" rIns="90000" bIns="45000"/>
-          <a:lstStyle/>
-          <a:p>
-            <a:pPr>
-              <a:lnSpc>
-                <a:spcPct val="100000"/>
-              </a:lnSpc>
-            </a:pPr>
-            <a:r>
-              <a:rPr lang="ru-RU" sz="4000" b="1" spc="-1" dirty="0" smtClean="0">
-                <a:solidFill>
-                  <a:srgbClr val="000000"/>
-                </a:solidFill>
-                <a:uFill>
-                  <a:solidFill>
-                    <a:srgbClr val="FFFFFF"/>
-                  </a:solidFill>
-                </a:uFill>
-                <a:latin typeface="Anglecia Pro Title"/>
-                <a:ea typeface="ＭＳ Ｐゴシック"/>
-              </a:rPr>
-              <a:t>Модель ветвления в </a:t>
-            </a:r>
-            <a:r>
-              <a:rPr lang="en-US" sz="4000" b="1" spc="-1" dirty="0" err="1" smtClean="0">
-                <a:solidFill>
-                  <a:srgbClr val="000000"/>
-                </a:solidFill>
-                <a:uFill>
-                  <a:solidFill>
-                    <a:srgbClr val="FFFFFF"/>
-                  </a:solidFill>
-                </a:uFill>
-                <a:latin typeface="Anglecia Pro Title"/>
-                <a:ea typeface="ＭＳ Ｐゴシック"/>
-              </a:rPr>
-              <a:t>git</a:t>
-            </a:r>
-            <a:endParaRPr lang="ru-RU" sz="1800" b="0" strike="noStrike" spc="-1" dirty="0">
-              <a:solidFill>
-                <a:srgbClr val="000000"/>
-              </a:solidFill>
-              <a:uFill>
-                <a:solidFill>
-                  <a:srgbClr val="FFFFFF"/>
-                </a:solidFill>
-              </a:uFill>
-              <a:latin typeface="Arial"/>
-            </a:endParaRPr>
-          </a:p>
-        </p:txBody>
-      </p:sp>
       <p:pic>
         <p:nvPicPr>
-          <p:cNvPr id="2" name="Рисунок 1"/>
-          <p:cNvPicPr>
-            <a:picLocks noChangeAspect="1"/>
-          </p:cNvPicPr>
+          <p:cNvPr id="110" name="Рисунок 88"/>
+          <p:cNvPicPr/>
           <p:nvPr/>
         </p:nvPicPr>
         <p:blipFill>
-          <a:blip r:embed="rId4">
-            <a:extLst>
-              <a:ext uri="{28A0092B-C50C-407E-A947-70E740481C1C}">
-                <a14:useLocalDpi xmlns:a14="http://schemas.microsoft.com/office/drawing/2010/main" val="0"/>
-              </a:ext>
-            </a:extLst>
-          </a:blip>
-          <a:stretch>
-            <a:fillRect/>
-          </a:stretch>
+          <a:blip r:embed="rId4"/>
+          <a:stretch/>
         </p:blipFill>
         <p:spPr>
           <a:xfrm>
-            <a:off x="155216" y="2934087"/>
-            <a:ext cx="11864303" cy="3731755"/>
-          </a:xfrm>
-          <a:prstGeom prst="rect">
-            <a:avLst/>
-          </a:prstGeom>
+            <a:off x="6480000" y="2177280"/>
+            <a:ext cx="4320000" cy="774720"/>
+          </a:xfrm>
+          <a:prstGeom prst="rect">
+            <a:avLst/>
+          </a:prstGeom>
+          <a:ln>
+            <a:noFill/>
+          </a:ln>
+        </p:spPr>
+      </p:pic>
+      <p:pic>
+        <p:nvPicPr>
+          <p:cNvPr id="111" name="Рисунок 91"/>
+          <p:cNvPicPr/>
+          <p:nvPr/>
+        </p:nvPicPr>
+        <p:blipFill>
+          <a:blip r:embed="rId5"/>
+          <a:stretch/>
+        </p:blipFill>
+        <p:spPr>
+          <a:xfrm>
+            <a:off x="7200000" y="3312000"/>
+            <a:ext cx="2880000" cy="753120"/>
+          </a:xfrm>
+          <a:prstGeom prst="rect">
+            <a:avLst/>
+          </a:prstGeom>
+          <a:ln>
+            <a:noFill/>
+          </a:ln>
+        </p:spPr>
+      </p:pic>
+      <p:pic>
+        <p:nvPicPr>
+          <p:cNvPr id="112" name="Рисунок 111"/>
+          <p:cNvPicPr/>
+          <p:nvPr/>
+        </p:nvPicPr>
+        <p:blipFill>
+          <a:blip r:embed="rId6"/>
+          <a:stretch/>
+        </p:blipFill>
+        <p:spPr>
+          <a:xfrm>
+            <a:off x="980640" y="1944000"/>
+            <a:ext cx="2907360" cy="1224000"/>
+          </a:xfrm>
+          <a:prstGeom prst="rect">
+            <a:avLst/>
+          </a:prstGeom>
+          <a:ln>
+            <a:noFill/>
+          </a:ln>
+        </p:spPr>
+      </p:pic>
+      <p:pic>
+        <p:nvPicPr>
+          <p:cNvPr id="113" name="Рисунок 112"/>
+          <p:cNvPicPr/>
+          <p:nvPr/>
+        </p:nvPicPr>
+        <p:blipFill>
+          <a:blip r:embed="rId7"/>
+          <a:stretch/>
+        </p:blipFill>
+        <p:spPr>
+          <a:xfrm>
+            <a:off x="720000" y="2998440"/>
+            <a:ext cx="3168000" cy="1393560"/>
+          </a:xfrm>
+          <a:prstGeom prst="rect">
+            <a:avLst/>
+          </a:prstGeom>
+          <a:ln>
+            <a:noFill/>
+          </a:ln>
+        </p:spPr>
+      </p:pic>
+      <p:pic>
+        <p:nvPicPr>
+          <p:cNvPr id="114" name="Рисунок 90"/>
+          <p:cNvPicPr/>
+          <p:nvPr/>
+        </p:nvPicPr>
+        <p:blipFill>
+          <a:blip r:embed="rId8"/>
+          <a:stretch/>
+        </p:blipFill>
+        <p:spPr>
+          <a:xfrm>
+            <a:off x="432000" y="4248000"/>
+            <a:ext cx="4336560" cy="1295280"/>
+          </a:xfrm>
+          <a:prstGeom prst="rect">
+            <a:avLst/>
+          </a:prstGeom>
+          <a:ln>
+            <a:noFill/>
+          </a:ln>
+        </p:spPr>
+      </p:pic>
+      <p:pic>
+        <p:nvPicPr>
+          <p:cNvPr id="115" name="Рисунок 114"/>
+          <p:cNvPicPr/>
+          <p:nvPr/>
+        </p:nvPicPr>
+        <p:blipFill>
+          <a:blip r:embed="rId9"/>
+          <a:stretch/>
+        </p:blipFill>
+        <p:spPr>
+          <a:xfrm>
+            <a:off x="7256520" y="4160520"/>
+            <a:ext cx="2607480" cy="2607480"/>
+          </a:xfrm>
+          <a:prstGeom prst="rect">
+            <a:avLst/>
+          </a:prstGeom>
+          <a:ln>
+            <a:noFill/>
+          </a:ln>
+        </p:spPr>
+      </p:pic>
+      <p:pic>
+        <p:nvPicPr>
+          <p:cNvPr id="116" name="Рисунок 115"/>
+          <p:cNvPicPr/>
+          <p:nvPr/>
+        </p:nvPicPr>
+        <p:blipFill>
+          <a:blip r:embed="rId10"/>
+          <a:stretch/>
+        </p:blipFill>
+        <p:spPr>
+          <a:xfrm>
+            <a:off x="1512000" y="5431320"/>
+            <a:ext cx="1890720" cy="1404720"/>
+          </a:xfrm>
+          <a:prstGeom prst="rect">
+            <a:avLst/>
+          </a:prstGeom>
+          <a:ln>
+            <a:noFill/>
+          </a:ln>
         </p:spPr>
       </p:pic>
     </p:spTree>
-    <p:extLst>
-      <p:ext uri="{BB962C8B-B14F-4D97-AF65-F5344CB8AC3E}">
-        <p14:creationId xmlns:p14="http://schemas.microsoft.com/office/powerpoint/2010/main" val="4224428726"/>
-      </p:ext>
-    </p:extLst>
   </p:cSld>
   <p:clrMapOvr>
     <a:masterClrMapping/>
@@ -4975,7 +5009,7 @@
       </p:grpSpPr>
       <p:pic>
         <p:nvPicPr>
-          <p:cNvPr id="108" name="Picture 14"/>
+          <p:cNvPr id="104" name="Picture 14"/>
           <p:cNvPicPr/>
           <p:nvPr/>
         </p:nvPicPr>
@@ -4998,7 +5032,7 @@
       </p:pic>
       <p:pic>
         <p:nvPicPr>
-          <p:cNvPr id="109" name="Picture 13"/>
+          <p:cNvPr id="105" name="Picture 13"/>
           <p:cNvPicPr/>
           <p:nvPr/>
         </p:nvPicPr>
@@ -5019,9 +5053,73 @@
           </a:ln>
         </p:spPr>
       </p:pic>
+      <p:sp>
+        <p:nvSpPr>
+          <p:cNvPr id="106" name="CustomShape 1"/>
+          <p:cNvSpPr/>
+          <p:nvPr/>
+        </p:nvSpPr>
+        <p:spPr>
+          <a:xfrm>
+            <a:off x="720720" y="3816000"/>
+            <a:ext cx="3311280" cy="288000"/>
+          </a:xfrm>
+          <a:prstGeom prst="rect">
+            <a:avLst/>
+          </a:prstGeom>
+          <a:noFill/>
+          <a:ln>
+            <a:noFill/>
+          </a:ln>
+        </p:spPr>
+        <p:style>
+          <a:lnRef idx="0">
+            <a:scrgbClr r="0" g="0" b="0"/>
+          </a:lnRef>
+          <a:fillRef idx="0">
+            <a:scrgbClr r="0" g="0" b="0"/>
+          </a:fillRef>
+          <a:effectRef idx="0">
+            <a:scrgbClr r="0" g="0" b="0"/>
+          </a:effectRef>
+          <a:fontRef idx="minor"/>
+        </p:style>
+        <p:txBody>
+          <a:bodyPr lIns="90000" tIns="45000" rIns="90000" bIns="45000"/>
+          <a:lstStyle/>
+          <a:p>
+            <a:r>
+              <a:rPr lang="ru-RU" sz="1400" b="0" strike="noStrike" spc="-1">
+                <a:solidFill>
+                  <a:srgbClr val="000000"/>
+                </a:solidFill>
+                <a:uFill>
+                  <a:solidFill>
+                    <a:srgbClr val="FFFFFF"/>
+                  </a:solidFill>
+                </a:uFill>
+                <a:latin typeface="Arial"/>
+                <a:ea typeface="DejaVu Sans"/>
+              </a:rPr>
+              <a:t>~ 800 000 запросов в сутки</a:t>
+            </a:r>
+            <a:endParaRPr lang="ru-RU" sz="1800" b="0" strike="noStrike" spc="-1">
+              <a:solidFill>
+                <a:srgbClr val="000000"/>
+              </a:solidFill>
+              <a:uFill>
+                <a:solidFill>
+                  <a:srgbClr val="FFFFFF"/>
+                </a:solidFill>
+              </a:uFill>
+              <a:latin typeface="Arial"/>
+            </a:endParaRPr>
+          </a:p>
+        </p:txBody>
+      </p:sp>
       <p:pic>
         <p:nvPicPr>
-          <p:cNvPr id="110" name="Рисунок 88"/>
+          <p:cNvPr id="107" name="Рисунок 106"/>
           <p:cNvPicPr/>
           <p:nvPr/>
         </p:nvPicPr>
@@ -5031,146 +5129,8 @@
         </p:blipFill>
         <p:spPr>
           <a:xfrm>
-            <a:off x="6480000" y="2177280"/>
-            <a:ext cx="4320000" cy="774720"/>
-          </a:xfrm>
-          <a:prstGeom prst="rect">
-            <a:avLst/>
-          </a:prstGeom>
-          <a:ln>
-            <a:noFill/>
-          </a:ln>
-        </p:spPr>
-      </p:pic>
-      <p:pic>
-        <p:nvPicPr>
-          <p:cNvPr id="111" name="Рисунок 91"/>
-          <p:cNvPicPr/>
-          <p:nvPr/>
-        </p:nvPicPr>
-        <p:blipFill>
-          <a:blip r:embed="rId5"/>
-          <a:stretch/>
-        </p:blipFill>
-        <p:spPr>
-          <a:xfrm>
-            <a:off x="7200000" y="3312000"/>
-            <a:ext cx="2880000" cy="753120"/>
-          </a:xfrm>
-          <a:prstGeom prst="rect">
-            <a:avLst/>
-          </a:prstGeom>
-          <a:ln>
-            <a:noFill/>
-          </a:ln>
-        </p:spPr>
-      </p:pic>
-      <p:pic>
-        <p:nvPicPr>
-          <p:cNvPr id="112" name="Рисунок 111"/>
-          <p:cNvPicPr/>
-          <p:nvPr/>
-        </p:nvPicPr>
-        <p:blipFill>
-          <a:blip r:embed="rId6"/>
-          <a:stretch/>
-        </p:blipFill>
-        <p:spPr>
-          <a:xfrm>
-            <a:off x="980640" y="1944000"/>
-            <a:ext cx="2907360" cy="1224000"/>
-          </a:xfrm>
-          <a:prstGeom prst="rect">
-            <a:avLst/>
-          </a:prstGeom>
-          <a:ln>
-            <a:noFill/>
-          </a:ln>
-        </p:spPr>
-      </p:pic>
-      <p:pic>
-        <p:nvPicPr>
-          <p:cNvPr id="113" name="Рисунок 112"/>
-          <p:cNvPicPr/>
-          <p:nvPr/>
-        </p:nvPicPr>
-        <p:blipFill>
-          <a:blip r:embed="rId7"/>
-          <a:stretch/>
-        </p:blipFill>
-        <p:spPr>
-          <a:xfrm>
-            <a:off x="720000" y="2998440"/>
-            <a:ext cx="3168000" cy="1393560"/>
-          </a:xfrm>
-          <a:prstGeom prst="rect">
-            <a:avLst/>
-          </a:prstGeom>
-          <a:ln>
-            <a:noFill/>
-          </a:ln>
-        </p:spPr>
-      </p:pic>
-      <p:pic>
-        <p:nvPicPr>
-          <p:cNvPr id="114" name="Рисунок 90"/>
-          <p:cNvPicPr/>
-          <p:nvPr/>
-        </p:nvPicPr>
-        <p:blipFill>
-          <a:blip r:embed="rId8"/>
-          <a:stretch/>
-        </p:blipFill>
-        <p:spPr>
-          <a:xfrm>
-            <a:off x="432000" y="4248000"/>
-            <a:ext cx="4336560" cy="1295280"/>
-          </a:xfrm>
-          <a:prstGeom prst="rect">
-            <a:avLst/>
-          </a:prstGeom>
-          <a:ln>
-            <a:noFill/>
-          </a:ln>
-        </p:spPr>
-      </p:pic>
-      <p:pic>
-        <p:nvPicPr>
-          <p:cNvPr id="115" name="Рисунок 114"/>
-          <p:cNvPicPr/>
-          <p:nvPr/>
-        </p:nvPicPr>
-        <p:blipFill>
-          <a:blip r:embed="rId9"/>
-          <a:stretch/>
-        </p:blipFill>
-        <p:spPr>
-          <a:xfrm>
-            <a:off x="7256520" y="4160520"/>
-            <a:ext cx="2607480" cy="2607480"/>
-          </a:xfrm>
-          <a:prstGeom prst="rect">
-            <a:avLst/>
-          </a:prstGeom>
-          <a:ln>
-            <a:noFill/>
-          </a:ln>
-        </p:spPr>
-      </p:pic>
-      <p:pic>
-        <p:nvPicPr>
-          <p:cNvPr id="116" name="Рисунок 115"/>
-          <p:cNvPicPr/>
-          <p:nvPr/>
-        </p:nvPicPr>
-        <p:blipFill>
-          <a:blip r:embed="rId10"/>
-          <a:stretch/>
-        </p:blipFill>
-        <p:spPr>
-          <a:xfrm>
-            <a:off x="1512000" y="5431320"/>
-            <a:ext cx="1890720" cy="1404720"/>
+            <a:off x="4752000" y="2040480"/>
+            <a:ext cx="6295680" cy="4295520"/>
           </a:xfrm>
           <a:prstGeom prst="rect">
             <a:avLst/>
@@ -5234,7 +5194,7 @@
       </p:grpSpPr>
       <p:pic>
         <p:nvPicPr>
-          <p:cNvPr id="104" name="Picture 14"/>
+          <p:cNvPr id="129" name="Picture 14"/>
           <p:cNvPicPr/>
           <p:nvPr/>
         </p:nvPicPr>
@@ -5257,7 +5217,7 @@
       </p:pic>
       <p:pic>
         <p:nvPicPr>
-          <p:cNvPr id="105" name="Picture 13"/>
+          <p:cNvPr id="130" name="Picture 13"/>
           <p:cNvPicPr/>
           <p:nvPr/>
         </p:nvPicPr>
@@ -5278,73 +5238,9 @@
           </a:ln>
         </p:spPr>
       </p:pic>
-      <p:sp>
-        <p:nvSpPr>
-          <p:cNvPr id="106" name="CustomShape 1"/>
-          <p:cNvSpPr/>
-          <p:nvPr/>
-        </p:nvSpPr>
-        <p:spPr>
-          <a:xfrm>
-            <a:off x="720720" y="3816000"/>
-            <a:ext cx="3311280" cy="288000"/>
-          </a:xfrm>
-          <a:prstGeom prst="rect">
-            <a:avLst/>
-          </a:prstGeom>
-          <a:noFill/>
-          <a:ln>
-            <a:noFill/>
-          </a:ln>
-        </p:spPr>
-        <p:style>
-          <a:lnRef idx="0">
-            <a:scrgbClr r="0" g="0" b="0"/>
-          </a:lnRef>
-          <a:fillRef idx="0">
-            <a:scrgbClr r="0" g="0" b="0"/>
-          </a:fillRef>
-          <a:effectRef idx="0">
-            <a:scrgbClr r="0" g="0" b="0"/>
-          </a:effectRef>
-          <a:fontRef idx="minor"/>
-        </p:style>
-        <p:txBody>
-          <a:bodyPr lIns="90000" tIns="45000" rIns="90000" bIns="45000"/>
-          <a:lstStyle/>
-          <a:p>
-            <a:r>
-              <a:rPr lang="ru-RU" sz="1400" b="0" strike="noStrike" spc="-1">
-                <a:solidFill>
-                  <a:srgbClr val="000000"/>
-                </a:solidFill>
-                <a:uFill>
-                  <a:solidFill>
-                    <a:srgbClr val="FFFFFF"/>
-                  </a:solidFill>
-                </a:uFill>
-                <a:latin typeface="Arial"/>
-                <a:ea typeface="DejaVu Sans"/>
-              </a:rPr>
-              <a:t>~ 800 000 запросов в сутки</a:t>
-            </a:r>
-            <a:endParaRPr lang="ru-RU" sz="1800" b="0" strike="noStrike" spc="-1">
-              <a:solidFill>
-                <a:srgbClr val="000000"/>
-              </a:solidFill>
-              <a:uFill>
-                <a:solidFill>
-                  <a:srgbClr val="FFFFFF"/>
-                </a:solidFill>
-              </a:uFill>
-              <a:latin typeface="Arial"/>
-            </a:endParaRPr>
-          </a:p>
-        </p:txBody>
-      </p:sp>
       <p:pic>
         <p:nvPicPr>
-          <p:cNvPr id="107" name="Рисунок 106"/>
+          <p:cNvPr id="131" name="Рисунок 112"/>
           <p:cNvPicPr/>
           <p:nvPr/>
         </p:nvPicPr>
@@ -5354,8 +5250,8 @@
         </p:blipFill>
         <p:spPr>
           <a:xfrm>
-            <a:off x="4752000" y="2040480"/>
-            <a:ext cx="6295680" cy="4295520"/>
+            <a:off x="360" y="2304000"/>
+            <a:ext cx="12191040" cy="3527280"/>
           </a:xfrm>
           <a:prstGeom prst="rect">
             <a:avLst/>
@@ -5465,28 +5361,131 @@
       </p:pic>
       <p:pic>
         <p:nvPicPr>
-          <p:cNvPr id="131" name="Рисунок 112"/>
-          <p:cNvPicPr/>
+          <p:cNvPr id="2" name="Рисунок 1"/>
+          <p:cNvPicPr>
+            <a:picLocks noChangeAspect="1"/>
+          </p:cNvPicPr>
           <p:nvPr/>
         </p:nvPicPr>
         <p:blipFill>
-          <a:blip r:embed="rId4"/>
-          <a:stretch/>
+          <a:blip r:embed="rId4">
+            <a:extLst>
+              <a:ext uri="{28A0092B-C50C-407E-A947-70E740481C1C}">
+                <a14:useLocalDpi xmlns:a14="http://schemas.microsoft.com/office/drawing/2010/main" val="0"/>
+              </a:ext>
+            </a:extLst>
+          </a:blip>
+          <a:stretch>
+            <a:fillRect/>
+          </a:stretch>
         </p:blipFill>
         <p:spPr>
           <a:xfrm>
-            <a:off x="360" y="2304000"/>
-            <a:ext cx="12191040" cy="3527280"/>
-          </a:xfrm>
-          <a:prstGeom prst="rect">
-            <a:avLst/>
-          </a:prstGeom>
-          <a:ln>
-            <a:noFill/>
-          </a:ln>
+            <a:off x="5009322" y="0"/>
+            <a:ext cx="7182678" cy="6854327"/>
+          </a:xfrm>
+          <a:prstGeom prst="rect">
+            <a:avLst/>
+          </a:prstGeom>
         </p:spPr>
       </p:pic>
+      <p:sp>
+        <p:nvSpPr>
+          <p:cNvPr id="7" name="CustomShape 1"/>
+          <p:cNvSpPr/>
+          <p:nvPr/>
+        </p:nvSpPr>
+        <p:spPr>
+          <a:xfrm>
+            <a:off x="619920" y="2035080"/>
+            <a:ext cx="7012080" cy="699120"/>
+          </a:xfrm>
+          <a:prstGeom prst="rect">
+            <a:avLst/>
+          </a:prstGeom>
+          <a:noFill/>
+          <a:ln>
+            <a:noFill/>
+          </a:ln>
+        </p:spPr>
+        <p:style>
+          <a:lnRef idx="0">
+            <a:scrgbClr r="0" g="0" b="0"/>
+          </a:lnRef>
+          <a:fillRef idx="0">
+            <a:scrgbClr r="0" g="0" b="0"/>
+          </a:fillRef>
+          <a:effectRef idx="0">
+            <a:scrgbClr r="0" g="0" b="0"/>
+          </a:effectRef>
+          <a:fontRef idx="minor"/>
+        </p:style>
+        <p:txBody>
+          <a:bodyPr wrap="none" lIns="90000" tIns="45000" rIns="90000" bIns="45000"/>
+          <a:lstStyle/>
+          <a:p>
+            <a:pPr>
+              <a:lnSpc>
+                <a:spcPct val="100000"/>
+              </a:lnSpc>
+            </a:pPr>
+            <a:r>
+              <a:rPr lang="ru-RU" sz="4000" b="1" spc="-1" dirty="0" smtClean="0">
+                <a:solidFill>
+                  <a:srgbClr val="000000"/>
+                </a:solidFill>
+                <a:uFill>
+                  <a:solidFill>
+                    <a:srgbClr val="FFFFFF"/>
+                  </a:solidFill>
+                </a:uFill>
+                <a:latin typeface="Anglecia Pro Title"/>
+                <a:ea typeface="ＭＳ Ｐゴシック"/>
+              </a:rPr>
+              <a:t>Постоянное</a:t>
+            </a:r>
+          </a:p>
+          <a:p>
+            <a:pPr>
+              <a:lnSpc>
+                <a:spcPct val="100000"/>
+              </a:lnSpc>
+            </a:pPr>
+            <a:r>
+              <a:rPr lang="ru-RU" sz="4000" b="1" strike="noStrike" spc="-1" dirty="0" smtClean="0">
+                <a:solidFill>
+                  <a:srgbClr val="000000"/>
+                </a:solidFill>
+                <a:uFill>
+                  <a:solidFill>
+                    <a:srgbClr val="FFFFFF"/>
+                  </a:solidFill>
+                </a:uFill>
+                <a:latin typeface="Anglecia Pro Title"/>
+                <a:ea typeface="ＭＳ Ｐゴシック"/>
+              </a:rPr>
+              <a:t>соединение</a:t>
+            </a:r>
+            <a:endParaRPr lang="ru-RU" sz="1800" b="0" strike="noStrike" spc="-1" dirty="0">
+              <a:solidFill>
+                <a:srgbClr val="000000"/>
+              </a:solidFill>
+              <a:uFill>
+                <a:solidFill>
+                  <a:srgbClr val="FFFFFF"/>
+                </a:solidFill>
+              </a:uFill>
+              <a:latin typeface="Arial"/>
+            </a:endParaRPr>
+          </a:p>
+        </p:txBody>
+      </p:sp>
     </p:spTree>
+    <p:extLst>
+      <p:ext uri="{BB962C8B-B14F-4D97-AF65-F5344CB8AC3E}">
+        <p14:creationId xmlns:p14="http://schemas.microsoft.com/office/powerpoint/2010/main" val="2403137985"/>
+      </p:ext>
+    </p:extLst>
   </p:cSld>
   <p:clrMapOvr>
     <a:masterClrMapping/>
@@ -6092,36 +6091,6 @@
           </a:ln>
         </p:spPr>
       </p:pic>
-      <p:pic>
-        <p:nvPicPr>
-          <p:cNvPr id="2" name="Рисунок 1"/>
-          <p:cNvPicPr>
-            <a:picLocks noChangeAspect="1"/>
-          </p:cNvPicPr>
-          <p:nvPr/>
-        </p:nvPicPr>
-        <p:blipFill>
-          <a:blip r:embed="rId4">
-            <a:extLst>
-              <a:ext uri="{28A0092B-C50C-407E-A947-70E740481C1C}">
-                <a14:useLocalDpi xmlns:a14="http://schemas.microsoft.com/office/drawing/2010/main" val="0"/>
-              </a:ext>
-            </a:extLst>
-          </a:blip>
-          <a:stretch>
-            <a:fillRect/>
-          </a:stretch>
-        </p:blipFill>
-        <p:spPr>
-          <a:xfrm>
-            <a:off x="5009322" y="0"/>
-            <a:ext cx="7182678" cy="6854327"/>
-          </a:xfrm>
-          <a:prstGeom prst="rect">
-            <a:avLst/>
-          </a:prstGeom>
-        </p:spPr>
-      </p:pic>
       <p:sp>
         <p:nvSpPr>
           <p:cNvPr id="7" name="CustomShape 1"/>
@@ -6175,17 +6144,10 @@
                 <a:latin typeface="Anglecia Pro Title"/>
                 <a:ea typeface="ＭＳ Ｐゴシック"/>
               </a:rPr>
-              <a:t>Постоянное</a:t>
+              <a:t>Баг в </a:t>
             </a:r>
-          </a:p>
-          <a:p>
-            <a:pPr>
-              <a:lnSpc>
-                <a:spcPct val="100000"/>
-              </a:lnSpc>
-            </a:pPr>
             <a:r>
-              <a:rPr lang="ru-RU" sz="4000" b="1" strike="noStrike" spc="-1" dirty="0" smtClean="0">
+              <a:rPr lang="en-US" sz="4000" b="1" spc="-1" dirty="0" smtClean="0">
                 <a:solidFill>
                   <a:srgbClr val="000000"/>
                 </a:solidFill>
@@ -6197,7 +6159,7 @@
                 <a:latin typeface="Anglecia Pro Title"/>
                 <a:ea typeface="ＭＳ Ｐゴシック"/>
               </a:rPr>
-              <a:t>соединение</a:t>
+              <a:t>php7</a:t>
             </a:r>
             <a:endParaRPr lang="ru-RU" sz="1800" b="0" strike="noStrike" spc="-1" dirty="0">
               <a:solidFill>
@@ -6213,10 +6175,40 @@
           </a:p>
         </p:txBody>
       </p:sp>
+      <p:pic>
+        <p:nvPicPr>
+          <p:cNvPr id="3" name="Рисунок 2"/>
+          <p:cNvPicPr>
+            <a:picLocks noChangeAspect="1"/>
+          </p:cNvPicPr>
+          <p:nvPr/>
+        </p:nvPicPr>
+        <p:blipFill>
+          <a:blip r:embed="rId4">
+            <a:extLst>
+              <a:ext uri="{28A0092B-C50C-407E-A947-70E740481C1C}">
+                <a14:useLocalDpi xmlns:a14="http://schemas.microsoft.com/office/drawing/2010/main" val="0"/>
+              </a:ext>
+            </a:extLst>
+          </a:blip>
+          <a:stretch>
+            <a:fillRect/>
+          </a:stretch>
+        </p:blipFill>
+        <p:spPr>
+          <a:xfrm>
+            <a:off x="658800" y="3188490"/>
+            <a:ext cx="10991299" cy="3305076"/>
+          </a:xfrm>
+          <a:prstGeom prst="rect">
+            <a:avLst/>
+          </a:prstGeom>
+        </p:spPr>
+      </p:pic>
     </p:spTree>
     <p:extLst>
       <p:ext uri="{BB962C8B-B14F-4D97-AF65-F5344CB8AC3E}">
-        <p14:creationId xmlns:p14="http://schemas.microsoft.com/office/powerpoint/2010/main" val="2403137985"/>
+        <p14:creationId xmlns:p14="http://schemas.microsoft.com/office/powerpoint/2010/main" val="1969495991"/>
       </p:ext>
     </p:extLst>
   </p:cSld>
@@ -6272,7 +6264,7 @@
       </p:grpSpPr>
       <p:pic>
         <p:nvPicPr>
-          <p:cNvPr id="129" name="Picture 14"/>
+          <p:cNvPr id="104" name="Picture 14"/>
           <p:cNvPicPr/>
           <p:nvPr/>
         </p:nvPicPr>
@@ -6295,7 +6287,7 @@
       </p:pic>
       <p:pic>
         <p:nvPicPr>
-          <p:cNvPr id="130" name="Picture 13"/>
+          <p:cNvPr id="105" name="Picture 13"/>
           <p:cNvPicPr/>
           <p:nvPr/>
         </p:nvPicPr>
@@ -6318,14 +6310,14 @@
       </p:pic>
       <p:sp>
         <p:nvSpPr>
-          <p:cNvPr id="7" name="CustomShape 1"/>
+          <p:cNvPr id="106" name="CustomShape 1"/>
           <p:cNvSpPr/>
           <p:nvPr/>
         </p:nvSpPr>
         <p:spPr>
           <a:xfrm>
-            <a:off x="619920" y="2035080"/>
-            <a:ext cx="7012080" cy="699120"/>
+            <a:off x="720720" y="3816000"/>
+            <a:ext cx="3311280" cy="288000"/>
           </a:xfrm>
           <a:prstGeom prst="rect">
             <a:avLst/>
@@ -6348,16 +6340,11 @@
           <a:fontRef idx="minor"/>
         </p:style>
         <p:txBody>
-          <a:bodyPr wrap="none" lIns="90000" tIns="45000" rIns="90000" bIns="45000"/>
+          <a:bodyPr lIns="90000" tIns="45000" rIns="90000" bIns="45000"/>
           <a:lstStyle/>
           <a:p>
-            <a:pPr>
-              <a:lnSpc>
-                <a:spcPct val="100000"/>
-              </a:lnSpc>
-            </a:pPr>
             <a:r>
-              <a:rPr lang="ru-RU" sz="4000" b="1" spc="-1" dirty="0" smtClean="0">
+              <a:rPr lang="ru-RU" sz="1400" b="0" strike="noStrike" spc="-1" dirty="0" smtClean="0">
                 <a:solidFill>
                   <a:srgbClr val="000000"/>
                 </a:solidFill>
@@ -6366,25 +6353,10 @@
                     <a:srgbClr val="FFFFFF"/>
                   </a:solidFill>
                 </a:uFill>
-                <a:latin typeface="Anglecia Pro Title"/>
-                <a:ea typeface="ＭＳ Ｐゴシック"/>
+                <a:latin typeface="Arial"/>
+                <a:ea typeface="DejaVu Sans"/>
               </a:rPr>
-              <a:t>Баг в </a:t>
-            </a:r>
-            <a:r>
-              <a:rPr lang="en-US" sz="4000" b="1" spc="-1" dirty="0" smtClean="0">
-                <a:solidFill>
-                  <a:srgbClr val="000000"/>
-                </a:solidFill>
-                <a:uFill>
-                  <a:solidFill>
-                    <a:srgbClr val="FFFFFF"/>
-                  </a:solidFill>
-                </a:uFill>
-                <a:latin typeface="Anglecia Pro Title"/>
-                <a:ea typeface="ＭＳ Ｐゴシック"/>
-              </a:rPr>
-              <a:t>php7</a:t>
+              <a:t>Нас устраивало…</a:t>
             </a:r>
             <a:endParaRPr lang="ru-RU" sz="1800" b="0" strike="noStrike" spc="-1" dirty="0">
               <a:solidFill>
@@ -6402,7 +6374,7 @@
       </p:sp>
       <p:pic>
         <p:nvPicPr>
-          <p:cNvPr id="3" name="Рисунок 2"/>
+          <p:cNvPr id="2" name="Рисунок 1"/>
           <p:cNvPicPr>
             <a:picLocks noChangeAspect="1"/>
           </p:cNvPicPr>
@@ -6422,8 +6394,8 @@
         </p:blipFill>
         <p:spPr>
           <a:xfrm>
-            <a:off x="658800" y="3188490"/>
-            <a:ext cx="10991299" cy="3305076"/>
+            <a:off x="4152563" y="1987826"/>
+            <a:ext cx="7001923" cy="4777409"/>
           </a:xfrm>
           <a:prstGeom prst="rect">
             <a:avLst/>
@@ -6433,7 +6405,7 @@
     </p:spTree>
     <p:extLst>
       <p:ext uri="{BB962C8B-B14F-4D97-AF65-F5344CB8AC3E}">
-        <p14:creationId xmlns:p14="http://schemas.microsoft.com/office/powerpoint/2010/main" val="1969495991"/>
+        <p14:creationId xmlns:p14="http://schemas.microsoft.com/office/powerpoint/2010/main" val="1474592550"/>
       </p:ext>
     </p:extLst>
   </p:cSld>
@@ -6489,7 +6461,7 @@
       </p:grpSpPr>
       <p:pic>
         <p:nvPicPr>
-          <p:cNvPr id="104" name="Picture 14"/>
+          <p:cNvPr id="89" name="Picture 14"/>
           <p:cNvPicPr/>
           <p:nvPr/>
         </p:nvPicPr>
@@ -6512,7 +6484,7 @@
       </p:pic>
       <p:pic>
         <p:nvPicPr>
-          <p:cNvPr id="105" name="Picture 13"/>
+          <p:cNvPr id="90" name="Picture 13"/>
           <p:cNvPicPr/>
           <p:nvPr/>
         </p:nvPicPr>
@@ -6535,14 +6507,14 @@
       </p:pic>
       <p:sp>
         <p:nvSpPr>
-          <p:cNvPr id="106" name="CustomShape 1"/>
+          <p:cNvPr id="91" name="CustomShape 1"/>
           <p:cNvSpPr/>
           <p:nvPr/>
         </p:nvSpPr>
         <p:spPr>
           <a:xfrm>
-            <a:off x="720720" y="3816000"/>
-            <a:ext cx="3311280" cy="288000"/>
+            <a:off x="619920" y="2035080"/>
+            <a:ext cx="7012080" cy="699120"/>
           </a:xfrm>
           <a:prstGeom prst="rect">
             <a:avLst/>
@@ -6565,11 +6537,16 @@
           <a:fontRef idx="minor"/>
         </p:style>
         <p:txBody>
-          <a:bodyPr lIns="90000" tIns="45000" rIns="90000" bIns="45000"/>
+          <a:bodyPr wrap="none" lIns="90000" tIns="45000" rIns="90000" bIns="45000"/>
           <a:lstStyle/>
           <a:p>
+            <a:pPr>
+              <a:lnSpc>
+                <a:spcPct val="100000"/>
+              </a:lnSpc>
+            </a:pPr>
             <a:r>
-              <a:rPr lang="ru-RU" sz="1400" b="0" strike="noStrike" spc="-1" dirty="0" smtClean="0">
+              <a:rPr lang="ru-RU" sz="4000" b="1" spc="-1" dirty="0" smtClean="0">
                 <a:solidFill>
                   <a:srgbClr val="000000"/>
                 </a:solidFill>
@@ -6578,10 +6555,10 @@
                     <a:srgbClr val="FFFFFF"/>
                   </a:solidFill>
                 </a:uFill>
-                <a:latin typeface="Arial"/>
-                <a:ea typeface="DejaVu Sans"/>
+                <a:latin typeface="Anglecia Pro Title"/>
+                <a:ea typeface="ＭＳ Ｐゴシック"/>
               </a:rPr>
-              <a:t>Нас устраивало…</a:t>
+              <a:t>Структура Точки</a:t>
             </a:r>
             <a:endParaRPr lang="ru-RU" sz="1800" b="0" strike="noStrike" spc="-1" dirty="0">
               <a:solidFill>
@@ -6619,8 +6596,8 @@
         </p:blipFill>
         <p:spPr>
           <a:xfrm>
-            <a:off x="4152563" y="1987826"/>
-            <a:ext cx="7001923" cy="4777409"/>
+            <a:off x="5197337" y="0"/>
+            <a:ext cx="6994663" cy="6858000"/>
           </a:xfrm>
           <a:prstGeom prst="rect">
             <a:avLst/>
@@ -6630,7 +6607,7 @@
     </p:spTree>
     <p:extLst>
       <p:ext uri="{BB962C8B-B14F-4D97-AF65-F5344CB8AC3E}">
-        <p14:creationId xmlns:p14="http://schemas.microsoft.com/office/powerpoint/2010/main" val="1474592550"/>
+        <p14:creationId xmlns:p14="http://schemas.microsoft.com/office/powerpoint/2010/main" val="1628847049"/>
       </p:ext>
     </p:extLst>
   </p:cSld>
@@ -6686,7 +6663,7 @@
       </p:grpSpPr>
       <p:pic>
         <p:nvPicPr>
-          <p:cNvPr id="89" name="Picture 14"/>
+          <p:cNvPr id="144" name="Picture 14"/>
           <p:cNvPicPr/>
           <p:nvPr/>
         </p:nvPicPr>
@@ -6709,7 +6686,7 @@
       </p:pic>
       <p:pic>
         <p:nvPicPr>
-          <p:cNvPr id="90" name="Picture 13"/>
+          <p:cNvPr id="145" name="Picture 13"/>
           <p:cNvPicPr/>
           <p:nvPr/>
         </p:nvPicPr>
@@ -6730,111 +6707,30 @@
           </a:ln>
         </p:spPr>
       </p:pic>
-      <p:sp>
-        <p:nvSpPr>
-          <p:cNvPr id="91" name="CustomShape 1"/>
-          <p:cNvSpPr/>
-          <p:nvPr/>
-        </p:nvSpPr>
-        <p:spPr>
-          <a:xfrm>
-            <a:off x="619920" y="2035080"/>
-            <a:ext cx="7012080" cy="699120"/>
-          </a:xfrm>
-          <a:prstGeom prst="rect">
-            <a:avLst/>
-          </a:prstGeom>
-          <a:noFill/>
-          <a:ln>
-            <a:noFill/>
-          </a:ln>
-        </p:spPr>
-        <p:style>
-          <a:lnRef idx="0">
-            <a:scrgbClr r="0" g="0" b="0"/>
-          </a:lnRef>
-          <a:fillRef idx="0">
-            <a:scrgbClr r="0" g="0" b="0"/>
-          </a:fillRef>
-          <a:effectRef idx="0">
-            <a:scrgbClr r="0" g="0" b="0"/>
-          </a:effectRef>
-          <a:fontRef idx="minor"/>
-        </p:style>
-        <p:txBody>
-          <a:bodyPr wrap="none" lIns="90000" tIns="45000" rIns="90000" bIns="45000"/>
-          <a:lstStyle/>
-          <a:p>
-            <a:pPr>
-              <a:lnSpc>
-                <a:spcPct val="100000"/>
-              </a:lnSpc>
-            </a:pPr>
-            <a:r>
-              <a:rPr lang="ru-RU" sz="4000" b="1" spc="-1" dirty="0" smtClean="0">
-                <a:solidFill>
-                  <a:srgbClr val="000000"/>
-                </a:solidFill>
-                <a:uFill>
-                  <a:solidFill>
-                    <a:srgbClr val="FFFFFF"/>
-                  </a:solidFill>
-                </a:uFill>
-                <a:latin typeface="Anglecia Pro Title"/>
-                <a:ea typeface="ＭＳ Ｐゴシック"/>
-              </a:rPr>
-              <a:t>Структура Точки</a:t>
-            </a:r>
-            <a:endParaRPr lang="ru-RU" sz="1800" b="0" strike="noStrike" spc="-1" dirty="0">
-              <a:solidFill>
-                <a:srgbClr val="000000"/>
-              </a:solidFill>
-              <a:uFill>
-                <a:solidFill>
-                  <a:srgbClr val="FFFFFF"/>
-                </a:solidFill>
-              </a:uFill>
-              <a:latin typeface="Arial"/>
-            </a:endParaRPr>
-          </a:p>
-        </p:txBody>
-      </p:sp>
       <p:pic>
         <p:nvPicPr>
-          <p:cNvPr id="2" name="Рисунок 1"/>
-          <p:cNvPicPr>
-            <a:picLocks noChangeAspect="1"/>
-          </p:cNvPicPr>
+          <p:cNvPr id="146" name="Рисунок 127"/>
+          <p:cNvPicPr/>
           <p:nvPr/>
         </p:nvPicPr>
         <p:blipFill>
-          <a:blip r:embed="rId4">
-            <a:extLst>
-              <a:ext uri="{28A0092B-C50C-407E-A947-70E740481C1C}">
-                <a14:useLocalDpi xmlns:a14="http://schemas.microsoft.com/office/drawing/2010/main" val="0"/>
-              </a:ext>
-            </a:extLst>
-          </a:blip>
-          <a:stretch>
-            <a:fillRect/>
-          </a:stretch>
+          <a:blip r:embed="rId4"/>
+          <a:stretch/>
         </p:blipFill>
         <p:spPr>
           <a:xfrm>
-            <a:off x="5197337" y="0"/>
-            <a:ext cx="6994663" cy="6858000"/>
-          </a:xfrm>
-          <a:prstGeom prst="rect">
-            <a:avLst/>
-          </a:prstGeom>
+            <a:off x="1080000" y="2088000"/>
+            <a:ext cx="9645840" cy="4734000"/>
+          </a:xfrm>
+          <a:prstGeom prst="rect">
+            <a:avLst/>
+          </a:prstGeom>
+          <a:ln>
+            <a:noFill/>
+          </a:ln>
         </p:spPr>
       </p:pic>
     </p:spTree>
-    <p:extLst>
-      <p:ext uri="{BB962C8B-B14F-4D97-AF65-F5344CB8AC3E}">
-        <p14:creationId xmlns:p14="http://schemas.microsoft.com/office/powerpoint/2010/main" val="1628847049"/>
-      </p:ext>
-    </p:extLst>
   </p:cSld>
   <p:clrMapOvr>
     <a:masterClrMapping/>
@@ -6888,7 +6784,7 @@
       </p:grpSpPr>
       <p:pic>
         <p:nvPicPr>
-          <p:cNvPr id="144" name="Picture 14"/>
+          <p:cNvPr id="147" name="Picture 14"/>
           <p:cNvPicPr/>
           <p:nvPr/>
         </p:nvPicPr>
@@ -6911,7 +6807,7 @@
       </p:pic>
       <p:pic>
         <p:nvPicPr>
-          <p:cNvPr id="145" name="Picture 13"/>
+          <p:cNvPr id="148" name="Picture 13"/>
           <p:cNvPicPr/>
           <p:nvPr/>
         </p:nvPicPr>
@@ -6934,25 +6830,32 @@
       </p:pic>
       <p:pic>
         <p:nvPicPr>
-          <p:cNvPr id="146" name="Рисунок 127"/>
-          <p:cNvPicPr/>
+          <p:cNvPr id="3" name="Рисунок 2"/>
+          <p:cNvPicPr>
+            <a:picLocks noChangeAspect="1"/>
+          </p:cNvPicPr>
           <p:nvPr/>
         </p:nvPicPr>
         <p:blipFill>
-          <a:blip r:embed="rId4"/>
-          <a:stretch/>
+          <a:blip r:embed="rId4">
+            <a:extLst>
+              <a:ext uri="{28A0092B-C50C-407E-A947-70E740481C1C}">
+                <a14:useLocalDpi xmlns:a14="http://schemas.microsoft.com/office/drawing/2010/main" val="0"/>
+              </a:ext>
+            </a:extLst>
+          </a:blip>
+          <a:stretch>
+            <a:fillRect/>
+          </a:stretch>
         </p:blipFill>
         <p:spPr>
           <a:xfrm>
-            <a:off x="1080000" y="2088000"/>
-            <a:ext cx="9645840" cy="4734000"/>
-          </a:xfrm>
-          <a:prstGeom prst="rect">
-            <a:avLst/>
-          </a:prstGeom>
-          <a:ln>
-            <a:noFill/>
-          </a:ln>
+            <a:off x="3479947" y="1990725"/>
+            <a:ext cx="6296025" cy="4867275"/>
+          </a:xfrm>
+          <a:prstGeom prst="rect">
+            <a:avLst/>
+          </a:prstGeom>
         </p:spPr>
       </p:pic>
     </p:spTree>
@@ -7009,7 +6912,7 @@
       </p:grpSpPr>
       <p:pic>
         <p:nvPicPr>
-          <p:cNvPr id="147" name="Picture 14"/>
+          <p:cNvPr id="104" name="Picture 14"/>
           <p:cNvPicPr/>
           <p:nvPr/>
         </p:nvPicPr>
@@ -7032,7 +6935,7 @@
       </p:pic>
       <p:pic>
         <p:nvPicPr>
-          <p:cNvPr id="148" name="Picture 13"/>
+          <p:cNvPr id="105" name="Picture 13"/>
           <p:cNvPicPr/>
           <p:nvPr/>
         </p:nvPicPr>
@@ -7053,9 +6956,118 @@
           </a:ln>
         </p:spPr>
       </p:pic>
+      <p:sp>
+        <p:nvSpPr>
+          <p:cNvPr id="106" name="CustomShape 1"/>
+          <p:cNvSpPr/>
+          <p:nvPr/>
+        </p:nvSpPr>
+        <p:spPr>
+          <a:xfrm>
+            <a:off x="720720" y="3816000"/>
+            <a:ext cx="3311280" cy="288000"/>
+          </a:xfrm>
+          <a:prstGeom prst="rect">
+            <a:avLst/>
+          </a:prstGeom>
+          <a:noFill/>
+          <a:ln>
+            <a:noFill/>
+          </a:ln>
+        </p:spPr>
+        <p:style>
+          <a:lnRef idx="0">
+            <a:scrgbClr r="0" g="0" b="0"/>
+          </a:lnRef>
+          <a:fillRef idx="0">
+            <a:scrgbClr r="0" g="0" b="0"/>
+          </a:fillRef>
+          <a:effectRef idx="0">
+            <a:scrgbClr r="0" g="0" b="0"/>
+          </a:effectRef>
+          <a:fontRef idx="minor"/>
+        </p:style>
+        <p:txBody>
+          <a:bodyPr lIns="90000" tIns="45000" rIns="90000" bIns="45000"/>
+          <a:lstStyle/>
+          <a:p>
+            <a:r>
+              <a:rPr lang="ru-RU" sz="1400" b="0" strike="noStrike" spc="-1" dirty="0">
+                <a:solidFill>
+                  <a:srgbClr val="000000"/>
+                </a:solidFill>
+                <a:uFill>
+                  <a:solidFill>
+                    <a:srgbClr val="FFFFFF"/>
+                  </a:solidFill>
+                </a:uFill>
+                <a:latin typeface="Arial"/>
+                <a:ea typeface="DejaVu Sans"/>
+              </a:rPr>
+              <a:t>~ </a:t>
+            </a:r>
+            <a:r>
+              <a:rPr lang="en-US" sz="1400" b="0" strike="noStrike" spc="-1" dirty="0" smtClean="0">
+                <a:solidFill>
+                  <a:srgbClr val="000000"/>
+                </a:solidFill>
+                <a:uFill>
+                  <a:solidFill>
+                    <a:srgbClr val="FFFFFF"/>
+                  </a:solidFill>
+                </a:uFill>
+                <a:latin typeface="Arial"/>
+                <a:ea typeface="DejaVu Sans"/>
+              </a:rPr>
+              <a:t>1 5</a:t>
+            </a:r>
+            <a:r>
+              <a:rPr lang="ru-RU" sz="1400" b="0" strike="noStrike" spc="-1" dirty="0" smtClean="0">
+                <a:solidFill>
+                  <a:srgbClr val="000000"/>
+                </a:solidFill>
+                <a:uFill>
+                  <a:solidFill>
+                    <a:srgbClr val="FFFFFF"/>
+                  </a:solidFill>
+                </a:uFill>
+                <a:latin typeface="Arial"/>
+                <a:ea typeface="DejaVu Sans"/>
+              </a:rPr>
+              <a:t>00 </a:t>
+            </a:r>
+            <a:r>
+              <a:rPr lang="ru-RU" sz="1400" b="0" strike="noStrike" spc="-1" dirty="0">
+                <a:solidFill>
+                  <a:srgbClr val="000000"/>
+                </a:solidFill>
+                <a:uFill>
+                  <a:solidFill>
+                    <a:srgbClr val="FFFFFF"/>
+                  </a:solidFill>
+                </a:uFill>
+                <a:latin typeface="Arial"/>
+                <a:ea typeface="DejaVu Sans"/>
+              </a:rPr>
+              <a:t>000 запросов в сутки</a:t>
+            </a:r>
+            <a:endParaRPr lang="ru-RU" sz="1800" b="0" strike="noStrike" spc="-1" dirty="0">
+              <a:solidFill>
+                <a:srgbClr val="000000"/>
+              </a:solidFill>
+              <a:uFill>
+                <a:solidFill>
+                  <a:srgbClr val="FFFFFF"/>
+                </a:solidFill>
+              </a:uFill>
+              <a:latin typeface="Arial"/>
+            </a:endParaRPr>
+          </a:p>
+        </p:txBody>
+      </p:sp>
       <p:pic>
         <p:nvPicPr>
-          <p:cNvPr id="3" name="Рисунок 2"/>
+          <p:cNvPr id="2" name="Рисунок 1"/>
           <p:cNvPicPr>
             <a:picLocks noChangeAspect="1"/>
           </p:cNvPicPr>
@@ -7075,8 +7087,8 @@
         </p:blipFill>
         <p:spPr>
           <a:xfrm>
-            <a:off x="3479947" y="1990725"/>
-            <a:ext cx="6296025" cy="4867275"/>
+            <a:off x="4511743" y="2562225"/>
+            <a:ext cx="6296025" cy="4295775"/>
           </a:xfrm>
           <a:prstGeom prst="rect">
             <a:avLst/>
@@ -7084,6 +7096,11 @@
         </p:spPr>
       </p:pic>
     </p:spTree>
+    <p:extLst>
+      <p:ext uri="{BB962C8B-B14F-4D97-AF65-F5344CB8AC3E}">
+        <p14:creationId xmlns:p14="http://schemas.microsoft.com/office/powerpoint/2010/main" val="2596146323"/>
+      </p:ext>
+    </p:extLst>
   </p:cSld>
   <p:clrMapOvr>
     <a:masterClrMapping/>
@@ -7137,7 +7154,7 @@
       </p:grpSpPr>
       <p:pic>
         <p:nvPicPr>
-          <p:cNvPr id="104" name="Picture 14"/>
+          <p:cNvPr id="108" name="Picture 14"/>
           <p:cNvPicPr/>
           <p:nvPr/>
         </p:nvPicPr>
@@ -7160,7 +7177,7 @@
       </p:pic>
       <p:pic>
         <p:nvPicPr>
-          <p:cNvPr id="105" name="Picture 13"/>
+          <p:cNvPr id="109" name="Picture 13"/>
           <p:cNvPicPr/>
           <p:nvPr/>
         </p:nvPicPr>
@@ -7181,115 +7198,167 @@
           </a:ln>
         </p:spPr>
       </p:pic>
-      <p:sp>
-        <p:nvSpPr>
-          <p:cNvPr id="106" name="CustomShape 1"/>
-          <p:cNvSpPr/>
-          <p:nvPr/>
-        </p:nvSpPr>
-        <p:spPr>
-          <a:xfrm>
-            <a:off x="720720" y="3816000"/>
-            <a:ext cx="3311280" cy="288000"/>
-          </a:xfrm>
-          <a:prstGeom prst="rect">
-            <a:avLst/>
-          </a:prstGeom>
-          <a:noFill/>
-          <a:ln>
-            <a:noFill/>
-          </a:ln>
-        </p:spPr>
-        <p:style>
-          <a:lnRef idx="0">
-            <a:scrgbClr r="0" g="0" b="0"/>
-          </a:lnRef>
-          <a:fillRef idx="0">
-            <a:scrgbClr r="0" g="0" b="0"/>
-          </a:fillRef>
-          <a:effectRef idx="0">
-            <a:scrgbClr r="0" g="0" b="0"/>
-          </a:effectRef>
-          <a:fontRef idx="minor"/>
-        </p:style>
-        <p:txBody>
-          <a:bodyPr lIns="90000" tIns="45000" rIns="90000" bIns="45000"/>
-          <a:lstStyle/>
-          <a:p>
-            <a:r>
-              <a:rPr lang="ru-RU" sz="1400" b="0" strike="noStrike" spc="-1" dirty="0">
-                <a:solidFill>
-                  <a:srgbClr val="000000"/>
-                </a:solidFill>
-                <a:uFill>
-                  <a:solidFill>
-                    <a:srgbClr val="FFFFFF"/>
-                  </a:solidFill>
-                </a:uFill>
-                <a:latin typeface="Arial"/>
-                <a:ea typeface="DejaVu Sans"/>
-              </a:rPr>
-              <a:t>~ </a:t>
-            </a:r>
-            <a:r>
-              <a:rPr lang="en-US" sz="1400" b="0" strike="noStrike" spc="-1" dirty="0" smtClean="0">
-                <a:solidFill>
-                  <a:srgbClr val="000000"/>
-                </a:solidFill>
-                <a:uFill>
-                  <a:solidFill>
-                    <a:srgbClr val="FFFFFF"/>
-                  </a:solidFill>
-                </a:uFill>
-                <a:latin typeface="Arial"/>
-                <a:ea typeface="DejaVu Sans"/>
-              </a:rPr>
-              <a:t>1 5</a:t>
-            </a:r>
-            <a:r>
-              <a:rPr lang="ru-RU" sz="1400" b="0" strike="noStrike" spc="-1" dirty="0" smtClean="0">
-                <a:solidFill>
-                  <a:srgbClr val="000000"/>
-                </a:solidFill>
-                <a:uFill>
-                  <a:solidFill>
-                    <a:srgbClr val="FFFFFF"/>
-                  </a:solidFill>
-                </a:uFill>
-                <a:latin typeface="Arial"/>
-                <a:ea typeface="DejaVu Sans"/>
-              </a:rPr>
-              <a:t>00 </a:t>
-            </a:r>
-            <a:r>
-              <a:rPr lang="ru-RU" sz="1400" b="0" strike="noStrike" spc="-1" dirty="0">
-                <a:solidFill>
-                  <a:srgbClr val="000000"/>
-                </a:solidFill>
-                <a:uFill>
-                  <a:solidFill>
-                    <a:srgbClr val="FFFFFF"/>
-                  </a:solidFill>
-                </a:uFill>
-                <a:latin typeface="Arial"/>
-                <a:ea typeface="DejaVu Sans"/>
-              </a:rPr>
-              <a:t>000 запросов в сутки</a:t>
-            </a:r>
-            <a:endParaRPr lang="ru-RU" sz="1800" b="0" strike="noStrike" spc="-1" dirty="0">
-              <a:solidFill>
-                <a:srgbClr val="000000"/>
-              </a:solidFill>
-              <a:uFill>
-                <a:solidFill>
-                  <a:srgbClr val="FFFFFF"/>
-                </a:solidFill>
-              </a:uFill>
-              <a:latin typeface="Arial"/>
-            </a:endParaRPr>
-          </a:p>
-        </p:txBody>
-      </p:sp>
+      <p:pic>
+        <p:nvPicPr>
+          <p:cNvPr id="110" name="Рисунок 88"/>
+          <p:cNvPicPr/>
+          <p:nvPr/>
+        </p:nvPicPr>
+        <p:blipFill>
+          <a:blip r:embed="rId4"/>
+          <a:stretch/>
+        </p:blipFill>
+        <p:spPr>
+          <a:xfrm>
+            <a:off x="6011940" y="2121120"/>
+            <a:ext cx="4320000" cy="774720"/>
+          </a:xfrm>
+          <a:prstGeom prst="rect">
+            <a:avLst/>
+          </a:prstGeom>
+          <a:ln>
+            <a:noFill/>
+          </a:ln>
+        </p:spPr>
+      </p:pic>
+      <p:pic>
+        <p:nvPicPr>
+          <p:cNvPr id="111" name="Рисунок 91"/>
+          <p:cNvPicPr/>
+          <p:nvPr/>
+        </p:nvPicPr>
+        <p:blipFill>
+          <a:blip r:embed="rId5"/>
+          <a:stretch/>
+        </p:blipFill>
+        <p:spPr>
+          <a:xfrm>
+            <a:off x="6789438" y="3347280"/>
+            <a:ext cx="2880000" cy="753120"/>
+          </a:xfrm>
+          <a:prstGeom prst="rect">
+            <a:avLst/>
+          </a:prstGeom>
+          <a:ln>
+            <a:noFill/>
+          </a:ln>
+        </p:spPr>
+      </p:pic>
+      <p:pic>
+        <p:nvPicPr>
+          <p:cNvPr id="112" name="Рисунок 111"/>
+          <p:cNvPicPr/>
+          <p:nvPr/>
+        </p:nvPicPr>
+        <p:blipFill>
+          <a:blip r:embed="rId6"/>
+          <a:stretch/>
+        </p:blipFill>
+        <p:spPr>
+          <a:xfrm>
+            <a:off x="980640" y="1944000"/>
+            <a:ext cx="2907360" cy="1224000"/>
+          </a:xfrm>
+          <a:prstGeom prst="rect">
+            <a:avLst/>
+          </a:prstGeom>
+          <a:ln>
+            <a:noFill/>
+          </a:ln>
+        </p:spPr>
+      </p:pic>
+      <p:pic>
+        <p:nvPicPr>
+          <p:cNvPr id="113" name="Рисунок 112"/>
+          <p:cNvPicPr/>
+          <p:nvPr/>
+        </p:nvPicPr>
+        <p:blipFill>
+          <a:blip r:embed="rId7"/>
+          <a:stretch/>
+        </p:blipFill>
+        <p:spPr>
+          <a:xfrm>
+            <a:off x="720000" y="2998440"/>
+            <a:ext cx="3168000" cy="1393560"/>
+          </a:xfrm>
+          <a:prstGeom prst="rect">
+            <a:avLst/>
+          </a:prstGeom>
+          <a:ln>
+            <a:noFill/>
+          </a:ln>
+        </p:spPr>
+      </p:pic>
+      <p:pic>
+        <p:nvPicPr>
+          <p:cNvPr id="114" name="Рисунок 90"/>
+          <p:cNvPicPr/>
+          <p:nvPr/>
+        </p:nvPicPr>
+        <p:blipFill>
+          <a:blip r:embed="rId8"/>
+          <a:stretch/>
+        </p:blipFill>
+        <p:spPr>
+          <a:xfrm>
+            <a:off x="432000" y="4248000"/>
+            <a:ext cx="4336560" cy="1295280"/>
+          </a:xfrm>
+          <a:prstGeom prst="rect">
+            <a:avLst/>
+          </a:prstGeom>
+          <a:ln>
+            <a:noFill/>
+          </a:ln>
+        </p:spPr>
+      </p:pic>
+      <p:pic>
+        <p:nvPicPr>
+          <p:cNvPr id="115" name="Рисунок 114"/>
+          <p:cNvPicPr/>
+          <p:nvPr/>
+        </p:nvPicPr>
+        <p:blipFill>
+          <a:blip r:embed="rId9"/>
+          <a:stretch/>
+        </p:blipFill>
+        <p:spPr>
+          <a:xfrm>
+            <a:off x="8560260" y="4228560"/>
+            <a:ext cx="2607480" cy="2607480"/>
+          </a:xfrm>
+          <a:prstGeom prst="rect">
+            <a:avLst/>
+          </a:prstGeom>
+          <a:ln>
+            <a:noFill/>
+          </a:ln>
+        </p:spPr>
+      </p:pic>
+      <p:pic>
+        <p:nvPicPr>
+          <p:cNvPr id="116" name="Рисунок 115"/>
+          <p:cNvPicPr/>
+          <p:nvPr/>
+        </p:nvPicPr>
+        <p:blipFill>
+          <a:blip r:embed="rId10"/>
+          <a:stretch/>
+        </p:blipFill>
+        <p:spPr>
+          <a:xfrm>
+            <a:off x="1512000" y="5431320"/>
+            <a:ext cx="1890720" cy="1404720"/>
+          </a:xfrm>
+          <a:prstGeom prst="rect">
+            <a:avLst/>
+          </a:prstGeom>
+          <a:ln>
+            <a:noFill/>
+          </a:ln>
+        </p:spPr>
+      </p:pic>
       <p:pic>
         <p:nvPicPr>
           <p:cNvPr id="2" name="Рисунок 1"/>
@@ -7299,7 +7368,7 @@
           <p:nvPr/>
         </p:nvPicPr>
         <p:blipFill>
-          <a:blip r:embed="rId4">
+          <a:blip r:embed="rId11">
             <a:extLst>
               <a:ext uri="{28A0092B-C50C-407E-A947-70E740481C1C}">
                 <a14:useLocalDpi xmlns:a14="http://schemas.microsoft.com/office/drawing/2010/main" val="0"/>
@@ -7312,8 +7381,8 @@
         </p:blipFill>
         <p:spPr>
           <a:xfrm>
-            <a:off x="4511743" y="2562225"/>
-            <a:ext cx="6296025" cy="4295775"/>
+            <a:off x="5848560" y="4397079"/>
+            <a:ext cx="2323380" cy="2292402"/>
           </a:xfrm>
           <a:prstGeom prst="rect">
             <a:avLst/>
@@ -7323,7 +7392,7 @@
     </p:spTree>
     <p:extLst>
       <p:ext uri="{BB962C8B-B14F-4D97-AF65-F5344CB8AC3E}">
-        <p14:creationId xmlns:p14="http://schemas.microsoft.com/office/powerpoint/2010/main" val="2596146323"/>
+        <p14:creationId xmlns:p14="http://schemas.microsoft.com/office/powerpoint/2010/main" val="932819263"/>
       </p:ext>
     </p:extLst>
   </p:cSld>
@@ -7379,7 +7448,7 @@
       </p:grpSpPr>
       <p:pic>
         <p:nvPicPr>
-          <p:cNvPr id="108" name="Picture 14"/>
+          <p:cNvPr id="175" name="Picture 14"/>
           <p:cNvPicPr/>
           <p:nvPr/>
         </p:nvPicPr>
@@ -7402,7 +7471,7 @@
       </p:pic>
       <p:pic>
         <p:nvPicPr>
-          <p:cNvPr id="109" name="Picture 13"/>
+          <p:cNvPr id="176" name="Picture 13"/>
           <p:cNvPicPr/>
           <p:nvPr/>
         </p:nvPicPr>
@@ -7414,167 +7483,6 @@
           <a:xfrm>
             <a:off x="658800" y="896400"/>
             <a:ext cx="981360" cy="191520"/>
-          </a:xfrm>
-          <a:prstGeom prst="rect">
-            <a:avLst/>
-          </a:prstGeom>
-          <a:ln>
-            <a:noFill/>
-          </a:ln>
-        </p:spPr>
-      </p:pic>
-      <p:pic>
-        <p:nvPicPr>
-          <p:cNvPr id="110" name="Рисунок 88"/>
-          <p:cNvPicPr/>
-          <p:nvPr/>
-        </p:nvPicPr>
-        <p:blipFill>
-          <a:blip r:embed="rId4"/>
-          <a:stretch/>
-        </p:blipFill>
-        <p:spPr>
-          <a:xfrm>
-            <a:off x="6011940" y="2121120"/>
-            <a:ext cx="4320000" cy="774720"/>
-          </a:xfrm>
-          <a:prstGeom prst="rect">
-            <a:avLst/>
-          </a:prstGeom>
-          <a:ln>
-            <a:noFill/>
-          </a:ln>
-        </p:spPr>
-      </p:pic>
-      <p:pic>
-        <p:nvPicPr>
-          <p:cNvPr id="111" name="Рисунок 91"/>
-          <p:cNvPicPr/>
-          <p:nvPr/>
-        </p:nvPicPr>
-        <p:blipFill>
-          <a:blip r:embed="rId5"/>
-          <a:stretch/>
-        </p:blipFill>
-        <p:spPr>
-          <a:xfrm>
-            <a:off x="6789438" y="3347280"/>
-            <a:ext cx="2880000" cy="753120"/>
-          </a:xfrm>
-          <a:prstGeom prst="rect">
-            <a:avLst/>
-          </a:prstGeom>
-          <a:ln>
-            <a:noFill/>
-          </a:ln>
-        </p:spPr>
-      </p:pic>
-      <p:pic>
-        <p:nvPicPr>
-          <p:cNvPr id="112" name="Рисунок 111"/>
-          <p:cNvPicPr/>
-          <p:nvPr/>
-        </p:nvPicPr>
-        <p:blipFill>
-          <a:blip r:embed="rId6"/>
-          <a:stretch/>
-        </p:blipFill>
-        <p:spPr>
-          <a:xfrm>
-            <a:off x="980640" y="1944000"/>
-            <a:ext cx="2907360" cy="1224000"/>
-          </a:xfrm>
-          <a:prstGeom prst="rect">
-            <a:avLst/>
-          </a:prstGeom>
-          <a:ln>
-            <a:noFill/>
-          </a:ln>
-        </p:spPr>
-      </p:pic>
-      <p:pic>
-        <p:nvPicPr>
-          <p:cNvPr id="113" name="Рисунок 112"/>
-          <p:cNvPicPr/>
-          <p:nvPr/>
-        </p:nvPicPr>
-        <p:blipFill>
-          <a:blip r:embed="rId7"/>
-          <a:stretch/>
-        </p:blipFill>
-        <p:spPr>
-          <a:xfrm>
-            <a:off x="720000" y="2998440"/>
-            <a:ext cx="3168000" cy="1393560"/>
-          </a:xfrm>
-          <a:prstGeom prst="rect">
-            <a:avLst/>
-          </a:prstGeom>
-          <a:ln>
-            <a:noFill/>
-          </a:ln>
-        </p:spPr>
-      </p:pic>
-      <p:pic>
-        <p:nvPicPr>
-          <p:cNvPr id="114" name="Рисунок 90"/>
-          <p:cNvPicPr/>
-          <p:nvPr/>
-        </p:nvPicPr>
-        <p:blipFill>
-          <a:blip r:embed="rId8"/>
-          <a:stretch/>
-        </p:blipFill>
-        <p:spPr>
-          <a:xfrm>
-            <a:off x="432000" y="4248000"/>
-            <a:ext cx="4336560" cy="1295280"/>
-          </a:xfrm>
-          <a:prstGeom prst="rect">
-            <a:avLst/>
-          </a:prstGeom>
-          <a:ln>
-            <a:noFill/>
-          </a:ln>
-        </p:spPr>
-      </p:pic>
-      <p:pic>
-        <p:nvPicPr>
-          <p:cNvPr id="115" name="Рисунок 114"/>
-          <p:cNvPicPr/>
-          <p:nvPr/>
-        </p:nvPicPr>
-        <p:blipFill>
-          <a:blip r:embed="rId9"/>
-          <a:stretch/>
-        </p:blipFill>
-        <p:spPr>
-          <a:xfrm>
-            <a:off x="8560260" y="4228560"/>
-            <a:ext cx="2607480" cy="2607480"/>
-          </a:xfrm>
-          <a:prstGeom prst="rect">
-            <a:avLst/>
-          </a:prstGeom>
-          <a:ln>
-            <a:noFill/>
-          </a:ln>
-        </p:spPr>
-      </p:pic>
-      <p:pic>
-        <p:nvPicPr>
-          <p:cNvPr id="116" name="Рисунок 115"/>
-          <p:cNvPicPr/>
-          <p:nvPr/>
-        </p:nvPicPr>
-        <p:blipFill>
-          <a:blip r:embed="rId10"/>
-          <a:stretch/>
-        </p:blipFill>
-        <p:spPr>
-          <a:xfrm>
-            <a:off x="1512000" y="5431320"/>
-            <a:ext cx="1890720" cy="1404720"/>
           </a:xfrm>
           <a:prstGeom prst="rect">
             <a:avLst/>
@@ -7593,7 +7501,7 @@
           <p:nvPr/>
         </p:nvPicPr>
         <p:blipFill>
-          <a:blip r:embed="rId11">
+          <a:blip r:embed="rId4">
             <a:extLst>
               <a:ext uri="{28A0092B-C50C-407E-A947-70E740481C1C}">
                 <a14:useLocalDpi xmlns:a14="http://schemas.microsoft.com/office/drawing/2010/main" val="0"/>
@@ -7606,8 +7514,8 @@
         </p:blipFill>
         <p:spPr>
           <a:xfrm>
-            <a:off x="5848560" y="4397079"/>
-            <a:ext cx="2323380" cy="2292402"/>
+            <a:off x="3326296" y="-19514"/>
+            <a:ext cx="8865704" cy="6877514"/>
           </a:xfrm>
           <a:prstGeom prst="rect">
             <a:avLst/>
@@ -7615,11 +7523,6 @@
         </p:spPr>
       </p:pic>
     </p:spTree>
-    <p:extLst>
-      <p:ext uri="{BB962C8B-B14F-4D97-AF65-F5344CB8AC3E}">
-        <p14:creationId xmlns:p14="http://schemas.microsoft.com/office/powerpoint/2010/main" val="932819263"/>
-      </p:ext>
-    </p:extLst>
   </p:cSld>
   <p:clrMapOvr>
     <a:masterClrMapping/>
@@ -7673,7 +7576,7 @@
       </p:grpSpPr>
       <p:pic>
         <p:nvPicPr>
-          <p:cNvPr id="175" name="Picture 14"/>
+          <p:cNvPr id="178" name="Picture 14"/>
           <p:cNvPicPr/>
           <p:nvPr/>
         </p:nvPicPr>
@@ -7696,7 +7599,7 @@
       </p:pic>
       <p:pic>
         <p:nvPicPr>
-          <p:cNvPr id="176" name="Picture 13"/>
+          <p:cNvPr id="179" name="Picture 13"/>
           <p:cNvPicPr/>
           <p:nvPr/>
         </p:nvPicPr>
@@ -7725,7 +7628,7 @@
           </p:cNvPicPr>
           <p:nvPr/>
         </p:nvPicPr>
-        <p:blipFill>
+        <p:blipFill rotWithShape="1">
           <a:blip r:embed="rId4">
             <a:extLst>
               <a:ext uri="{28A0092B-C50C-407E-A947-70E740481C1C}">
@@ -7733,14 +7636,13 @@
               </a:ext>
             </a:extLst>
           </a:blip>
-          <a:stretch>
-            <a:fillRect/>
-          </a:stretch>
+          <a:srcRect l="419"/>
+          <a:stretch/>
         </p:blipFill>
         <p:spPr>
           <a:xfrm>
-            <a:off x="3326296" y="-19514"/>
-            <a:ext cx="8865704" cy="6877514"/>
+            <a:off x="1855304" y="0"/>
+            <a:ext cx="10336696" cy="6512426"/>
           </a:xfrm>
           <a:prstGeom prst="rect">
             <a:avLst/>
@@ -7801,7 +7703,7 @@
       </p:grpSpPr>
       <p:pic>
         <p:nvPicPr>
-          <p:cNvPr id="178" name="Picture 14"/>
+          <p:cNvPr id="72" name="Picture 14"/>
           <p:cNvPicPr/>
           <p:nvPr/>
         </p:nvPicPr>
@@ -7824,7 +7726,7 @@
       </p:pic>
       <p:pic>
         <p:nvPicPr>
-          <p:cNvPr id="179" name="Picture 13"/>
+          <p:cNvPr id="73" name="Picture 13"/>
           <p:cNvPicPr/>
           <p:nvPr/>
         </p:nvPicPr>
@@ -7845,36 +7747,307 @@
           </a:ln>
         </p:spPr>
       </p:pic>
-      <p:pic>
-        <p:nvPicPr>
-          <p:cNvPr id="2" name="Рисунок 1"/>
-          <p:cNvPicPr>
-            <a:picLocks noChangeAspect="1"/>
-          </p:cNvPicPr>
-          <p:nvPr/>
-        </p:nvPicPr>
-        <p:blipFill rotWithShape="1">
-          <a:blip r:embed="rId4">
-            <a:extLst>
-              <a:ext uri="{28A0092B-C50C-407E-A947-70E740481C1C}">
-                <a14:useLocalDpi xmlns:a14="http://schemas.microsoft.com/office/drawing/2010/main" val="0"/>
-              </a:ext>
-            </a:extLst>
-          </a:blip>
-          <a:srcRect l="419"/>
-          <a:stretch/>
-        </p:blipFill>
-        <p:spPr>
-          <a:xfrm>
-            <a:off x="1855304" y="0"/>
-            <a:ext cx="10336696" cy="6512426"/>
-          </a:xfrm>
-          <a:prstGeom prst="rect">
-            <a:avLst/>
-          </a:prstGeom>
-        </p:spPr>
-      </p:pic>
+      <p:sp>
+        <p:nvSpPr>
+          <p:cNvPr id="74" name="CustomShape 1"/>
+          <p:cNvSpPr/>
+          <p:nvPr/>
+        </p:nvSpPr>
+        <p:spPr>
+          <a:xfrm>
+            <a:off x="397800" y="2035080"/>
+            <a:ext cx="5932080" cy="699120"/>
+          </a:xfrm>
+          <a:prstGeom prst="rect">
+            <a:avLst/>
+          </a:prstGeom>
+          <a:noFill/>
+          <a:ln>
+            <a:noFill/>
+          </a:ln>
+        </p:spPr>
+        <p:style>
+          <a:lnRef idx="0">
+            <a:scrgbClr r="0" g="0" b="0"/>
+          </a:lnRef>
+          <a:fillRef idx="0">
+            <a:scrgbClr r="0" g="0" b="0"/>
+          </a:fillRef>
+          <a:effectRef idx="0">
+            <a:scrgbClr r="0" g="0" b="0"/>
+          </a:effectRef>
+          <a:fontRef idx="minor"/>
+        </p:style>
+        <p:txBody>
+          <a:bodyPr wrap="none" lIns="90000" tIns="45000" rIns="90000" bIns="45000"/>
+          <a:lstStyle/>
+          <a:p>
+            <a:pPr>
+              <a:lnSpc>
+                <a:spcPct val="100000"/>
+              </a:lnSpc>
+            </a:pPr>
+            <a:r>
+              <a:rPr lang="ru-RU" sz="4000" b="1" strike="noStrike" spc="-1" dirty="0" smtClean="0">
+                <a:solidFill>
+                  <a:srgbClr val="000000"/>
+                </a:solidFill>
+                <a:uFill>
+                  <a:solidFill>
+                    <a:srgbClr val="FFFFFF"/>
+                  </a:solidFill>
+                </a:uFill>
+                <a:latin typeface="Anglecia Pro Title"/>
+                <a:ea typeface="ＭＳ Ｐゴシック"/>
+              </a:rPr>
+              <a:t>Результат</a:t>
+            </a:r>
+            <a:endParaRPr lang="ru-RU" sz="1800" b="0" strike="noStrike" spc="-1" dirty="0">
+              <a:solidFill>
+                <a:srgbClr val="000000"/>
+              </a:solidFill>
+              <a:uFill>
+                <a:solidFill>
+                  <a:srgbClr val="FFFFFF"/>
+                </a:solidFill>
+              </a:uFill>
+              <a:latin typeface="Arial"/>
+            </a:endParaRPr>
+          </a:p>
+        </p:txBody>
+      </p:sp>
+      <p:sp>
+        <p:nvSpPr>
+          <p:cNvPr id="75" name="CustomShape 2"/>
+          <p:cNvSpPr/>
+          <p:nvPr/>
+        </p:nvSpPr>
+        <p:spPr>
+          <a:xfrm>
+            <a:off x="720000" y="2952000"/>
+            <a:ext cx="3743280" cy="288000"/>
+          </a:xfrm>
+          <a:prstGeom prst="rect">
+            <a:avLst/>
+          </a:prstGeom>
+          <a:noFill/>
+          <a:ln>
+            <a:noFill/>
+          </a:ln>
+        </p:spPr>
+        <p:style>
+          <a:lnRef idx="0">
+            <a:scrgbClr r="0" g="0" b="0"/>
+          </a:lnRef>
+          <a:fillRef idx="0">
+            <a:scrgbClr r="0" g="0" b="0"/>
+          </a:fillRef>
+          <a:effectRef idx="0">
+            <a:scrgbClr r="0" g="0" b="0"/>
+          </a:effectRef>
+          <a:fontRef idx="minor"/>
+        </p:style>
+      </p:sp>
+      <p:sp>
+        <p:nvSpPr>
+          <p:cNvPr id="76" name="CustomShape 3"/>
+          <p:cNvSpPr/>
+          <p:nvPr/>
+        </p:nvSpPr>
+        <p:spPr>
+          <a:xfrm>
+            <a:off x="720000" y="3240359"/>
+            <a:ext cx="10511640" cy="2140023"/>
+          </a:xfrm>
+          <a:prstGeom prst="rect">
+            <a:avLst/>
+          </a:prstGeom>
+          <a:noFill/>
+          <a:ln>
+            <a:noFill/>
+          </a:ln>
+        </p:spPr>
+        <p:style>
+          <a:lnRef idx="0">
+            <a:scrgbClr r="0" g="0" b="0"/>
+          </a:lnRef>
+          <a:fillRef idx="0">
+            <a:scrgbClr r="0" g="0" b="0"/>
+          </a:fillRef>
+          <a:effectRef idx="0">
+            <a:scrgbClr r="0" g="0" b="0"/>
+          </a:effectRef>
+          <a:fontRef idx="minor"/>
+        </p:style>
+        <p:txBody>
+          <a:bodyPr lIns="90000" tIns="45000" rIns="90000" bIns="45000"/>
+          <a:lstStyle/>
+          <a:p>
+            <a:pPr marL="285750" indent="-285750">
+              <a:lnSpc>
+                <a:spcPct val="200000"/>
+              </a:lnSpc>
+              <a:buFont typeface="Arial" panose="020B0604020202020204" pitchFamily="34" charset="0"/>
+              <a:buChar char="•"/>
+            </a:pPr>
+            <a:r>
+              <a:rPr lang="ru-RU" sz="1800" b="0" strike="noStrike" spc="-1" dirty="0" smtClean="0">
+                <a:solidFill>
+                  <a:srgbClr val="000000"/>
+                </a:solidFill>
+                <a:uFill>
+                  <a:solidFill>
+                    <a:srgbClr val="FFFFFF"/>
+                  </a:solidFill>
+                </a:uFill>
+                <a:latin typeface="Arial"/>
+              </a:rPr>
+              <a:t>Рост производительности в </a:t>
+            </a:r>
+            <a:r>
+              <a:rPr lang="en-US" sz="1800" b="0" strike="noStrike" spc="-1" dirty="0" smtClean="0">
+                <a:solidFill>
+                  <a:srgbClr val="000000"/>
+                </a:solidFill>
+                <a:uFill>
+                  <a:solidFill>
+                    <a:srgbClr val="FFFFFF"/>
+                  </a:solidFill>
+                </a:uFill>
+                <a:latin typeface="Arial"/>
+              </a:rPr>
+              <a:t>~2</a:t>
+            </a:r>
+            <a:r>
+              <a:rPr lang="ru-RU" sz="1800" b="0" strike="noStrike" spc="-1" dirty="0" smtClean="0">
+                <a:solidFill>
+                  <a:srgbClr val="000000"/>
+                </a:solidFill>
+                <a:uFill>
+                  <a:solidFill>
+                    <a:srgbClr val="FFFFFF"/>
+                  </a:solidFill>
+                </a:uFill>
+                <a:latin typeface="Arial"/>
+              </a:rPr>
+              <a:t> раза;</a:t>
+            </a:r>
+            <a:endParaRPr lang="ru-RU" sz="1800" b="0" strike="noStrike" spc="-1" dirty="0">
+              <a:solidFill>
+                <a:srgbClr val="000000"/>
+              </a:solidFill>
+              <a:uFill>
+                <a:solidFill>
+                  <a:srgbClr val="FFFFFF"/>
+                </a:solidFill>
+              </a:uFill>
+              <a:latin typeface="Arial"/>
+            </a:endParaRPr>
+          </a:p>
+          <a:p>
+            <a:pPr marL="285750" indent="-285750">
+              <a:lnSpc>
+                <a:spcPct val="200000"/>
+              </a:lnSpc>
+              <a:buFont typeface="Arial" panose="020B0604020202020204" pitchFamily="34" charset="0"/>
+              <a:buChar char="•"/>
+            </a:pPr>
+            <a:r>
+              <a:rPr lang="ru-RU" sz="1800" b="0" strike="noStrike" spc="-1" dirty="0" smtClean="0">
+                <a:solidFill>
+                  <a:srgbClr val="000000"/>
+                </a:solidFill>
+                <a:uFill>
+                  <a:solidFill>
+                    <a:srgbClr val="FFFFFF"/>
+                  </a:solidFill>
+                </a:uFill>
+                <a:latin typeface="Arial"/>
+              </a:rPr>
+              <a:t>Увеличена отказоустойчивость сервиса;</a:t>
+            </a:r>
+            <a:endParaRPr lang="ru-RU" sz="1800" b="0" strike="noStrike" spc="-1" dirty="0">
+              <a:solidFill>
+                <a:srgbClr val="000000"/>
+              </a:solidFill>
+              <a:uFill>
+                <a:solidFill>
+                  <a:srgbClr val="FFFFFF"/>
+                </a:solidFill>
+              </a:uFill>
+              <a:latin typeface="Arial"/>
+            </a:endParaRPr>
+          </a:p>
+          <a:p>
+            <a:pPr marL="285750" indent="-285750">
+              <a:lnSpc>
+                <a:spcPct val="200000"/>
+              </a:lnSpc>
+              <a:buFont typeface="Arial" panose="020B0604020202020204" pitchFamily="34" charset="0"/>
+              <a:buChar char="•"/>
+            </a:pPr>
+            <a:r>
+              <a:rPr lang="ru-RU" sz="1800" b="0" strike="noStrike" spc="-1" dirty="0" smtClean="0">
+                <a:solidFill>
+                  <a:srgbClr val="000000"/>
+                </a:solidFill>
+                <a:uFill>
+                  <a:solidFill>
+                    <a:srgbClr val="FFFFFF"/>
+                  </a:solidFill>
+                </a:uFill>
+                <a:latin typeface="Arial"/>
+              </a:rPr>
+              <a:t>Добавлены адекватные мониторинг и </a:t>
+            </a:r>
+            <a:r>
+              <a:rPr lang="ru-RU" sz="1800" b="0" strike="noStrike" spc="-1" dirty="0" err="1" smtClean="0">
+                <a:solidFill>
+                  <a:srgbClr val="000000"/>
+                </a:solidFill>
+                <a:uFill>
+                  <a:solidFill>
+                    <a:srgbClr val="FFFFFF"/>
+                  </a:solidFill>
+                </a:uFill>
+                <a:latin typeface="Arial"/>
+              </a:rPr>
+              <a:t>логирование</a:t>
+            </a:r>
+            <a:r>
+              <a:rPr lang="ru-RU" sz="1800" b="0" strike="noStrike" spc="-1" dirty="0" smtClean="0">
+                <a:solidFill>
+                  <a:srgbClr val="000000"/>
+                </a:solidFill>
+                <a:uFill>
+                  <a:solidFill>
+                    <a:srgbClr val="FFFFFF"/>
+                  </a:solidFill>
+                </a:uFill>
+                <a:latin typeface="Arial"/>
+              </a:rPr>
+              <a:t>.</a:t>
+            </a:r>
+            <a:endParaRPr lang="ru-RU" sz="1800" b="0" strike="noStrike" spc="-1" dirty="0">
+              <a:solidFill>
+                <a:srgbClr val="000000"/>
+              </a:solidFill>
+              <a:uFill>
+                <a:solidFill>
+                  <a:srgbClr val="FFFFFF"/>
+                </a:solidFill>
+              </a:uFill>
+              <a:latin typeface="Arial"/>
+            </a:endParaRPr>
+          </a:p>
+        </p:txBody>
+      </p:sp>
     </p:spTree>
+    <p:extLst>
+      <p:ext uri="{BB962C8B-B14F-4D97-AF65-F5344CB8AC3E}">
+        <p14:creationId xmlns:p14="http://schemas.microsoft.com/office/powerpoint/2010/main" val="1133031471"/>
+      </p:ext>
+    </p:extLst>
   </p:cSld>
   <p:clrMapOvr>
     <a:masterClrMapping/>
@@ -8186,404 +8359,6 @@
 </file>
 
 <file path=ppt/slides/slide30.xml><?xml version="1.0" encoding="utf-8"?>
-<p:sld xmlns:a="http://schemas.openxmlformats.org/drawingml/2006/main" xmlns:r="http://schemas.openxmlformats.org/officeDocument/2006/relationships" xmlns:p="http://schemas.openxmlformats.org/presentationml/2006/main">
-  <p:cSld>
-    <p:spTree>
-      <p:nvGrpSpPr>
-        <p:cNvPr id="1" name=""/>
-        <p:cNvGrpSpPr/>
-        <p:nvPr/>
-      </p:nvGrpSpPr>
-      <p:grpSpPr>
-        <a:xfrm>
-          <a:off x="0" y="0"/>
-          <a:ext cx="0" cy="0"/>
-          <a:chOff x="0" y="0"/>
-          <a:chExt cx="0" cy="0"/>
-        </a:xfrm>
-      </p:grpSpPr>
-      <p:pic>
-        <p:nvPicPr>
-          <p:cNvPr id="72" name="Picture 14"/>
-          <p:cNvPicPr/>
-          <p:nvPr/>
-        </p:nvPicPr>
-        <p:blipFill>
-          <a:blip r:embed="rId2"/>
-          <a:stretch/>
-        </p:blipFill>
-        <p:spPr>
-          <a:xfrm>
-            <a:off x="3643560" y="-2510280"/>
-            <a:ext cx="5968800" cy="5968080"/>
-          </a:xfrm>
-          <a:prstGeom prst="rect">
-            <a:avLst/>
-          </a:prstGeom>
-          <a:ln>
-            <a:noFill/>
-          </a:ln>
-        </p:spPr>
-      </p:pic>
-      <p:pic>
-        <p:nvPicPr>
-          <p:cNvPr id="73" name="Picture 13"/>
-          <p:cNvPicPr/>
-          <p:nvPr/>
-        </p:nvPicPr>
-        <p:blipFill>
-          <a:blip r:embed="rId3"/>
-          <a:stretch/>
-        </p:blipFill>
-        <p:spPr>
-          <a:xfrm>
-            <a:off x="658800" y="896400"/>
-            <a:ext cx="981360" cy="191520"/>
-          </a:xfrm>
-          <a:prstGeom prst="rect">
-            <a:avLst/>
-          </a:prstGeom>
-          <a:ln>
-            <a:noFill/>
-          </a:ln>
-        </p:spPr>
-      </p:pic>
-      <p:sp>
-        <p:nvSpPr>
-          <p:cNvPr id="74" name="CustomShape 1"/>
-          <p:cNvSpPr/>
-          <p:nvPr/>
-        </p:nvSpPr>
-        <p:spPr>
-          <a:xfrm>
-            <a:off x="397800" y="2035080"/>
-            <a:ext cx="5932080" cy="699120"/>
-          </a:xfrm>
-          <a:prstGeom prst="rect">
-            <a:avLst/>
-          </a:prstGeom>
-          <a:noFill/>
-          <a:ln>
-            <a:noFill/>
-          </a:ln>
-        </p:spPr>
-        <p:style>
-          <a:lnRef idx="0">
-            <a:scrgbClr r="0" g="0" b="0"/>
-          </a:lnRef>
-          <a:fillRef idx="0">
-            <a:scrgbClr r="0" g="0" b="0"/>
-          </a:fillRef>
-          <a:effectRef idx="0">
-            <a:scrgbClr r="0" g="0" b="0"/>
-          </a:effectRef>
-          <a:fontRef idx="minor"/>
-        </p:style>
-        <p:txBody>
-          <a:bodyPr wrap="none" lIns="90000" tIns="45000" rIns="90000" bIns="45000"/>
-          <a:lstStyle/>
-          <a:p>
-            <a:pPr>
-              <a:lnSpc>
-                <a:spcPct val="100000"/>
-              </a:lnSpc>
-            </a:pPr>
-            <a:r>
-              <a:rPr lang="ru-RU" sz="4000" b="1" strike="noStrike" spc="-1" dirty="0" smtClean="0">
-                <a:solidFill>
-                  <a:srgbClr val="000000"/>
-                </a:solidFill>
-                <a:uFill>
-                  <a:solidFill>
-                    <a:srgbClr val="FFFFFF"/>
-                  </a:solidFill>
-                </a:uFill>
-                <a:latin typeface="Anglecia Pro Title"/>
-                <a:ea typeface="ＭＳ Ｐゴシック"/>
-              </a:rPr>
-              <a:t>Результат</a:t>
-            </a:r>
-            <a:endParaRPr lang="ru-RU" sz="1800" b="0" strike="noStrike" spc="-1" dirty="0">
-              <a:solidFill>
-                <a:srgbClr val="000000"/>
-              </a:solidFill>
-              <a:uFill>
-                <a:solidFill>
-                  <a:srgbClr val="FFFFFF"/>
-                </a:solidFill>
-              </a:uFill>
-              <a:latin typeface="Arial"/>
-            </a:endParaRPr>
-          </a:p>
-        </p:txBody>
-      </p:sp>
-      <p:sp>
-        <p:nvSpPr>
-          <p:cNvPr id="75" name="CustomShape 2"/>
-          <p:cNvSpPr/>
-          <p:nvPr/>
-        </p:nvSpPr>
-        <p:spPr>
-          <a:xfrm>
-            <a:off x="720000" y="2952000"/>
-            <a:ext cx="3743280" cy="288000"/>
-          </a:xfrm>
-          <a:prstGeom prst="rect">
-            <a:avLst/>
-          </a:prstGeom>
-          <a:noFill/>
-          <a:ln>
-            <a:noFill/>
-          </a:ln>
-        </p:spPr>
-        <p:style>
-          <a:lnRef idx="0">
-            <a:scrgbClr r="0" g="0" b="0"/>
-          </a:lnRef>
-          <a:fillRef idx="0">
-            <a:scrgbClr r="0" g="0" b="0"/>
-          </a:fillRef>
-          <a:effectRef idx="0">
-            <a:scrgbClr r="0" g="0" b="0"/>
-          </a:effectRef>
-          <a:fontRef idx="minor"/>
-        </p:style>
-      </p:sp>
-      <p:sp>
-        <p:nvSpPr>
-          <p:cNvPr id="76" name="CustomShape 3"/>
-          <p:cNvSpPr/>
-          <p:nvPr/>
-        </p:nvSpPr>
-        <p:spPr>
-          <a:xfrm>
-            <a:off x="720000" y="3240359"/>
-            <a:ext cx="10511640" cy="2140023"/>
-          </a:xfrm>
-          <a:prstGeom prst="rect">
-            <a:avLst/>
-          </a:prstGeom>
-          <a:noFill/>
-          <a:ln>
-            <a:noFill/>
-          </a:ln>
-        </p:spPr>
-        <p:style>
-          <a:lnRef idx="0">
-            <a:scrgbClr r="0" g="0" b="0"/>
-          </a:lnRef>
-          <a:fillRef idx="0">
-            <a:scrgbClr r="0" g="0" b="0"/>
-          </a:fillRef>
-          <a:effectRef idx="0">
-            <a:scrgbClr r="0" g="0" b="0"/>
-          </a:effectRef>
-          <a:fontRef idx="minor"/>
-        </p:style>
-        <p:txBody>
-          <a:bodyPr lIns="90000" tIns="45000" rIns="90000" bIns="45000"/>
-          <a:lstStyle/>
-          <a:p>
-            <a:pPr marL="285750" indent="-285750">
-              <a:lnSpc>
-                <a:spcPct val="200000"/>
-              </a:lnSpc>
-              <a:buFont typeface="Arial" panose="020B0604020202020204" pitchFamily="34" charset="0"/>
-              <a:buChar char="•"/>
-            </a:pPr>
-            <a:r>
-              <a:rPr lang="ru-RU" sz="1800" b="0" strike="noStrike" spc="-1" dirty="0" smtClean="0">
-                <a:solidFill>
-                  <a:srgbClr val="000000"/>
-                </a:solidFill>
-                <a:uFill>
-                  <a:solidFill>
-                    <a:srgbClr val="FFFFFF"/>
-                  </a:solidFill>
-                </a:uFill>
-                <a:latin typeface="Arial"/>
-              </a:rPr>
-              <a:t>Рост производительности в </a:t>
-            </a:r>
-            <a:r>
-              <a:rPr lang="en-US" sz="1800" b="0" strike="noStrike" spc="-1" dirty="0" smtClean="0">
-                <a:solidFill>
-                  <a:srgbClr val="000000"/>
-                </a:solidFill>
-                <a:uFill>
-                  <a:solidFill>
-                    <a:srgbClr val="FFFFFF"/>
-                  </a:solidFill>
-                </a:uFill>
-                <a:latin typeface="Arial"/>
-              </a:rPr>
-              <a:t>~2</a:t>
-            </a:r>
-            <a:r>
-              <a:rPr lang="ru-RU" sz="1800" b="0" strike="noStrike" spc="-1" dirty="0" smtClean="0">
-                <a:solidFill>
-                  <a:srgbClr val="000000"/>
-                </a:solidFill>
-                <a:uFill>
-                  <a:solidFill>
-                    <a:srgbClr val="FFFFFF"/>
-                  </a:solidFill>
-                </a:uFill>
-                <a:latin typeface="Arial"/>
-              </a:rPr>
-              <a:t> раза;</a:t>
-            </a:r>
-            <a:endParaRPr lang="ru-RU" sz="1800" b="0" strike="noStrike" spc="-1" dirty="0">
-              <a:solidFill>
-                <a:srgbClr val="000000"/>
-              </a:solidFill>
-              <a:uFill>
-                <a:solidFill>
-                  <a:srgbClr val="FFFFFF"/>
-                </a:solidFill>
-              </a:uFill>
-              <a:latin typeface="Arial"/>
-            </a:endParaRPr>
-          </a:p>
-          <a:p>
-            <a:pPr marL="285750" indent="-285750">
-              <a:lnSpc>
-                <a:spcPct val="200000"/>
-              </a:lnSpc>
-              <a:buFont typeface="Arial" panose="020B0604020202020204" pitchFamily="34" charset="0"/>
-              <a:buChar char="•"/>
-            </a:pPr>
-            <a:r>
-              <a:rPr lang="ru-RU" sz="1800" b="0" strike="noStrike" spc="-1" dirty="0" smtClean="0">
-                <a:solidFill>
-                  <a:srgbClr val="000000"/>
-                </a:solidFill>
-                <a:uFill>
-                  <a:solidFill>
-                    <a:srgbClr val="FFFFFF"/>
-                  </a:solidFill>
-                </a:uFill>
-                <a:latin typeface="Arial"/>
-              </a:rPr>
-              <a:t>Увеличена отказоустойчивость сервиса;</a:t>
-            </a:r>
-            <a:endParaRPr lang="ru-RU" sz="1800" b="0" strike="noStrike" spc="-1" dirty="0">
-              <a:solidFill>
-                <a:srgbClr val="000000"/>
-              </a:solidFill>
-              <a:uFill>
-                <a:solidFill>
-                  <a:srgbClr val="FFFFFF"/>
-                </a:solidFill>
-              </a:uFill>
-              <a:latin typeface="Arial"/>
-            </a:endParaRPr>
-          </a:p>
-          <a:p>
-            <a:pPr marL="285750" indent="-285750">
-              <a:lnSpc>
-                <a:spcPct val="200000"/>
-              </a:lnSpc>
-              <a:buFont typeface="Arial" panose="020B0604020202020204" pitchFamily="34" charset="0"/>
-              <a:buChar char="•"/>
-            </a:pPr>
-            <a:r>
-              <a:rPr lang="ru-RU" sz="1800" b="0" strike="noStrike" spc="-1" dirty="0" smtClean="0">
-                <a:solidFill>
-                  <a:srgbClr val="000000"/>
-                </a:solidFill>
-                <a:uFill>
-                  <a:solidFill>
-                    <a:srgbClr val="FFFFFF"/>
-                  </a:solidFill>
-                </a:uFill>
-                <a:latin typeface="Arial"/>
-              </a:rPr>
-              <a:t>Добавлены адекватные мониторинг и </a:t>
-            </a:r>
-            <a:r>
-              <a:rPr lang="ru-RU" sz="1800" b="0" strike="noStrike" spc="-1" dirty="0" err="1" smtClean="0">
-                <a:solidFill>
-                  <a:srgbClr val="000000"/>
-                </a:solidFill>
-                <a:uFill>
-                  <a:solidFill>
-                    <a:srgbClr val="FFFFFF"/>
-                  </a:solidFill>
-                </a:uFill>
-                <a:latin typeface="Arial"/>
-              </a:rPr>
-              <a:t>логирование</a:t>
-            </a:r>
-            <a:r>
-              <a:rPr lang="ru-RU" sz="1800" b="0" strike="noStrike" spc="-1" dirty="0" smtClean="0">
-                <a:solidFill>
-                  <a:srgbClr val="000000"/>
-                </a:solidFill>
-                <a:uFill>
-                  <a:solidFill>
-                    <a:srgbClr val="FFFFFF"/>
-                  </a:solidFill>
-                </a:uFill>
-                <a:latin typeface="Arial"/>
-              </a:rPr>
-              <a:t>.</a:t>
-            </a:r>
-            <a:endParaRPr lang="ru-RU" sz="1800" b="0" strike="noStrike" spc="-1" dirty="0">
-              <a:solidFill>
-                <a:srgbClr val="000000"/>
-              </a:solidFill>
-              <a:uFill>
-                <a:solidFill>
-                  <a:srgbClr val="FFFFFF"/>
-                </a:solidFill>
-              </a:uFill>
-              <a:latin typeface="Arial"/>
-            </a:endParaRPr>
-          </a:p>
-        </p:txBody>
-      </p:sp>
-    </p:spTree>
-    <p:extLst>
-      <p:ext uri="{BB962C8B-B14F-4D97-AF65-F5344CB8AC3E}">
-        <p14:creationId xmlns:p14="http://schemas.microsoft.com/office/powerpoint/2010/main" val="1133031471"/>
-      </p:ext>
-    </p:extLst>
-  </p:cSld>
-  <p:clrMapOvr>
-    <a:masterClrMapping/>
-  </p:clrMapOvr>
-  <p:timing>
-    <p:tnLst>
-      <p:par>
-        <p:cTn id="1" dur="indefinite" restart="never" nodeType="tmRoot">
-          <p:childTnLst>
-            <p:seq>
-              <p:cTn id="2" nodeType="mainSeq"/>
-              <p:prevCondLst>
-                <p:cond evt="onPrev" delay="0">
-                  <p:tgtEl>
-                    <p:sldTgt/>
-                  </p:tgtEl>
-                </p:cond>
-              </p:prevCondLst>
-              <p:nextCondLst>
-                <p:cond evt="onNext" delay="0">
-                  <p:tgtEl>
-                    <p:sldTgt/>
-                  </p:tgtEl>
-                </p:cond>
-              </p:nextCondLst>
-            </p:seq>
-          </p:childTnLst>
-        </p:cTn>
-      </p:par>
-    </p:tnLst>
-  </p:timing>
-</p:sld>
-</file>
-
-<file path=ppt/slides/slide31.xml><?xml version="1.0" encoding="utf-8"?>
 <p:sld xmlns:a="http://schemas.openxmlformats.org/drawingml/2006/main" xmlns:r="http://schemas.openxmlformats.org/officeDocument/2006/relationships" xmlns:p="http://schemas.openxmlformats.org/presentationml/2006/main">
   <p:cSld>
     <p:spTree>
@@ -10033,21 +9808,7 @@
                 </a:uFill>
                 <a:latin typeface="Arial"/>
               </a:rPr>
-              <a:t>изкая </a:t>
-            </a:r>
-            <a:r>
-              <a:rPr lang="ru-RU" sz="1800" b="0" strike="noStrike" spc="-1" dirty="0" smtClean="0">
-                <a:solidFill>
-                  <a:srgbClr val="000000"/>
-                </a:solidFill>
-                <a:uFill>
-                  <a:solidFill>
-                    <a:srgbClr val="FFFFFF"/>
-                  </a:solidFill>
-                </a:uFill>
-                <a:latin typeface="Arial"/>
-              </a:rPr>
-              <a:t>производительность;</a:t>
+              <a:t>изкая производительность;</a:t>
             </a:r>
           </a:p>
           <a:p>
@@ -10070,21 +9831,7 @@
                 </a:uFill>
                 <a:latin typeface="Arial"/>
               </a:rPr>
-              <a:t>Нет </a:t>
-            </a:r>
-            <a:r>
-              <a:rPr lang="ru-RU" sz="1800" b="0" strike="noStrike" spc="-1" dirty="0" smtClean="0">
-                <a:solidFill>
-                  <a:srgbClr val="000000"/>
-                </a:solidFill>
-                <a:uFill>
-                  <a:solidFill>
-                    <a:srgbClr val="FFFFFF"/>
-                  </a:solidFill>
-                </a:uFill>
-                <a:latin typeface="Arial"/>
-              </a:rPr>
-              <a:t>нормального мониторинга;</a:t>
+              <a:t>Нет нормального мониторинга;</a:t>
             </a:r>
           </a:p>
           <a:p>
@@ -10107,21 +9854,7 @@
                 </a:uFill>
                 <a:latin typeface="Arial"/>
               </a:rPr>
-              <a:t>Нет </a:t>
-            </a:r>
-            <a:r>
-              <a:rPr lang="ru-RU" sz="1800" b="0" strike="noStrike" spc="-1" dirty="0" smtClean="0">
-                <a:solidFill>
-                  <a:srgbClr val="000000"/>
-                </a:solidFill>
-                <a:uFill>
-                  <a:solidFill>
-                    <a:srgbClr val="FFFFFF"/>
-                  </a:solidFill>
-                </a:uFill>
-                <a:latin typeface="Arial"/>
-              </a:rPr>
-              <a:t>нормального </a:t>
+              <a:t>Нет нормального </a:t>
             </a:r>
             <a:r>
               <a:rPr lang="ru-RU" sz="1800" b="0" strike="noStrike" spc="-1" dirty="0" err="1" smtClean="0">

--- a/Презентация.pptx
+++ b/Презентация.pptx
@@ -5,7 +5,7 @@
     <p:sldMasterId id="2147483648" r:id="rId1"/>
   </p:sldMasterIdLst>
   <p:notesMasterIdLst>
-    <p:notesMasterId r:id="rId32"/>
+    <p:notesMasterId r:id="rId33"/>
   </p:notesMasterIdLst>
   <p:sldIdLst>
     <p:sldId id="285" r:id="rId2"/>
@@ -37,7 +37,8 @@
     <p:sldId id="278" r:id="rId28"/>
     <p:sldId id="279" r:id="rId29"/>
     <p:sldId id="289" r:id="rId30"/>
-    <p:sldId id="280" r:id="rId31"/>
+    <p:sldId id="293" r:id="rId31"/>
+    <p:sldId id="280" r:id="rId32"/>
   </p:sldIdLst>
   <p:sldSz cx="12192000" cy="6858000"/>
   <p:notesSz cx="7559675" cy="10691813"/>
@@ -8359,6 +8360,437 @@
 </file>
 
 <file path=ppt/slides/slide30.xml><?xml version="1.0" encoding="utf-8"?>
+<p:sld xmlns:a="http://schemas.openxmlformats.org/drawingml/2006/main" xmlns:r="http://schemas.openxmlformats.org/officeDocument/2006/relationships" xmlns:p="http://schemas.openxmlformats.org/presentationml/2006/main">
+  <p:cSld>
+    <p:spTree>
+      <p:nvGrpSpPr>
+        <p:cNvPr id="1" name=""/>
+        <p:cNvGrpSpPr/>
+        <p:nvPr/>
+      </p:nvGrpSpPr>
+      <p:grpSpPr>
+        <a:xfrm>
+          <a:off x="0" y="0"/>
+          <a:ext cx="0" cy="0"/>
+          <a:chOff x="0" y="0"/>
+          <a:chExt cx="0" cy="0"/>
+        </a:xfrm>
+      </p:grpSpPr>
+      <p:pic>
+        <p:nvPicPr>
+          <p:cNvPr id="72" name="Picture 14"/>
+          <p:cNvPicPr/>
+          <p:nvPr/>
+        </p:nvPicPr>
+        <p:blipFill>
+          <a:blip r:embed="rId2"/>
+          <a:stretch/>
+        </p:blipFill>
+        <p:spPr>
+          <a:xfrm>
+            <a:off x="3643560" y="-2510280"/>
+            <a:ext cx="5968800" cy="5968080"/>
+          </a:xfrm>
+          <a:prstGeom prst="rect">
+            <a:avLst/>
+          </a:prstGeom>
+          <a:ln>
+            <a:noFill/>
+          </a:ln>
+        </p:spPr>
+      </p:pic>
+      <p:pic>
+        <p:nvPicPr>
+          <p:cNvPr id="73" name="Picture 13"/>
+          <p:cNvPicPr/>
+          <p:nvPr/>
+        </p:nvPicPr>
+        <p:blipFill>
+          <a:blip r:embed="rId3"/>
+          <a:stretch/>
+        </p:blipFill>
+        <p:spPr>
+          <a:xfrm>
+            <a:off x="658800" y="896400"/>
+            <a:ext cx="981360" cy="191520"/>
+          </a:xfrm>
+          <a:prstGeom prst="rect">
+            <a:avLst/>
+          </a:prstGeom>
+          <a:ln>
+            <a:noFill/>
+          </a:ln>
+        </p:spPr>
+      </p:pic>
+      <p:sp>
+        <p:nvSpPr>
+          <p:cNvPr id="74" name="CustomShape 1"/>
+          <p:cNvSpPr/>
+          <p:nvPr/>
+        </p:nvSpPr>
+        <p:spPr>
+          <a:xfrm>
+            <a:off x="397800" y="2035080"/>
+            <a:ext cx="5932080" cy="699120"/>
+          </a:xfrm>
+          <a:prstGeom prst="rect">
+            <a:avLst/>
+          </a:prstGeom>
+          <a:noFill/>
+          <a:ln>
+            <a:noFill/>
+          </a:ln>
+        </p:spPr>
+        <p:style>
+          <a:lnRef idx="0">
+            <a:scrgbClr r="0" g="0" b="0"/>
+          </a:lnRef>
+          <a:fillRef idx="0">
+            <a:scrgbClr r="0" g="0" b="0"/>
+          </a:fillRef>
+          <a:effectRef idx="0">
+            <a:scrgbClr r="0" g="0" b="0"/>
+          </a:effectRef>
+          <a:fontRef idx="minor"/>
+        </p:style>
+        <p:txBody>
+          <a:bodyPr wrap="none" lIns="90000" tIns="45000" rIns="90000" bIns="45000"/>
+          <a:lstStyle/>
+          <a:p>
+            <a:pPr>
+              <a:lnSpc>
+                <a:spcPct val="100000"/>
+              </a:lnSpc>
+            </a:pPr>
+            <a:r>
+              <a:rPr lang="ru-RU" sz="4000" b="1" strike="noStrike" spc="-1" dirty="0" smtClean="0">
+                <a:solidFill>
+                  <a:srgbClr val="000000"/>
+                </a:solidFill>
+                <a:uFill>
+                  <a:solidFill>
+                    <a:srgbClr val="FFFFFF"/>
+                  </a:solidFill>
+                </a:uFill>
+                <a:latin typeface="Anglecia Pro Title"/>
+                <a:ea typeface="ＭＳ Ｐゴシック"/>
+              </a:rPr>
+              <a:t>Как же не поседеть?</a:t>
+            </a:r>
+            <a:endParaRPr lang="ru-RU" sz="1800" b="0" strike="noStrike" spc="-1" dirty="0">
+              <a:solidFill>
+                <a:srgbClr val="000000"/>
+              </a:solidFill>
+              <a:uFill>
+                <a:solidFill>
+                  <a:srgbClr val="FFFFFF"/>
+                </a:solidFill>
+              </a:uFill>
+              <a:latin typeface="Arial"/>
+            </a:endParaRPr>
+          </a:p>
+        </p:txBody>
+      </p:sp>
+      <p:sp>
+        <p:nvSpPr>
+          <p:cNvPr id="75" name="CustomShape 2"/>
+          <p:cNvSpPr/>
+          <p:nvPr/>
+        </p:nvSpPr>
+        <p:spPr>
+          <a:xfrm>
+            <a:off x="720000" y="2952000"/>
+            <a:ext cx="3743280" cy="288000"/>
+          </a:xfrm>
+          <a:prstGeom prst="rect">
+            <a:avLst/>
+          </a:prstGeom>
+          <a:noFill/>
+          <a:ln>
+            <a:noFill/>
+          </a:ln>
+        </p:spPr>
+        <p:style>
+          <a:lnRef idx="0">
+            <a:scrgbClr r="0" g="0" b="0"/>
+          </a:lnRef>
+          <a:fillRef idx="0">
+            <a:scrgbClr r="0" g="0" b="0"/>
+          </a:fillRef>
+          <a:effectRef idx="0">
+            <a:scrgbClr r="0" g="0" b="0"/>
+          </a:effectRef>
+          <a:fontRef idx="minor"/>
+        </p:style>
+      </p:sp>
+      <p:sp>
+        <p:nvSpPr>
+          <p:cNvPr id="76" name="CustomShape 3"/>
+          <p:cNvSpPr/>
+          <p:nvPr/>
+        </p:nvSpPr>
+        <p:spPr>
+          <a:xfrm>
+            <a:off x="720000" y="3240359"/>
+            <a:ext cx="10511640" cy="2140023"/>
+          </a:xfrm>
+          <a:prstGeom prst="rect">
+            <a:avLst/>
+          </a:prstGeom>
+          <a:noFill/>
+          <a:ln>
+            <a:noFill/>
+          </a:ln>
+        </p:spPr>
+        <p:style>
+          <a:lnRef idx="0">
+            <a:scrgbClr r="0" g="0" b="0"/>
+          </a:lnRef>
+          <a:fillRef idx="0">
+            <a:scrgbClr r="0" g="0" b="0"/>
+          </a:fillRef>
+          <a:effectRef idx="0">
+            <a:scrgbClr r="0" g="0" b="0"/>
+          </a:effectRef>
+          <a:fontRef idx="minor"/>
+        </p:style>
+        <p:txBody>
+          <a:bodyPr lIns="90000" tIns="45000" rIns="90000" bIns="45000"/>
+          <a:lstStyle/>
+          <a:p>
+            <a:pPr marL="285750" indent="-285750">
+              <a:lnSpc>
+                <a:spcPct val="200000"/>
+              </a:lnSpc>
+              <a:buFont typeface="Arial" panose="020B0604020202020204" pitchFamily="34" charset="0"/>
+              <a:buChar char="•"/>
+            </a:pPr>
+            <a:r>
+              <a:rPr lang="ru-RU" sz="1800" b="0" strike="noStrike" spc="-1" dirty="0" smtClean="0">
+                <a:solidFill>
+                  <a:srgbClr val="000000"/>
+                </a:solidFill>
+                <a:uFill>
+                  <a:solidFill>
+                    <a:srgbClr val="FFFFFF"/>
+                  </a:solidFill>
+                </a:uFill>
+                <a:latin typeface="Arial"/>
+              </a:rPr>
+              <a:t>Выработать план </a:t>
+            </a:r>
+            <a:r>
+              <a:rPr lang="ru-RU" sz="1800" b="0" strike="noStrike" spc="-1" dirty="0" err="1" smtClean="0">
+                <a:solidFill>
+                  <a:srgbClr val="000000"/>
+                </a:solidFill>
+                <a:uFill>
+                  <a:solidFill>
+                    <a:srgbClr val="FFFFFF"/>
+                  </a:solidFill>
+                </a:uFill>
+                <a:latin typeface="Arial"/>
+              </a:rPr>
+              <a:t>рефакторинга</a:t>
+            </a:r>
+            <a:r>
+              <a:rPr lang="ru-RU" sz="1800" b="0" strike="noStrike" spc="-1" dirty="0" smtClean="0">
+                <a:solidFill>
+                  <a:srgbClr val="000000"/>
+                </a:solidFill>
+                <a:uFill>
+                  <a:solidFill>
+                    <a:srgbClr val="FFFFFF"/>
+                  </a:solidFill>
+                </a:uFill>
+                <a:latin typeface="Arial"/>
+              </a:rPr>
+              <a:t>;</a:t>
+            </a:r>
+          </a:p>
+          <a:p>
+            <a:pPr marL="285750" indent="-285750">
+              <a:lnSpc>
+                <a:spcPct val="200000"/>
+              </a:lnSpc>
+              <a:buFont typeface="Arial" panose="020B0604020202020204" pitchFamily="34" charset="0"/>
+              <a:buChar char="•"/>
+            </a:pPr>
+            <a:r>
+              <a:rPr lang="ru-RU" spc="-1" dirty="0">
+                <a:solidFill>
+                  <a:srgbClr val="000000"/>
+                </a:solidFill>
+                <a:uFill>
+                  <a:solidFill>
+                    <a:srgbClr val="FFFFFF"/>
+                  </a:solidFill>
+                </a:uFill>
+              </a:rPr>
+              <a:t>Делать </a:t>
+            </a:r>
+            <a:r>
+              <a:rPr lang="ru-RU" spc="-1" dirty="0" err="1">
+                <a:solidFill>
+                  <a:srgbClr val="000000"/>
+                </a:solidFill>
+                <a:uFill>
+                  <a:solidFill>
+                    <a:srgbClr val="FFFFFF"/>
+                  </a:solidFill>
+                </a:uFill>
+              </a:rPr>
+              <a:t>рефакторинг</a:t>
+            </a:r>
+            <a:r>
+              <a:rPr lang="ru-RU" spc="-1" dirty="0">
+                <a:solidFill>
+                  <a:srgbClr val="000000"/>
+                </a:solidFill>
+                <a:uFill>
+                  <a:solidFill>
+                    <a:srgbClr val="FFFFFF"/>
+                  </a:solidFill>
+                </a:uFill>
+              </a:rPr>
+              <a:t> </a:t>
+            </a:r>
+            <a:r>
+              <a:rPr lang="ru-RU" spc="-1" dirty="0" smtClean="0">
+                <a:solidFill>
+                  <a:srgbClr val="000000"/>
+                </a:solidFill>
+                <a:uFill>
+                  <a:solidFill>
+                    <a:srgbClr val="FFFFFF"/>
+                  </a:solidFill>
+                </a:uFill>
+              </a:rPr>
+              <a:t>частями;</a:t>
+            </a:r>
+            <a:endParaRPr lang="ru-RU" sz="1800" b="0" strike="noStrike" spc="-1" dirty="0">
+              <a:solidFill>
+                <a:srgbClr val="000000"/>
+              </a:solidFill>
+              <a:uFill>
+                <a:solidFill>
+                  <a:srgbClr val="FFFFFF"/>
+                </a:solidFill>
+              </a:uFill>
+              <a:latin typeface="Arial"/>
+            </a:endParaRPr>
+          </a:p>
+          <a:p>
+            <a:pPr marL="285750" indent="-285750">
+              <a:lnSpc>
+                <a:spcPct val="200000"/>
+              </a:lnSpc>
+              <a:buFont typeface="Arial" panose="020B0604020202020204" pitchFamily="34" charset="0"/>
+              <a:buChar char="•"/>
+            </a:pPr>
+            <a:r>
+              <a:rPr lang="ru-RU" sz="1800" b="0" strike="noStrike" spc="-1" dirty="0" smtClean="0">
+                <a:solidFill>
+                  <a:srgbClr val="000000"/>
+                </a:solidFill>
+                <a:uFill>
+                  <a:solidFill>
+                    <a:srgbClr val="FFFFFF"/>
+                  </a:solidFill>
+                </a:uFill>
+                <a:latin typeface="Arial"/>
+              </a:rPr>
+              <a:t>Всеобъемлющее тестирование результата;</a:t>
+            </a:r>
+            <a:endParaRPr lang="ru-RU" sz="1800" b="0" strike="noStrike" spc="-1" dirty="0">
+              <a:solidFill>
+                <a:srgbClr val="000000"/>
+              </a:solidFill>
+              <a:uFill>
+                <a:solidFill>
+                  <a:srgbClr val="FFFFFF"/>
+                </a:solidFill>
+              </a:uFill>
+              <a:latin typeface="Arial"/>
+            </a:endParaRPr>
+          </a:p>
+          <a:p>
+            <a:pPr marL="285750" indent="-285750">
+              <a:lnSpc>
+                <a:spcPct val="200000"/>
+              </a:lnSpc>
+              <a:buFont typeface="Arial" panose="020B0604020202020204" pitchFamily="34" charset="0"/>
+              <a:buChar char="•"/>
+            </a:pPr>
+            <a:r>
+              <a:rPr lang="ru-RU" sz="1800" b="0" strike="noStrike" spc="-1" dirty="0" smtClean="0">
+                <a:solidFill>
+                  <a:srgbClr val="000000"/>
+                </a:solidFill>
+                <a:uFill>
+                  <a:solidFill>
+                    <a:srgbClr val="FFFFFF"/>
+                  </a:solidFill>
+                </a:uFill>
+                <a:latin typeface="Arial"/>
+              </a:rPr>
+              <a:t>Держать руку на пульсе происходящего процесса.</a:t>
+            </a:r>
+            <a:endParaRPr lang="ru-RU" sz="1800" b="0" strike="noStrike" spc="-1" dirty="0">
+              <a:solidFill>
+                <a:srgbClr val="000000"/>
+              </a:solidFill>
+              <a:uFill>
+                <a:solidFill>
+                  <a:srgbClr val="FFFFFF"/>
+                </a:solidFill>
+              </a:uFill>
+              <a:latin typeface="Arial"/>
+            </a:endParaRPr>
+          </a:p>
+        </p:txBody>
+      </p:sp>
+    </p:spTree>
+    <p:extLst>
+      <p:ext uri="{BB962C8B-B14F-4D97-AF65-F5344CB8AC3E}">
+        <p14:creationId xmlns:p14="http://schemas.microsoft.com/office/powerpoint/2010/main" val="1333677730"/>
+      </p:ext>
+    </p:extLst>
+  </p:cSld>
+  <p:clrMapOvr>
+    <a:masterClrMapping/>
+  </p:clrMapOvr>
+  <p:timing>
+    <p:tnLst>
+      <p:par>
+        <p:cTn id="1" dur="indefinite" restart="never" nodeType="tmRoot">
+          <p:childTnLst>
+            <p:seq>
+              <p:cTn id="2" nodeType="mainSeq"/>
+              <p:prevCondLst>
+                <p:cond evt="onPrev" delay="0">
+                  <p:tgtEl>
+                    <p:sldTgt/>
+                  </p:tgtEl>
+                </p:cond>
+              </p:prevCondLst>
+              <p:nextCondLst>
+                <p:cond evt="onNext" delay="0">
+                  <p:tgtEl>
+                    <p:sldTgt/>
+                  </p:tgtEl>
+                </p:cond>
+              </p:nextCondLst>
+            </p:seq>
+          </p:childTnLst>
+        </p:cTn>
+      </p:par>
+    </p:tnLst>
+  </p:timing>
+</p:sld>
+</file>
+
+<file path=ppt/slides/slide31.xml><?xml version="1.0" encoding="utf-8"?>
 <p:sld xmlns:a="http://schemas.openxmlformats.org/drawingml/2006/main" xmlns:r="http://schemas.openxmlformats.org/officeDocument/2006/relationships" xmlns:p="http://schemas.openxmlformats.org/presentationml/2006/main">
   <p:cSld>
     <p:spTree>
